--- a/main_matlab_figures/New Microsoft PowerPoint Presentation (2).pptx
+++ b/main_matlab_figures/New Microsoft PowerPoint Presentation (2).pptx
@@ -6,6 +6,8 @@
   </p:sldMasterIdLst>
   <p:sldIdLst>
     <p:sldId id="258" r:id="rId2"/>
+    <p:sldId id="259" r:id="rId3"/>
+    <p:sldId id="260" r:id="rId4"/>
   </p:sldIdLst>
   <p:sldSz cx="12192000" cy="6858000"/>
   <p:notesSz cx="6858000" cy="9144000"/>
@@ -259,7 +261,7 @@
           <a:p>
             <a:fld id="{8784D0BC-BF7D-4947-B22E-77C205CE6F9F}" type="datetimeFigureOut">
               <a:rPr lang="en-US" smtClean="0"/>
-              <a:t>12/15/2021</a:t>
+              <a:t>2/1/2022</a:t>
             </a:fld>
             <a:endParaRPr lang="en-US"/>
           </a:p>
@@ -457,7 +459,7 @@
           <a:p>
             <a:fld id="{8784D0BC-BF7D-4947-B22E-77C205CE6F9F}" type="datetimeFigureOut">
               <a:rPr lang="en-US" smtClean="0"/>
-              <a:t>12/15/2021</a:t>
+              <a:t>2/1/2022</a:t>
             </a:fld>
             <a:endParaRPr lang="en-US"/>
           </a:p>
@@ -665,7 +667,7 @@
           <a:p>
             <a:fld id="{8784D0BC-BF7D-4947-B22E-77C205CE6F9F}" type="datetimeFigureOut">
               <a:rPr lang="en-US" smtClean="0"/>
-              <a:t>12/15/2021</a:t>
+              <a:t>2/1/2022</a:t>
             </a:fld>
             <a:endParaRPr lang="en-US"/>
           </a:p>
@@ -863,7 +865,7 @@
           <a:p>
             <a:fld id="{8784D0BC-BF7D-4947-B22E-77C205CE6F9F}" type="datetimeFigureOut">
               <a:rPr lang="en-US" smtClean="0"/>
-              <a:t>12/15/2021</a:t>
+              <a:t>2/1/2022</a:t>
             </a:fld>
             <a:endParaRPr lang="en-US"/>
           </a:p>
@@ -1138,7 +1140,7 @@
           <a:p>
             <a:fld id="{8784D0BC-BF7D-4947-B22E-77C205CE6F9F}" type="datetimeFigureOut">
               <a:rPr lang="en-US" smtClean="0"/>
-              <a:t>12/15/2021</a:t>
+              <a:t>2/1/2022</a:t>
             </a:fld>
             <a:endParaRPr lang="en-US"/>
           </a:p>
@@ -1403,7 +1405,7 @@
           <a:p>
             <a:fld id="{8784D0BC-BF7D-4947-B22E-77C205CE6F9F}" type="datetimeFigureOut">
               <a:rPr lang="en-US" smtClean="0"/>
-              <a:t>12/15/2021</a:t>
+              <a:t>2/1/2022</a:t>
             </a:fld>
             <a:endParaRPr lang="en-US"/>
           </a:p>
@@ -1815,7 +1817,7 @@
           <a:p>
             <a:fld id="{8784D0BC-BF7D-4947-B22E-77C205CE6F9F}" type="datetimeFigureOut">
               <a:rPr lang="en-US" smtClean="0"/>
-              <a:t>12/15/2021</a:t>
+              <a:t>2/1/2022</a:t>
             </a:fld>
             <a:endParaRPr lang="en-US"/>
           </a:p>
@@ -1956,7 +1958,7 @@
           <a:p>
             <a:fld id="{8784D0BC-BF7D-4947-B22E-77C205CE6F9F}" type="datetimeFigureOut">
               <a:rPr lang="en-US" smtClean="0"/>
-              <a:t>12/15/2021</a:t>
+              <a:t>2/1/2022</a:t>
             </a:fld>
             <a:endParaRPr lang="en-US"/>
           </a:p>
@@ -2069,7 +2071,7 @@
           <a:p>
             <a:fld id="{8784D0BC-BF7D-4947-B22E-77C205CE6F9F}" type="datetimeFigureOut">
               <a:rPr lang="en-US" smtClean="0"/>
-              <a:t>12/15/2021</a:t>
+              <a:t>2/1/2022</a:t>
             </a:fld>
             <a:endParaRPr lang="en-US"/>
           </a:p>
@@ -2380,7 +2382,7 @@
           <a:p>
             <a:fld id="{8784D0BC-BF7D-4947-B22E-77C205CE6F9F}" type="datetimeFigureOut">
               <a:rPr lang="en-US" smtClean="0"/>
-              <a:t>12/15/2021</a:t>
+              <a:t>2/1/2022</a:t>
             </a:fld>
             <a:endParaRPr lang="en-US"/>
           </a:p>
@@ -2668,7 +2670,7 @@
           <a:p>
             <a:fld id="{8784D0BC-BF7D-4947-B22E-77C205CE6F9F}" type="datetimeFigureOut">
               <a:rPr lang="en-US" smtClean="0"/>
-              <a:t>12/15/2021</a:t>
+              <a:t>2/1/2022</a:t>
             </a:fld>
             <a:endParaRPr lang="en-US"/>
           </a:p>
@@ -2909,7 +2911,7 @@
           <a:p>
             <a:fld id="{8784D0BC-BF7D-4947-B22E-77C205CE6F9F}" type="datetimeFigureOut">
               <a:rPr lang="en-US" smtClean="0"/>
-              <a:t>12/15/2021</a:t>
+              <a:t>2/1/2022</a:t>
             </a:fld>
             <a:endParaRPr lang="en-US"/>
           </a:p>
@@ -3510,8 +3512,8 @@
           </a:p>
         </p:txBody>
       </p:sp>
-      <mc:AlternateContent xmlns:mc="http://schemas.openxmlformats.org/markup-compatibility/2006">
-        <mc:Choice xmlns:a14="http://schemas.microsoft.com/office/drawing/2010/main" Requires="a14">
+      <mc:AlternateContent xmlns:mc="http://schemas.openxmlformats.org/markup-compatibility/2006" xmlns:a14="http://schemas.microsoft.com/office/drawing/2010/main">
+        <mc:Choice Requires="a14">
           <p:sp>
             <p:nvSpPr>
               <p:cNvPr id="8" name="Rectangle: Rounded Corners 7">
@@ -3804,7 +3806,7 @@
             </p:txBody>
           </p:sp>
         </mc:Choice>
-        <mc:Fallback>
+        <mc:Fallback xmlns="">
           <p:sp>
             <p:nvSpPr>
               <p:cNvPr id="8" name="Rectangle: Rounded Corners 7">
@@ -3854,8 +3856,8 @@
           </p:sp>
         </mc:Fallback>
       </mc:AlternateContent>
-      <mc:AlternateContent xmlns:mc="http://schemas.openxmlformats.org/markup-compatibility/2006">
-        <mc:Choice xmlns:a14="http://schemas.microsoft.com/office/drawing/2010/main" Requires="a14">
+      <mc:AlternateContent xmlns:mc="http://schemas.openxmlformats.org/markup-compatibility/2006" xmlns:a14="http://schemas.microsoft.com/office/drawing/2010/main">
+        <mc:Choice Requires="a14">
           <p:sp>
             <p:nvSpPr>
               <p:cNvPr id="12" name="Rectangle: Rounded Corners 11">
@@ -4209,7 +4211,7 @@
             </p:txBody>
           </p:sp>
         </mc:Choice>
-        <mc:Fallback>
+        <mc:Fallback xmlns="">
           <p:sp>
             <p:nvSpPr>
               <p:cNvPr id="12" name="Rectangle: Rounded Corners 11">
@@ -4406,8 +4408,8 @@
           </a:p>
         </p:txBody>
       </p:sp>
-      <mc:AlternateContent xmlns:mc="http://schemas.openxmlformats.org/markup-compatibility/2006">
-        <mc:Choice xmlns:a14="http://schemas.microsoft.com/office/drawing/2010/main" Requires="a14">
+      <mc:AlternateContent xmlns:mc="http://schemas.openxmlformats.org/markup-compatibility/2006" xmlns:a14="http://schemas.microsoft.com/office/drawing/2010/main">
+        <mc:Choice Requires="a14">
           <p:sp>
             <p:nvSpPr>
               <p:cNvPr id="16" name="Rectangle: Rounded Corners 15">
@@ -4899,7 +4901,7 @@
             </p:txBody>
           </p:sp>
         </mc:Choice>
-        <mc:Fallback>
+        <mc:Fallback xmlns="">
           <p:sp>
             <p:nvSpPr>
               <p:cNvPr id="16" name="Rectangle: Rounded Corners 15">
@@ -4949,8 +4951,8 @@
           </p:sp>
         </mc:Fallback>
       </mc:AlternateContent>
-      <mc:AlternateContent xmlns:mc="http://schemas.openxmlformats.org/markup-compatibility/2006">
-        <mc:Choice xmlns:a14="http://schemas.microsoft.com/office/drawing/2010/main" Requires="a14">
+      <mc:AlternateContent xmlns:mc="http://schemas.openxmlformats.org/markup-compatibility/2006" xmlns:a14="http://schemas.microsoft.com/office/drawing/2010/main">
+        <mc:Choice Requires="a14">
           <p:sp>
             <p:nvSpPr>
               <p:cNvPr id="17" name="Rectangle: Rounded Corners 16">
@@ -5347,7 +5349,7 @@
             </p:txBody>
           </p:sp>
         </mc:Choice>
-        <mc:Fallback>
+        <mc:Fallback xmlns="">
           <p:sp>
             <p:nvSpPr>
               <p:cNvPr id="17" name="Rectangle: Rounded Corners 16">
@@ -5397,8 +5399,8 @@
           </p:sp>
         </mc:Fallback>
       </mc:AlternateContent>
-      <mc:AlternateContent xmlns:mc="http://schemas.openxmlformats.org/markup-compatibility/2006">
-        <mc:Choice xmlns:a14="http://schemas.microsoft.com/office/drawing/2010/main" Requires="a14">
+      <mc:AlternateContent xmlns:mc="http://schemas.openxmlformats.org/markup-compatibility/2006" xmlns:a14="http://schemas.microsoft.com/office/drawing/2010/main">
+        <mc:Choice Requires="a14">
           <p:sp>
             <p:nvSpPr>
               <p:cNvPr id="18" name="Rectangle: Rounded Corners 17">
@@ -5520,7 +5522,7 @@
             </p:txBody>
           </p:sp>
         </mc:Choice>
-        <mc:Fallback>
+        <mc:Fallback xmlns="">
           <p:sp>
             <p:nvSpPr>
               <p:cNvPr id="18" name="Rectangle: Rounded Corners 17">
@@ -5613,8 +5615,8 @@
           </a:p>
         </p:txBody>
       </p:sp>
-      <mc:AlternateContent xmlns:mc="http://schemas.openxmlformats.org/markup-compatibility/2006">
-        <mc:Choice xmlns:a14="http://schemas.microsoft.com/office/drawing/2010/main" Requires="a14">
+      <mc:AlternateContent xmlns:mc="http://schemas.openxmlformats.org/markup-compatibility/2006" xmlns:a14="http://schemas.microsoft.com/office/drawing/2010/main">
+        <mc:Choice Requires="a14">
           <p:sp>
             <p:nvSpPr>
               <p:cNvPr id="20" name="Rectangle: Rounded Corners 19">
@@ -6070,7 +6072,7 @@
             </p:txBody>
           </p:sp>
         </mc:Choice>
-        <mc:Fallback>
+        <mc:Fallback xmlns="">
           <p:sp>
             <p:nvSpPr>
               <p:cNvPr id="20" name="Rectangle: Rounded Corners 19">
@@ -6120,8 +6122,8 @@
           </p:sp>
         </mc:Fallback>
       </mc:AlternateContent>
-      <mc:AlternateContent xmlns:mc="http://schemas.openxmlformats.org/markup-compatibility/2006">
-        <mc:Choice xmlns:a14="http://schemas.microsoft.com/office/drawing/2010/main" Requires="a14">
+      <mc:AlternateContent xmlns:mc="http://schemas.openxmlformats.org/markup-compatibility/2006" xmlns:a14="http://schemas.microsoft.com/office/drawing/2010/main">
+        <mc:Choice Requires="a14">
           <p:sp>
             <p:nvSpPr>
               <p:cNvPr id="23" name="Rectangle: Rounded Corners 22">
@@ -6715,7 +6717,7 @@
             </p:txBody>
           </p:sp>
         </mc:Choice>
-        <mc:Fallback>
+        <mc:Fallback xmlns="">
           <p:sp>
             <p:nvSpPr>
               <p:cNvPr id="23" name="Rectangle: Rounded Corners 22">
@@ -8266,8 +8268,8 @@
           </a:fontRef>
         </p:style>
       </p:cxnSp>
-      <mc:AlternateContent xmlns:mc="http://schemas.openxmlformats.org/markup-compatibility/2006">
-        <mc:Choice xmlns:a14="http://schemas.microsoft.com/office/drawing/2010/main" Requires="a14">
+      <mc:AlternateContent xmlns:mc="http://schemas.openxmlformats.org/markup-compatibility/2006" xmlns:a14="http://schemas.microsoft.com/office/drawing/2010/main">
+        <mc:Choice Requires="a14">
           <p:sp>
             <p:nvSpPr>
               <p:cNvPr id="203" name="Rectangle: Rounded Corners 202">
@@ -8389,7 +8391,7 @@
             </p:txBody>
           </p:sp>
         </mc:Choice>
-        <mc:Fallback>
+        <mc:Fallback xmlns="">
           <p:sp>
             <p:nvSpPr>
               <p:cNvPr id="203" name="Rectangle: Rounded Corners 202">
@@ -8439,8 +8441,8 @@
           </p:sp>
         </mc:Fallback>
       </mc:AlternateContent>
-      <mc:AlternateContent xmlns:mc="http://schemas.openxmlformats.org/markup-compatibility/2006">
-        <mc:Choice xmlns:a14="http://schemas.microsoft.com/office/drawing/2010/main" Requires="a14">
+      <mc:AlternateContent xmlns:mc="http://schemas.openxmlformats.org/markup-compatibility/2006" xmlns:a14="http://schemas.microsoft.com/office/drawing/2010/main">
+        <mc:Choice Requires="a14">
           <p:sp>
             <p:nvSpPr>
               <p:cNvPr id="204" name="Rectangle: Rounded Corners 203">
@@ -8562,7 +8564,7 @@
             </p:txBody>
           </p:sp>
         </mc:Choice>
-        <mc:Fallback>
+        <mc:Fallback xmlns="">
           <p:sp>
             <p:nvSpPr>
               <p:cNvPr id="204" name="Rectangle: Rounded Corners 203">
@@ -8612,8 +8614,8 @@
           </p:sp>
         </mc:Fallback>
       </mc:AlternateContent>
-      <mc:AlternateContent xmlns:mc="http://schemas.openxmlformats.org/markup-compatibility/2006">
-        <mc:Choice xmlns:a14="http://schemas.microsoft.com/office/drawing/2010/main" Requires="a14">
+      <mc:AlternateContent xmlns:mc="http://schemas.openxmlformats.org/markup-compatibility/2006" xmlns:a14="http://schemas.microsoft.com/office/drawing/2010/main">
+        <mc:Choice Requires="a14">
           <p:sp>
             <p:nvSpPr>
               <p:cNvPr id="205" name="Rectangle: Rounded Corners 204">
@@ -8735,7 +8737,7 @@
             </p:txBody>
           </p:sp>
         </mc:Choice>
-        <mc:Fallback>
+        <mc:Fallback xmlns="">
           <p:sp>
             <p:nvSpPr>
               <p:cNvPr id="205" name="Rectangle: Rounded Corners 204">
@@ -9165,6 +9167,9153 @@
     <p:extLst>
       <p:ext uri="{BB962C8B-B14F-4D97-AF65-F5344CB8AC3E}">
         <p14:creationId xmlns:p14="http://schemas.microsoft.com/office/powerpoint/2010/main" val="283252554"/>
+      </p:ext>
+    </p:extLst>
+  </p:cSld>
+  <p:clrMapOvr>
+    <a:masterClrMapping/>
+  </p:clrMapOvr>
+</p:sld>
+</file>
+
+<file path=ppt/slides/slide2.xml><?xml version="1.0" encoding="utf-8"?>
+<p:sld xmlns:a="http://schemas.openxmlformats.org/drawingml/2006/main" xmlns:r="http://schemas.openxmlformats.org/officeDocument/2006/relationships" xmlns:p="http://schemas.openxmlformats.org/presentationml/2006/main">
+  <p:cSld>
+    <p:spTree>
+      <p:nvGrpSpPr>
+        <p:cNvPr id="1" name=""/>
+        <p:cNvGrpSpPr/>
+        <p:nvPr/>
+      </p:nvGrpSpPr>
+      <p:grpSpPr>
+        <a:xfrm>
+          <a:off x="0" y="0"/>
+          <a:ext cx="0" cy="0"/>
+          <a:chOff x="0" y="0"/>
+          <a:chExt cx="0" cy="0"/>
+        </a:xfrm>
+      </p:grpSpPr>
+      <p:sp>
+        <p:nvSpPr>
+          <p:cNvPr id="3" name="Rectangle: Rounded Corners 2">
+            <a:extLst>
+              <a:ext uri="{FF2B5EF4-FFF2-40B4-BE49-F238E27FC236}">
+                <a16:creationId xmlns:a16="http://schemas.microsoft.com/office/drawing/2014/main" id="{DA158956-B480-416E-ACB1-B2F8532249B0}"/>
+              </a:ext>
+            </a:extLst>
+          </p:cNvPr>
+          <p:cNvSpPr/>
+          <p:nvPr/>
+        </p:nvSpPr>
+        <p:spPr>
+          <a:xfrm>
+            <a:off x="2097117" y="509560"/>
+            <a:ext cx="1138338" cy="791851"/>
+          </a:xfrm>
+          <a:prstGeom prst="roundRect">
+            <a:avLst/>
+          </a:prstGeom>
+          <a:noFill/>
+          <a:ln w="25400">
+            <a:solidFill>
+              <a:schemeClr val="tx1"/>
+            </a:solidFill>
+          </a:ln>
+        </p:spPr>
+        <p:style>
+          <a:lnRef idx="2">
+            <a:schemeClr val="accent1">
+              <a:shade val="50000"/>
+            </a:schemeClr>
+          </a:lnRef>
+          <a:fillRef idx="1">
+            <a:schemeClr val="accent1"/>
+          </a:fillRef>
+          <a:effectRef idx="0">
+            <a:schemeClr val="accent1"/>
+          </a:effectRef>
+          <a:fontRef idx="minor">
+            <a:schemeClr val="lt1"/>
+          </a:fontRef>
+        </p:style>
+        <p:txBody>
+          <a:bodyPr rtlCol="0" anchor="ctr"/>
+          <a:lstStyle/>
+          <a:p>
+            <a:pPr algn="ctr"/>
+            <a:r>
+              <a:rPr lang="en-US" altLang="zh-CN" dirty="0">
+                <a:solidFill>
+                  <a:schemeClr val="tx1"/>
+                </a:solidFill>
+              </a:rPr>
+              <a:t>Buffer</a:t>
+            </a:r>
+            <a:endParaRPr lang="en-US" dirty="0">
+              <a:solidFill>
+                <a:schemeClr val="tx1"/>
+              </a:solidFill>
+            </a:endParaRPr>
+          </a:p>
+        </p:txBody>
+      </p:sp>
+      <p:cxnSp>
+        <p:nvCxnSpPr>
+          <p:cNvPr id="4" name="Straight Arrow Connector 3">
+            <a:extLst>
+              <a:ext uri="{FF2B5EF4-FFF2-40B4-BE49-F238E27FC236}">
+                <a16:creationId xmlns:a16="http://schemas.microsoft.com/office/drawing/2014/main" id="{56242CCC-7C2D-4610-A58D-234CCB1DA1E2}"/>
+              </a:ext>
+            </a:extLst>
+          </p:cNvPr>
+          <p:cNvCxnSpPr>
+            <a:cxnSpLocks/>
+            <a:endCxn id="3" idx="1"/>
+          </p:cNvCxnSpPr>
+          <p:nvPr/>
+        </p:nvCxnSpPr>
+        <p:spPr>
+          <a:xfrm>
+            <a:off x="1752877" y="905486"/>
+            <a:ext cx="344240" cy="0"/>
+          </a:xfrm>
+          <a:prstGeom prst="straightConnector1">
+            <a:avLst/>
+          </a:prstGeom>
+          <a:ln w="15875">
+            <a:solidFill>
+              <a:schemeClr val="tx1"/>
+            </a:solidFill>
+            <a:tailEnd type="triangle"/>
+          </a:ln>
+        </p:spPr>
+        <p:style>
+          <a:lnRef idx="1">
+            <a:schemeClr val="accent1"/>
+          </a:lnRef>
+          <a:fillRef idx="0">
+            <a:schemeClr val="accent1"/>
+          </a:fillRef>
+          <a:effectRef idx="0">
+            <a:schemeClr val="accent1"/>
+          </a:effectRef>
+          <a:fontRef idx="minor">
+            <a:schemeClr val="tx1"/>
+          </a:fontRef>
+        </p:style>
+      </p:cxnSp>
+      <p:sp>
+        <p:nvSpPr>
+          <p:cNvPr id="5" name="Rectangle: Rounded Corners 4">
+            <a:extLst>
+              <a:ext uri="{FF2B5EF4-FFF2-40B4-BE49-F238E27FC236}">
+                <a16:creationId xmlns:a16="http://schemas.microsoft.com/office/drawing/2014/main" id="{3A21C19E-3AE8-4E3D-99EF-7216F8B67C7B}"/>
+              </a:ext>
+            </a:extLst>
+          </p:cNvPr>
+          <p:cNvSpPr/>
+          <p:nvPr/>
+        </p:nvSpPr>
+        <p:spPr>
+          <a:xfrm>
+            <a:off x="3579695" y="505720"/>
+            <a:ext cx="2578560" cy="791851"/>
+          </a:xfrm>
+          <a:prstGeom prst="roundRect">
+            <a:avLst/>
+          </a:prstGeom>
+          <a:noFill/>
+          <a:ln w="25400">
+            <a:solidFill>
+              <a:schemeClr val="tx1"/>
+            </a:solidFill>
+          </a:ln>
+        </p:spPr>
+        <p:style>
+          <a:lnRef idx="2">
+            <a:schemeClr val="accent1">
+              <a:shade val="50000"/>
+            </a:schemeClr>
+          </a:lnRef>
+          <a:fillRef idx="1">
+            <a:schemeClr val="accent1"/>
+          </a:fillRef>
+          <a:effectRef idx="0">
+            <a:schemeClr val="accent1"/>
+          </a:effectRef>
+          <a:fontRef idx="minor">
+            <a:schemeClr val="lt1"/>
+          </a:fontRef>
+        </p:style>
+        <p:txBody>
+          <a:bodyPr rtlCol="0" anchor="ctr"/>
+          <a:lstStyle/>
+          <a:p>
+            <a:pPr algn="ctr"/>
+            <a:endParaRPr lang="en-US" i="1" dirty="0">
+              <a:solidFill>
+                <a:schemeClr val="tx1"/>
+              </a:solidFill>
+            </a:endParaRPr>
+          </a:p>
+        </p:txBody>
+      </p:sp>
+      <mc:AlternateContent xmlns:mc="http://schemas.openxmlformats.org/markup-compatibility/2006" xmlns:a14="http://schemas.microsoft.com/office/drawing/2010/main">
+        <mc:Choice Requires="a14">
+          <p:sp>
+            <p:nvSpPr>
+              <p:cNvPr id="10" name="Rectangle: Rounded Corners 9">
+                <a:extLst>
+                  <a:ext uri="{FF2B5EF4-FFF2-40B4-BE49-F238E27FC236}">
+                    <a16:creationId xmlns:a16="http://schemas.microsoft.com/office/drawing/2014/main" id="{30BCAB06-8B10-4B4D-ABA4-BE2368E068B5}"/>
+                  </a:ext>
+                </a:extLst>
+              </p:cNvPr>
+              <p:cNvSpPr/>
+              <p:nvPr/>
+            </p:nvSpPr>
+            <p:spPr>
+              <a:xfrm>
+                <a:off x="6343776" y="509559"/>
+                <a:ext cx="2135785" cy="791851"/>
+              </a:xfrm>
+              <a:prstGeom prst="roundRect">
+                <a:avLst/>
+              </a:prstGeom>
+              <a:noFill/>
+              <a:ln w="25400">
+                <a:solidFill>
+                  <a:schemeClr val="tx1"/>
+                </a:solidFill>
+              </a:ln>
+            </p:spPr>
+            <p:style>
+              <a:lnRef idx="2">
+                <a:schemeClr val="accent1">
+                  <a:shade val="50000"/>
+                </a:schemeClr>
+              </a:lnRef>
+              <a:fillRef idx="1">
+                <a:schemeClr val="accent1"/>
+              </a:fillRef>
+              <a:effectRef idx="0">
+                <a:schemeClr val="accent1"/>
+              </a:effectRef>
+              <a:fontRef idx="minor">
+                <a:schemeClr val="lt1"/>
+              </a:fontRef>
+            </p:style>
+            <p:txBody>
+              <a:bodyPr rtlCol="0" anchor="ctr"/>
+              <a:lstStyle/>
+              <a:p>
+                <a:pPr algn="ctr"/>
+                <a14:m>
+                  <m:oMathPara xmlns:m="http://schemas.openxmlformats.org/officeDocument/2006/math">
+                    <m:oMathParaPr>
+                      <m:jc m:val="centerGroup"/>
+                    </m:oMathParaPr>
+                    <m:oMath xmlns:m="http://schemas.openxmlformats.org/officeDocument/2006/math">
+                      <m:r>
+                        <a:rPr lang="en-US" altLang="zh-CN" sz="1200" b="0" i="1" dirty="0" smtClean="0">
+                          <a:solidFill>
+                            <a:schemeClr val="tx1"/>
+                          </a:solidFill>
+                          <a:latin typeface="Cambria Math" panose="02040503050406030204" pitchFamily="18" charset="0"/>
+                        </a:rPr>
+                        <m:t>𝑦</m:t>
+                      </m:r>
+                      <m:d>
+                        <m:dPr>
+                          <m:ctrlPr>
+                            <a:rPr lang="en-US" altLang="zh-CN" sz="1200" b="0" i="1" dirty="0" smtClean="0">
+                              <a:solidFill>
+                                <a:schemeClr val="tx1"/>
+                              </a:solidFill>
+                              <a:latin typeface="Cambria Math" panose="02040503050406030204" pitchFamily="18" charset="0"/>
+                            </a:rPr>
+                          </m:ctrlPr>
+                        </m:dPr>
+                        <m:e>
+                          <m:r>
+                            <a:rPr lang="en-US" altLang="zh-CN" sz="1200" b="0" i="1" dirty="0" smtClean="0">
+                              <a:solidFill>
+                                <a:schemeClr val="tx1"/>
+                              </a:solidFill>
+                              <a:latin typeface="Cambria Math" panose="02040503050406030204" pitchFamily="18" charset="0"/>
+                            </a:rPr>
+                            <m:t>𝑘</m:t>
+                          </m:r>
+                          <m:r>
+                            <a:rPr lang="en-US" altLang="zh-CN" sz="1200" b="0" i="1" dirty="0" smtClean="0">
+                              <a:solidFill>
+                                <a:schemeClr val="tx1"/>
+                              </a:solidFill>
+                              <a:latin typeface="Cambria Math" panose="02040503050406030204" pitchFamily="18" charset="0"/>
+                            </a:rPr>
+                            <m:t>,</m:t>
+                          </m:r>
+                          <m:r>
+                            <a:rPr lang="en-US" altLang="zh-CN" sz="1200" b="0" i="1" dirty="0" smtClean="0">
+                              <a:solidFill>
+                                <a:schemeClr val="tx1"/>
+                              </a:solidFill>
+                              <a:latin typeface="Cambria Math" panose="02040503050406030204" pitchFamily="18" charset="0"/>
+                            </a:rPr>
+                            <m:t>𝑝</m:t>
+                          </m:r>
+                        </m:e>
+                      </m:d>
+                      <m:r>
+                        <a:rPr lang="en-US" altLang="zh-CN" sz="1200" b="0" i="1" dirty="0" smtClean="0">
+                          <a:solidFill>
+                            <a:schemeClr val="tx1"/>
+                          </a:solidFill>
+                          <a:latin typeface="Cambria Math" panose="02040503050406030204" pitchFamily="18" charset="0"/>
+                        </a:rPr>
+                        <m:t>=</m:t>
+                      </m:r>
+                      <m:nary>
+                        <m:naryPr>
+                          <m:chr m:val="∑"/>
+                          <m:subHide m:val="on"/>
+                          <m:supHide m:val="on"/>
+                          <m:ctrlPr>
+                            <a:rPr lang="en-US" altLang="zh-CN" sz="1200" b="0" i="1" dirty="0" smtClean="0">
+                              <a:solidFill>
+                                <a:schemeClr val="tx1"/>
+                              </a:solidFill>
+                              <a:latin typeface="Cambria Math" panose="02040503050406030204" pitchFamily="18" charset="0"/>
+                            </a:rPr>
+                          </m:ctrlPr>
+                        </m:naryPr>
+                        <m:sub/>
+                        <m:sup/>
+                        <m:e>
+                          <m:sSubSup>
+                            <m:sSubSupPr>
+                              <m:ctrlPr>
+                                <a:rPr lang="en-US" altLang="zh-CN" sz="1200" i="1" dirty="0">
+                                  <a:solidFill>
+                                    <a:schemeClr val="tx1"/>
+                                  </a:solidFill>
+                                  <a:latin typeface="Cambria Math" panose="02040503050406030204" pitchFamily="18" charset="0"/>
+                                </a:rPr>
+                              </m:ctrlPr>
+                            </m:sSubSupPr>
+                            <m:e>
+                              <m:r>
+                                <a:rPr lang="en-US" altLang="zh-CN" sz="1200" i="1" dirty="0">
+                                  <a:solidFill>
+                                    <a:schemeClr val="tx1"/>
+                                  </a:solidFill>
+                                  <a:latin typeface="Cambria Math" panose="02040503050406030204" pitchFamily="18" charset="0"/>
+                                </a:rPr>
+                                <m:t>𝑟</m:t>
+                              </m:r>
+                            </m:e>
+                            <m:sub>
+                              <m:r>
+                                <a:rPr lang="en-US" altLang="zh-CN" sz="1200" i="1" dirty="0">
+                                  <a:solidFill>
+                                    <a:schemeClr val="tx1"/>
+                                  </a:solidFill>
+                                  <a:latin typeface="Cambria Math" panose="02040503050406030204" pitchFamily="18" charset="0"/>
+                                </a:rPr>
+                                <m:t>𝑚</m:t>
+                              </m:r>
+                            </m:sub>
+                            <m:sup>
+                              <m:r>
+                                <a:rPr lang="en-US" altLang="zh-CN" sz="1200" i="1" dirty="0">
+                                  <a:solidFill>
+                                    <a:schemeClr val="tx1"/>
+                                  </a:solidFill>
+                                  <a:latin typeface="Cambria Math" panose="02040503050406030204" pitchFamily="18" charset="0"/>
+                                </a:rPr>
+                                <m:t>∗</m:t>
+                              </m:r>
+                            </m:sup>
+                          </m:sSubSup>
+                          <m:sSub>
+                            <m:sSubPr>
+                              <m:ctrlPr>
+                                <a:rPr lang="en-US" altLang="zh-CN" sz="1200" i="1" dirty="0">
+                                  <a:solidFill>
+                                    <a:schemeClr val="tx1"/>
+                                  </a:solidFill>
+                                  <a:latin typeface="Cambria Math" panose="02040503050406030204" pitchFamily="18" charset="0"/>
+                                </a:rPr>
+                              </m:ctrlPr>
+                            </m:sSubPr>
+                            <m:e>
+                              <m:r>
+                                <a:rPr lang="en-US" altLang="zh-CN" sz="1200" i="1" dirty="0">
+                                  <a:solidFill>
+                                    <a:schemeClr val="tx1"/>
+                                  </a:solidFill>
+                                  <a:latin typeface="Cambria Math" panose="02040503050406030204" pitchFamily="18" charset="0"/>
+                                </a:rPr>
+                                <m:t>𝑟</m:t>
+                              </m:r>
+                            </m:e>
+                            <m:sub>
+                              <m:r>
+                                <a:rPr lang="en-US" altLang="zh-CN" sz="1200" i="1" dirty="0">
+                                  <a:solidFill>
+                                    <a:schemeClr val="tx1"/>
+                                  </a:solidFill>
+                                  <a:latin typeface="Cambria Math" panose="02040503050406030204" pitchFamily="18" charset="0"/>
+                                </a:rPr>
+                                <m:t>𝑚</m:t>
+                              </m:r>
+                              <m:r>
+                                <a:rPr lang="en-US" altLang="zh-CN" sz="1200" i="1" dirty="0">
+                                  <a:solidFill>
+                                    <a:schemeClr val="tx1"/>
+                                  </a:solidFill>
+                                  <a:latin typeface="Cambria Math" panose="02040503050406030204" pitchFamily="18" charset="0"/>
+                                </a:rPr>
+                                <m:t>−</m:t>
+                              </m:r>
+                              <m:r>
+                                <a:rPr lang="en-US" altLang="zh-CN" sz="1200" i="1" dirty="0">
+                                  <a:solidFill>
+                                    <a:schemeClr val="tx1"/>
+                                  </a:solidFill>
+                                  <a:latin typeface="Cambria Math" panose="02040503050406030204" pitchFamily="18" charset="0"/>
+                                </a:rPr>
+                                <m:t>𝑘</m:t>
+                              </m:r>
+                            </m:sub>
+                          </m:sSub>
+                          <m:sSubSup>
+                            <m:sSubSupPr>
+                              <m:ctrlPr>
+                                <a:rPr lang="en-US" altLang="zh-CN" sz="1200" i="1" dirty="0">
+                                  <a:solidFill>
+                                    <a:schemeClr val="tx1"/>
+                                  </a:solidFill>
+                                  <a:latin typeface="Cambria Math" panose="02040503050406030204" pitchFamily="18" charset="0"/>
+                                </a:rPr>
+                              </m:ctrlPr>
+                            </m:sSubSupPr>
+                            <m:e>
+                              <m:r>
+                                <a:rPr lang="en-US" altLang="zh-CN" sz="1200" i="1" dirty="0">
+                                  <a:solidFill>
+                                    <a:schemeClr val="tx1"/>
+                                  </a:solidFill>
+                                  <a:latin typeface="Cambria Math" panose="02040503050406030204" pitchFamily="18" charset="0"/>
+                                </a:rPr>
+                                <m:t>𝑠</m:t>
+                              </m:r>
+                            </m:e>
+                            <m:sub>
+                              <m:r>
+                                <a:rPr lang="en-US" altLang="zh-CN" sz="1200" i="1" dirty="0">
+                                  <a:solidFill>
+                                    <a:schemeClr val="tx1"/>
+                                  </a:solidFill>
+                                  <a:latin typeface="Cambria Math" panose="02040503050406030204" pitchFamily="18" charset="0"/>
+                                </a:rPr>
+                                <m:t>𝑚</m:t>
+                              </m:r>
+                              <m:r>
+                                <a:rPr lang="en-US" altLang="zh-CN" sz="1200" i="1" dirty="0">
+                                  <a:solidFill>
+                                    <a:schemeClr val="tx1"/>
+                                  </a:solidFill>
+                                  <a:latin typeface="Cambria Math" panose="02040503050406030204" pitchFamily="18" charset="0"/>
+                                </a:rPr>
+                                <m:t>−</m:t>
+                              </m:r>
+                              <m:r>
+                                <a:rPr lang="en-US" altLang="zh-CN" sz="1200" i="1" dirty="0">
+                                  <a:solidFill>
+                                    <a:schemeClr val="tx1"/>
+                                  </a:solidFill>
+                                  <a:latin typeface="Cambria Math" panose="02040503050406030204" pitchFamily="18" charset="0"/>
+                                </a:rPr>
+                                <m:t>𝑘</m:t>
+                              </m:r>
+                            </m:sub>
+                            <m:sup>
+                              <m:r>
+                                <a:rPr lang="en-US" altLang="zh-CN" sz="1200" i="1" dirty="0">
+                                  <a:solidFill>
+                                    <a:schemeClr val="tx1"/>
+                                  </a:solidFill>
+                                  <a:latin typeface="Cambria Math" panose="02040503050406030204" pitchFamily="18" charset="0"/>
+                                </a:rPr>
+                                <m:t>∗</m:t>
+                              </m:r>
+                            </m:sup>
+                          </m:sSubSup>
+                          <m:sSub>
+                            <m:sSubPr>
+                              <m:ctrlPr>
+                                <a:rPr lang="en-US" altLang="zh-CN" sz="1200" i="1" dirty="0">
+                                  <a:solidFill>
+                                    <a:schemeClr val="tx1"/>
+                                  </a:solidFill>
+                                  <a:latin typeface="Cambria Math" panose="02040503050406030204" pitchFamily="18" charset="0"/>
+                                </a:rPr>
+                              </m:ctrlPr>
+                            </m:sSubPr>
+                            <m:e>
+                              <m:r>
+                                <a:rPr lang="en-US" altLang="zh-CN" sz="1200" i="1" dirty="0">
+                                  <a:solidFill>
+                                    <a:schemeClr val="tx1"/>
+                                  </a:solidFill>
+                                  <a:latin typeface="Cambria Math" panose="02040503050406030204" pitchFamily="18" charset="0"/>
+                                </a:rPr>
+                                <m:t>𝑠</m:t>
+                              </m:r>
+                            </m:e>
+                            <m:sub>
+                              <m:r>
+                                <a:rPr lang="en-US" altLang="zh-CN" sz="1200" i="1" dirty="0">
+                                  <a:solidFill>
+                                    <a:schemeClr val="tx1"/>
+                                  </a:solidFill>
+                                  <a:latin typeface="Cambria Math" panose="02040503050406030204" pitchFamily="18" charset="0"/>
+                                </a:rPr>
+                                <m:t>𝑚</m:t>
+                              </m:r>
+                            </m:sub>
+                          </m:sSub>
+                        </m:e>
+                      </m:nary>
+                    </m:oMath>
+                  </m:oMathPara>
+                </a14:m>
+                <a:endParaRPr lang="en-US" sz="1200" i="1" dirty="0">
+                  <a:solidFill>
+                    <a:schemeClr val="tx1"/>
+                  </a:solidFill>
+                </a:endParaRPr>
+              </a:p>
+            </p:txBody>
+          </p:sp>
+        </mc:Choice>
+        <mc:Fallback xmlns="">
+          <p:sp>
+            <p:nvSpPr>
+              <p:cNvPr id="10" name="Rectangle: Rounded Corners 9">
+                <a:extLst>
+                  <a:ext uri="{FF2B5EF4-FFF2-40B4-BE49-F238E27FC236}">
+                    <a16:creationId xmlns:a16="http://schemas.microsoft.com/office/drawing/2014/main" id="{30BCAB06-8B10-4B4D-ABA4-BE2368E068B5}"/>
+                  </a:ext>
+                </a:extLst>
+              </p:cNvPr>
+              <p:cNvSpPr>
+                <a:spLocks noRot="1" noChangeAspect="1" noMove="1" noResize="1" noEditPoints="1" noAdjustHandles="1" noChangeArrowheads="1" noChangeShapeType="1" noTextEdit="1"/>
+              </p:cNvSpPr>
+              <p:nvPr/>
+            </p:nvSpPr>
+            <p:spPr>
+              <a:xfrm>
+                <a:off x="6343776" y="509559"/>
+                <a:ext cx="2135785" cy="791851"/>
+              </a:xfrm>
+              <a:prstGeom prst="roundRect">
+                <a:avLst/>
+              </a:prstGeom>
+              <a:blipFill>
+                <a:blip r:embed="rId2"/>
+                <a:stretch>
+                  <a:fillRect t="-60150" b="-93233"/>
+                </a:stretch>
+              </a:blipFill>
+              <a:ln w="25400">
+                <a:solidFill>
+                  <a:schemeClr val="tx1"/>
+                </a:solidFill>
+              </a:ln>
+            </p:spPr>
+            <p:txBody>
+              <a:bodyPr/>
+              <a:lstStyle/>
+              <a:p>
+                <a:r>
+                  <a:rPr lang="en-US">
+                    <a:noFill/>
+                  </a:rPr>
+                  <a:t> </a:t>
+                </a:r>
+              </a:p>
+            </p:txBody>
+          </p:sp>
+        </mc:Fallback>
+      </mc:AlternateContent>
+      <mc:AlternateContent xmlns:mc="http://schemas.openxmlformats.org/markup-compatibility/2006" xmlns:a14="http://schemas.microsoft.com/office/drawing/2010/main">
+        <mc:Choice Requires="a14">
+          <p:sp>
+            <p:nvSpPr>
+              <p:cNvPr id="24" name="Rectangle: Rounded Corners 23">
+                <a:extLst>
+                  <a:ext uri="{FF2B5EF4-FFF2-40B4-BE49-F238E27FC236}">
+                    <a16:creationId xmlns:a16="http://schemas.microsoft.com/office/drawing/2014/main" id="{533F5E11-3B31-4472-856C-FB60C18D8FCB}"/>
+                  </a:ext>
+                </a:extLst>
+              </p:cNvPr>
+              <p:cNvSpPr/>
+              <p:nvPr/>
+            </p:nvSpPr>
+            <p:spPr>
+              <a:xfrm>
+                <a:off x="8703189" y="509560"/>
+                <a:ext cx="2049080" cy="791851"/>
+              </a:xfrm>
+              <a:prstGeom prst="roundRect">
+                <a:avLst/>
+              </a:prstGeom>
+              <a:noFill/>
+              <a:ln w="25400">
+                <a:solidFill>
+                  <a:schemeClr val="tx1"/>
+                </a:solidFill>
+              </a:ln>
+            </p:spPr>
+            <p:style>
+              <a:lnRef idx="2">
+                <a:schemeClr val="accent1">
+                  <a:shade val="50000"/>
+                </a:schemeClr>
+              </a:lnRef>
+              <a:fillRef idx="1">
+                <a:schemeClr val="accent1"/>
+              </a:fillRef>
+              <a:effectRef idx="0">
+                <a:schemeClr val="accent1"/>
+              </a:effectRef>
+              <a:fontRef idx="minor">
+                <a:schemeClr val="lt1"/>
+              </a:fontRef>
+            </p:style>
+            <p:txBody>
+              <a:bodyPr rtlCol="0" anchor="ctr"/>
+              <a:lstStyle/>
+              <a:p>
+                <a:pPr algn="ctr"/>
+                <a14:m>
+                  <m:oMathPara xmlns:m="http://schemas.openxmlformats.org/officeDocument/2006/math">
+                    <m:oMathParaPr>
+                      <m:jc m:val="centerGroup"/>
+                    </m:oMathParaPr>
+                    <m:oMath xmlns:m="http://schemas.openxmlformats.org/officeDocument/2006/math">
+                      <m:sSub>
+                        <m:sSubPr>
+                          <m:ctrlPr>
+                            <a:rPr lang="en-US" altLang="zh-CN" sz="1200" b="0" i="1" dirty="0" smtClean="0">
+                              <a:solidFill>
+                                <a:schemeClr val="tx1"/>
+                              </a:solidFill>
+                              <a:latin typeface="Cambria Math" panose="02040503050406030204" pitchFamily="18" charset="0"/>
+                            </a:rPr>
+                          </m:ctrlPr>
+                        </m:sSubPr>
+                        <m:e>
+                          <m:acc>
+                            <m:accPr>
+                              <m:chr m:val="̂"/>
+                              <m:ctrlPr>
+                                <a:rPr lang="zh-CN" altLang="en-US" sz="1200" b="0" i="1" dirty="0" smtClean="0">
+                                  <a:solidFill>
+                                    <a:schemeClr val="tx1"/>
+                                  </a:solidFill>
+                                  <a:latin typeface="Cambria Math" panose="02040503050406030204" pitchFamily="18" charset="0"/>
+                                </a:rPr>
+                              </m:ctrlPr>
+                            </m:accPr>
+                            <m:e>
+                              <m:r>
+                                <a:rPr lang="zh-CN" altLang="en-US" sz="1200" i="1" dirty="0">
+                                  <a:solidFill>
+                                    <a:schemeClr val="tx1"/>
+                                  </a:solidFill>
+                                  <a:latin typeface="Cambria Math" panose="02040503050406030204" pitchFamily="18" charset="0"/>
+                                </a:rPr>
+                                <m:t>𝛿</m:t>
+                              </m:r>
+                            </m:e>
+                          </m:acc>
+                        </m:e>
+                        <m:sub>
+                          <m:r>
+                            <a:rPr lang="en-US" altLang="zh-CN" sz="1200" b="0" i="1" dirty="0" smtClean="0">
+                              <a:solidFill>
+                                <a:schemeClr val="tx1"/>
+                              </a:solidFill>
+                              <a:latin typeface="Cambria Math" panose="02040503050406030204" pitchFamily="18" charset="0"/>
+                            </a:rPr>
+                            <m:t>𝑆𝐷</m:t>
+                          </m:r>
+                        </m:sub>
+                      </m:sSub>
+                      <m:d>
+                        <m:dPr>
+                          <m:ctrlPr>
+                            <a:rPr lang="en-US" altLang="zh-CN" sz="1200" b="0" i="1" dirty="0" smtClean="0">
+                              <a:solidFill>
+                                <a:schemeClr val="tx1"/>
+                              </a:solidFill>
+                              <a:latin typeface="Cambria Math" panose="02040503050406030204" pitchFamily="18" charset="0"/>
+                            </a:rPr>
+                          </m:ctrlPr>
+                        </m:dPr>
+                        <m:e>
+                          <m:r>
+                            <a:rPr lang="en-US" altLang="zh-CN" sz="1200" b="0" i="1" dirty="0" smtClean="0">
+                              <a:solidFill>
+                                <a:schemeClr val="tx1"/>
+                              </a:solidFill>
+                              <a:latin typeface="Cambria Math" panose="02040503050406030204" pitchFamily="18" charset="0"/>
+                            </a:rPr>
+                            <m:t>𝑘</m:t>
+                          </m:r>
+                          <m:r>
+                            <a:rPr lang="en-US" altLang="zh-CN" sz="1200" b="0" i="1" dirty="0" smtClean="0">
+                              <a:solidFill>
+                                <a:schemeClr val="tx1"/>
+                              </a:solidFill>
+                              <a:latin typeface="Cambria Math" panose="02040503050406030204" pitchFamily="18" charset="0"/>
+                            </a:rPr>
+                            <m:t>,</m:t>
+                          </m:r>
+                          <m:r>
+                            <a:rPr lang="en-US" altLang="zh-CN" sz="1200" b="0" i="1" dirty="0" smtClean="0">
+                              <a:solidFill>
+                                <a:schemeClr val="tx1"/>
+                              </a:solidFill>
+                              <a:latin typeface="Cambria Math" panose="02040503050406030204" pitchFamily="18" charset="0"/>
+                            </a:rPr>
+                            <m:t>𝑝</m:t>
+                          </m:r>
+                        </m:e>
+                      </m:d>
+                      <m:r>
+                        <a:rPr lang="en-US" altLang="zh-CN" sz="1200" b="0" i="1" dirty="0" smtClean="0">
+                          <a:solidFill>
+                            <a:schemeClr val="tx1"/>
+                          </a:solidFill>
+                          <a:latin typeface="Cambria Math" panose="02040503050406030204" pitchFamily="18" charset="0"/>
+                        </a:rPr>
+                        <m:t>=</m:t>
+                      </m:r>
+                      <m:f>
+                        <m:fPr>
+                          <m:ctrlPr>
+                            <a:rPr lang="en-US" altLang="zh-CN" sz="1200" b="0" i="1" dirty="0" smtClean="0">
+                              <a:solidFill>
+                                <a:schemeClr val="tx1"/>
+                              </a:solidFill>
+                              <a:latin typeface="Cambria Math" panose="02040503050406030204" pitchFamily="18" charset="0"/>
+                            </a:rPr>
+                          </m:ctrlPr>
+                        </m:fPr>
+                        <m:num>
+                          <m:r>
+                            <a:rPr lang="en-US" altLang="zh-CN" sz="1200" i="1" dirty="0">
+                              <a:solidFill>
+                                <a:schemeClr val="tx1"/>
+                              </a:solidFill>
+                              <a:latin typeface="Cambria Math" panose="02040503050406030204" pitchFamily="18" charset="0"/>
+                            </a:rPr>
+                            <m:t>−</m:t>
+                          </m:r>
+                          <m:r>
+                            <m:rPr>
+                              <m:sty m:val="p"/>
+                            </m:rPr>
+                            <a:rPr lang="en-US" altLang="zh-CN" sz="1200" dirty="0">
+                              <a:solidFill>
+                                <a:schemeClr val="tx1"/>
+                              </a:solidFill>
+                              <a:latin typeface="Cambria Math" panose="02040503050406030204" pitchFamily="18" charset="0"/>
+                            </a:rPr>
+                            <m:t>arg</m:t>
+                          </m:r>
+                          <m:r>
+                            <a:rPr lang="en-US" altLang="zh-CN" sz="1200" i="1" dirty="0">
+                              <a:solidFill>
+                                <a:schemeClr val="tx1"/>
+                              </a:solidFill>
+                              <a:latin typeface="Cambria Math" panose="02040503050406030204" pitchFamily="18" charset="0"/>
+                            </a:rPr>
+                            <m:t>⁡{</m:t>
+                          </m:r>
+                          <m:r>
+                            <a:rPr lang="en-US" altLang="zh-CN" sz="1200" i="1" dirty="0">
+                              <a:solidFill>
+                                <a:schemeClr val="tx1"/>
+                              </a:solidFill>
+                              <a:latin typeface="Cambria Math" panose="02040503050406030204" pitchFamily="18" charset="0"/>
+                            </a:rPr>
+                            <m:t>𝑦</m:t>
+                          </m:r>
+                          <m:r>
+                            <a:rPr lang="en-US" altLang="zh-CN" sz="1200" i="1" dirty="0">
+                              <a:solidFill>
+                                <a:schemeClr val="tx1"/>
+                              </a:solidFill>
+                              <a:latin typeface="Cambria Math" panose="02040503050406030204" pitchFamily="18" charset="0"/>
+                            </a:rPr>
+                            <m:t>(</m:t>
+                          </m:r>
+                          <m:r>
+                            <a:rPr lang="en-US" altLang="zh-CN" sz="1200" i="1" dirty="0">
+                              <a:solidFill>
+                                <a:schemeClr val="tx1"/>
+                              </a:solidFill>
+                              <a:latin typeface="Cambria Math" panose="02040503050406030204" pitchFamily="18" charset="0"/>
+                            </a:rPr>
+                            <m:t>𝑘</m:t>
+                          </m:r>
+                          <m:r>
+                            <a:rPr lang="en-US" altLang="zh-CN" sz="1200" b="0" i="1" dirty="0" smtClean="0">
+                              <a:solidFill>
+                                <a:schemeClr val="tx1"/>
+                              </a:solidFill>
+                              <a:latin typeface="Cambria Math" panose="02040503050406030204" pitchFamily="18" charset="0"/>
+                            </a:rPr>
+                            <m:t>,</m:t>
+                          </m:r>
+                          <m:r>
+                            <a:rPr lang="en-US" altLang="zh-CN" sz="1200" b="0" i="1" dirty="0" smtClean="0">
+                              <a:solidFill>
+                                <a:schemeClr val="tx1"/>
+                              </a:solidFill>
+                              <a:latin typeface="Cambria Math" panose="02040503050406030204" pitchFamily="18" charset="0"/>
+                            </a:rPr>
+                            <m:t>𝑝</m:t>
+                          </m:r>
+                          <m:r>
+                            <a:rPr lang="en-US" altLang="zh-CN" sz="1200" i="1" dirty="0">
+                              <a:solidFill>
+                                <a:schemeClr val="tx1"/>
+                              </a:solidFill>
+                              <a:latin typeface="Cambria Math" panose="02040503050406030204" pitchFamily="18" charset="0"/>
+                            </a:rPr>
+                            <m:t>)}</m:t>
+                          </m:r>
+                        </m:num>
+                        <m:den>
+                          <m:r>
+                            <a:rPr lang="en-US" altLang="zh-CN" sz="1200" b="0" i="1" dirty="0" smtClean="0">
+                              <a:solidFill>
+                                <a:schemeClr val="tx1"/>
+                              </a:solidFill>
+                              <a:latin typeface="Cambria Math" panose="02040503050406030204" pitchFamily="18" charset="0"/>
+                            </a:rPr>
+                            <m:t>2</m:t>
+                          </m:r>
+                          <m:r>
+                            <a:rPr lang="zh-CN" altLang="en-US" sz="1200" b="0" i="1" dirty="0" smtClean="0">
+                              <a:solidFill>
+                                <a:schemeClr val="tx1"/>
+                              </a:solidFill>
+                              <a:latin typeface="Cambria Math" panose="02040503050406030204" pitchFamily="18" charset="0"/>
+                            </a:rPr>
+                            <m:t>𝜋</m:t>
+                          </m:r>
+                          <m:r>
+                            <a:rPr lang="en-US" altLang="zh-CN" sz="1200" b="0" i="1" dirty="0" smtClean="0">
+                              <a:solidFill>
+                                <a:schemeClr val="tx1"/>
+                              </a:solidFill>
+                              <a:latin typeface="Cambria Math" panose="02040503050406030204" pitchFamily="18" charset="0"/>
+                            </a:rPr>
+                            <m:t>𝑘</m:t>
+                          </m:r>
+                        </m:den>
+                      </m:f>
+                    </m:oMath>
+                  </m:oMathPara>
+                </a14:m>
+                <a:endParaRPr lang="en-US" sz="1200" i="1" dirty="0">
+                  <a:solidFill>
+                    <a:schemeClr val="tx1"/>
+                  </a:solidFill>
+                </a:endParaRPr>
+              </a:p>
+            </p:txBody>
+          </p:sp>
+        </mc:Choice>
+        <mc:Fallback xmlns="">
+          <p:sp>
+            <p:nvSpPr>
+              <p:cNvPr id="24" name="Rectangle: Rounded Corners 23">
+                <a:extLst>
+                  <a:ext uri="{FF2B5EF4-FFF2-40B4-BE49-F238E27FC236}">
+                    <a16:creationId xmlns:a16="http://schemas.microsoft.com/office/drawing/2014/main" id="{533F5E11-3B31-4472-856C-FB60C18D8FCB}"/>
+                  </a:ext>
+                </a:extLst>
+              </p:cNvPr>
+              <p:cNvSpPr>
+                <a:spLocks noRot="1" noChangeAspect="1" noMove="1" noResize="1" noEditPoints="1" noAdjustHandles="1" noChangeArrowheads="1" noChangeShapeType="1" noTextEdit="1"/>
+              </p:cNvSpPr>
+              <p:nvPr/>
+            </p:nvSpPr>
+            <p:spPr>
+              <a:xfrm>
+                <a:off x="8703189" y="509560"/>
+                <a:ext cx="2049080" cy="791851"/>
+              </a:xfrm>
+              <a:prstGeom prst="roundRect">
+                <a:avLst/>
+              </a:prstGeom>
+              <a:blipFill>
+                <a:blip r:embed="rId3"/>
+                <a:stretch>
+                  <a:fillRect/>
+                </a:stretch>
+              </a:blipFill>
+              <a:ln w="25400">
+                <a:solidFill>
+                  <a:schemeClr val="tx1"/>
+                </a:solidFill>
+              </a:ln>
+            </p:spPr>
+            <p:txBody>
+              <a:bodyPr/>
+              <a:lstStyle/>
+              <a:p>
+                <a:r>
+                  <a:rPr lang="en-US">
+                    <a:noFill/>
+                  </a:rPr>
+                  <a:t> </a:t>
+                </a:r>
+              </a:p>
+            </p:txBody>
+          </p:sp>
+        </mc:Fallback>
+      </mc:AlternateContent>
+      <p:cxnSp>
+        <p:nvCxnSpPr>
+          <p:cNvPr id="41" name="Straight Arrow Connector 40">
+            <a:extLst>
+              <a:ext uri="{FF2B5EF4-FFF2-40B4-BE49-F238E27FC236}">
+                <a16:creationId xmlns:a16="http://schemas.microsoft.com/office/drawing/2014/main" id="{3933EC15-825E-4B15-89C7-5276FF08DD09}"/>
+              </a:ext>
+            </a:extLst>
+          </p:cNvPr>
+          <p:cNvCxnSpPr>
+            <a:cxnSpLocks/>
+            <a:stCxn id="10" idx="3"/>
+            <a:endCxn id="24" idx="1"/>
+          </p:cNvCxnSpPr>
+          <p:nvPr/>
+        </p:nvCxnSpPr>
+        <p:spPr>
+          <a:xfrm>
+            <a:off x="8479561" y="905485"/>
+            <a:ext cx="223628" cy="1"/>
+          </a:xfrm>
+          <a:prstGeom prst="straightConnector1">
+            <a:avLst/>
+          </a:prstGeom>
+          <a:ln w="15875">
+            <a:solidFill>
+              <a:schemeClr val="tx1"/>
+            </a:solidFill>
+            <a:tailEnd type="triangle"/>
+          </a:ln>
+        </p:spPr>
+        <p:style>
+          <a:lnRef idx="1">
+            <a:schemeClr val="accent1"/>
+          </a:lnRef>
+          <a:fillRef idx="0">
+            <a:schemeClr val="accent1"/>
+          </a:fillRef>
+          <a:effectRef idx="0">
+            <a:schemeClr val="accent1"/>
+          </a:effectRef>
+          <a:fontRef idx="minor">
+            <a:schemeClr val="tx1"/>
+          </a:fontRef>
+        </p:style>
+      </p:cxnSp>
+      <p:sp>
+        <p:nvSpPr>
+          <p:cNvPr id="45" name="Rectangle: Rounded Corners 44">
+            <a:extLst>
+              <a:ext uri="{FF2B5EF4-FFF2-40B4-BE49-F238E27FC236}">
+                <a16:creationId xmlns:a16="http://schemas.microsoft.com/office/drawing/2014/main" id="{50D47045-B5A9-4A59-8CD4-80C26C7A8CA6}"/>
+              </a:ext>
+            </a:extLst>
+          </p:cNvPr>
+          <p:cNvSpPr/>
+          <p:nvPr/>
+        </p:nvSpPr>
+        <p:spPr>
+          <a:xfrm>
+            <a:off x="3903111" y="1616783"/>
+            <a:ext cx="3508557" cy="791851"/>
+          </a:xfrm>
+          <a:prstGeom prst="roundRect">
+            <a:avLst/>
+          </a:prstGeom>
+          <a:noFill/>
+          <a:ln w="25400">
+            <a:solidFill>
+              <a:schemeClr val="tx1"/>
+            </a:solidFill>
+          </a:ln>
+        </p:spPr>
+        <p:style>
+          <a:lnRef idx="2">
+            <a:schemeClr val="accent1">
+              <a:shade val="50000"/>
+            </a:schemeClr>
+          </a:lnRef>
+          <a:fillRef idx="1">
+            <a:schemeClr val="accent1"/>
+          </a:fillRef>
+          <a:effectRef idx="0">
+            <a:schemeClr val="accent1"/>
+          </a:effectRef>
+          <a:fontRef idx="minor">
+            <a:schemeClr val="lt1"/>
+          </a:fontRef>
+        </p:style>
+        <p:txBody>
+          <a:bodyPr rtlCol="0" anchor="ctr"/>
+          <a:lstStyle/>
+          <a:p>
+            <a:pPr algn="ctr"/>
+            <a:endParaRPr lang="en-US" sz="1600" dirty="0">
+              <a:solidFill>
+                <a:schemeClr val="tx1"/>
+              </a:solidFill>
+            </a:endParaRPr>
+          </a:p>
+        </p:txBody>
+      </p:sp>
+      <p:sp>
+        <p:nvSpPr>
+          <p:cNvPr id="53" name="Rectangle: Rounded Corners 52">
+            <a:extLst>
+              <a:ext uri="{FF2B5EF4-FFF2-40B4-BE49-F238E27FC236}">
+                <a16:creationId xmlns:a16="http://schemas.microsoft.com/office/drawing/2014/main" id="{693CA19B-B2AB-4E7D-98DB-AC0E7627ABB5}"/>
+              </a:ext>
+            </a:extLst>
+          </p:cNvPr>
+          <p:cNvSpPr/>
+          <p:nvPr/>
+        </p:nvSpPr>
+        <p:spPr>
+          <a:xfrm>
+            <a:off x="4046797" y="2637149"/>
+            <a:ext cx="3352923" cy="791851"/>
+          </a:xfrm>
+          <a:prstGeom prst="roundRect">
+            <a:avLst/>
+          </a:prstGeom>
+          <a:noFill/>
+          <a:ln w="25400">
+            <a:solidFill>
+              <a:schemeClr val="tx1"/>
+            </a:solidFill>
+          </a:ln>
+        </p:spPr>
+        <p:style>
+          <a:lnRef idx="2">
+            <a:schemeClr val="accent1">
+              <a:shade val="50000"/>
+            </a:schemeClr>
+          </a:lnRef>
+          <a:fillRef idx="1">
+            <a:schemeClr val="accent1"/>
+          </a:fillRef>
+          <a:effectRef idx="0">
+            <a:schemeClr val="accent1"/>
+          </a:effectRef>
+          <a:fontRef idx="minor">
+            <a:schemeClr val="lt1"/>
+          </a:fontRef>
+        </p:style>
+        <p:txBody>
+          <a:bodyPr rtlCol="0" anchor="ctr"/>
+          <a:lstStyle/>
+          <a:p>
+            <a:pPr algn="ctr"/>
+            <a:endParaRPr lang="en-US" sz="1200" b="1" dirty="0">
+              <a:solidFill>
+                <a:schemeClr val="tx1"/>
+              </a:solidFill>
+            </a:endParaRPr>
+          </a:p>
+        </p:txBody>
+      </p:sp>
+      <mc:AlternateContent xmlns:mc="http://schemas.openxmlformats.org/markup-compatibility/2006" xmlns:a14="http://schemas.microsoft.com/office/drawing/2010/main">
+        <mc:Choice Requires="a14">
+          <p:sp>
+            <p:nvSpPr>
+              <p:cNvPr id="58" name="Rectangle: Rounded Corners 57">
+                <a:extLst>
+                  <a:ext uri="{FF2B5EF4-FFF2-40B4-BE49-F238E27FC236}">
+                    <a16:creationId xmlns:a16="http://schemas.microsoft.com/office/drawing/2014/main" id="{8B2F3C09-1037-456A-8A96-BDE520342053}"/>
+                  </a:ext>
+                </a:extLst>
+              </p:cNvPr>
+              <p:cNvSpPr/>
+              <p:nvPr/>
+            </p:nvSpPr>
+            <p:spPr>
+              <a:xfrm>
+                <a:off x="7672033" y="1741401"/>
+                <a:ext cx="1932402" cy="1251909"/>
+              </a:xfrm>
+              <a:prstGeom prst="roundRect">
+                <a:avLst/>
+              </a:prstGeom>
+              <a:noFill/>
+              <a:ln w="25400">
+                <a:solidFill>
+                  <a:schemeClr val="tx1"/>
+                </a:solidFill>
+              </a:ln>
+            </p:spPr>
+            <p:style>
+              <a:lnRef idx="2">
+                <a:schemeClr val="accent1">
+                  <a:shade val="50000"/>
+                </a:schemeClr>
+              </a:lnRef>
+              <a:fillRef idx="1">
+                <a:schemeClr val="accent1"/>
+              </a:fillRef>
+              <a:effectRef idx="0">
+                <a:schemeClr val="accent1"/>
+              </a:effectRef>
+              <a:fontRef idx="minor">
+                <a:schemeClr val="lt1"/>
+              </a:fontRef>
+            </p:style>
+            <p:txBody>
+              <a:bodyPr rtlCol="0" anchor="ctr"/>
+              <a:lstStyle/>
+              <a:p>
+                <a:pPr algn="ctr"/>
+                <a14:m>
+                  <m:oMathPara xmlns:m="http://schemas.openxmlformats.org/officeDocument/2006/math">
+                    <m:oMathParaPr>
+                      <m:jc m:val="centerGroup"/>
+                    </m:oMathParaPr>
+                    <m:oMath xmlns:m="http://schemas.openxmlformats.org/officeDocument/2006/math">
+                      <m:r>
+                        <a:rPr lang="el-GR" sz="1400" i="1" smtClean="0">
+                          <a:solidFill>
+                            <a:schemeClr val="tx1"/>
+                          </a:solidFill>
+                          <a:latin typeface="Cambria Math" panose="02040503050406030204" pitchFamily="18" charset="0"/>
+                          <a:ea typeface="Cambria Math" panose="02040503050406030204" pitchFamily="18" charset="0"/>
+                        </a:rPr>
+                        <m:t>𝜌</m:t>
+                      </m:r>
+                      <m:r>
+                        <a:rPr lang="en-US" sz="1400" b="0" i="1" smtClean="0">
+                          <a:solidFill>
+                            <a:schemeClr val="tx1"/>
+                          </a:solidFill>
+                          <a:latin typeface="Cambria Math" panose="02040503050406030204" pitchFamily="18" charset="0"/>
+                          <a:ea typeface="Cambria Math" panose="02040503050406030204" pitchFamily="18" charset="0"/>
+                        </a:rPr>
+                        <m:t>(</m:t>
+                      </m:r>
+                      <m:r>
+                        <a:rPr lang="en-US" sz="1400" b="0" i="1" smtClean="0">
+                          <a:solidFill>
+                            <a:schemeClr val="tx1"/>
+                          </a:solidFill>
+                          <a:latin typeface="Cambria Math" panose="02040503050406030204" pitchFamily="18" charset="0"/>
+                          <a:ea typeface="Cambria Math" panose="02040503050406030204" pitchFamily="18" charset="0"/>
+                        </a:rPr>
+                        <m:t>𝑝</m:t>
+                      </m:r>
+                      <m:r>
+                        <a:rPr lang="en-US" sz="1400" b="0" i="1" smtClean="0">
+                          <a:solidFill>
+                            <a:schemeClr val="tx1"/>
+                          </a:solidFill>
+                          <a:latin typeface="Cambria Math" panose="02040503050406030204" pitchFamily="18" charset="0"/>
+                          <a:ea typeface="Cambria Math" panose="02040503050406030204" pitchFamily="18" charset="0"/>
+                        </a:rPr>
+                        <m:t>)=</m:t>
+                      </m:r>
+                      <m:f>
+                        <m:fPr>
+                          <m:ctrlPr>
+                            <a:rPr lang="en-US" sz="1400" b="0" i="1" smtClean="0">
+                              <a:solidFill>
+                                <a:schemeClr val="tx1"/>
+                              </a:solidFill>
+                              <a:latin typeface="Cambria Math" panose="02040503050406030204" pitchFamily="18" charset="0"/>
+                              <a:ea typeface="Cambria Math" panose="02040503050406030204" pitchFamily="18" charset="0"/>
+                            </a:rPr>
+                          </m:ctrlPr>
+                        </m:fPr>
+                        <m:num>
+                          <m:d>
+                            <m:dPr>
+                              <m:begChr m:val="|"/>
+                              <m:endChr m:val="|"/>
+                              <m:ctrlPr>
+                                <a:rPr lang="en-US" altLang="zh-CN" sz="1400" i="1" dirty="0" smtClean="0">
+                                  <a:solidFill>
+                                    <a:schemeClr val="tx1"/>
+                                  </a:solidFill>
+                                  <a:latin typeface="Cambria Math" panose="02040503050406030204" pitchFamily="18" charset="0"/>
+                                </a:rPr>
+                              </m:ctrlPr>
+                            </m:dPr>
+                            <m:e>
+                              <m:sSubSup>
+                                <m:sSubSupPr>
+                                  <m:ctrlPr>
+                                    <a:rPr lang="en-US" altLang="zh-CN" sz="1400" b="0" i="1" dirty="0" smtClean="0">
+                                      <a:solidFill>
+                                        <a:schemeClr val="tx1"/>
+                                      </a:solidFill>
+                                      <a:latin typeface="Cambria Math" panose="02040503050406030204" pitchFamily="18" charset="0"/>
+                                    </a:rPr>
+                                  </m:ctrlPr>
+                                </m:sSubSupPr>
+                                <m:e>
+                                  <m:acc>
+                                    <m:accPr>
+                                      <m:chr m:val="̂"/>
+                                      <m:ctrlPr>
+                                        <a:rPr lang="zh-CN" altLang="en-US" sz="1400" i="1" dirty="0">
+                                          <a:solidFill>
+                                            <a:schemeClr val="tx1"/>
+                                          </a:solidFill>
+                                          <a:latin typeface="Cambria Math" panose="02040503050406030204" pitchFamily="18" charset="0"/>
+                                        </a:rPr>
+                                      </m:ctrlPr>
+                                    </m:accPr>
+                                    <m:e>
+                                      <m:r>
+                                        <a:rPr lang="en-US" altLang="zh-CN" sz="1400" i="1" dirty="0">
+                                          <a:solidFill>
+                                            <a:schemeClr val="tx1"/>
+                                          </a:solidFill>
+                                          <a:latin typeface="Cambria Math" panose="02040503050406030204" pitchFamily="18" charset="0"/>
+                                        </a:rPr>
+                                        <m:t>𝑆</m:t>
+                                      </m:r>
+                                    </m:e>
+                                  </m:acc>
+                                </m:e>
+                                <m:sub>
+                                  <m:r>
+                                    <a:rPr lang="en-US" altLang="zh-CN" sz="1400" i="1" dirty="0">
+                                      <a:solidFill>
+                                        <a:schemeClr val="tx1"/>
+                                      </a:solidFill>
+                                      <a:latin typeface="Cambria Math" panose="02040503050406030204" pitchFamily="18" charset="0"/>
+                                    </a:rPr>
+                                    <m:t>𝑆𝐷</m:t>
+                                  </m:r>
+                                </m:sub>
+                                <m:sup>
+                                  <m:r>
+                                    <a:rPr lang="en-US" altLang="zh-CN" sz="1400" b="0" i="1" dirty="0" smtClean="0">
+                                      <a:solidFill>
+                                        <a:schemeClr val="tx1"/>
+                                      </a:solidFill>
+                                      <a:latin typeface="Cambria Math" panose="02040503050406030204" pitchFamily="18" charset="0"/>
+                                    </a:rPr>
+                                    <m:t>(</m:t>
+                                  </m:r>
+                                  <m:r>
+                                    <m:rPr>
+                                      <m:sty m:val="p"/>
+                                    </m:rPr>
+                                    <a:rPr lang="en-US" altLang="zh-CN" sz="1400" b="0" i="0" dirty="0" smtClean="0">
+                                      <a:solidFill>
+                                        <a:schemeClr val="tx1"/>
+                                      </a:solidFill>
+                                      <a:latin typeface="Cambria Math" panose="02040503050406030204" pitchFamily="18" charset="0"/>
+                                    </a:rPr>
+                                    <m:t>num</m:t>
+                                  </m:r>
+                                  <m:r>
+                                    <a:rPr lang="en-US" altLang="zh-CN" sz="1400" b="0" i="1" dirty="0" smtClean="0">
+                                      <a:solidFill>
+                                        <a:schemeClr val="tx1"/>
+                                      </a:solidFill>
+                                      <a:latin typeface="Cambria Math" panose="02040503050406030204" pitchFamily="18" charset="0"/>
+                                    </a:rPr>
+                                    <m:t>)</m:t>
+                                  </m:r>
+                                </m:sup>
+                              </m:sSubSup>
+                              <m:r>
+                                <a:rPr lang="en-US" altLang="zh-CN" sz="1400" b="0" i="1" dirty="0" smtClean="0">
+                                  <a:solidFill>
+                                    <a:schemeClr val="tx1"/>
+                                  </a:solidFill>
+                                  <a:latin typeface="Cambria Math" panose="02040503050406030204" pitchFamily="18" charset="0"/>
+                                </a:rPr>
+                                <m:t>(</m:t>
+                              </m:r>
+                              <m:r>
+                                <a:rPr lang="en-US" altLang="zh-CN" sz="1400" b="0" i="1" dirty="0" smtClean="0">
+                                  <a:solidFill>
+                                    <a:schemeClr val="tx1"/>
+                                  </a:solidFill>
+                                  <a:latin typeface="Cambria Math" panose="02040503050406030204" pitchFamily="18" charset="0"/>
+                                </a:rPr>
+                                <m:t>𝑝</m:t>
+                              </m:r>
+                              <m:r>
+                                <a:rPr lang="en-US" altLang="zh-CN" sz="1400" b="0" i="1" dirty="0" smtClean="0">
+                                  <a:solidFill>
+                                    <a:schemeClr val="tx1"/>
+                                  </a:solidFill>
+                                  <a:latin typeface="Cambria Math" panose="02040503050406030204" pitchFamily="18" charset="0"/>
+                                </a:rPr>
+                                <m:t>)</m:t>
+                              </m:r>
+                            </m:e>
+                          </m:d>
+                        </m:num>
+                        <m:den>
+                          <m:d>
+                            <m:dPr>
+                              <m:begChr m:val="‖"/>
+                              <m:endChr m:val="‖"/>
+                              <m:ctrlPr>
+                                <a:rPr lang="en-US" sz="1400" i="1">
+                                  <a:solidFill>
+                                    <a:schemeClr val="tx1"/>
+                                  </a:solidFill>
+                                  <a:latin typeface="Cambria Math" panose="02040503050406030204" pitchFamily="18" charset="0"/>
+                                </a:rPr>
+                              </m:ctrlPr>
+                            </m:dPr>
+                            <m:e>
+                              <m:sSub>
+                                <m:sSubPr>
+                                  <m:ctrlPr>
+                                    <a:rPr lang="en-US" sz="1400" b="1" i="1" smtClean="0">
+                                      <a:solidFill>
+                                        <a:schemeClr val="tx1"/>
+                                      </a:solidFill>
+                                      <a:latin typeface="Cambria Math" panose="02040503050406030204" pitchFamily="18" charset="0"/>
+                                    </a:rPr>
+                                  </m:ctrlPr>
+                                </m:sSubPr>
+                                <m:e>
+                                  <m:r>
+                                    <a:rPr lang="en-US" sz="1400" b="1" i="1">
+                                      <a:solidFill>
+                                        <a:schemeClr val="tx1"/>
+                                      </a:solidFill>
+                                      <a:latin typeface="Cambria Math" panose="02040503050406030204" pitchFamily="18" charset="0"/>
+                                    </a:rPr>
+                                    <m:t>𝒓</m:t>
+                                  </m:r>
+                                </m:e>
+                                <m:sub>
+                                  <m:r>
+                                    <a:rPr lang="en-US" sz="1400" b="1" i="1" smtClean="0">
+                                      <a:solidFill>
+                                        <a:schemeClr val="tx1"/>
+                                      </a:solidFill>
+                                      <a:latin typeface="Cambria Math" panose="02040503050406030204" pitchFamily="18" charset="0"/>
+                                    </a:rPr>
+                                    <m:t>𝒑</m:t>
+                                  </m:r>
+                                </m:sub>
+                              </m:sSub>
+                            </m:e>
+                          </m:d>
+                          <m:r>
+                            <a:rPr lang="en-US" sz="1400" b="1" i="1" smtClean="0">
+                              <a:solidFill>
+                                <a:schemeClr val="tx1"/>
+                              </a:solidFill>
+                              <a:latin typeface="Cambria Math" panose="02040503050406030204" pitchFamily="18" charset="0"/>
+                              <a:ea typeface="Cambria Math" panose="02040503050406030204" pitchFamily="18" charset="0"/>
+                            </a:rPr>
+                            <m:t>∙</m:t>
+                          </m:r>
+                          <m:d>
+                            <m:dPr>
+                              <m:begChr m:val="‖"/>
+                              <m:endChr m:val="‖"/>
+                              <m:ctrlPr>
+                                <a:rPr lang="en-US" sz="1400" i="1">
+                                  <a:solidFill>
+                                    <a:schemeClr val="tx1"/>
+                                  </a:solidFill>
+                                  <a:latin typeface="Cambria Math" panose="02040503050406030204" pitchFamily="18" charset="0"/>
+                                </a:rPr>
+                              </m:ctrlPr>
+                            </m:dPr>
+                            <m:e>
+                              <m:r>
+                                <a:rPr lang="en-US" sz="1400" b="1" i="1" smtClean="0">
+                                  <a:solidFill>
+                                    <a:schemeClr val="tx1"/>
+                                  </a:solidFill>
+                                  <a:latin typeface="Cambria Math" panose="02040503050406030204" pitchFamily="18" charset="0"/>
+                                </a:rPr>
+                                <m:t>𝒔</m:t>
+                              </m:r>
+                            </m:e>
+                          </m:d>
+                        </m:den>
+                      </m:f>
+                    </m:oMath>
+                  </m:oMathPara>
+                </a14:m>
+                <a:endParaRPr lang="en-US" sz="1400" i="1" dirty="0">
+                  <a:solidFill>
+                    <a:schemeClr val="tx1"/>
+                  </a:solidFill>
+                </a:endParaRPr>
+              </a:p>
+            </p:txBody>
+          </p:sp>
+        </mc:Choice>
+        <mc:Fallback xmlns="">
+          <p:sp>
+            <p:nvSpPr>
+              <p:cNvPr id="58" name="Rectangle: Rounded Corners 57">
+                <a:extLst>
+                  <a:ext uri="{FF2B5EF4-FFF2-40B4-BE49-F238E27FC236}">
+                    <a16:creationId xmlns:a16="http://schemas.microsoft.com/office/drawing/2014/main" id="{8B2F3C09-1037-456A-8A96-BDE520342053}"/>
+                  </a:ext>
+                </a:extLst>
+              </p:cNvPr>
+              <p:cNvSpPr>
+                <a:spLocks noRot="1" noChangeAspect="1" noMove="1" noResize="1" noEditPoints="1" noAdjustHandles="1" noChangeArrowheads="1" noChangeShapeType="1" noTextEdit="1"/>
+              </p:cNvSpPr>
+              <p:nvPr/>
+            </p:nvSpPr>
+            <p:spPr>
+              <a:xfrm>
+                <a:off x="7672033" y="1741401"/>
+                <a:ext cx="1932402" cy="1251909"/>
+              </a:xfrm>
+              <a:prstGeom prst="roundRect">
+                <a:avLst/>
+              </a:prstGeom>
+              <a:blipFill>
+                <a:blip r:embed="rId4"/>
+                <a:stretch>
+                  <a:fillRect/>
+                </a:stretch>
+              </a:blipFill>
+              <a:ln w="25400">
+                <a:solidFill>
+                  <a:schemeClr val="tx1"/>
+                </a:solidFill>
+              </a:ln>
+            </p:spPr>
+            <p:txBody>
+              <a:bodyPr/>
+              <a:lstStyle/>
+              <a:p>
+                <a:r>
+                  <a:rPr lang="en-US">
+                    <a:noFill/>
+                  </a:rPr>
+                  <a:t> </a:t>
+                </a:r>
+              </a:p>
+            </p:txBody>
+          </p:sp>
+        </mc:Fallback>
+      </mc:AlternateContent>
+      <mc:AlternateContent xmlns:mc="http://schemas.openxmlformats.org/markup-compatibility/2006" xmlns:a14="http://schemas.microsoft.com/office/drawing/2010/main">
+        <mc:Choice Requires="a14">
+          <p:sp>
+            <p:nvSpPr>
+              <p:cNvPr id="107" name="Rectangle: Rounded Corners 106">
+                <a:extLst>
+                  <a:ext uri="{FF2B5EF4-FFF2-40B4-BE49-F238E27FC236}">
+                    <a16:creationId xmlns:a16="http://schemas.microsoft.com/office/drawing/2014/main" id="{A5C39140-08B2-491F-97A6-438284F88387}"/>
+                  </a:ext>
+                </a:extLst>
+              </p:cNvPr>
+              <p:cNvSpPr/>
+              <p:nvPr/>
+            </p:nvSpPr>
+            <p:spPr>
+              <a:xfrm>
+                <a:off x="9810910" y="1973116"/>
+                <a:ext cx="2049080" cy="791851"/>
+              </a:xfrm>
+              <a:prstGeom prst="roundRect">
+                <a:avLst/>
+              </a:prstGeom>
+              <a:noFill/>
+              <a:ln w="25400">
+                <a:solidFill>
+                  <a:schemeClr val="tx1"/>
+                </a:solidFill>
+              </a:ln>
+            </p:spPr>
+            <p:style>
+              <a:lnRef idx="2">
+                <a:schemeClr val="accent1">
+                  <a:shade val="50000"/>
+                </a:schemeClr>
+              </a:lnRef>
+              <a:fillRef idx="1">
+                <a:schemeClr val="accent1"/>
+              </a:fillRef>
+              <a:effectRef idx="0">
+                <a:schemeClr val="accent1"/>
+              </a:effectRef>
+              <a:fontRef idx="minor">
+                <a:schemeClr val="lt1"/>
+              </a:fontRef>
+            </p:style>
+            <p:txBody>
+              <a:bodyPr rtlCol="0" anchor="ctr"/>
+              <a:lstStyle/>
+              <a:p>
+                <a:pPr algn="ctr"/>
+                <a:r>
+                  <a:rPr lang="en-US" altLang="zh-CN" sz="1200" dirty="0">
+                    <a:solidFill>
+                      <a:schemeClr val="tx1"/>
+                    </a:solidFill>
+                  </a:rPr>
+                  <a:t>Make decision, truncate</a:t>
+                </a:r>
+              </a:p>
+              <a:p>
+                <a:pPr algn="ctr"/>
+                <a14:m>
+                  <m:oMath xmlns:m="http://schemas.openxmlformats.org/officeDocument/2006/math">
+                    <m:sSub>
+                      <m:sSubPr>
+                        <m:ctrlPr>
+                          <a:rPr lang="en-US" sz="1200" b="1" i="1" smtClean="0">
+                            <a:solidFill>
+                              <a:schemeClr val="tx1"/>
+                            </a:solidFill>
+                            <a:latin typeface="Cambria Math" panose="02040503050406030204" pitchFamily="18" charset="0"/>
+                          </a:rPr>
+                        </m:ctrlPr>
+                      </m:sSubPr>
+                      <m:e>
+                        <m:r>
+                          <a:rPr lang="en-US" sz="1200" b="1" i="1" smtClean="0">
+                            <a:solidFill>
+                              <a:schemeClr val="tx1"/>
+                            </a:solidFill>
+                            <a:latin typeface="Cambria Math" panose="02040503050406030204" pitchFamily="18" charset="0"/>
+                          </a:rPr>
+                          <m:t>𝒓</m:t>
+                        </m:r>
+                      </m:e>
+                      <m:sub>
+                        <m:acc>
+                          <m:accPr>
+                            <m:chr m:val="̅"/>
+                            <m:ctrlPr>
+                              <a:rPr lang="en-US" sz="1200" b="1" i="1" smtClean="0">
+                                <a:solidFill>
+                                  <a:schemeClr val="tx1"/>
+                                </a:solidFill>
+                                <a:latin typeface="Cambria Math" panose="02040503050406030204" pitchFamily="18" charset="0"/>
+                              </a:rPr>
+                            </m:ctrlPr>
+                          </m:accPr>
+                          <m:e>
+                            <m:r>
+                              <a:rPr lang="en-US" sz="1200" b="1" i="1" smtClean="0">
+                                <a:solidFill>
+                                  <a:schemeClr val="tx1"/>
+                                </a:solidFill>
+                                <a:latin typeface="Cambria Math" panose="02040503050406030204" pitchFamily="18" charset="0"/>
+                              </a:rPr>
+                              <m:t>𝒑</m:t>
+                            </m:r>
+                          </m:e>
+                        </m:acc>
+                      </m:sub>
+                    </m:sSub>
+                  </m:oMath>
+                </a14:m>
+                <a:r>
+                  <a:rPr lang="en-US" sz="1200" b="1" dirty="0">
+                    <a:solidFill>
+                      <a:schemeClr val="tx1"/>
+                    </a:solidFill>
+                  </a:rPr>
+                  <a:t> </a:t>
+                </a:r>
+                <a:r>
+                  <a:rPr lang="en-US" sz="1200" dirty="0">
+                    <a:solidFill>
+                      <a:schemeClr val="tx1"/>
+                    </a:solidFill>
+                  </a:rPr>
+                  <a:t>and send for carrier synchronization</a:t>
+                </a:r>
+                <a:endParaRPr lang="en-US" sz="1200" b="1" dirty="0">
+                  <a:solidFill>
+                    <a:schemeClr val="tx1"/>
+                  </a:solidFill>
+                </a:endParaRPr>
+              </a:p>
+            </p:txBody>
+          </p:sp>
+        </mc:Choice>
+        <mc:Fallback xmlns="">
+          <p:sp>
+            <p:nvSpPr>
+              <p:cNvPr id="107" name="Rectangle: Rounded Corners 106">
+                <a:extLst>
+                  <a:ext uri="{FF2B5EF4-FFF2-40B4-BE49-F238E27FC236}">
+                    <a16:creationId xmlns:a16="http://schemas.microsoft.com/office/drawing/2014/main" id="{A5C39140-08B2-491F-97A6-438284F88387}"/>
+                  </a:ext>
+                </a:extLst>
+              </p:cNvPr>
+              <p:cNvSpPr>
+                <a:spLocks noRot="1" noChangeAspect="1" noMove="1" noResize="1" noEditPoints="1" noAdjustHandles="1" noChangeArrowheads="1" noChangeShapeType="1" noTextEdit="1"/>
+              </p:cNvSpPr>
+              <p:nvPr/>
+            </p:nvSpPr>
+            <p:spPr>
+              <a:xfrm>
+                <a:off x="9810910" y="1973116"/>
+                <a:ext cx="2049080" cy="791851"/>
+              </a:xfrm>
+              <a:prstGeom prst="roundRect">
+                <a:avLst/>
+              </a:prstGeom>
+              <a:blipFill>
+                <a:blip r:embed="rId8"/>
+                <a:stretch>
+                  <a:fillRect/>
+                </a:stretch>
+              </a:blipFill>
+              <a:ln w="25400">
+                <a:solidFill>
+                  <a:schemeClr val="tx1"/>
+                </a:solidFill>
+              </a:ln>
+            </p:spPr>
+            <p:txBody>
+              <a:bodyPr/>
+              <a:lstStyle/>
+              <a:p>
+                <a:r>
+                  <a:rPr lang="en-US">
+                    <a:noFill/>
+                  </a:rPr>
+                  <a:t> </a:t>
+                </a:r>
+              </a:p>
+            </p:txBody>
+          </p:sp>
+        </mc:Fallback>
+      </mc:AlternateContent>
+      <p:cxnSp>
+        <p:nvCxnSpPr>
+          <p:cNvPr id="127" name="Straight Arrow Connector 126">
+            <a:extLst>
+              <a:ext uri="{FF2B5EF4-FFF2-40B4-BE49-F238E27FC236}">
+                <a16:creationId xmlns:a16="http://schemas.microsoft.com/office/drawing/2014/main" id="{28A13B49-0C44-457E-B300-19D36E3F093A}"/>
+              </a:ext>
+            </a:extLst>
+          </p:cNvPr>
+          <p:cNvCxnSpPr>
+            <a:stCxn id="58" idx="3"/>
+            <a:endCxn id="107" idx="1"/>
+          </p:cNvCxnSpPr>
+          <p:nvPr/>
+        </p:nvCxnSpPr>
+        <p:spPr>
+          <a:xfrm>
+            <a:off x="9604435" y="2367356"/>
+            <a:ext cx="206475" cy="1686"/>
+          </a:xfrm>
+          <a:prstGeom prst="straightConnector1">
+            <a:avLst/>
+          </a:prstGeom>
+          <a:ln w="15875">
+            <a:solidFill>
+              <a:schemeClr val="tx1"/>
+            </a:solidFill>
+            <a:tailEnd type="triangle"/>
+          </a:ln>
+        </p:spPr>
+        <p:style>
+          <a:lnRef idx="1">
+            <a:schemeClr val="accent1"/>
+          </a:lnRef>
+          <a:fillRef idx="0">
+            <a:schemeClr val="accent1"/>
+          </a:fillRef>
+          <a:effectRef idx="0">
+            <a:schemeClr val="accent1"/>
+          </a:effectRef>
+          <a:fontRef idx="minor">
+            <a:schemeClr val="tx1"/>
+          </a:fontRef>
+        </p:style>
+      </p:cxnSp>
+      <p:sp>
+        <p:nvSpPr>
+          <p:cNvPr id="130" name="Rectangle: Rounded Corners 129">
+            <a:extLst>
+              <a:ext uri="{FF2B5EF4-FFF2-40B4-BE49-F238E27FC236}">
+                <a16:creationId xmlns:a16="http://schemas.microsoft.com/office/drawing/2014/main" id="{7734670F-CD72-4DB0-B582-7F4CD2F76919}"/>
+              </a:ext>
+            </a:extLst>
+          </p:cNvPr>
+          <p:cNvSpPr/>
+          <p:nvPr/>
+        </p:nvSpPr>
+        <p:spPr>
+          <a:xfrm>
+            <a:off x="10135771" y="3668457"/>
+            <a:ext cx="1399357" cy="791851"/>
+          </a:xfrm>
+          <a:prstGeom prst="roundRect">
+            <a:avLst/>
+          </a:prstGeom>
+          <a:noFill/>
+          <a:ln w="25400">
+            <a:solidFill>
+              <a:schemeClr val="tx1"/>
+            </a:solidFill>
+          </a:ln>
+        </p:spPr>
+        <p:style>
+          <a:lnRef idx="2">
+            <a:schemeClr val="accent1">
+              <a:shade val="50000"/>
+            </a:schemeClr>
+          </a:lnRef>
+          <a:fillRef idx="1">
+            <a:schemeClr val="accent1"/>
+          </a:fillRef>
+          <a:effectRef idx="0">
+            <a:schemeClr val="accent1"/>
+          </a:effectRef>
+          <a:fontRef idx="minor">
+            <a:schemeClr val="lt1"/>
+          </a:fontRef>
+        </p:style>
+        <p:txBody>
+          <a:bodyPr rtlCol="0" anchor="ctr"/>
+          <a:lstStyle/>
+          <a:p>
+            <a:pPr algn="ctr"/>
+            <a:r>
+              <a:rPr lang="en-US" sz="1400" dirty="0">
+                <a:solidFill>
+                  <a:schemeClr val="tx1"/>
+                </a:solidFill>
+              </a:rPr>
+              <a:t>carrier synchronization</a:t>
+            </a:r>
+            <a:endParaRPr lang="en-US" sz="1400" b="1" dirty="0">
+              <a:solidFill>
+                <a:schemeClr val="tx1"/>
+              </a:solidFill>
+            </a:endParaRPr>
+          </a:p>
+        </p:txBody>
+      </p:sp>
+      <p:cxnSp>
+        <p:nvCxnSpPr>
+          <p:cNvPr id="143" name="Straight Arrow Connector 142">
+            <a:extLst>
+              <a:ext uri="{FF2B5EF4-FFF2-40B4-BE49-F238E27FC236}">
+                <a16:creationId xmlns:a16="http://schemas.microsoft.com/office/drawing/2014/main" id="{5069CFA2-852C-4A0F-A97B-37007C9C0B8A}"/>
+              </a:ext>
+            </a:extLst>
+          </p:cNvPr>
+          <p:cNvCxnSpPr>
+            <a:stCxn id="107" idx="2"/>
+            <a:endCxn id="130" idx="0"/>
+          </p:cNvCxnSpPr>
+          <p:nvPr/>
+        </p:nvCxnSpPr>
+        <p:spPr>
+          <a:xfrm>
+            <a:off x="10835450" y="2764967"/>
+            <a:ext cx="0" cy="903490"/>
+          </a:xfrm>
+          <a:prstGeom prst="straightConnector1">
+            <a:avLst/>
+          </a:prstGeom>
+          <a:ln w="15875">
+            <a:solidFill>
+              <a:schemeClr val="tx1"/>
+            </a:solidFill>
+            <a:tailEnd type="triangle"/>
+          </a:ln>
+        </p:spPr>
+        <p:style>
+          <a:lnRef idx="1">
+            <a:schemeClr val="accent1"/>
+          </a:lnRef>
+          <a:fillRef idx="0">
+            <a:schemeClr val="accent1"/>
+          </a:fillRef>
+          <a:effectRef idx="0">
+            <a:schemeClr val="accent1"/>
+          </a:effectRef>
+          <a:fontRef idx="minor">
+            <a:schemeClr val="tx1"/>
+          </a:fontRef>
+        </p:style>
+      </p:cxnSp>
+      <p:sp>
+        <p:nvSpPr>
+          <p:cNvPr id="144" name="Rectangle: Rounded Corners 143">
+            <a:extLst>
+              <a:ext uri="{FF2B5EF4-FFF2-40B4-BE49-F238E27FC236}">
+                <a16:creationId xmlns:a16="http://schemas.microsoft.com/office/drawing/2014/main" id="{0B52995B-3314-4BD9-B10E-79714B3B84D6}"/>
+              </a:ext>
+            </a:extLst>
+          </p:cNvPr>
+          <p:cNvSpPr/>
+          <p:nvPr/>
+        </p:nvSpPr>
+        <p:spPr>
+          <a:xfrm>
+            <a:off x="6972354" y="3668457"/>
+            <a:ext cx="2838556" cy="791851"/>
+          </a:xfrm>
+          <a:prstGeom prst="roundRect">
+            <a:avLst/>
+          </a:prstGeom>
+          <a:noFill/>
+          <a:ln w="25400">
+            <a:solidFill>
+              <a:schemeClr val="tx1"/>
+            </a:solidFill>
+          </a:ln>
+        </p:spPr>
+        <p:style>
+          <a:lnRef idx="2">
+            <a:schemeClr val="accent1">
+              <a:shade val="50000"/>
+            </a:schemeClr>
+          </a:lnRef>
+          <a:fillRef idx="1">
+            <a:schemeClr val="accent1"/>
+          </a:fillRef>
+          <a:effectRef idx="0">
+            <a:schemeClr val="accent1"/>
+          </a:effectRef>
+          <a:fontRef idx="minor">
+            <a:schemeClr val="lt1"/>
+          </a:fontRef>
+        </p:style>
+        <p:txBody>
+          <a:bodyPr rtlCol="0" anchor="ctr"/>
+          <a:lstStyle/>
+          <a:p>
+            <a:r>
+              <a:rPr lang="en-US" sz="1400" dirty="0">
+                <a:solidFill>
+                  <a:schemeClr val="tx1"/>
+                </a:solidFill>
+              </a:rPr>
+              <a:t>Record the results, which includes</a:t>
+            </a:r>
+          </a:p>
+          <a:p>
+            <a:r>
+              <a:rPr lang="en-US" sz="1400" dirty="0">
+                <a:solidFill>
+                  <a:schemeClr val="tx1"/>
+                </a:solidFill>
+              </a:rPr>
+              <a:t>position of preamble, frequency, phase, amplitude offset estimate.</a:t>
+            </a:r>
+          </a:p>
+        </p:txBody>
+      </p:sp>
+      <p:cxnSp>
+        <p:nvCxnSpPr>
+          <p:cNvPr id="147" name="Straight Arrow Connector 146">
+            <a:extLst>
+              <a:ext uri="{FF2B5EF4-FFF2-40B4-BE49-F238E27FC236}">
+                <a16:creationId xmlns:a16="http://schemas.microsoft.com/office/drawing/2014/main" id="{A7D8C9A7-D197-457C-B231-0F285222518F}"/>
+              </a:ext>
+            </a:extLst>
+          </p:cNvPr>
+          <p:cNvCxnSpPr>
+            <a:stCxn id="130" idx="1"/>
+            <a:endCxn id="144" idx="3"/>
+          </p:cNvCxnSpPr>
+          <p:nvPr/>
+        </p:nvCxnSpPr>
+        <p:spPr>
+          <a:xfrm flipH="1">
+            <a:off x="9810910" y="4064383"/>
+            <a:ext cx="324861" cy="0"/>
+          </a:xfrm>
+          <a:prstGeom prst="straightConnector1">
+            <a:avLst/>
+          </a:prstGeom>
+          <a:ln w="15875">
+            <a:solidFill>
+              <a:schemeClr val="tx1"/>
+            </a:solidFill>
+            <a:tailEnd type="triangle"/>
+          </a:ln>
+        </p:spPr>
+        <p:style>
+          <a:lnRef idx="1">
+            <a:schemeClr val="accent1"/>
+          </a:lnRef>
+          <a:fillRef idx="0">
+            <a:schemeClr val="accent1"/>
+          </a:fillRef>
+          <a:effectRef idx="0">
+            <a:schemeClr val="accent1"/>
+          </a:effectRef>
+          <a:fontRef idx="minor">
+            <a:schemeClr val="tx1"/>
+          </a:fontRef>
+        </p:style>
+      </p:cxnSp>
+      <p:cxnSp>
+        <p:nvCxnSpPr>
+          <p:cNvPr id="150" name="Straight Arrow Connector 149">
+            <a:extLst>
+              <a:ext uri="{FF2B5EF4-FFF2-40B4-BE49-F238E27FC236}">
+                <a16:creationId xmlns:a16="http://schemas.microsoft.com/office/drawing/2014/main" id="{C0535478-F25A-4DD8-BB3C-372A3D3950C3}"/>
+              </a:ext>
+            </a:extLst>
+          </p:cNvPr>
+          <p:cNvCxnSpPr>
+            <a:cxnSpLocks/>
+            <a:stCxn id="144" idx="1"/>
+          </p:cNvCxnSpPr>
+          <p:nvPr/>
+        </p:nvCxnSpPr>
+        <p:spPr>
+          <a:xfrm flipH="1">
+            <a:off x="6606018" y="4064383"/>
+            <a:ext cx="366336" cy="0"/>
+          </a:xfrm>
+          <a:prstGeom prst="straightConnector1">
+            <a:avLst/>
+          </a:prstGeom>
+          <a:ln w="15875">
+            <a:solidFill>
+              <a:schemeClr val="tx1"/>
+            </a:solidFill>
+            <a:tailEnd type="triangle"/>
+          </a:ln>
+        </p:spPr>
+        <p:style>
+          <a:lnRef idx="1">
+            <a:schemeClr val="accent1"/>
+          </a:lnRef>
+          <a:fillRef idx="0">
+            <a:schemeClr val="accent1"/>
+          </a:fillRef>
+          <a:effectRef idx="0">
+            <a:schemeClr val="accent1"/>
+          </a:effectRef>
+          <a:fontRef idx="minor">
+            <a:schemeClr val="tx1"/>
+          </a:fontRef>
+        </p:style>
+      </p:cxnSp>
+      <p:cxnSp>
+        <p:nvCxnSpPr>
+          <p:cNvPr id="14" name="Straight Arrow Connector 13">
+            <a:extLst>
+              <a:ext uri="{FF2B5EF4-FFF2-40B4-BE49-F238E27FC236}">
+                <a16:creationId xmlns:a16="http://schemas.microsoft.com/office/drawing/2014/main" id="{7D81526B-9828-4E31-82E8-A0FE03ABFBF7}"/>
+              </a:ext>
+            </a:extLst>
+          </p:cNvPr>
+          <p:cNvCxnSpPr>
+            <a:cxnSpLocks/>
+            <a:stCxn id="3" idx="3"/>
+          </p:cNvCxnSpPr>
+          <p:nvPr/>
+        </p:nvCxnSpPr>
+        <p:spPr>
+          <a:xfrm flipV="1">
+            <a:off x="3235455" y="901645"/>
+            <a:ext cx="549160" cy="3841"/>
+          </a:xfrm>
+          <a:prstGeom prst="straightConnector1">
+            <a:avLst/>
+          </a:prstGeom>
+          <a:ln w="15875">
+            <a:solidFill>
+              <a:schemeClr val="tx1"/>
+            </a:solidFill>
+            <a:tailEnd type="triangle"/>
+          </a:ln>
+        </p:spPr>
+        <p:style>
+          <a:lnRef idx="1">
+            <a:schemeClr val="accent1"/>
+          </a:lnRef>
+          <a:fillRef idx="0">
+            <a:schemeClr val="accent1"/>
+          </a:fillRef>
+          <a:effectRef idx="0">
+            <a:schemeClr val="accent1"/>
+          </a:effectRef>
+          <a:fontRef idx="minor">
+            <a:schemeClr val="tx1"/>
+          </a:fontRef>
+        </p:style>
+      </p:cxnSp>
+      <p:cxnSp>
+        <p:nvCxnSpPr>
+          <p:cNvPr id="17" name="Straight Arrow Connector 16">
+            <a:extLst>
+              <a:ext uri="{FF2B5EF4-FFF2-40B4-BE49-F238E27FC236}">
+                <a16:creationId xmlns:a16="http://schemas.microsoft.com/office/drawing/2014/main" id="{29309567-3C8C-4525-A8BC-A75AAB94CF84}"/>
+              </a:ext>
+            </a:extLst>
+          </p:cNvPr>
+          <p:cNvCxnSpPr>
+            <a:cxnSpLocks/>
+          </p:cNvCxnSpPr>
+          <p:nvPr/>
+        </p:nvCxnSpPr>
+        <p:spPr>
+          <a:xfrm>
+            <a:off x="4917246" y="901645"/>
+            <a:ext cx="211816" cy="0"/>
+          </a:xfrm>
+          <a:prstGeom prst="straightConnector1">
+            <a:avLst/>
+          </a:prstGeom>
+          <a:ln w="15875">
+            <a:solidFill>
+              <a:schemeClr val="tx1"/>
+            </a:solidFill>
+            <a:tailEnd type="triangle"/>
+          </a:ln>
+        </p:spPr>
+        <p:style>
+          <a:lnRef idx="1">
+            <a:schemeClr val="accent1"/>
+          </a:lnRef>
+          <a:fillRef idx="0">
+            <a:schemeClr val="accent1"/>
+          </a:fillRef>
+          <a:effectRef idx="0">
+            <a:schemeClr val="accent1"/>
+          </a:effectRef>
+          <a:fontRef idx="minor">
+            <a:schemeClr val="tx1"/>
+          </a:fontRef>
+        </p:style>
+      </p:cxnSp>
+      <p:cxnSp>
+        <p:nvCxnSpPr>
+          <p:cNvPr id="19" name="Straight Arrow Connector 18">
+            <a:extLst>
+              <a:ext uri="{FF2B5EF4-FFF2-40B4-BE49-F238E27FC236}">
+                <a16:creationId xmlns:a16="http://schemas.microsoft.com/office/drawing/2014/main" id="{9D8AE1A0-AC1A-45E9-9729-F83FF34C52B8}"/>
+              </a:ext>
+            </a:extLst>
+          </p:cNvPr>
+          <p:cNvCxnSpPr>
+            <a:cxnSpLocks/>
+            <a:endCxn id="10" idx="1"/>
+          </p:cNvCxnSpPr>
+          <p:nvPr/>
+        </p:nvCxnSpPr>
+        <p:spPr>
+          <a:xfrm>
+            <a:off x="5861179" y="901645"/>
+            <a:ext cx="482597" cy="3840"/>
+          </a:xfrm>
+          <a:prstGeom prst="straightConnector1">
+            <a:avLst/>
+          </a:prstGeom>
+          <a:ln w="15875">
+            <a:solidFill>
+              <a:schemeClr val="tx1"/>
+            </a:solidFill>
+            <a:tailEnd type="triangle"/>
+          </a:ln>
+        </p:spPr>
+        <p:style>
+          <a:lnRef idx="1">
+            <a:schemeClr val="accent1"/>
+          </a:lnRef>
+          <a:fillRef idx="0">
+            <a:schemeClr val="accent1"/>
+          </a:fillRef>
+          <a:effectRef idx="0">
+            <a:schemeClr val="accent1"/>
+          </a:effectRef>
+          <a:fontRef idx="minor">
+            <a:schemeClr val="tx1"/>
+          </a:fontRef>
+        </p:style>
+      </p:cxnSp>
+      <p:cxnSp>
+        <p:nvCxnSpPr>
+          <p:cNvPr id="28" name="Connector: Elbow 27">
+            <a:extLst>
+              <a:ext uri="{FF2B5EF4-FFF2-40B4-BE49-F238E27FC236}">
+                <a16:creationId xmlns:a16="http://schemas.microsoft.com/office/drawing/2014/main" id="{48211799-4D23-47BE-88A3-180934A7BCEE}"/>
+              </a:ext>
+            </a:extLst>
+          </p:cNvPr>
+          <p:cNvCxnSpPr>
+            <a:cxnSpLocks/>
+            <a:stCxn id="3" idx="3"/>
+          </p:cNvCxnSpPr>
+          <p:nvPr/>
+        </p:nvCxnSpPr>
+        <p:spPr>
+          <a:xfrm>
+            <a:off x="3235455" y="905486"/>
+            <a:ext cx="823375" cy="1081402"/>
+          </a:xfrm>
+          <a:prstGeom prst="bentConnector3">
+            <a:avLst>
+              <a:gd name="adj1" fmla="val 17758"/>
+            </a:avLst>
+          </a:prstGeom>
+          <a:ln w="15875">
+            <a:solidFill>
+              <a:schemeClr val="tx1"/>
+            </a:solidFill>
+            <a:tailEnd type="triangle"/>
+          </a:ln>
+        </p:spPr>
+        <p:style>
+          <a:lnRef idx="1">
+            <a:schemeClr val="accent1"/>
+          </a:lnRef>
+          <a:fillRef idx="0">
+            <a:schemeClr val="accent1"/>
+          </a:fillRef>
+          <a:effectRef idx="0">
+            <a:schemeClr val="accent1"/>
+          </a:effectRef>
+          <a:fontRef idx="minor">
+            <a:schemeClr val="tx1"/>
+          </a:fontRef>
+        </p:style>
+      </p:cxnSp>
+      <p:cxnSp>
+        <p:nvCxnSpPr>
+          <p:cNvPr id="32" name="Straight Arrow Connector 31">
+            <a:extLst>
+              <a:ext uri="{FF2B5EF4-FFF2-40B4-BE49-F238E27FC236}">
+                <a16:creationId xmlns:a16="http://schemas.microsoft.com/office/drawing/2014/main" id="{636382D2-5534-4A9F-BFAD-6065A7D487D7}"/>
+              </a:ext>
+            </a:extLst>
+          </p:cNvPr>
+          <p:cNvCxnSpPr>
+            <a:cxnSpLocks/>
+          </p:cNvCxnSpPr>
+          <p:nvPr/>
+        </p:nvCxnSpPr>
+        <p:spPr>
+          <a:xfrm>
+            <a:off x="5178883" y="1986888"/>
+            <a:ext cx="251769" cy="0"/>
+          </a:xfrm>
+          <a:prstGeom prst="straightConnector1">
+            <a:avLst/>
+          </a:prstGeom>
+          <a:ln w="15875">
+            <a:solidFill>
+              <a:schemeClr val="tx1"/>
+            </a:solidFill>
+            <a:tailEnd type="triangle"/>
+          </a:ln>
+        </p:spPr>
+        <p:style>
+          <a:lnRef idx="1">
+            <a:schemeClr val="accent1"/>
+          </a:lnRef>
+          <a:fillRef idx="0">
+            <a:schemeClr val="accent1"/>
+          </a:fillRef>
+          <a:effectRef idx="0">
+            <a:schemeClr val="accent1"/>
+          </a:effectRef>
+          <a:fontRef idx="minor">
+            <a:schemeClr val="tx1"/>
+          </a:fontRef>
+        </p:style>
+      </p:cxnSp>
+      <p:cxnSp>
+        <p:nvCxnSpPr>
+          <p:cNvPr id="35" name="Straight Arrow Connector 34">
+            <a:extLst>
+              <a:ext uri="{FF2B5EF4-FFF2-40B4-BE49-F238E27FC236}">
+                <a16:creationId xmlns:a16="http://schemas.microsoft.com/office/drawing/2014/main" id="{F204B503-62A8-4F6A-AE7F-78A77676FB2A}"/>
+              </a:ext>
+            </a:extLst>
+          </p:cNvPr>
+          <p:cNvCxnSpPr>
+            <a:cxnSpLocks/>
+            <a:endCxn id="58" idx="1"/>
+          </p:cNvCxnSpPr>
+          <p:nvPr/>
+        </p:nvCxnSpPr>
+        <p:spPr>
+          <a:xfrm>
+            <a:off x="7295570" y="1995561"/>
+            <a:ext cx="376463" cy="371795"/>
+          </a:xfrm>
+          <a:prstGeom prst="straightConnector1">
+            <a:avLst/>
+          </a:prstGeom>
+          <a:ln w="15875">
+            <a:solidFill>
+              <a:schemeClr val="tx1"/>
+            </a:solidFill>
+            <a:tailEnd type="triangle"/>
+          </a:ln>
+        </p:spPr>
+        <p:style>
+          <a:lnRef idx="1">
+            <a:schemeClr val="accent1"/>
+          </a:lnRef>
+          <a:fillRef idx="0">
+            <a:schemeClr val="accent1"/>
+          </a:fillRef>
+          <a:effectRef idx="0">
+            <a:schemeClr val="accent1"/>
+          </a:effectRef>
+          <a:fontRef idx="minor">
+            <a:schemeClr val="tx1"/>
+          </a:fontRef>
+        </p:style>
+      </p:cxnSp>
+      <p:cxnSp>
+        <p:nvCxnSpPr>
+          <p:cNvPr id="46" name="Straight Arrow Connector 45">
+            <a:extLst>
+              <a:ext uri="{FF2B5EF4-FFF2-40B4-BE49-F238E27FC236}">
+                <a16:creationId xmlns:a16="http://schemas.microsoft.com/office/drawing/2014/main" id="{A647B8EA-5FD2-44D2-9FEC-A0E202E503B3}"/>
+              </a:ext>
+            </a:extLst>
+          </p:cNvPr>
+          <p:cNvCxnSpPr>
+            <a:cxnSpLocks/>
+            <a:endCxn id="58" idx="1"/>
+          </p:cNvCxnSpPr>
+          <p:nvPr/>
+        </p:nvCxnSpPr>
+        <p:spPr>
+          <a:xfrm flipV="1">
+            <a:off x="7225144" y="2367356"/>
+            <a:ext cx="446889" cy="665718"/>
+          </a:xfrm>
+          <a:prstGeom prst="straightConnector1">
+            <a:avLst/>
+          </a:prstGeom>
+          <a:ln w="15875">
+            <a:solidFill>
+              <a:schemeClr val="tx1"/>
+            </a:solidFill>
+            <a:tailEnd type="triangle"/>
+          </a:ln>
+        </p:spPr>
+        <p:style>
+          <a:lnRef idx="1">
+            <a:schemeClr val="accent1"/>
+          </a:lnRef>
+          <a:fillRef idx="0">
+            <a:schemeClr val="accent1"/>
+          </a:fillRef>
+          <a:effectRef idx="0">
+            <a:schemeClr val="accent1"/>
+          </a:effectRef>
+          <a:fontRef idx="minor">
+            <a:schemeClr val="tx1"/>
+          </a:fontRef>
+        </p:style>
+      </p:cxnSp>
+      <p:cxnSp>
+        <p:nvCxnSpPr>
+          <p:cNvPr id="49" name="Straight Arrow Connector 48">
+            <a:extLst>
+              <a:ext uri="{FF2B5EF4-FFF2-40B4-BE49-F238E27FC236}">
+                <a16:creationId xmlns:a16="http://schemas.microsoft.com/office/drawing/2014/main" id="{02F4337B-9923-45A2-9004-DCB43B698270}"/>
+              </a:ext>
+            </a:extLst>
+          </p:cNvPr>
+          <p:cNvCxnSpPr>
+            <a:cxnSpLocks/>
+          </p:cNvCxnSpPr>
+          <p:nvPr/>
+        </p:nvCxnSpPr>
+        <p:spPr>
+          <a:xfrm>
+            <a:off x="5430652" y="3029235"/>
+            <a:ext cx="169164" cy="3839"/>
+          </a:xfrm>
+          <a:prstGeom prst="straightConnector1">
+            <a:avLst/>
+          </a:prstGeom>
+          <a:ln w="15875">
+            <a:solidFill>
+              <a:schemeClr val="tx1"/>
+            </a:solidFill>
+            <a:tailEnd type="triangle"/>
+          </a:ln>
+        </p:spPr>
+        <p:style>
+          <a:lnRef idx="1">
+            <a:schemeClr val="accent1"/>
+          </a:lnRef>
+          <a:fillRef idx="0">
+            <a:schemeClr val="accent1"/>
+          </a:fillRef>
+          <a:effectRef idx="0">
+            <a:schemeClr val="accent1"/>
+          </a:effectRef>
+          <a:fontRef idx="minor">
+            <a:schemeClr val="tx1"/>
+          </a:fontRef>
+        </p:style>
+      </p:cxnSp>
+      <p:cxnSp>
+        <p:nvCxnSpPr>
+          <p:cNvPr id="56" name="Connector: Elbow 55">
+            <a:extLst>
+              <a:ext uri="{FF2B5EF4-FFF2-40B4-BE49-F238E27FC236}">
+                <a16:creationId xmlns:a16="http://schemas.microsoft.com/office/drawing/2014/main" id="{5282E0AE-7B7B-4E2D-8E8B-E2038F522A00}"/>
+              </a:ext>
+            </a:extLst>
+          </p:cNvPr>
+          <p:cNvCxnSpPr>
+            <a:cxnSpLocks/>
+            <a:stCxn id="3" idx="3"/>
+          </p:cNvCxnSpPr>
+          <p:nvPr/>
+        </p:nvCxnSpPr>
+        <p:spPr>
+          <a:xfrm>
+            <a:off x="3235455" y="905486"/>
+            <a:ext cx="980506" cy="2123749"/>
+          </a:xfrm>
+          <a:prstGeom prst="bentConnector3">
+            <a:avLst>
+              <a:gd name="adj1" fmla="val 14903"/>
+            </a:avLst>
+          </a:prstGeom>
+          <a:ln w="15875">
+            <a:solidFill>
+              <a:schemeClr val="tx1"/>
+            </a:solidFill>
+            <a:tailEnd type="triangle"/>
+          </a:ln>
+        </p:spPr>
+        <p:style>
+          <a:lnRef idx="1">
+            <a:schemeClr val="accent1"/>
+          </a:lnRef>
+          <a:fillRef idx="0">
+            <a:schemeClr val="accent1"/>
+          </a:fillRef>
+          <a:effectRef idx="0">
+            <a:schemeClr val="accent1"/>
+          </a:effectRef>
+          <a:fontRef idx="minor">
+            <a:schemeClr val="tx1"/>
+          </a:fontRef>
+        </p:style>
+      </p:cxnSp>
+      <p:sp>
+        <p:nvSpPr>
+          <p:cNvPr id="38" name="TextBox 37">
+            <a:extLst>
+              <a:ext uri="{FF2B5EF4-FFF2-40B4-BE49-F238E27FC236}">
+                <a16:creationId xmlns:a16="http://schemas.microsoft.com/office/drawing/2014/main" id="{2C2A123E-E33B-47BD-B353-0FBAC16B23A9}"/>
+              </a:ext>
+            </a:extLst>
+          </p:cNvPr>
+          <p:cNvSpPr txBox="1"/>
+          <p:nvPr/>
+        </p:nvSpPr>
+        <p:spPr>
+          <a:xfrm>
+            <a:off x="271387" y="566633"/>
+            <a:ext cx="1580213" cy="646331"/>
+          </a:xfrm>
+          <a:prstGeom prst="rect">
+            <a:avLst/>
+          </a:prstGeom>
+          <a:noFill/>
+        </p:spPr>
+        <p:txBody>
+          <a:bodyPr wrap="square">
+            <a:spAutoFit/>
+          </a:bodyPr>
+          <a:lstStyle/>
+          <a:p>
+            <a:pPr algn="ctr"/>
+            <a:r>
+              <a:rPr lang="en-US" altLang="zh-CN" dirty="0">
+                <a:solidFill>
+                  <a:schemeClr val="tx1"/>
+                </a:solidFill>
+              </a:rPr>
+              <a:t>Received data stream </a:t>
+            </a:r>
+            <a:r>
+              <a:rPr lang="en-US" altLang="zh-CN" b="1" i="1" dirty="0">
+                <a:solidFill>
+                  <a:schemeClr val="tx1"/>
+                </a:solidFill>
+              </a:rPr>
+              <a:t>r</a:t>
+            </a:r>
+            <a:endParaRPr lang="en-US" b="1" i="1" dirty="0">
+              <a:solidFill>
+                <a:schemeClr val="tx1"/>
+              </a:solidFill>
+            </a:endParaRPr>
+          </a:p>
+        </p:txBody>
+      </p:sp>
+      <p:sp>
+        <p:nvSpPr>
+          <p:cNvPr id="42" name="TextBox 41">
+            <a:extLst>
+              <a:ext uri="{FF2B5EF4-FFF2-40B4-BE49-F238E27FC236}">
+                <a16:creationId xmlns:a16="http://schemas.microsoft.com/office/drawing/2014/main" id="{1DDBB395-5F3E-4717-9DB3-464DFBE35B68}"/>
+              </a:ext>
+            </a:extLst>
+          </p:cNvPr>
+          <p:cNvSpPr txBox="1"/>
+          <p:nvPr/>
+        </p:nvSpPr>
+        <p:spPr>
+          <a:xfrm>
+            <a:off x="2979174" y="3879716"/>
+            <a:ext cx="6096000" cy="369332"/>
+          </a:xfrm>
+          <a:prstGeom prst="rect">
+            <a:avLst/>
+          </a:prstGeom>
+          <a:noFill/>
+        </p:spPr>
+        <p:txBody>
+          <a:bodyPr wrap="square">
+            <a:spAutoFit/>
+          </a:bodyPr>
+          <a:lstStyle/>
+          <a:p>
+            <a:pPr algn="ctr"/>
+            <a:r>
+              <a:rPr lang="en-US" altLang="zh-CN" dirty="0">
+                <a:solidFill>
+                  <a:schemeClr val="tx1"/>
+                </a:solidFill>
+              </a:rPr>
+              <a:t>Terminate</a:t>
+            </a:r>
+            <a:endParaRPr lang="en-US" dirty="0">
+              <a:solidFill>
+                <a:schemeClr val="tx1"/>
+              </a:solidFill>
+            </a:endParaRPr>
+          </a:p>
+        </p:txBody>
+      </p:sp>
+      <p:sp>
+        <p:nvSpPr>
+          <p:cNvPr id="43" name="TextBox 42">
+            <a:extLst>
+              <a:ext uri="{FF2B5EF4-FFF2-40B4-BE49-F238E27FC236}">
+                <a16:creationId xmlns:a16="http://schemas.microsoft.com/office/drawing/2014/main" id="{FB7310AE-963C-45DA-94C7-433A44AC1E9C}"/>
+              </a:ext>
+            </a:extLst>
+          </p:cNvPr>
+          <p:cNvSpPr txBox="1"/>
+          <p:nvPr/>
+        </p:nvSpPr>
+        <p:spPr>
+          <a:xfrm>
+            <a:off x="3328261" y="755714"/>
+            <a:ext cx="2060998" cy="276999"/>
+          </a:xfrm>
+          <a:prstGeom prst="rect">
+            <a:avLst/>
+          </a:prstGeom>
+          <a:noFill/>
+        </p:spPr>
+        <p:txBody>
+          <a:bodyPr wrap="square">
+            <a:spAutoFit/>
+          </a:bodyPr>
+          <a:lstStyle/>
+          <a:p>
+            <a:pPr algn="ctr"/>
+            <a:r>
+              <a:rPr lang="en-US" sz="1200" dirty="0">
+                <a:solidFill>
+                  <a:schemeClr val="tx1"/>
+                </a:solidFill>
+              </a:rPr>
+              <a:t>Shift register I</a:t>
+            </a:r>
+          </a:p>
+        </p:txBody>
+      </p:sp>
+      <mc:AlternateContent xmlns:mc="http://schemas.openxmlformats.org/markup-compatibility/2006">
+        <mc:Choice xmlns:a14="http://schemas.microsoft.com/office/drawing/2010/main" Requires="a14">
+          <p:sp>
+            <p:nvSpPr>
+              <p:cNvPr id="48" name="TextBox 47">
+                <a:extLst>
+                  <a:ext uri="{FF2B5EF4-FFF2-40B4-BE49-F238E27FC236}">
+                    <a16:creationId xmlns:a16="http://schemas.microsoft.com/office/drawing/2014/main" id="{45435F18-F576-4427-BE22-5BAE661E4441}"/>
+                  </a:ext>
+                </a:extLst>
+              </p:cNvPr>
+              <p:cNvSpPr txBox="1"/>
+              <p:nvPr/>
+            </p:nvSpPr>
+            <p:spPr>
+              <a:xfrm>
+                <a:off x="4815556" y="744605"/>
+                <a:ext cx="1399356" cy="276999"/>
+              </a:xfrm>
+              <a:prstGeom prst="rect">
+                <a:avLst/>
+              </a:prstGeom>
+              <a:noFill/>
+            </p:spPr>
+            <p:txBody>
+              <a:bodyPr wrap="square">
+                <a:spAutoFit/>
+              </a:bodyPr>
+              <a:lstStyle/>
+              <a:p>
+                <a:pPr algn="ctr"/>
+                <a14:m>
+                  <m:oMathPara xmlns:m="http://schemas.openxmlformats.org/officeDocument/2006/math">
+                    <m:oMathParaPr>
+                      <m:jc m:val="centerGroup"/>
+                    </m:oMathParaPr>
+                    <m:oMath xmlns:m="http://schemas.openxmlformats.org/officeDocument/2006/math">
+                      <m:sSubSup>
+                        <m:sSubSupPr>
+                          <m:ctrlPr>
+                            <a:rPr lang="en-US" altLang="zh-CN" sz="1200" b="0" i="1" dirty="0" smtClean="0">
+                              <a:solidFill>
+                                <a:schemeClr val="tx1"/>
+                              </a:solidFill>
+                              <a:latin typeface="Cambria Math" panose="02040503050406030204" pitchFamily="18" charset="0"/>
+                            </a:rPr>
+                          </m:ctrlPr>
+                        </m:sSubSupPr>
+                        <m:e>
+                          <m:r>
+                            <a:rPr lang="en-US" altLang="zh-CN" sz="1200" i="1" dirty="0" smtClean="0">
+                              <a:solidFill>
+                                <a:schemeClr val="tx1"/>
+                              </a:solidFill>
+                              <a:latin typeface="Cambria Math" panose="02040503050406030204" pitchFamily="18" charset="0"/>
+                            </a:rPr>
+                            <m:t>𝑟</m:t>
+                          </m:r>
+                        </m:e>
+                        <m:sub>
+                          <m:r>
+                            <a:rPr lang="en-US" altLang="zh-CN" sz="1200" b="0" i="1" dirty="0" smtClean="0">
+                              <a:solidFill>
+                                <a:schemeClr val="tx1"/>
+                              </a:solidFill>
+                              <a:latin typeface="Cambria Math" panose="02040503050406030204" pitchFamily="18" charset="0"/>
+                            </a:rPr>
+                            <m:t>𝑚</m:t>
+                          </m:r>
+                        </m:sub>
+                        <m:sup>
+                          <m:r>
+                            <a:rPr lang="en-US" altLang="zh-CN" sz="1200" b="0" i="1" dirty="0" smtClean="0">
+                              <a:solidFill>
+                                <a:schemeClr val="tx1"/>
+                              </a:solidFill>
+                              <a:latin typeface="Cambria Math" panose="02040503050406030204" pitchFamily="18" charset="0"/>
+                            </a:rPr>
+                            <m:t>∗</m:t>
+                          </m:r>
+                        </m:sup>
+                      </m:sSubSup>
+                      <m:sSub>
+                        <m:sSubPr>
+                          <m:ctrlPr>
+                            <a:rPr lang="en-US" altLang="zh-CN" sz="1200" b="0" i="1" dirty="0" smtClean="0">
+                              <a:solidFill>
+                                <a:schemeClr val="tx1"/>
+                              </a:solidFill>
+                              <a:latin typeface="Cambria Math" panose="02040503050406030204" pitchFamily="18" charset="0"/>
+                            </a:rPr>
+                          </m:ctrlPr>
+                        </m:sSubPr>
+                        <m:e>
+                          <m:r>
+                            <a:rPr lang="en-US" altLang="zh-CN" sz="1200" b="0" i="1" dirty="0" smtClean="0">
+                              <a:solidFill>
+                                <a:schemeClr val="tx1"/>
+                              </a:solidFill>
+                              <a:latin typeface="Cambria Math" panose="02040503050406030204" pitchFamily="18" charset="0"/>
+                            </a:rPr>
+                            <m:t>𝑟</m:t>
+                          </m:r>
+                        </m:e>
+                        <m:sub>
+                          <m:r>
+                            <a:rPr lang="en-US" altLang="zh-CN" sz="1200" b="0" i="1" dirty="0" smtClean="0">
+                              <a:solidFill>
+                                <a:schemeClr val="tx1"/>
+                              </a:solidFill>
+                              <a:latin typeface="Cambria Math" panose="02040503050406030204" pitchFamily="18" charset="0"/>
+                            </a:rPr>
+                            <m:t>𝑚</m:t>
+                          </m:r>
+                          <m:r>
+                            <a:rPr lang="en-US" altLang="zh-CN" sz="1200" b="0" i="1" dirty="0" smtClean="0">
+                              <a:solidFill>
+                                <a:schemeClr val="tx1"/>
+                              </a:solidFill>
+                              <a:latin typeface="Cambria Math" panose="02040503050406030204" pitchFamily="18" charset="0"/>
+                            </a:rPr>
+                            <m:t>−</m:t>
+                          </m:r>
+                          <m:r>
+                            <a:rPr lang="en-US" altLang="zh-CN" sz="1200" b="0" i="1" dirty="0" smtClean="0">
+                              <a:solidFill>
+                                <a:schemeClr val="tx1"/>
+                              </a:solidFill>
+                              <a:latin typeface="Cambria Math" panose="02040503050406030204" pitchFamily="18" charset="0"/>
+                            </a:rPr>
+                            <m:t>𝑘</m:t>
+                          </m:r>
+                        </m:sub>
+                      </m:sSub>
+                    </m:oMath>
+                  </m:oMathPara>
+                </a14:m>
+                <a:endParaRPr lang="en-US" sz="1200" dirty="0">
+                  <a:solidFill>
+                    <a:schemeClr val="tx1"/>
+                  </a:solidFill>
+                </a:endParaRPr>
+              </a:p>
+            </p:txBody>
+          </p:sp>
+        </mc:Choice>
+        <mc:Fallback>
+          <p:sp>
+            <p:nvSpPr>
+              <p:cNvPr id="48" name="TextBox 47">
+                <a:extLst>
+                  <a:ext uri="{FF2B5EF4-FFF2-40B4-BE49-F238E27FC236}">
+                    <a16:creationId xmlns:a16="http://schemas.microsoft.com/office/drawing/2014/main" id="{45435F18-F576-4427-BE22-5BAE661E4441}"/>
+                  </a:ext>
+                </a:extLst>
+              </p:cNvPr>
+              <p:cNvSpPr txBox="1">
+                <a:spLocks noRot="1" noChangeAspect="1" noMove="1" noResize="1" noEditPoints="1" noAdjustHandles="1" noChangeArrowheads="1" noChangeShapeType="1" noTextEdit="1"/>
+              </p:cNvSpPr>
+              <p:nvPr/>
+            </p:nvSpPr>
+            <p:spPr>
+              <a:xfrm>
+                <a:off x="4815556" y="744605"/>
+                <a:ext cx="1399356" cy="276999"/>
+              </a:xfrm>
+              <a:prstGeom prst="rect">
+                <a:avLst/>
+              </a:prstGeom>
+              <a:blipFill>
+                <a:blip r:embed="rId9"/>
+                <a:stretch>
+                  <a:fillRect/>
+                </a:stretch>
+              </a:blipFill>
+            </p:spPr>
+            <p:txBody>
+              <a:bodyPr/>
+              <a:lstStyle/>
+              <a:p>
+                <a:r>
+                  <a:rPr lang="en-US">
+                    <a:noFill/>
+                  </a:rPr>
+                  <a:t> </a:t>
+                </a:r>
+              </a:p>
+            </p:txBody>
+          </p:sp>
+        </mc:Fallback>
+      </mc:AlternateContent>
+      <p:sp>
+        <p:nvSpPr>
+          <p:cNvPr id="51" name="TextBox 50">
+            <a:extLst>
+              <a:ext uri="{FF2B5EF4-FFF2-40B4-BE49-F238E27FC236}">
+                <a16:creationId xmlns:a16="http://schemas.microsoft.com/office/drawing/2014/main" id="{BA0F6F68-677F-4B01-A51C-8973AC6B840A}"/>
+              </a:ext>
+            </a:extLst>
+          </p:cNvPr>
+          <p:cNvSpPr txBox="1"/>
+          <p:nvPr/>
+        </p:nvSpPr>
+        <p:spPr>
+          <a:xfrm>
+            <a:off x="4012689" y="1838667"/>
+            <a:ext cx="1349115" cy="276999"/>
+          </a:xfrm>
+          <a:prstGeom prst="rect">
+            <a:avLst/>
+          </a:prstGeom>
+          <a:noFill/>
+        </p:spPr>
+        <p:txBody>
+          <a:bodyPr wrap="square">
+            <a:spAutoFit/>
+          </a:bodyPr>
+          <a:lstStyle/>
+          <a:p>
+            <a:pPr algn="ctr"/>
+            <a:r>
+              <a:rPr lang="en-US" sz="1200" dirty="0">
+                <a:solidFill>
+                  <a:schemeClr val="tx1"/>
+                </a:solidFill>
+              </a:rPr>
+              <a:t>Shift register II</a:t>
+            </a:r>
+          </a:p>
+        </p:txBody>
+      </p:sp>
+      <mc:AlternateContent xmlns:mc="http://schemas.openxmlformats.org/markup-compatibility/2006">
+        <mc:Choice xmlns:a14="http://schemas.microsoft.com/office/drawing/2010/main" Requires="a14">
+          <p:sp>
+            <p:nvSpPr>
+              <p:cNvPr id="52" name="TextBox 51">
+                <a:extLst>
+                  <a:ext uri="{FF2B5EF4-FFF2-40B4-BE49-F238E27FC236}">
+                    <a16:creationId xmlns:a16="http://schemas.microsoft.com/office/drawing/2014/main" id="{9D572321-8DB2-4F4C-A0BD-CCF48E1A2FEB}"/>
+                  </a:ext>
+                </a:extLst>
+              </p:cNvPr>
+              <p:cNvSpPr txBox="1"/>
+              <p:nvPr/>
+            </p:nvSpPr>
+            <p:spPr>
+              <a:xfrm>
+                <a:off x="5389259" y="1739372"/>
+                <a:ext cx="2035885" cy="505395"/>
+              </a:xfrm>
+              <a:prstGeom prst="rect">
+                <a:avLst/>
+              </a:prstGeom>
+              <a:noFill/>
+            </p:spPr>
+            <p:txBody>
+              <a:bodyPr wrap="square">
+                <a:spAutoFit/>
+              </a:bodyPr>
+              <a:lstStyle/>
+              <a:p>
+                <a:pPr algn="ctr"/>
+                <a14:m>
+                  <m:oMathPara xmlns:m="http://schemas.openxmlformats.org/officeDocument/2006/math">
+                    <m:oMathParaPr>
+                      <m:jc m:val="centerGroup"/>
+                    </m:oMathParaPr>
+                    <m:oMath xmlns:m="http://schemas.openxmlformats.org/officeDocument/2006/math">
+                      <m:r>
+                        <m:rPr>
+                          <m:nor/>
+                        </m:rPr>
+                        <a:rPr lang="en-US" sz="1200" dirty="0" smtClean="0">
+                          <a:solidFill>
+                            <a:schemeClr val="tx1"/>
+                          </a:solidFill>
+                        </a:rPr>
+                        <m:t>The</m:t>
+                      </m:r>
+                      <m:r>
+                        <m:rPr>
+                          <m:nor/>
+                        </m:rPr>
+                        <a:rPr lang="en-US" sz="1200" dirty="0" smtClean="0">
+                          <a:solidFill>
+                            <a:schemeClr val="tx1"/>
+                          </a:solidFill>
+                        </a:rPr>
+                        <m:t> </m:t>
+                      </m:r>
+                      <m:r>
+                        <m:rPr>
+                          <m:nor/>
+                        </m:rPr>
+                        <a:rPr lang="en-US" sz="1200" b="0" i="0" dirty="0" smtClean="0">
+                          <a:solidFill>
+                            <a:schemeClr val="tx1"/>
+                          </a:solidFill>
+                        </a:rPr>
+                        <m:t>numerator</m:t>
+                      </m:r>
+                      <m:r>
+                        <m:rPr>
+                          <m:nor/>
+                        </m:rPr>
+                        <a:rPr lang="en-US" sz="1200" b="0" i="0" dirty="0" smtClean="0">
+                          <a:solidFill>
+                            <a:schemeClr val="tx1"/>
+                          </a:solidFill>
+                        </a:rPr>
+                        <m:t> </m:t>
+                      </m:r>
+                      <m:r>
+                        <m:rPr>
+                          <m:nor/>
+                        </m:rPr>
+                        <a:rPr lang="en-US" sz="1200" b="0" i="0" dirty="0" smtClean="0">
+                          <a:solidFill>
+                            <a:schemeClr val="tx1"/>
+                          </a:solidFill>
+                        </a:rPr>
+                        <m:t>of</m:t>
+                      </m:r>
+                      <m:r>
+                        <m:rPr>
+                          <m:nor/>
+                        </m:rPr>
+                        <a:rPr lang="en-US" sz="1200" b="0" i="0" dirty="0" smtClean="0">
+                          <a:solidFill>
+                            <a:schemeClr val="tx1"/>
+                          </a:solidFill>
+                        </a:rPr>
+                        <m:t> </m:t>
+                      </m:r>
+                      <m:r>
+                        <m:rPr>
+                          <m:nor/>
+                        </m:rPr>
+                        <a:rPr lang="en-US" sz="1200" dirty="0" smtClean="0">
+                          <a:solidFill>
+                            <a:schemeClr val="tx1"/>
+                          </a:solidFill>
+                        </a:rPr>
+                        <m:t>phasor</m:t>
+                      </m:r>
+                      <m:r>
+                        <m:rPr>
+                          <m:nor/>
+                        </m:rPr>
+                        <a:rPr lang="en-US" sz="1200" dirty="0" smtClean="0">
+                          <a:solidFill>
+                            <a:schemeClr val="tx1"/>
+                          </a:solidFill>
+                        </a:rPr>
+                        <m:t> </m:t>
+                      </m:r>
+                      <m:r>
+                        <m:rPr>
+                          <m:nor/>
+                        </m:rPr>
+                        <a:rPr lang="en-US" sz="1200" dirty="0" smtClean="0">
+                          <a:solidFill>
+                            <a:schemeClr val="tx1"/>
+                          </a:solidFill>
+                        </a:rPr>
+                        <m:t>estimate</m:t>
+                      </m:r>
+                      <m:r>
+                        <m:rPr>
+                          <m:nor/>
+                        </m:rPr>
+                        <a:rPr lang="en-US" sz="1200" dirty="0" smtClean="0">
+                          <a:solidFill>
+                            <a:schemeClr val="tx1"/>
+                          </a:solidFill>
+                        </a:rPr>
+                        <m:t> </m:t>
+                      </m:r>
+                      <m:r>
+                        <m:rPr>
+                          <m:nor/>
+                        </m:rPr>
+                        <a:rPr lang="en-US" sz="1200" dirty="0" smtClean="0">
+                          <a:solidFill>
+                            <a:schemeClr val="tx1"/>
+                          </a:solidFill>
+                        </a:rPr>
+                        <m:t>for</m:t>
+                      </m:r>
+                      <m:r>
+                        <m:rPr>
+                          <m:nor/>
+                        </m:rPr>
+                        <a:rPr lang="en-US" sz="1200" dirty="0" smtClean="0">
+                          <a:solidFill>
+                            <a:schemeClr val="tx1"/>
+                          </a:solidFill>
+                        </a:rPr>
+                        <m:t> </m:t>
+                      </m:r>
+                      <m:r>
+                        <m:rPr>
+                          <m:nor/>
+                        </m:rPr>
+                        <a:rPr lang="en-US" sz="1200" dirty="0" smtClean="0">
+                          <a:solidFill>
+                            <a:schemeClr val="tx1"/>
+                          </a:solidFill>
+                        </a:rPr>
+                        <m:t>SD</m:t>
+                      </m:r>
+                      <m:r>
+                        <m:rPr>
+                          <m:nor/>
+                        </m:rPr>
+                        <a:rPr lang="en-US" sz="1200" dirty="0" smtClean="0">
+                          <a:solidFill>
+                            <a:schemeClr val="tx1"/>
+                          </a:solidFill>
+                        </a:rPr>
+                        <m:t> </m:t>
+                      </m:r>
+                      <m:r>
+                        <a:rPr lang="en-US" sz="1200">
+                          <a:solidFill>
+                            <a:schemeClr val="tx1"/>
+                          </a:solidFill>
+                          <a:latin typeface="Cambria Math" panose="02040503050406030204" pitchFamily="18" charset="0"/>
+                        </a:rPr>
+                        <m:t>(</m:t>
+                      </m:r>
+                      <m:sSubSup>
+                        <m:sSubSupPr>
+                          <m:ctrlPr>
+                            <a:rPr lang="en-US" sz="1200" b="0" i="1" smtClean="0">
+                              <a:solidFill>
+                                <a:schemeClr val="tx1"/>
+                              </a:solidFill>
+                              <a:latin typeface="Cambria Math" panose="02040503050406030204" pitchFamily="18" charset="0"/>
+                            </a:rPr>
+                          </m:ctrlPr>
+                        </m:sSubSupPr>
+                        <m:e>
+                          <m:acc>
+                            <m:accPr>
+                              <m:chr m:val="̂"/>
+                              <m:ctrlPr>
+                                <a:rPr lang="en-US" sz="1200" i="1">
+                                  <a:solidFill>
+                                    <a:schemeClr val="tx1"/>
+                                  </a:solidFill>
+                                  <a:latin typeface="Cambria Math" panose="02040503050406030204" pitchFamily="18" charset="0"/>
+                                </a:rPr>
+                              </m:ctrlPr>
+                            </m:accPr>
+                            <m:e>
+                              <m:r>
+                                <a:rPr lang="en-US" sz="1200" i="1">
+                                  <a:solidFill>
+                                    <a:schemeClr val="tx1"/>
+                                  </a:solidFill>
+                                  <a:latin typeface="Cambria Math" panose="02040503050406030204" pitchFamily="18" charset="0"/>
+                                </a:rPr>
+                                <m:t>𝑆</m:t>
+                              </m:r>
+                            </m:e>
+                          </m:acc>
+                        </m:e>
+                        <m:sub>
+                          <m:r>
+                            <a:rPr lang="en-US" sz="1200" i="1">
+                              <a:solidFill>
+                                <a:schemeClr val="tx1"/>
+                              </a:solidFill>
+                              <a:latin typeface="Cambria Math" panose="02040503050406030204" pitchFamily="18" charset="0"/>
+                            </a:rPr>
+                            <m:t>𝑆𝐷</m:t>
+                          </m:r>
+                        </m:sub>
+                        <m:sup>
+                          <m:r>
+                            <a:rPr lang="en-US" sz="1200" b="0" i="1" smtClean="0">
+                              <a:solidFill>
+                                <a:schemeClr val="tx1"/>
+                              </a:solidFill>
+                              <a:latin typeface="Cambria Math" panose="02040503050406030204" pitchFamily="18" charset="0"/>
+                            </a:rPr>
+                            <m:t>(</m:t>
+                          </m:r>
+                          <m:r>
+                            <m:rPr>
+                              <m:sty m:val="p"/>
+                            </m:rPr>
+                            <a:rPr lang="en-US" sz="1200" b="0" i="0" smtClean="0">
+                              <a:solidFill>
+                                <a:schemeClr val="tx1"/>
+                              </a:solidFill>
+                              <a:latin typeface="Cambria Math" panose="02040503050406030204" pitchFamily="18" charset="0"/>
+                            </a:rPr>
+                            <m:t>num</m:t>
+                          </m:r>
+                          <m:r>
+                            <a:rPr lang="en-US" sz="1200" b="0" i="1" smtClean="0">
+                              <a:solidFill>
+                                <a:schemeClr val="tx1"/>
+                              </a:solidFill>
+                              <a:latin typeface="Cambria Math" panose="02040503050406030204" pitchFamily="18" charset="0"/>
+                            </a:rPr>
+                            <m:t>)</m:t>
+                          </m:r>
+                        </m:sup>
+                      </m:sSubSup>
+                      <m:r>
+                        <a:rPr lang="en-US" sz="1200" i="1">
+                          <a:solidFill>
+                            <a:schemeClr val="tx1"/>
+                          </a:solidFill>
+                          <a:latin typeface="Cambria Math" panose="02040503050406030204" pitchFamily="18" charset="0"/>
+                        </a:rPr>
+                        <m:t>(</m:t>
+                      </m:r>
+                      <m:r>
+                        <a:rPr lang="en-US" sz="1200" i="1">
+                          <a:solidFill>
+                            <a:schemeClr val="tx1"/>
+                          </a:solidFill>
+                          <a:latin typeface="Cambria Math" panose="02040503050406030204" pitchFamily="18" charset="0"/>
+                        </a:rPr>
+                        <m:t>𝑝</m:t>
+                      </m:r>
+                      <m:r>
+                        <a:rPr lang="en-US" sz="1200" i="1">
+                          <a:solidFill>
+                            <a:schemeClr val="tx1"/>
+                          </a:solidFill>
+                          <a:latin typeface="Cambria Math" panose="02040503050406030204" pitchFamily="18" charset="0"/>
+                        </a:rPr>
+                        <m:t>))</m:t>
+                      </m:r>
+                    </m:oMath>
+                  </m:oMathPara>
+                </a14:m>
+                <a:endParaRPr lang="en-US" sz="1200" dirty="0">
+                  <a:solidFill>
+                    <a:schemeClr val="tx1"/>
+                  </a:solidFill>
+                </a:endParaRPr>
+              </a:p>
+            </p:txBody>
+          </p:sp>
+        </mc:Choice>
+        <mc:Fallback>
+          <p:sp>
+            <p:nvSpPr>
+              <p:cNvPr id="52" name="TextBox 51">
+                <a:extLst>
+                  <a:ext uri="{FF2B5EF4-FFF2-40B4-BE49-F238E27FC236}">
+                    <a16:creationId xmlns:a16="http://schemas.microsoft.com/office/drawing/2014/main" id="{9D572321-8DB2-4F4C-A0BD-CCF48E1A2FEB}"/>
+                  </a:ext>
+                </a:extLst>
+              </p:cNvPr>
+              <p:cNvSpPr txBox="1">
+                <a:spLocks noRot="1" noChangeAspect="1" noMove="1" noResize="1" noEditPoints="1" noAdjustHandles="1" noChangeArrowheads="1" noChangeShapeType="1" noTextEdit="1"/>
+              </p:cNvSpPr>
+              <p:nvPr/>
+            </p:nvSpPr>
+            <p:spPr>
+              <a:xfrm>
+                <a:off x="5389259" y="1739372"/>
+                <a:ext cx="2035885" cy="505395"/>
+              </a:xfrm>
+              <a:prstGeom prst="rect">
+                <a:avLst/>
+              </a:prstGeom>
+              <a:blipFill>
+                <a:blip r:embed="rId10"/>
+                <a:stretch>
+                  <a:fillRect b="-2410"/>
+                </a:stretch>
+              </a:blipFill>
+            </p:spPr>
+            <p:txBody>
+              <a:bodyPr/>
+              <a:lstStyle/>
+              <a:p>
+                <a:r>
+                  <a:rPr lang="en-US">
+                    <a:noFill/>
+                  </a:rPr>
+                  <a:t> </a:t>
+                </a:r>
+              </a:p>
+            </p:txBody>
+          </p:sp>
+        </mc:Fallback>
+      </mc:AlternateContent>
+      <p:sp>
+        <p:nvSpPr>
+          <p:cNvPr id="57" name="TextBox 56">
+            <a:extLst>
+              <a:ext uri="{FF2B5EF4-FFF2-40B4-BE49-F238E27FC236}">
+                <a16:creationId xmlns:a16="http://schemas.microsoft.com/office/drawing/2014/main" id="{04702D03-FFD8-453A-8855-C7C6AA2EB95E}"/>
+              </a:ext>
+            </a:extLst>
+          </p:cNvPr>
+          <p:cNvSpPr txBox="1"/>
+          <p:nvPr/>
+        </p:nvSpPr>
+        <p:spPr>
+          <a:xfrm>
+            <a:off x="3963948" y="2881175"/>
+            <a:ext cx="1735041" cy="276999"/>
+          </a:xfrm>
+          <a:prstGeom prst="rect">
+            <a:avLst/>
+          </a:prstGeom>
+          <a:noFill/>
+        </p:spPr>
+        <p:txBody>
+          <a:bodyPr wrap="square">
+            <a:spAutoFit/>
+          </a:bodyPr>
+          <a:lstStyle/>
+          <a:p>
+            <a:pPr algn="ctr"/>
+            <a:r>
+              <a:rPr lang="en-US" sz="1200" dirty="0">
+                <a:solidFill>
+                  <a:schemeClr val="tx1"/>
+                </a:solidFill>
+              </a:rPr>
+              <a:t>Shift register III</a:t>
+            </a:r>
+          </a:p>
+        </p:txBody>
+      </p:sp>
+      <mc:AlternateContent xmlns:mc="http://schemas.openxmlformats.org/markup-compatibility/2006">
+        <mc:Choice xmlns:a14="http://schemas.microsoft.com/office/drawing/2010/main" Requires="a14">
+          <p:sp>
+            <p:nvSpPr>
+              <p:cNvPr id="59" name="TextBox 58">
+                <a:extLst>
+                  <a:ext uri="{FF2B5EF4-FFF2-40B4-BE49-F238E27FC236}">
+                    <a16:creationId xmlns:a16="http://schemas.microsoft.com/office/drawing/2014/main" id="{E637170C-2F87-4584-8A49-40B7C377CFBD}"/>
+                  </a:ext>
+                </a:extLst>
+              </p:cNvPr>
+              <p:cNvSpPr txBox="1"/>
+              <p:nvPr/>
+            </p:nvSpPr>
+            <p:spPr>
+              <a:xfrm>
+                <a:off x="3328261" y="2623835"/>
+                <a:ext cx="6096000" cy="810799"/>
+              </a:xfrm>
+              <a:prstGeom prst="rect">
+                <a:avLst/>
+              </a:prstGeom>
+              <a:noFill/>
+            </p:spPr>
+            <p:txBody>
+              <a:bodyPr wrap="square">
+                <a:spAutoFit/>
+              </a:bodyPr>
+              <a:lstStyle/>
+              <a:p>
+                <a:pPr/>
+                <a14:m>
+                  <m:oMathPara xmlns:m="http://schemas.openxmlformats.org/officeDocument/2006/math">
+                    <m:oMathParaPr>
+                      <m:jc m:val="centerGroup"/>
+                    </m:oMathParaPr>
+                    <m:oMath xmlns:m="http://schemas.openxmlformats.org/officeDocument/2006/math">
+                      <m:d>
+                        <m:dPr>
+                          <m:begChr m:val="‖"/>
+                          <m:endChr m:val="‖"/>
+                          <m:ctrlPr>
+                            <a:rPr lang="en-US" sz="1200" i="1" smtClean="0">
+                              <a:solidFill>
+                                <a:schemeClr val="tx1"/>
+                              </a:solidFill>
+                              <a:latin typeface="Cambria Math" panose="02040503050406030204" pitchFamily="18" charset="0"/>
+                            </a:rPr>
+                          </m:ctrlPr>
+                        </m:dPr>
+                        <m:e>
+                          <m:sSub>
+                            <m:sSubPr>
+                              <m:ctrlPr>
+                                <a:rPr lang="en-US" sz="1200" b="1" i="1">
+                                  <a:solidFill>
+                                    <a:schemeClr val="tx1"/>
+                                  </a:solidFill>
+                                  <a:latin typeface="Cambria Math" panose="02040503050406030204" pitchFamily="18" charset="0"/>
+                                </a:rPr>
+                              </m:ctrlPr>
+                            </m:sSubPr>
+                            <m:e>
+                              <m:r>
+                                <a:rPr lang="en-US" sz="1200" b="1" i="1">
+                                  <a:solidFill>
+                                    <a:schemeClr val="tx1"/>
+                                  </a:solidFill>
+                                  <a:latin typeface="Cambria Math" panose="02040503050406030204" pitchFamily="18" charset="0"/>
+                                </a:rPr>
+                                <m:t>𝒓</m:t>
+                              </m:r>
+                            </m:e>
+                            <m:sub>
+                              <m:r>
+                                <a:rPr lang="en-US" sz="1200" b="1" i="1">
+                                  <a:solidFill>
+                                    <a:schemeClr val="tx1"/>
+                                  </a:solidFill>
+                                  <a:latin typeface="Cambria Math" panose="02040503050406030204" pitchFamily="18" charset="0"/>
+                                </a:rPr>
+                                <m:t>𝒑</m:t>
+                              </m:r>
+                            </m:sub>
+                          </m:sSub>
+                        </m:e>
+                      </m:d>
+                      <m:r>
+                        <a:rPr lang="en-US" sz="1200" i="1">
+                          <a:solidFill>
+                            <a:schemeClr val="tx1"/>
+                          </a:solidFill>
+                          <a:latin typeface="Cambria Math" panose="02040503050406030204" pitchFamily="18" charset="0"/>
+                        </a:rPr>
+                        <m:t>=</m:t>
+                      </m:r>
+                      <m:rad>
+                        <m:radPr>
+                          <m:degHide m:val="on"/>
+                          <m:ctrlPr>
+                            <a:rPr lang="en-US" sz="1200" i="1">
+                              <a:solidFill>
+                                <a:schemeClr val="tx1"/>
+                              </a:solidFill>
+                              <a:latin typeface="Cambria Math" panose="02040503050406030204" pitchFamily="18" charset="0"/>
+                            </a:rPr>
+                          </m:ctrlPr>
+                        </m:radPr>
+                        <m:deg/>
+                        <m:e>
+                          <m:nary>
+                            <m:naryPr>
+                              <m:chr m:val="∑"/>
+                              <m:ctrlPr>
+                                <a:rPr lang="en-US" sz="1200" i="1">
+                                  <a:solidFill>
+                                    <a:schemeClr val="tx1"/>
+                                  </a:solidFill>
+                                  <a:latin typeface="Cambria Math" panose="02040503050406030204" pitchFamily="18" charset="0"/>
+                                </a:rPr>
+                              </m:ctrlPr>
+                            </m:naryPr>
+                            <m:sub>
+                              <m:r>
+                                <m:rPr>
+                                  <m:brk m:alnAt="23"/>
+                                </m:rPr>
+                                <a:rPr lang="en-US" sz="1200" i="1">
+                                  <a:solidFill>
+                                    <a:schemeClr val="tx1"/>
+                                  </a:solidFill>
+                                  <a:latin typeface="Cambria Math" panose="02040503050406030204" pitchFamily="18" charset="0"/>
+                                </a:rPr>
+                                <m:t>𝑚</m:t>
+                              </m:r>
+                              <m:r>
+                                <a:rPr lang="en-US" sz="1200" i="1">
+                                  <a:solidFill>
+                                    <a:schemeClr val="tx1"/>
+                                  </a:solidFill>
+                                  <a:latin typeface="Cambria Math" panose="02040503050406030204" pitchFamily="18" charset="0"/>
+                                </a:rPr>
+                                <m:t>=</m:t>
+                              </m:r>
+                              <m:r>
+                                <a:rPr lang="en-US" sz="1200" i="1">
+                                  <a:solidFill>
+                                    <a:schemeClr val="tx1"/>
+                                  </a:solidFill>
+                                  <a:latin typeface="Cambria Math" panose="02040503050406030204" pitchFamily="18" charset="0"/>
+                                </a:rPr>
+                                <m:t>𝑝</m:t>
+                              </m:r>
+                            </m:sub>
+                            <m:sup>
+                              <m:r>
+                                <a:rPr lang="en-US" sz="1200" i="1">
+                                  <a:solidFill>
+                                    <a:schemeClr val="tx1"/>
+                                  </a:solidFill>
+                                  <a:latin typeface="Cambria Math" panose="02040503050406030204" pitchFamily="18" charset="0"/>
+                                </a:rPr>
+                                <m:t>𝑝</m:t>
+                              </m:r>
+                              <m:r>
+                                <a:rPr lang="en-US" sz="1200" i="1">
+                                  <a:solidFill>
+                                    <a:schemeClr val="tx1"/>
+                                  </a:solidFill>
+                                  <a:latin typeface="Cambria Math" panose="02040503050406030204" pitchFamily="18" charset="0"/>
+                                </a:rPr>
+                                <m:t>+</m:t>
+                              </m:r>
+                              <m:r>
+                                <a:rPr lang="en-US" sz="1200" i="1">
+                                  <a:solidFill>
+                                    <a:schemeClr val="tx1"/>
+                                  </a:solidFill>
+                                  <a:latin typeface="Cambria Math" panose="02040503050406030204" pitchFamily="18" charset="0"/>
+                                </a:rPr>
+                                <m:t>𝑁</m:t>
+                              </m:r>
+                              <m:r>
+                                <a:rPr lang="en-US" sz="1200" i="1">
+                                  <a:solidFill>
+                                    <a:schemeClr val="tx1"/>
+                                  </a:solidFill>
+                                  <a:latin typeface="Cambria Math" panose="02040503050406030204" pitchFamily="18" charset="0"/>
+                                </a:rPr>
+                                <m:t>−1</m:t>
+                              </m:r>
+                            </m:sup>
+                            <m:e>
+                              <m:sSub>
+                                <m:sSubPr>
+                                  <m:ctrlPr>
+                                    <a:rPr lang="en-US" sz="1200" i="1">
+                                      <a:solidFill>
+                                        <a:schemeClr val="tx1"/>
+                                      </a:solidFill>
+                                      <a:latin typeface="Cambria Math" panose="02040503050406030204" pitchFamily="18" charset="0"/>
+                                    </a:rPr>
+                                  </m:ctrlPr>
+                                </m:sSubPr>
+                                <m:e>
+                                  <m:r>
+                                    <a:rPr lang="en-US" sz="1200" i="1">
+                                      <a:solidFill>
+                                        <a:schemeClr val="tx1"/>
+                                      </a:solidFill>
+                                      <a:latin typeface="Cambria Math" panose="02040503050406030204" pitchFamily="18" charset="0"/>
+                                    </a:rPr>
+                                    <m:t>𝑟</m:t>
+                                  </m:r>
+                                </m:e>
+                                <m:sub>
+                                  <m:r>
+                                    <a:rPr lang="en-US" sz="1200" i="1">
+                                      <a:solidFill>
+                                        <a:schemeClr val="tx1"/>
+                                      </a:solidFill>
+                                      <a:latin typeface="Cambria Math" panose="02040503050406030204" pitchFamily="18" charset="0"/>
+                                    </a:rPr>
+                                    <m:t>𝑚</m:t>
+                                  </m:r>
+                                </m:sub>
+                              </m:sSub>
+                              <m:sSubSup>
+                                <m:sSubSupPr>
+                                  <m:ctrlPr>
+                                    <a:rPr lang="en-US" sz="1200" i="1">
+                                      <a:solidFill>
+                                        <a:schemeClr val="tx1"/>
+                                      </a:solidFill>
+                                      <a:latin typeface="Cambria Math" panose="02040503050406030204" pitchFamily="18" charset="0"/>
+                                    </a:rPr>
+                                  </m:ctrlPr>
+                                </m:sSubSupPr>
+                                <m:e>
+                                  <m:r>
+                                    <a:rPr lang="en-US" sz="1200" i="1">
+                                      <a:solidFill>
+                                        <a:schemeClr val="tx1"/>
+                                      </a:solidFill>
+                                      <a:latin typeface="Cambria Math" panose="02040503050406030204" pitchFamily="18" charset="0"/>
+                                    </a:rPr>
+                                    <m:t>𝑟</m:t>
+                                  </m:r>
+                                </m:e>
+                                <m:sub>
+                                  <m:r>
+                                    <a:rPr lang="en-US" sz="1200" i="1">
+                                      <a:solidFill>
+                                        <a:schemeClr val="tx1"/>
+                                      </a:solidFill>
+                                      <a:latin typeface="Cambria Math" panose="02040503050406030204" pitchFamily="18" charset="0"/>
+                                    </a:rPr>
+                                    <m:t>𝑚</m:t>
+                                  </m:r>
+                                </m:sub>
+                                <m:sup>
+                                  <m:r>
+                                    <a:rPr lang="en-US" sz="1200" i="1">
+                                      <a:solidFill>
+                                        <a:schemeClr val="tx1"/>
+                                      </a:solidFill>
+                                      <a:latin typeface="Cambria Math" panose="02040503050406030204" pitchFamily="18" charset="0"/>
+                                    </a:rPr>
+                                    <m:t>∗</m:t>
+                                  </m:r>
+                                </m:sup>
+                              </m:sSubSup>
+                            </m:e>
+                          </m:nary>
+                        </m:e>
+                      </m:rad>
+                    </m:oMath>
+                  </m:oMathPara>
+                </a14:m>
+                <a:endParaRPr lang="en-US" sz="1200" dirty="0"/>
+              </a:p>
+            </p:txBody>
+          </p:sp>
+        </mc:Choice>
+        <mc:Fallback>
+          <p:sp>
+            <p:nvSpPr>
+              <p:cNvPr id="59" name="TextBox 58">
+                <a:extLst>
+                  <a:ext uri="{FF2B5EF4-FFF2-40B4-BE49-F238E27FC236}">
+                    <a16:creationId xmlns:a16="http://schemas.microsoft.com/office/drawing/2014/main" id="{E637170C-2F87-4584-8A49-40B7C377CFBD}"/>
+                  </a:ext>
+                </a:extLst>
+              </p:cNvPr>
+              <p:cNvSpPr txBox="1">
+                <a:spLocks noRot="1" noChangeAspect="1" noMove="1" noResize="1" noEditPoints="1" noAdjustHandles="1" noChangeArrowheads="1" noChangeShapeType="1" noTextEdit="1"/>
+              </p:cNvSpPr>
+              <p:nvPr/>
+            </p:nvSpPr>
+            <p:spPr>
+              <a:xfrm>
+                <a:off x="3328261" y="2623835"/>
+                <a:ext cx="6096000" cy="810799"/>
+              </a:xfrm>
+              <a:prstGeom prst="rect">
+                <a:avLst/>
+              </a:prstGeom>
+              <a:blipFill>
+                <a:blip r:embed="rId11"/>
+                <a:stretch>
+                  <a:fillRect/>
+                </a:stretch>
+              </a:blipFill>
+            </p:spPr>
+            <p:txBody>
+              <a:bodyPr/>
+              <a:lstStyle/>
+              <a:p>
+                <a:r>
+                  <a:rPr lang="en-US">
+                    <a:noFill/>
+                  </a:rPr>
+                  <a:t> </a:t>
+                </a:r>
+              </a:p>
+            </p:txBody>
+          </p:sp>
+        </mc:Fallback>
+      </mc:AlternateContent>
+      <p:cxnSp>
+        <p:nvCxnSpPr>
+          <p:cNvPr id="27" name="Connector: Elbow 26">
+            <a:extLst>
+              <a:ext uri="{FF2B5EF4-FFF2-40B4-BE49-F238E27FC236}">
+                <a16:creationId xmlns:a16="http://schemas.microsoft.com/office/drawing/2014/main" id="{CE642CFC-4C8C-48F9-865A-3AD30EE063E7}"/>
+              </a:ext>
+            </a:extLst>
+          </p:cNvPr>
+          <p:cNvCxnSpPr>
+            <a:stCxn id="24" idx="2"/>
+            <a:endCxn id="45" idx="0"/>
+          </p:cNvCxnSpPr>
+          <p:nvPr/>
+        </p:nvCxnSpPr>
+        <p:spPr>
+          <a:xfrm rot="5400000">
+            <a:off x="7534874" y="-576072"/>
+            <a:ext cx="315372" cy="4070339"/>
+          </a:xfrm>
+          <a:prstGeom prst="bentConnector3">
+            <a:avLst/>
+          </a:prstGeom>
+          <a:ln w="15875">
+            <a:solidFill>
+              <a:schemeClr val="tx1"/>
+            </a:solidFill>
+            <a:tailEnd type="triangle"/>
+          </a:ln>
+        </p:spPr>
+        <p:style>
+          <a:lnRef idx="1">
+            <a:schemeClr val="accent1"/>
+          </a:lnRef>
+          <a:fillRef idx="0">
+            <a:schemeClr val="accent1"/>
+          </a:fillRef>
+          <a:effectRef idx="0">
+            <a:schemeClr val="accent1"/>
+          </a:effectRef>
+          <a:fontRef idx="minor">
+            <a:schemeClr val="tx1"/>
+          </a:fontRef>
+        </p:style>
+      </p:cxnSp>
+      <p:cxnSp>
+        <p:nvCxnSpPr>
+          <p:cNvPr id="30" name="Straight Connector 29">
+            <a:extLst>
+              <a:ext uri="{FF2B5EF4-FFF2-40B4-BE49-F238E27FC236}">
+                <a16:creationId xmlns:a16="http://schemas.microsoft.com/office/drawing/2014/main" id="{63D2E1A9-1AA8-4922-9AAC-2CBD7476E90E}"/>
+              </a:ext>
+            </a:extLst>
+          </p:cNvPr>
+          <p:cNvCxnSpPr>
+            <a:cxnSpLocks/>
+          </p:cNvCxnSpPr>
+          <p:nvPr/>
+        </p:nvCxnSpPr>
+        <p:spPr>
+          <a:xfrm>
+            <a:off x="3490452" y="383458"/>
+            <a:ext cx="0" cy="3146323"/>
+          </a:xfrm>
+          <a:prstGeom prst="line">
+            <a:avLst/>
+          </a:prstGeom>
+          <a:ln w="19050">
+            <a:prstDash val="sysDash"/>
+          </a:ln>
+        </p:spPr>
+        <p:style>
+          <a:lnRef idx="1">
+            <a:schemeClr val="accent1"/>
+          </a:lnRef>
+          <a:fillRef idx="0">
+            <a:schemeClr val="accent1"/>
+          </a:fillRef>
+          <a:effectRef idx="0">
+            <a:schemeClr val="accent1"/>
+          </a:effectRef>
+          <a:fontRef idx="minor">
+            <a:schemeClr val="tx1"/>
+          </a:fontRef>
+        </p:style>
+      </p:cxnSp>
+      <p:cxnSp>
+        <p:nvCxnSpPr>
+          <p:cNvPr id="33" name="Straight Connector 32">
+            <a:extLst>
+              <a:ext uri="{FF2B5EF4-FFF2-40B4-BE49-F238E27FC236}">
+                <a16:creationId xmlns:a16="http://schemas.microsoft.com/office/drawing/2014/main" id="{F4902032-2B44-482F-9813-F93009631E26}"/>
+              </a:ext>
+            </a:extLst>
+          </p:cNvPr>
+          <p:cNvCxnSpPr>
+            <a:cxnSpLocks/>
+          </p:cNvCxnSpPr>
+          <p:nvPr/>
+        </p:nvCxnSpPr>
+        <p:spPr>
+          <a:xfrm>
+            <a:off x="3490452" y="383458"/>
+            <a:ext cx="7413522" cy="0"/>
+          </a:xfrm>
+          <a:prstGeom prst="line">
+            <a:avLst/>
+          </a:prstGeom>
+          <a:ln w="19050">
+            <a:prstDash val="sysDash"/>
+          </a:ln>
+        </p:spPr>
+        <p:style>
+          <a:lnRef idx="1">
+            <a:schemeClr val="accent1"/>
+          </a:lnRef>
+          <a:fillRef idx="0">
+            <a:schemeClr val="accent1"/>
+          </a:fillRef>
+          <a:effectRef idx="0">
+            <a:schemeClr val="accent1"/>
+          </a:effectRef>
+          <a:fontRef idx="minor">
+            <a:schemeClr val="tx1"/>
+          </a:fontRef>
+        </p:style>
+      </p:cxnSp>
+      <p:cxnSp>
+        <p:nvCxnSpPr>
+          <p:cNvPr id="36" name="Straight Connector 35">
+            <a:extLst>
+              <a:ext uri="{FF2B5EF4-FFF2-40B4-BE49-F238E27FC236}">
+                <a16:creationId xmlns:a16="http://schemas.microsoft.com/office/drawing/2014/main" id="{30C02959-8B2B-43DE-AAB4-E1E4686FB701}"/>
+              </a:ext>
+            </a:extLst>
+          </p:cNvPr>
+          <p:cNvCxnSpPr>
+            <a:cxnSpLocks/>
+          </p:cNvCxnSpPr>
+          <p:nvPr/>
+        </p:nvCxnSpPr>
+        <p:spPr>
+          <a:xfrm>
+            <a:off x="10903974" y="383458"/>
+            <a:ext cx="0" cy="1233325"/>
+          </a:xfrm>
+          <a:prstGeom prst="line">
+            <a:avLst/>
+          </a:prstGeom>
+          <a:ln w="19050">
+            <a:prstDash val="sysDash"/>
+          </a:ln>
+        </p:spPr>
+        <p:style>
+          <a:lnRef idx="1">
+            <a:schemeClr val="accent1"/>
+          </a:lnRef>
+          <a:fillRef idx="0">
+            <a:schemeClr val="accent1"/>
+          </a:fillRef>
+          <a:effectRef idx="0">
+            <a:schemeClr val="accent1"/>
+          </a:effectRef>
+          <a:fontRef idx="minor">
+            <a:schemeClr val="tx1"/>
+          </a:fontRef>
+        </p:style>
+      </p:cxnSp>
+      <p:cxnSp>
+        <p:nvCxnSpPr>
+          <p:cNvPr id="39" name="Straight Connector 38">
+            <a:extLst>
+              <a:ext uri="{FF2B5EF4-FFF2-40B4-BE49-F238E27FC236}">
+                <a16:creationId xmlns:a16="http://schemas.microsoft.com/office/drawing/2014/main" id="{6D2AB542-A1C6-4A4B-9DD8-EE2B06C9692A}"/>
+              </a:ext>
+            </a:extLst>
+          </p:cNvPr>
+          <p:cNvCxnSpPr>
+            <a:cxnSpLocks/>
+          </p:cNvCxnSpPr>
+          <p:nvPr/>
+        </p:nvCxnSpPr>
+        <p:spPr>
+          <a:xfrm>
+            <a:off x="7570839" y="1616783"/>
+            <a:ext cx="3333135" cy="0"/>
+          </a:xfrm>
+          <a:prstGeom prst="line">
+            <a:avLst/>
+          </a:prstGeom>
+          <a:ln w="19050">
+            <a:prstDash val="sysDash"/>
+          </a:ln>
+        </p:spPr>
+        <p:style>
+          <a:lnRef idx="1">
+            <a:schemeClr val="accent1"/>
+          </a:lnRef>
+          <a:fillRef idx="0">
+            <a:schemeClr val="accent1"/>
+          </a:fillRef>
+          <a:effectRef idx="0">
+            <a:schemeClr val="accent1"/>
+          </a:effectRef>
+          <a:fontRef idx="minor">
+            <a:schemeClr val="tx1"/>
+          </a:fontRef>
+        </p:style>
+      </p:cxnSp>
+      <p:cxnSp>
+        <p:nvCxnSpPr>
+          <p:cNvPr id="60" name="Straight Connector 59">
+            <a:extLst>
+              <a:ext uri="{FF2B5EF4-FFF2-40B4-BE49-F238E27FC236}">
+                <a16:creationId xmlns:a16="http://schemas.microsoft.com/office/drawing/2014/main" id="{4D61F3C3-61A0-45F4-9A58-9F0DF01A7749}"/>
+              </a:ext>
+            </a:extLst>
+          </p:cNvPr>
+          <p:cNvCxnSpPr>
+            <a:cxnSpLocks/>
+          </p:cNvCxnSpPr>
+          <p:nvPr/>
+        </p:nvCxnSpPr>
+        <p:spPr>
+          <a:xfrm>
+            <a:off x="7570839" y="1616783"/>
+            <a:ext cx="0" cy="1912998"/>
+          </a:xfrm>
+          <a:prstGeom prst="line">
+            <a:avLst/>
+          </a:prstGeom>
+          <a:ln w="19050">
+            <a:prstDash val="sysDash"/>
+          </a:ln>
+        </p:spPr>
+        <p:style>
+          <a:lnRef idx="1">
+            <a:schemeClr val="accent1"/>
+          </a:lnRef>
+          <a:fillRef idx="0">
+            <a:schemeClr val="accent1"/>
+          </a:fillRef>
+          <a:effectRef idx="0">
+            <a:schemeClr val="accent1"/>
+          </a:effectRef>
+          <a:fontRef idx="minor">
+            <a:schemeClr val="tx1"/>
+          </a:fontRef>
+        </p:style>
+      </p:cxnSp>
+      <p:cxnSp>
+        <p:nvCxnSpPr>
+          <p:cNvPr id="62" name="Straight Connector 61">
+            <a:extLst>
+              <a:ext uri="{FF2B5EF4-FFF2-40B4-BE49-F238E27FC236}">
+                <a16:creationId xmlns:a16="http://schemas.microsoft.com/office/drawing/2014/main" id="{E58D6D3D-0941-499F-975D-2B29CC95F04A}"/>
+              </a:ext>
+            </a:extLst>
+          </p:cNvPr>
+          <p:cNvCxnSpPr/>
+          <p:nvPr/>
+        </p:nvCxnSpPr>
+        <p:spPr>
+          <a:xfrm>
+            <a:off x="3490452" y="3529781"/>
+            <a:ext cx="4080387" cy="0"/>
+          </a:xfrm>
+          <a:prstGeom prst="line">
+            <a:avLst/>
+          </a:prstGeom>
+          <a:ln w="19050">
+            <a:prstDash val="sysDash"/>
+          </a:ln>
+        </p:spPr>
+        <p:style>
+          <a:lnRef idx="1">
+            <a:schemeClr val="accent1"/>
+          </a:lnRef>
+          <a:fillRef idx="0">
+            <a:schemeClr val="accent1"/>
+          </a:fillRef>
+          <a:effectRef idx="0">
+            <a:schemeClr val="accent1"/>
+          </a:effectRef>
+          <a:fontRef idx="minor">
+            <a:schemeClr val="tx1"/>
+          </a:fontRef>
+        </p:style>
+      </p:cxnSp>
+    </p:spTree>
+    <p:extLst>
+      <p:ext uri="{BB962C8B-B14F-4D97-AF65-F5344CB8AC3E}">
+        <p14:creationId xmlns:p14="http://schemas.microsoft.com/office/powerpoint/2010/main" val="473285437"/>
+      </p:ext>
+    </p:extLst>
+  </p:cSld>
+  <p:clrMapOvr>
+    <a:masterClrMapping/>
+  </p:clrMapOvr>
+</p:sld>
+</file>
+
+<file path=ppt/slides/slide3.xml><?xml version="1.0" encoding="utf-8"?>
+<p:sld xmlns:a="http://schemas.openxmlformats.org/drawingml/2006/main" xmlns:r="http://schemas.openxmlformats.org/officeDocument/2006/relationships" xmlns:p="http://schemas.openxmlformats.org/presentationml/2006/main">
+  <p:cSld>
+    <p:spTree>
+      <p:nvGrpSpPr>
+        <p:cNvPr id="1" name=""/>
+        <p:cNvGrpSpPr/>
+        <p:nvPr/>
+      </p:nvGrpSpPr>
+      <p:grpSpPr>
+        <a:xfrm>
+          <a:off x="0" y="0"/>
+          <a:ext cx="0" cy="0"/>
+          <a:chOff x="0" y="0"/>
+          <a:chExt cx="0" cy="0"/>
+        </a:xfrm>
+      </p:grpSpPr>
+      <p:sp>
+        <p:nvSpPr>
+          <p:cNvPr id="3" name="Rectangle: Rounded Corners 2">
+            <a:extLst>
+              <a:ext uri="{FF2B5EF4-FFF2-40B4-BE49-F238E27FC236}">
+                <a16:creationId xmlns:a16="http://schemas.microsoft.com/office/drawing/2014/main" id="{34CC411C-B74B-4BB4-8CDE-F15D783D5CCE}"/>
+              </a:ext>
+            </a:extLst>
+          </p:cNvPr>
+          <p:cNvSpPr/>
+          <p:nvPr/>
+        </p:nvSpPr>
+        <p:spPr>
+          <a:xfrm>
+            <a:off x="2247417" y="917027"/>
+            <a:ext cx="3075475" cy="702630"/>
+          </a:xfrm>
+          <a:prstGeom prst="roundRect">
+            <a:avLst/>
+          </a:prstGeom>
+          <a:noFill/>
+          <a:ln w="25400">
+            <a:solidFill>
+              <a:schemeClr val="tx1"/>
+            </a:solidFill>
+          </a:ln>
+        </p:spPr>
+        <p:style>
+          <a:lnRef idx="2">
+            <a:schemeClr val="accent1">
+              <a:shade val="50000"/>
+            </a:schemeClr>
+          </a:lnRef>
+          <a:fillRef idx="1">
+            <a:schemeClr val="accent1"/>
+          </a:fillRef>
+          <a:effectRef idx="0">
+            <a:schemeClr val="accent1"/>
+          </a:effectRef>
+          <a:fontRef idx="minor">
+            <a:schemeClr val="lt1"/>
+          </a:fontRef>
+        </p:style>
+        <p:txBody>
+          <a:bodyPr rtlCol="0" anchor="ctr"/>
+          <a:lstStyle/>
+          <a:p>
+            <a:pPr algn="ctr"/>
+            <a:endParaRPr lang="en-US" sz="1200" dirty="0">
+              <a:solidFill>
+                <a:schemeClr val="tx1"/>
+              </a:solidFill>
+            </a:endParaRPr>
+          </a:p>
+        </p:txBody>
+      </p:sp>
+      <p:sp>
+        <p:nvSpPr>
+          <p:cNvPr id="4" name="Rectangle: Rounded Corners 3">
+            <a:extLst>
+              <a:ext uri="{FF2B5EF4-FFF2-40B4-BE49-F238E27FC236}">
+                <a16:creationId xmlns:a16="http://schemas.microsoft.com/office/drawing/2014/main" id="{3BF9C1DB-AB48-4BDF-927F-643A86F65052}"/>
+              </a:ext>
+            </a:extLst>
+          </p:cNvPr>
+          <p:cNvSpPr/>
+          <p:nvPr/>
+        </p:nvSpPr>
+        <p:spPr>
+          <a:xfrm>
+            <a:off x="2247417" y="1728558"/>
+            <a:ext cx="3075476" cy="702630"/>
+          </a:xfrm>
+          <a:prstGeom prst="roundRect">
+            <a:avLst/>
+          </a:prstGeom>
+          <a:noFill/>
+          <a:ln w="25400">
+            <a:solidFill>
+              <a:schemeClr val="tx1"/>
+            </a:solidFill>
+          </a:ln>
+        </p:spPr>
+        <p:style>
+          <a:lnRef idx="2">
+            <a:schemeClr val="accent1">
+              <a:shade val="50000"/>
+            </a:schemeClr>
+          </a:lnRef>
+          <a:fillRef idx="1">
+            <a:schemeClr val="accent1"/>
+          </a:fillRef>
+          <a:effectRef idx="0">
+            <a:schemeClr val="accent1"/>
+          </a:effectRef>
+          <a:fontRef idx="minor">
+            <a:schemeClr val="lt1"/>
+          </a:fontRef>
+        </p:style>
+        <p:txBody>
+          <a:bodyPr rtlCol="0" anchor="ctr"/>
+          <a:lstStyle/>
+          <a:p>
+            <a:pPr algn="ctr"/>
+            <a:endParaRPr lang="en-US" sz="1200" dirty="0">
+              <a:solidFill>
+                <a:schemeClr val="tx1"/>
+              </a:solidFill>
+            </a:endParaRPr>
+          </a:p>
+        </p:txBody>
+      </p:sp>
+      <p:sp>
+        <p:nvSpPr>
+          <p:cNvPr id="5" name="Oval 4">
+            <a:extLst>
+              <a:ext uri="{FF2B5EF4-FFF2-40B4-BE49-F238E27FC236}">
+                <a16:creationId xmlns:a16="http://schemas.microsoft.com/office/drawing/2014/main" id="{0DC50A19-64F7-49BC-B388-329C9B8F6235}"/>
+              </a:ext>
+            </a:extLst>
+          </p:cNvPr>
+          <p:cNvSpPr/>
+          <p:nvPr/>
+        </p:nvSpPr>
+        <p:spPr>
+          <a:xfrm>
+            <a:off x="3737009" y="2519959"/>
+            <a:ext cx="126459" cy="121763"/>
+          </a:xfrm>
+          <a:prstGeom prst="ellipse">
+            <a:avLst/>
+          </a:prstGeom>
+          <a:solidFill>
+            <a:schemeClr val="tx1"/>
+          </a:solidFill>
+        </p:spPr>
+        <p:style>
+          <a:lnRef idx="2">
+            <a:schemeClr val="accent1">
+              <a:shade val="50000"/>
+            </a:schemeClr>
+          </a:lnRef>
+          <a:fillRef idx="1">
+            <a:schemeClr val="accent1"/>
+          </a:fillRef>
+          <a:effectRef idx="0">
+            <a:schemeClr val="accent1"/>
+          </a:effectRef>
+          <a:fontRef idx="minor">
+            <a:schemeClr val="lt1"/>
+          </a:fontRef>
+        </p:style>
+        <p:txBody>
+          <a:bodyPr rtlCol="0" anchor="ctr"/>
+          <a:lstStyle/>
+          <a:p>
+            <a:pPr algn="ctr"/>
+            <a:endParaRPr lang="en-US"/>
+          </a:p>
+        </p:txBody>
+      </p:sp>
+      <p:sp>
+        <p:nvSpPr>
+          <p:cNvPr id="6" name="Oval 5">
+            <a:extLst>
+              <a:ext uri="{FF2B5EF4-FFF2-40B4-BE49-F238E27FC236}">
+                <a16:creationId xmlns:a16="http://schemas.microsoft.com/office/drawing/2014/main" id="{D62C8DE7-DC56-438D-AEBA-D93DDCA7D229}"/>
+              </a:ext>
+            </a:extLst>
+          </p:cNvPr>
+          <p:cNvSpPr/>
+          <p:nvPr/>
+        </p:nvSpPr>
+        <p:spPr>
+          <a:xfrm>
+            <a:off x="3742643" y="2693100"/>
+            <a:ext cx="126459" cy="121763"/>
+          </a:xfrm>
+          <a:prstGeom prst="ellipse">
+            <a:avLst/>
+          </a:prstGeom>
+          <a:solidFill>
+            <a:schemeClr val="tx1"/>
+          </a:solidFill>
+        </p:spPr>
+        <p:style>
+          <a:lnRef idx="2">
+            <a:schemeClr val="accent1">
+              <a:shade val="50000"/>
+            </a:schemeClr>
+          </a:lnRef>
+          <a:fillRef idx="1">
+            <a:schemeClr val="accent1"/>
+          </a:fillRef>
+          <a:effectRef idx="0">
+            <a:schemeClr val="accent1"/>
+          </a:effectRef>
+          <a:fontRef idx="minor">
+            <a:schemeClr val="lt1"/>
+          </a:fontRef>
+        </p:style>
+        <p:txBody>
+          <a:bodyPr rtlCol="0" anchor="ctr"/>
+          <a:lstStyle/>
+          <a:p>
+            <a:pPr algn="ctr"/>
+            <a:endParaRPr lang="en-US"/>
+          </a:p>
+        </p:txBody>
+      </p:sp>
+      <p:sp>
+        <p:nvSpPr>
+          <p:cNvPr id="7" name="Oval 6">
+            <a:extLst>
+              <a:ext uri="{FF2B5EF4-FFF2-40B4-BE49-F238E27FC236}">
+                <a16:creationId xmlns:a16="http://schemas.microsoft.com/office/drawing/2014/main" id="{2BDEE849-22C7-4535-81BD-511C24F2383D}"/>
+              </a:ext>
+            </a:extLst>
+          </p:cNvPr>
+          <p:cNvSpPr/>
+          <p:nvPr/>
+        </p:nvSpPr>
+        <p:spPr>
+          <a:xfrm>
+            <a:off x="3742642" y="2874459"/>
+            <a:ext cx="126459" cy="121763"/>
+          </a:xfrm>
+          <a:prstGeom prst="ellipse">
+            <a:avLst/>
+          </a:prstGeom>
+          <a:solidFill>
+            <a:schemeClr val="tx1"/>
+          </a:solidFill>
+        </p:spPr>
+        <p:style>
+          <a:lnRef idx="2">
+            <a:schemeClr val="accent1">
+              <a:shade val="50000"/>
+            </a:schemeClr>
+          </a:lnRef>
+          <a:fillRef idx="1">
+            <a:schemeClr val="accent1"/>
+          </a:fillRef>
+          <a:effectRef idx="0">
+            <a:schemeClr val="accent1"/>
+          </a:effectRef>
+          <a:fontRef idx="minor">
+            <a:schemeClr val="lt1"/>
+          </a:fontRef>
+        </p:style>
+        <p:txBody>
+          <a:bodyPr rtlCol="0" anchor="ctr"/>
+          <a:lstStyle/>
+          <a:p>
+            <a:pPr algn="ctr"/>
+            <a:endParaRPr lang="en-US"/>
+          </a:p>
+        </p:txBody>
+      </p:sp>
+      <p:sp>
+        <p:nvSpPr>
+          <p:cNvPr id="8" name="Rectangle: Rounded Corners 7">
+            <a:extLst>
+              <a:ext uri="{FF2B5EF4-FFF2-40B4-BE49-F238E27FC236}">
+                <a16:creationId xmlns:a16="http://schemas.microsoft.com/office/drawing/2014/main" id="{AA88E193-BE71-4CE7-BB1D-070ED585E930}"/>
+              </a:ext>
+            </a:extLst>
+          </p:cNvPr>
+          <p:cNvSpPr/>
+          <p:nvPr/>
+        </p:nvSpPr>
+        <p:spPr>
+          <a:xfrm>
+            <a:off x="2236926" y="3097839"/>
+            <a:ext cx="3085966" cy="726859"/>
+          </a:xfrm>
+          <a:prstGeom prst="roundRect">
+            <a:avLst/>
+          </a:prstGeom>
+          <a:noFill/>
+          <a:ln w="25400">
+            <a:solidFill>
+              <a:schemeClr val="tx1"/>
+            </a:solidFill>
+          </a:ln>
+        </p:spPr>
+        <p:style>
+          <a:lnRef idx="2">
+            <a:schemeClr val="accent1">
+              <a:shade val="50000"/>
+            </a:schemeClr>
+          </a:lnRef>
+          <a:fillRef idx="1">
+            <a:schemeClr val="accent1"/>
+          </a:fillRef>
+          <a:effectRef idx="0">
+            <a:schemeClr val="accent1"/>
+          </a:effectRef>
+          <a:fontRef idx="minor">
+            <a:schemeClr val="lt1"/>
+          </a:fontRef>
+        </p:style>
+        <p:txBody>
+          <a:bodyPr rtlCol="0" anchor="ctr"/>
+          <a:lstStyle/>
+          <a:p>
+            <a:pPr algn="ctr"/>
+            <a:endParaRPr lang="en-US" sz="1200" dirty="0">
+              <a:solidFill>
+                <a:schemeClr val="tx1"/>
+              </a:solidFill>
+            </a:endParaRPr>
+          </a:p>
+        </p:txBody>
+      </p:sp>
+      <p:sp>
+        <p:nvSpPr>
+          <p:cNvPr id="9" name="Rectangle: Rounded Corners 8">
+            <a:extLst>
+              <a:ext uri="{FF2B5EF4-FFF2-40B4-BE49-F238E27FC236}">
+                <a16:creationId xmlns:a16="http://schemas.microsoft.com/office/drawing/2014/main" id="{E60DE9A8-C651-47B0-8D27-85623A7B10C3}"/>
+              </a:ext>
+            </a:extLst>
+          </p:cNvPr>
+          <p:cNvSpPr/>
+          <p:nvPr/>
+        </p:nvSpPr>
+        <p:spPr>
+          <a:xfrm>
+            <a:off x="2236926" y="3936784"/>
+            <a:ext cx="3085966" cy="702630"/>
+          </a:xfrm>
+          <a:prstGeom prst="roundRect">
+            <a:avLst/>
+          </a:prstGeom>
+          <a:noFill/>
+          <a:ln w="25400">
+            <a:solidFill>
+              <a:schemeClr val="tx1"/>
+            </a:solidFill>
+          </a:ln>
+        </p:spPr>
+        <p:style>
+          <a:lnRef idx="2">
+            <a:schemeClr val="accent1">
+              <a:shade val="50000"/>
+            </a:schemeClr>
+          </a:lnRef>
+          <a:fillRef idx="1">
+            <a:schemeClr val="accent1"/>
+          </a:fillRef>
+          <a:effectRef idx="0">
+            <a:schemeClr val="accent1"/>
+          </a:effectRef>
+          <a:fontRef idx="minor">
+            <a:schemeClr val="lt1"/>
+          </a:fontRef>
+        </p:style>
+        <p:txBody>
+          <a:bodyPr rtlCol="0" anchor="ctr"/>
+          <a:lstStyle/>
+          <a:p>
+            <a:pPr algn="ctr"/>
+            <a:endParaRPr lang="en-US" sz="1200" dirty="0">
+              <a:solidFill>
+                <a:schemeClr val="tx1"/>
+              </a:solidFill>
+            </a:endParaRPr>
+          </a:p>
+        </p:txBody>
+      </p:sp>
+      <mc:AlternateContent xmlns:mc="http://schemas.openxmlformats.org/markup-compatibility/2006">
+        <mc:Choice xmlns:a14="http://schemas.microsoft.com/office/drawing/2010/main" Requires="a14">
+          <p:sp>
+            <p:nvSpPr>
+              <p:cNvPr id="12" name="Rectangle: Rounded Corners 11">
+                <a:extLst>
+                  <a:ext uri="{FF2B5EF4-FFF2-40B4-BE49-F238E27FC236}">
+                    <a16:creationId xmlns:a16="http://schemas.microsoft.com/office/drawing/2014/main" id="{E4BDDAC2-322E-44F6-9B18-54A2096F23BB}"/>
+                  </a:ext>
+                </a:extLst>
+              </p:cNvPr>
+              <p:cNvSpPr/>
+              <p:nvPr/>
+            </p:nvSpPr>
+            <p:spPr>
+              <a:xfrm>
+                <a:off x="5645586" y="1288472"/>
+                <a:ext cx="2543894" cy="702630"/>
+              </a:xfrm>
+              <a:prstGeom prst="roundRect">
+                <a:avLst/>
+              </a:prstGeom>
+              <a:noFill/>
+              <a:ln w="25400">
+                <a:solidFill>
+                  <a:schemeClr val="tx1"/>
+                </a:solidFill>
+              </a:ln>
+            </p:spPr>
+            <p:style>
+              <a:lnRef idx="2">
+                <a:schemeClr val="accent1">
+                  <a:shade val="50000"/>
+                </a:schemeClr>
+              </a:lnRef>
+              <a:fillRef idx="1">
+                <a:schemeClr val="accent1"/>
+              </a:fillRef>
+              <a:effectRef idx="0">
+                <a:schemeClr val="accent1"/>
+              </a:effectRef>
+              <a:fontRef idx="minor">
+                <a:schemeClr val="lt1"/>
+              </a:fontRef>
+            </p:style>
+            <p:txBody>
+              <a:bodyPr rtlCol="0" anchor="ctr"/>
+              <a:lstStyle/>
+              <a:p>
+                <a:pPr algn="ctr"/>
+                <a14:m>
+                  <m:oMathPara xmlns:m="http://schemas.openxmlformats.org/officeDocument/2006/math">
+                    <m:oMathParaPr>
+                      <m:jc m:val="centerGroup"/>
+                    </m:oMathParaPr>
+                    <m:oMath xmlns:m="http://schemas.openxmlformats.org/officeDocument/2006/math">
+                      <m:sSubSup>
+                        <m:sSubSupPr>
+                          <m:ctrlPr>
+                            <a:rPr lang="en-US" sz="1200" i="1">
+                              <a:solidFill>
+                                <a:schemeClr val="tx1"/>
+                              </a:solidFill>
+                              <a:latin typeface="Cambria Math" panose="02040503050406030204" pitchFamily="18" charset="0"/>
+                            </a:rPr>
+                          </m:ctrlPr>
+                        </m:sSubSupPr>
+                        <m:e>
+                          <m:acc>
+                            <m:accPr>
+                              <m:chr m:val="̂"/>
+                              <m:ctrlPr>
+                                <a:rPr lang="en-US" sz="1200" i="1">
+                                  <a:solidFill>
+                                    <a:schemeClr val="tx1"/>
+                                  </a:solidFill>
+                                  <a:latin typeface="Cambria Math" panose="02040503050406030204" pitchFamily="18" charset="0"/>
+                                </a:rPr>
+                              </m:ctrlPr>
+                            </m:accPr>
+                            <m:e>
+                              <m:r>
+                                <a:rPr lang="en-US" sz="1200" i="1">
+                                  <a:solidFill>
+                                    <a:schemeClr val="tx1"/>
+                                  </a:solidFill>
+                                  <a:latin typeface="Cambria Math" panose="02040503050406030204" pitchFamily="18" charset="0"/>
+                                </a:rPr>
+                                <m:t>𝑆</m:t>
+                              </m:r>
+                            </m:e>
+                          </m:acc>
+                        </m:e>
+                        <m:sub>
+                          <m:r>
+                            <a:rPr lang="en-US" sz="1200" b="0" i="1" smtClean="0">
+                              <a:solidFill>
+                                <a:schemeClr val="tx1"/>
+                              </a:solidFill>
+                              <a:latin typeface="Cambria Math" panose="02040503050406030204" pitchFamily="18" charset="0"/>
+                            </a:rPr>
+                            <m:t>0</m:t>
+                          </m:r>
+                        </m:sub>
+                        <m:sup>
+                          <m:r>
+                            <a:rPr lang="en-US" sz="1200" i="1">
+                              <a:solidFill>
+                                <a:schemeClr val="tx1"/>
+                              </a:solidFill>
+                              <a:latin typeface="Cambria Math" panose="02040503050406030204" pitchFamily="18" charset="0"/>
+                            </a:rPr>
+                            <m:t>(</m:t>
+                          </m:r>
+                          <m:r>
+                            <m:rPr>
+                              <m:sty m:val="p"/>
+                            </m:rPr>
+                            <a:rPr lang="en-US" sz="1200">
+                              <a:solidFill>
+                                <a:schemeClr val="tx1"/>
+                              </a:solidFill>
+                              <a:latin typeface="Cambria Math" panose="02040503050406030204" pitchFamily="18" charset="0"/>
+                            </a:rPr>
+                            <m:t>num</m:t>
+                          </m:r>
+                          <m:r>
+                            <a:rPr lang="en-US" sz="1200" i="1">
+                              <a:solidFill>
+                                <a:schemeClr val="tx1"/>
+                              </a:solidFill>
+                              <a:latin typeface="Cambria Math" panose="02040503050406030204" pitchFamily="18" charset="0"/>
+                            </a:rPr>
+                            <m:t>)</m:t>
+                          </m:r>
+                        </m:sup>
+                      </m:sSubSup>
+                      <m:r>
+                        <a:rPr lang="en-US" sz="1200" i="1">
+                          <a:solidFill>
+                            <a:schemeClr val="tx1"/>
+                          </a:solidFill>
+                          <a:latin typeface="Cambria Math" panose="02040503050406030204" pitchFamily="18" charset="0"/>
+                        </a:rPr>
+                        <m:t>=</m:t>
+                      </m:r>
+                      <m:nary>
+                        <m:naryPr>
+                          <m:chr m:val="∑"/>
+                          <m:ctrlPr>
+                            <a:rPr lang="en-US" sz="1200" i="1" smtClean="0">
+                              <a:solidFill>
+                                <a:schemeClr val="tx1"/>
+                              </a:solidFill>
+                              <a:latin typeface="Cambria Math" panose="02040503050406030204" pitchFamily="18" charset="0"/>
+                            </a:rPr>
+                          </m:ctrlPr>
+                        </m:naryPr>
+                        <m:sub>
+                          <m:r>
+                            <m:rPr>
+                              <m:brk m:alnAt="23"/>
+                            </m:rPr>
+                            <a:rPr lang="en-US" sz="1200" b="0" i="1" smtClean="0">
+                              <a:solidFill>
+                                <a:schemeClr val="tx1"/>
+                              </a:solidFill>
+                              <a:latin typeface="Cambria Math" panose="02040503050406030204" pitchFamily="18" charset="0"/>
+                            </a:rPr>
+                            <m:t>𝑚</m:t>
+                          </m:r>
+                          <m:r>
+                            <a:rPr lang="en-US" sz="1200" b="0" i="1" smtClean="0">
+                              <a:solidFill>
+                                <a:schemeClr val="tx1"/>
+                              </a:solidFill>
+                              <a:latin typeface="Cambria Math" panose="02040503050406030204" pitchFamily="18" charset="0"/>
+                            </a:rPr>
+                            <m:t>=0</m:t>
+                          </m:r>
+                        </m:sub>
+                        <m:sup>
+                          <m:sSub>
+                            <m:sSubPr>
+                              <m:ctrlPr>
+                                <a:rPr lang="en-US" sz="1200" b="0" i="1" smtClean="0">
+                                  <a:solidFill>
+                                    <a:schemeClr val="tx1"/>
+                                  </a:solidFill>
+                                  <a:latin typeface="Cambria Math" panose="02040503050406030204" pitchFamily="18" charset="0"/>
+                                </a:rPr>
+                              </m:ctrlPr>
+                            </m:sSubPr>
+                            <m:e>
+                              <m:r>
+                                <a:rPr lang="en-US" sz="1200" b="0" i="1" smtClean="0">
+                                  <a:solidFill>
+                                    <a:schemeClr val="tx1"/>
+                                  </a:solidFill>
+                                  <a:latin typeface="Cambria Math" panose="02040503050406030204" pitchFamily="18" charset="0"/>
+                                </a:rPr>
+                                <m:t>𝐿</m:t>
+                              </m:r>
+                            </m:e>
+                            <m:sub>
+                              <m:r>
+                                <a:rPr lang="en-US" sz="1200" b="0" i="1" smtClean="0">
+                                  <a:solidFill>
+                                    <a:schemeClr val="tx1"/>
+                                  </a:solidFill>
+                                  <a:latin typeface="Cambria Math" panose="02040503050406030204" pitchFamily="18" charset="0"/>
+                                </a:rPr>
+                                <m:t>1</m:t>
+                              </m:r>
+                            </m:sub>
+                          </m:sSub>
+                          <m:r>
+                            <a:rPr lang="en-US" sz="1200" b="0" i="1" smtClean="0">
+                              <a:solidFill>
+                                <a:schemeClr val="tx1"/>
+                              </a:solidFill>
+                              <a:latin typeface="Cambria Math" panose="02040503050406030204" pitchFamily="18" charset="0"/>
+                            </a:rPr>
+                            <m:t>/</m:t>
+                          </m:r>
+                          <m:sSub>
+                            <m:sSubPr>
+                              <m:ctrlPr>
+                                <a:rPr lang="en-US" sz="1200" b="0" i="1" smtClean="0">
+                                  <a:solidFill>
+                                    <a:schemeClr val="tx1"/>
+                                  </a:solidFill>
+                                  <a:latin typeface="Cambria Math" panose="02040503050406030204" pitchFamily="18" charset="0"/>
+                                </a:rPr>
+                              </m:ctrlPr>
+                            </m:sSubPr>
+                            <m:e>
+                              <m:r>
+                                <a:rPr lang="en-US" sz="1200" b="0" i="1" smtClean="0">
+                                  <a:solidFill>
+                                    <a:schemeClr val="tx1"/>
+                                  </a:solidFill>
+                                  <a:latin typeface="Cambria Math" panose="02040503050406030204" pitchFamily="18" charset="0"/>
+                                </a:rPr>
+                                <m:t>𝐿</m:t>
+                              </m:r>
+                            </m:e>
+                            <m:sub>
+                              <m:r>
+                                <a:rPr lang="en-US" sz="1200" b="0" i="1" smtClean="0">
+                                  <a:solidFill>
+                                    <a:schemeClr val="tx1"/>
+                                  </a:solidFill>
+                                  <a:latin typeface="Cambria Math" panose="02040503050406030204" pitchFamily="18" charset="0"/>
+                                </a:rPr>
+                                <m:t>2</m:t>
+                              </m:r>
+                            </m:sub>
+                          </m:sSub>
+                          <m:r>
+                            <a:rPr lang="en-US" sz="1200" b="0" i="1" smtClean="0">
+                              <a:solidFill>
+                                <a:schemeClr val="tx1"/>
+                              </a:solidFill>
+                              <a:latin typeface="Cambria Math" panose="02040503050406030204" pitchFamily="18" charset="0"/>
+                            </a:rPr>
+                            <m:t>−1</m:t>
+                          </m:r>
+                        </m:sup>
+                        <m:e>
+                          <m:sSub>
+                            <m:sSubPr>
+                              <m:ctrlPr>
+                                <a:rPr lang="en-US" sz="1200" b="0" i="1" smtClean="0">
+                                  <a:solidFill>
+                                    <a:schemeClr val="tx1"/>
+                                  </a:solidFill>
+                                  <a:latin typeface="Cambria Math" panose="02040503050406030204" pitchFamily="18" charset="0"/>
+                                </a:rPr>
+                              </m:ctrlPr>
+                            </m:sSubPr>
+                            <m:e>
+                              <m:r>
+                                <a:rPr lang="en-US" sz="1200" b="0" i="1" smtClean="0">
+                                  <a:solidFill>
+                                    <a:schemeClr val="tx1"/>
+                                  </a:solidFill>
+                                  <a:latin typeface="Cambria Math" panose="02040503050406030204" pitchFamily="18" charset="0"/>
+                                </a:rPr>
+                                <m:t>𝑧</m:t>
+                              </m:r>
+                            </m:e>
+                            <m:sub>
+                              <m:r>
+                                <a:rPr lang="en-US" sz="1200" b="0" i="1" smtClean="0">
+                                  <a:solidFill>
+                                    <a:schemeClr val="tx1"/>
+                                  </a:solidFill>
+                                  <a:latin typeface="Cambria Math" panose="02040503050406030204" pitchFamily="18" charset="0"/>
+                                </a:rPr>
+                                <m:t>𝑚</m:t>
+                              </m:r>
+                            </m:sub>
+                          </m:sSub>
+                          <m:sSup>
+                            <m:sSupPr>
+                              <m:ctrlPr>
+                                <a:rPr lang="en-US" sz="1200" b="0" i="1" smtClean="0">
+                                  <a:solidFill>
+                                    <a:schemeClr val="tx1"/>
+                                  </a:solidFill>
+                                  <a:latin typeface="Cambria Math" panose="02040503050406030204" pitchFamily="18" charset="0"/>
+                                </a:rPr>
+                              </m:ctrlPr>
+                            </m:sSupPr>
+                            <m:e>
+                              <m:r>
+                                <a:rPr lang="en-US" sz="1200" b="0" i="1" smtClean="0">
+                                  <a:solidFill>
+                                    <a:schemeClr val="tx1"/>
+                                  </a:solidFill>
+                                  <a:latin typeface="Cambria Math" panose="02040503050406030204" pitchFamily="18" charset="0"/>
+                                </a:rPr>
+                                <m:t>𝑒</m:t>
+                              </m:r>
+                            </m:e>
+                            <m:sup>
+                              <m:r>
+                                <a:rPr lang="en-US" sz="1200" b="0" i="1" smtClean="0">
+                                  <a:solidFill>
+                                    <a:schemeClr val="tx1"/>
+                                  </a:solidFill>
+                                  <a:latin typeface="Cambria Math" panose="02040503050406030204" pitchFamily="18" charset="0"/>
+                                </a:rPr>
+                                <m:t>−</m:t>
+                              </m:r>
+                              <m:r>
+                                <a:rPr lang="en-US" sz="1200" b="0" i="1" smtClean="0">
+                                  <a:solidFill>
+                                    <a:schemeClr val="tx1"/>
+                                  </a:solidFill>
+                                  <a:latin typeface="Cambria Math" panose="02040503050406030204" pitchFamily="18" charset="0"/>
+                                </a:rPr>
+                                <m:t>𝑗</m:t>
+                              </m:r>
+                              <m:r>
+                                <a:rPr lang="en-US" sz="1200" b="0" i="1" smtClean="0">
+                                  <a:solidFill>
+                                    <a:schemeClr val="tx1"/>
+                                  </a:solidFill>
+                                  <a:latin typeface="Cambria Math" panose="02040503050406030204" pitchFamily="18" charset="0"/>
+                                </a:rPr>
+                                <m:t>𝜋</m:t>
+                              </m:r>
+                              <m:sSub>
+                                <m:sSubPr>
+                                  <m:ctrlPr>
+                                    <a:rPr lang="en-US" sz="1200" i="1">
+                                      <a:solidFill>
+                                        <a:schemeClr val="tx1"/>
+                                      </a:solidFill>
+                                      <a:latin typeface="Cambria Math" panose="02040503050406030204" pitchFamily="18" charset="0"/>
+                                    </a:rPr>
+                                  </m:ctrlPr>
+                                </m:sSubPr>
+                                <m:e>
+                                  <m:acc>
+                                    <m:accPr>
+                                      <m:chr m:val="̂"/>
+                                      <m:ctrlPr>
+                                        <a:rPr lang="en-US" sz="1200" i="1">
+                                          <a:solidFill>
+                                            <a:schemeClr val="tx1"/>
+                                          </a:solidFill>
+                                          <a:latin typeface="Cambria Math" panose="02040503050406030204" pitchFamily="18" charset="0"/>
+                                        </a:rPr>
+                                      </m:ctrlPr>
+                                    </m:accPr>
+                                    <m:e>
+                                      <m:r>
+                                        <a:rPr lang="en-US" sz="1200" i="1">
+                                          <a:solidFill>
+                                            <a:schemeClr val="tx1"/>
+                                          </a:solidFill>
+                                          <a:latin typeface="Cambria Math" panose="02040503050406030204" pitchFamily="18" charset="0"/>
+                                        </a:rPr>
+                                        <m:t>𝛿</m:t>
+                                      </m:r>
+                                    </m:e>
+                                  </m:acc>
+                                </m:e>
+                                <m:sub>
+                                  <m:r>
+                                    <a:rPr lang="en-US" sz="1200" i="1">
+                                      <a:solidFill>
+                                        <a:schemeClr val="tx1"/>
+                                      </a:solidFill>
+                                      <a:latin typeface="Cambria Math" panose="02040503050406030204" pitchFamily="18" charset="0"/>
+                                    </a:rPr>
+                                    <m:t>𝑆𝐷</m:t>
+                                  </m:r>
+                                </m:sub>
+                              </m:sSub>
+                              <m:f>
+                                <m:fPr>
+                                  <m:ctrlPr>
+                                    <a:rPr lang="en-US" sz="1200" b="0" i="1" smtClean="0">
+                                      <a:solidFill>
+                                        <a:schemeClr val="tx1"/>
+                                      </a:solidFill>
+                                      <a:latin typeface="Cambria Math" panose="02040503050406030204" pitchFamily="18" charset="0"/>
+                                    </a:rPr>
+                                  </m:ctrlPr>
+                                </m:fPr>
+                                <m:num>
+                                  <m:r>
+                                    <a:rPr lang="en-US" sz="1200" b="0" i="1" smtClean="0">
+                                      <a:solidFill>
+                                        <a:schemeClr val="tx1"/>
+                                      </a:solidFill>
+                                      <a:latin typeface="Cambria Math" panose="02040503050406030204" pitchFamily="18" charset="0"/>
+                                    </a:rPr>
+                                    <m:t>𝑁</m:t>
+                                  </m:r>
+                                  <m:d>
+                                    <m:dPr>
+                                      <m:ctrlPr>
+                                        <a:rPr lang="en-US" sz="1200" b="0" i="1" smtClean="0">
+                                          <a:solidFill>
+                                            <a:schemeClr val="tx1"/>
+                                          </a:solidFill>
+                                          <a:latin typeface="Cambria Math" panose="02040503050406030204" pitchFamily="18" charset="0"/>
+                                        </a:rPr>
+                                      </m:ctrlPr>
+                                    </m:dPr>
+                                    <m:e>
+                                      <m:r>
+                                        <a:rPr lang="en-US" sz="1200" b="0" i="1" smtClean="0">
+                                          <a:solidFill>
+                                            <a:schemeClr val="tx1"/>
+                                          </a:solidFill>
+                                          <a:latin typeface="Cambria Math" panose="02040503050406030204" pitchFamily="18" charset="0"/>
+                                        </a:rPr>
+                                        <m:t>2</m:t>
+                                      </m:r>
+                                      <m:r>
+                                        <a:rPr lang="en-US" sz="1200" b="0" i="1" smtClean="0">
+                                          <a:solidFill>
+                                            <a:schemeClr val="tx1"/>
+                                          </a:solidFill>
+                                          <a:latin typeface="Cambria Math" panose="02040503050406030204" pitchFamily="18" charset="0"/>
+                                        </a:rPr>
+                                        <m:t>𝑚</m:t>
+                                      </m:r>
+                                      <m:r>
+                                        <a:rPr lang="en-US" sz="1200" b="0" i="1" smtClean="0">
+                                          <a:solidFill>
+                                            <a:schemeClr val="tx1"/>
+                                          </a:solidFill>
+                                          <a:latin typeface="Cambria Math" panose="02040503050406030204" pitchFamily="18" charset="0"/>
+                                        </a:rPr>
+                                        <m:t>+1</m:t>
+                                      </m:r>
+                                    </m:e>
+                                  </m:d>
+                                </m:num>
+                                <m:den>
+                                  <m:sSub>
+                                    <m:sSubPr>
+                                      <m:ctrlPr>
+                                        <a:rPr lang="en-US" sz="1200" b="0" i="1" smtClean="0">
+                                          <a:solidFill>
+                                            <a:schemeClr val="tx1"/>
+                                          </a:solidFill>
+                                          <a:latin typeface="Cambria Math" panose="02040503050406030204" pitchFamily="18" charset="0"/>
+                                        </a:rPr>
+                                      </m:ctrlPr>
+                                    </m:sSubPr>
+                                    <m:e>
+                                      <m:r>
+                                        <a:rPr lang="en-US" sz="1200" b="0" i="1" smtClean="0">
+                                          <a:solidFill>
+                                            <a:schemeClr val="tx1"/>
+                                          </a:solidFill>
+                                          <a:latin typeface="Cambria Math" panose="02040503050406030204" pitchFamily="18" charset="0"/>
+                                        </a:rPr>
+                                        <m:t>𝐿</m:t>
+                                      </m:r>
+                                    </m:e>
+                                    <m:sub>
+                                      <m:r>
+                                        <a:rPr lang="en-US" sz="1200" b="0" i="1" smtClean="0">
+                                          <a:solidFill>
+                                            <a:schemeClr val="tx1"/>
+                                          </a:solidFill>
+                                          <a:latin typeface="Cambria Math" panose="02040503050406030204" pitchFamily="18" charset="0"/>
+                                        </a:rPr>
+                                        <m:t>1</m:t>
+                                      </m:r>
+                                    </m:sub>
+                                  </m:sSub>
+                                </m:den>
+                              </m:f>
+                            </m:sup>
+                          </m:sSup>
+                        </m:e>
+                      </m:nary>
+                    </m:oMath>
+                  </m:oMathPara>
+                </a14:m>
+                <a:endParaRPr lang="en-US" sz="1200" dirty="0">
+                  <a:solidFill>
+                    <a:schemeClr val="tx1"/>
+                  </a:solidFill>
+                </a:endParaRPr>
+              </a:p>
+            </p:txBody>
+          </p:sp>
+        </mc:Choice>
+        <mc:Fallback>
+          <p:sp>
+            <p:nvSpPr>
+              <p:cNvPr id="12" name="Rectangle: Rounded Corners 11">
+                <a:extLst>
+                  <a:ext uri="{FF2B5EF4-FFF2-40B4-BE49-F238E27FC236}">
+                    <a16:creationId xmlns:a16="http://schemas.microsoft.com/office/drawing/2014/main" id="{E4BDDAC2-322E-44F6-9B18-54A2096F23BB}"/>
+                  </a:ext>
+                </a:extLst>
+              </p:cNvPr>
+              <p:cNvSpPr>
+                <a:spLocks noRot="1" noChangeAspect="1" noMove="1" noResize="1" noEditPoints="1" noAdjustHandles="1" noChangeArrowheads="1" noChangeShapeType="1" noTextEdit="1"/>
+              </p:cNvSpPr>
+              <p:nvPr/>
+            </p:nvSpPr>
+            <p:spPr>
+              <a:xfrm>
+                <a:off x="5645586" y="1288472"/>
+                <a:ext cx="2543894" cy="702630"/>
+              </a:xfrm>
+              <a:prstGeom prst="roundRect">
+                <a:avLst/>
+              </a:prstGeom>
+              <a:blipFill>
+                <a:blip r:embed="rId2"/>
+                <a:stretch>
+                  <a:fillRect/>
+                </a:stretch>
+              </a:blipFill>
+              <a:ln w="25400">
+                <a:solidFill>
+                  <a:schemeClr val="tx1"/>
+                </a:solidFill>
+              </a:ln>
+            </p:spPr>
+            <p:txBody>
+              <a:bodyPr/>
+              <a:lstStyle/>
+              <a:p>
+                <a:r>
+                  <a:rPr lang="en-US">
+                    <a:noFill/>
+                  </a:rPr>
+                  <a:t> </a:t>
+                </a:r>
+              </a:p>
+            </p:txBody>
+          </p:sp>
+        </mc:Fallback>
+      </mc:AlternateContent>
+      <mc:AlternateContent xmlns:mc="http://schemas.openxmlformats.org/markup-compatibility/2006">
+        <mc:Choice xmlns:a14="http://schemas.microsoft.com/office/drawing/2010/main" Requires="a14">
+          <p:sp>
+            <p:nvSpPr>
+              <p:cNvPr id="13" name="Rectangle: Rounded Corners 12">
+                <a:extLst>
+                  <a:ext uri="{FF2B5EF4-FFF2-40B4-BE49-F238E27FC236}">
+                    <a16:creationId xmlns:a16="http://schemas.microsoft.com/office/drawing/2014/main" id="{43128B7D-15A4-4272-815E-A79248027E54}"/>
+                  </a:ext>
+                </a:extLst>
+              </p:cNvPr>
+              <p:cNvSpPr/>
+              <p:nvPr/>
+            </p:nvSpPr>
+            <p:spPr>
+              <a:xfrm>
+                <a:off x="5497990" y="3370006"/>
+                <a:ext cx="2976626" cy="824097"/>
+              </a:xfrm>
+              <a:prstGeom prst="roundRect">
+                <a:avLst/>
+              </a:prstGeom>
+              <a:noFill/>
+              <a:ln w="25400">
+                <a:solidFill>
+                  <a:schemeClr val="tx1"/>
+                </a:solidFill>
+              </a:ln>
+            </p:spPr>
+            <p:style>
+              <a:lnRef idx="2">
+                <a:schemeClr val="accent1">
+                  <a:shade val="50000"/>
+                </a:schemeClr>
+              </a:lnRef>
+              <a:fillRef idx="1">
+                <a:schemeClr val="accent1"/>
+              </a:fillRef>
+              <a:effectRef idx="0">
+                <a:schemeClr val="accent1"/>
+              </a:effectRef>
+              <a:fontRef idx="minor">
+                <a:schemeClr val="lt1"/>
+              </a:fontRef>
+            </p:style>
+            <p:txBody>
+              <a:bodyPr rtlCol="0" anchor="ctr"/>
+              <a:lstStyle/>
+              <a:p>
+                <a:pPr algn="ctr"/>
+                <a14:m>
+                  <m:oMathPara xmlns:m="http://schemas.openxmlformats.org/officeDocument/2006/math">
+                    <m:oMathParaPr>
+                      <m:jc m:val="centerGroup"/>
+                    </m:oMathParaPr>
+                    <m:oMath xmlns:m="http://schemas.openxmlformats.org/officeDocument/2006/math">
+                      <m:sSubSup>
+                        <m:sSubSupPr>
+                          <m:ctrlPr>
+                            <a:rPr lang="en-US" sz="1200" i="1">
+                              <a:solidFill>
+                                <a:schemeClr val="tx1"/>
+                              </a:solidFill>
+                              <a:latin typeface="Cambria Math" panose="02040503050406030204" pitchFamily="18" charset="0"/>
+                            </a:rPr>
+                          </m:ctrlPr>
+                        </m:sSubSupPr>
+                        <m:e>
+                          <m:acc>
+                            <m:accPr>
+                              <m:chr m:val="̂"/>
+                              <m:ctrlPr>
+                                <a:rPr lang="en-US" sz="1200" i="1">
+                                  <a:solidFill>
+                                    <a:schemeClr val="tx1"/>
+                                  </a:solidFill>
+                                  <a:latin typeface="Cambria Math" panose="02040503050406030204" pitchFamily="18" charset="0"/>
+                                </a:rPr>
+                              </m:ctrlPr>
+                            </m:accPr>
+                            <m:e>
+                              <m:r>
+                                <a:rPr lang="en-US" sz="1200" i="1">
+                                  <a:solidFill>
+                                    <a:schemeClr val="tx1"/>
+                                  </a:solidFill>
+                                  <a:latin typeface="Cambria Math" panose="02040503050406030204" pitchFamily="18" charset="0"/>
+                                </a:rPr>
+                                <m:t>𝑆</m:t>
+                              </m:r>
+                            </m:e>
+                          </m:acc>
+                        </m:e>
+                        <m:sub>
+                          <m:sSub>
+                            <m:sSubPr>
+                              <m:ctrlPr>
+                                <a:rPr lang="en-US" sz="1200" i="1">
+                                  <a:solidFill>
+                                    <a:schemeClr val="tx1"/>
+                                  </a:solidFill>
+                                  <a:latin typeface="Cambria Math" panose="02040503050406030204" pitchFamily="18" charset="0"/>
+                                </a:rPr>
+                              </m:ctrlPr>
+                            </m:sSubPr>
+                            <m:e>
+                              <m:r>
+                                <a:rPr lang="en-US" sz="1200" i="1">
+                                  <a:solidFill>
+                                    <a:schemeClr val="tx1"/>
+                                  </a:solidFill>
+                                  <a:latin typeface="Cambria Math" panose="02040503050406030204" pitchFamily="18" charset="0"/>
+                                </a:rPr>
+                                <m:t>𝐿</m:t>
+                              </m:r>
+                            </m:e>
+                            <m:sub>
+                              <m:r>
+                                <a:rPr lang="en-US" sz="1200" i="1">
+                                  <a:solidFill>
+                                    <a:schemeClr val="tx1"/>
+                                  </a:solidFill>
+                                  <a:latin typeface="Cambria Math" panose="02040503050406030204" pitchFamily="18" charset="0"/>
+                                </a:rPr>
+                                <m:t>2</m:t>
+                              </m:r>
+                            </m:sub>
+                          </m:sSub>
+                          <m:r>
+                            <a:rPr lang="en-US" sz="1200" i="1">
+                              <a:solidFill>
+                                <a:schemeClr val="tx1"/>
+                              </a:solidFill>
+                              <a:latin typeface="Cambria Math" panose="02040503050406030204" pitchFamily="18" charset="0"/>
+                            </a:rPr>
+                            <m:t>−</m:t>
+                          </m:r>
+                          <m:r>
+                            <a:rPr lang="en-US" sz="1200" b="0" i="1" smtClean="0">
+                              <a:solidFill>
+                                <a:schemeClr val="tx1"/>
+                              </a:solidFill>
+                              <a:latin typeface="Cambria Math" panose="02040503050406030204" pitchFamily="18" charset="0"/>
+                            </a:rPr>
+                            <m:t>1</m:t>
+                          </m:r>
+                        </m:sub>
+                        <m:sup>
+                          <m:r>
+                            <a:rPr lang="en-US" sz="1200" i="1">
+                              <a:solidFill>
+                                <a:schemeClr val="tx1"/>
+                              </a:solidFill>
+                              <a:latin typeface="Cambria Math" panose="02040503050406030204" pitchFamily="18" charset="0"/>
+                            </a:rPr>
+                            <m:t>(</m:t>
+                          </m:r>
+                          <m:r>
+                            <m:rPr>
+                              <m:sty m:val="p"/>
+                            </m:rPr>
+                            <a:rPr lang="en-US" sz="1200">
+                              <a:solidFill>
+                                <a:schemeClr val="tx1"/>
+                              </a:solidFill>
+                              <a:latin typeface="Cambria Math" panose="02040503050406030204" pitchFamily="18" charset="0"/>
+                            </a:rPr>
+                            <m:t>num</m:t>
+                          </m:r>
+                          <m:r>
+                            <a:rPr lang="en-US" sz="1200" i="1">
+                              <a:solidFill>
+                                <a:schemeClr val="tx1"/>
+                              </a:solidFill>
+                              <a:latin typeface="Cambria Math" panose="02040503050406030204" pitchFamily="18" charset="0"/>
+                            </a:rPr>
+                            <m:t>)</m:t>
+                          </m:r>
+                        </m:sup>
+                      </m:sSubSup>
+                      <m:r>
+                        <a:rPr lang="en-US" sz="1200" b="0" i="1" smtClean="0">
+                          <a:solidFill>
+                            <a:schemeClr val="tx1"/>
+                          </a:solidFill>
+                          <a:latin typeface="Cambria Math" panose="02040503050406030204" pitchFamily="18" charset="0"/>
+                        </a:rPr>
+                        <m:t>=</m:t>
+                      </m:r>
+                      <m:nary>
+                        <m:naryPr>
+                          <m:chr m:val="∑"/>
+                          <m:ctrlPr>
+                            <a:rPr lang="en-US" sz="1200" i="1" smtClean="0">
+                              <a:solidFill>
+                                <a:schemeClr val="tx1"/>
+                              </a:solidFill>
+                              <a:latin typeface="Cambria Math" panose="02040503050406030204" pitchFamily="18" charset="0"/>
+                            </a:rPr>
+                          </m:ctrlPr>
+                        </m:naryPr>
+                        <m:sub>
+                          <m:r>
+                            <m:rPr>
+                              <m:brk m:alnAt="23"/>
+                            </m:rPr>
+                            <a:rPr lang="en-US" sz="1200" b="0" i="1" smtClean="0">
+                              <a:solidFill>
+                                <a:schemeClr val="tx1"/>
+                              </a:solidFill>
+                              <a:latin typeface="Cambria Math" panose="02040503050406030204" pitchFamily="18" charset="0"/>
+                            </a:rPr>
+                            <m:t>𝑚</m:t>
+                          </m:r>
+                          <m:r>
+                            <a:rPr lang="en-US" sz="1200" b="0" i="1" smtClean="0">
+                              <a:solidFill>
+                                <a:schemeClr val="tx1"/>
+                              </a:solidFill>
+                              <a:latin typeface="Cambria Math" panose="02040503050406030204" pitchFamily="18" charset="0"/>
+                            </a:rPr>
+                            <m:t>=</m:t>
+                          </m:r>
+                          <m:sSub>
+                            <m:sSubPr>
+                              <m:ctrlPr>
+                                <a:rPr lang="en-US" sz="1200" b="0" i="1" smtClean="0">
+                                  <a:solidFill>
+                                    <a:schemeClr val="tx1"/>
+                                  </a:solidFill>
+                                  <a:latin typeface="Cambria Math" panose="02040503050406030204" pitchFamily="18" charset="0"/>
+                                </a:rPr>
+                              </m:ctrlPr>
+                            </m:sSubPr>
+                            <m:e>
+                              <m:r>
+                                <a:rPr lang="en-US" sz="1200" b="0" i="1" smtClean="0">
+                                  <a:solidFill>
+                                    <a:schemeClr val="tx1"/>
+                                  </a:solidFill>
+                                  <a:latin typeface="Cambria Math" panose="02040503050406030204" pitchFamily="18" charset="0"/>
+                                </a:rPr>
+                                <m:t>(</m:t>
+                              </m:r>
+                              <m:r>
+                                <m:rPr>
+                                  <m:brk m:alnAt="23"/>
+                                </m:rPr>
+                                <a:rPr lang="en-US" sz="1200" b="0" i="1" smtClean="0">
+                                  <a:solidFill>
+                                    <a:schemeClr val="tx1"/>
+                                  </a:solidFill>
+                                  <a:latin typeface="Cambria Math" panose="02040503050406030204" pitchFamily="18" charset="0"/>
+                                </a:rPr>
+                                <m:t>𝐿</m:t>
+                              </m:r>
+                            </m:e>
+                            <m:sub>
+                              <m:r>
+                                <m:rPr>
+                                  <m:brk m:alnAt="23"/>
+                                </m:rPr>
+                                <a:rPr lang="en-US" sz="1200" b="0" i="1" smtClean="0">
+                                  <a:solidFill>
+                                    <a:schemeClr val="tx1"/>
+                                  </a:solidFill>
+                                  <a:latin typeface="Cambria Math" panose="02040503050406030204" pitchFamily="18" charset="0"/>
+                                </a:rPr>
+                                <m:t>2</m:t>
+                              </m:r>
+                            </m:sub>
+                          </m:sSub>
+                          <m:r>
+                            <m:rPr>
+                              <m:brk m:alnAt="23"/>
+                            </m:rPr>
+                            <a:rPr lang="en-US" sz="1200" b="0" i="1" smtClean="0">
+                              <a:solidFill>
+                                <a:schemeClr val="tx1"/>
+                              </a:solidFill>
+                              <a:latin typeface="Cambria Math" panose="02040503050406030204" pitchFamily="18" charset="0"/>
+                            </a:rPr>
+                            <m:t>−</m:t>
+                          </m:r>
+                          <m:r>
+                            <a:rPr lang="en-US" sz="1200" b="0" i="1" smtClean="0">
+                              <a:solidFill>
+                                <a:schemeClr val="tx1"/>
+                              </a:solidFill>
+                              <a:latin typeface="Cambria Math" panose="02040503050406030204" pitchFamily="18" charset="0"/>
+                            </a:rPr>
+                            <m:t>1)</m:t>
+                          </m:r>
+                          <m:sSub>
+                            <m:sSubPr>
+                              <m:ctrlPr>
+                                <a:rPr lang="en-US" sz="1200" b="0" i="1" smtClean="0">
+                                  <a:solidFill>
+                                    <a:schemeClr val="tx1"/>
+                                  </a:solidFill>
+                                  <a:latin typeface="Cambria Math" panose="02040503050406030204" pitchFamily="18" charset="0"/>
+                                </a:rPr>
+                              </m:ctrlPr>
+                            </m:sSubPr>
+                            <m:e>
+                              <m:r>
+                                <a:rPr lang="en-US" sz="1200" b="0" i="1" smtClean="0">
+                                  <a:solidFill>
+                                    <a:schemeClr val="tx1"/>
+                                  </a:solidFill>
+                                  <a:latin typeface="Cambria Math" panose="02040503050406030204" pitchFamily="18" charset="0"/>
+                                </a:rPr>
+                                <m:t>𝐿</m:t>
+                              </m:r>
+                            </m:e>
+                            <m:sub>
+                              <m:r>
+                                <a:rPr lang="en-US" sz="1200" b="0" i="1" smtClean="0">
+                                  <a:solidFill>
+                                    <a:schemeClr val="tx1"/>
+                                  </a:solidFill>
+                                  <a:latin typeface="Cambria Math" panose="02040503050406030204" pitchFamily="18" charset="0"/>
+                                </a:rPr>
+                                <m:t>1</m:t>
+                              </m:r>
+                            </m:sub>
+                          </m:sSub>
+                          <m:r>
+                            <a:rPr lang="en-US" sz="1200" b="0" i="1" smtClean="0">
+                              <a:solidFill>
+                                <a:schemeClr val="tx1"/>
+                              </a:solidFill>
+                              <a:latin typeface="Cambria Math" panose="02040503050406030204" pitchFamily="18" charset="0"/>
+                            </a:rPr>
+                            <m:t>/</m:t>
+                          </m:r>
+                          <m:sSub>
+                            <m:sSubPr>
+                              <m:ctrlPr>
+                                <a:rPr lang="en-US" sz="1200" b="0" i="1" smtClean="0">
+                                  <a:solidFill>
+                                    <a:schemeClr val="tx1"/>
+                                  </a:solidFill>
+                                  <a:latin typeface="Cambria Math" panose="02040503050406030204" pitchFamily="18" charset="0"/>
+                                </a:rPr>
+                              </m:ctrlPr>
+                            </m:sSubPr>
+                            <m:e>
+                              <m:r>
+                                <a:rPr lang="en-US" sz="1200" b="0" i="1" smtClean="0">
+                                  <a:solidFill>
+                                    <a:schemeClr val="tx1"/>
+                                  </a:solidFill>
+                                  <a:latin typeface="Cambria Math" panose="02040503050406030204" pitchFamily="18" charset="0"/>
+                                </a:rPr>
+                                <m:t>𝐿</m:t>
+                              </m:r>
+                            </m:e>
+                            <m:sub>
+                              <m:r>
+                                <a:rPr lang="en-US" sz="1200" b="0" i="1" smtClean="0">
+                                  <a:solidFill>
+                                    <a:schemeClr val="tx1"/>
+                                  </a:solidFill>
+                                  <a:latin typeface="Cambria Math" panose="02040503050406030204" pitchFamily="18" charset="0"/>
+                                </a:rPr>
+                                <m:t>2</m:t>
+                              </m:r>
+                            </m:sub>
+                          </m:sSub>
+                        </m:sub>
+                        <m:sup>
+                          <m:sSub>
+                            <m:sSubPr>
+                              <m:ctrlPr>
+                                <a:rPr lang="en-US" sz="1200" b="0" i="1" smtClean="0">
+                                  <a:solidFill>
+                                    <a:schemeClr val="tx1"/>
+                                  </a:solidFill>
+                                  <a:latin typeface="Cambria Math" panose="02040503050406030204" pitchFamily="18" charset="0"/>
+                                </a:rPr>
+                              </m:ctrlPr>
+                            </m:sSubPr>
+                            <m:e>
+                              <m:r>
+                                <a:rPr lang="en-US" sz="1200" b="0" i="1" smtClean="0">
+                                  <a:solidFill>
+                                    <a:schemeClr val="tx1"/>
+                                  </a:solidFill>
+                                  <a:latin typeface="Cambria Math" panose="02040503050406030204" pitchFamily="18" charset="0"/>
+                                </a:rPr>
+                                <m:t>𝐿</m:t>
+                              </m:r>
+                            </m:e>
+                            <m:sub>
+                              <m:r>
+                                <a:rPr lang="en-US" sz="1200" b="0" i="1" smtClean="0">
+                                  <a:solidFill>
+                                    <a:schemeClr val="tx1"/>
+                                  </a:solidFill>
+                                  <a:latin typeface="Cambria Math" panose="02040503050406030204" pitchFamily="18" charset="0"/>
+                                </a:rPr>
+                                <m:t>1</m:t>
+                              </m:r>
+                            </m:sub>
+                          </m:sSub>
+                          <m:r>
+                            <a:rPr lang="en-US" sz="1200" b="0" i="1" smtClean="0">
+                              <a:solidFill>
+                                <a:schemeClr val="tx1"/>
+                              </a:solidFill>
+                              <a:latin typeface="Cambria Math" panose="02040503050406030204" pitchFamily="18" charset="0"/>
+                            </a:rPr>
+                            <m:t>−1</m:t>
+                          </m:r>
+                        </m:sup>
+                        <m:e>
+                          <m:sSub>
+                            <m:sSubPr>
+                              <m:ctrlPr>
+                                <a:rPr lang="en-US" sz="1200" b="0" i="1" smtClean="0">
+                                  <a:solidFill>
+                                    <a:schemeClr val="tx1"/>
+                                  </a:solidFill>
+                                  <a:latin typeface="Cambria Math" panose="02040503050406030204" pitchFamily="18" charset="0"/>
+                                </a:rPr>
+                              </m:ctrlPr>
+                            </m:sSubPr>
+                            <m:e>
+                              <m:r>
+                                <a:rPr lang="en-US" sz="1200" b="0" i="1" smtClean="0">
+                                  <a:solidFill>
+                                    <a:schemeClr val="tx1"/>
+                                  </a:solidFill>
+                                  <a:latin typeface="Cambria Math" panose="02040503050406030204" pitchFamily="18" charset="0"/>
+                                </a:rPr>
+                                <m:t>𝑧</m:t>
+                              </m:r>
+                            </m:e>
+                            <m:sub>
+                              <m:r>
+                                <a:rPr lang="en-US" sz="1200" b="0" i="1" smtClean="0">
+                                  <a:solidFill>
+                                    <a:schemeClr val="tx1"/>
+                                  </a:solidFill>
+                                  <a:latin typeface="Cambria Math" panose="02040503050406030204" pitchFamily="18" charset="0"/>
+                                </a:rPr>
+                                <m:t>𝑚</m:t>
+                              </m:r>
+                            </m:sub>
+                          </m:sSub>
+                          <m:sSup>
+                            <m:sSupPr>
+                              <m:ctrlPr>
+                                <a:rPr lang="en-US" sz="1200" b="0" i="1" smtClean="0">
+                                  <a:solidFill>
+                                    <a:schemeClr val="tx1"/>
+                                  </a:solidFill>
+                                  <a:latin typeface="Cambria Math" panose="02040503050406030204" pitchFamily="18" charset="0"/>
+                                </a:rPr>
+                              </m:ctrlPr>
+                            </m:sSupPr>
+                            <m:e>
+                              <m:r>
+                                <a:rPr lang="en-US" sz="1200" b="0" i="1" smtClean="0">
+                                  <a:solidFill>
+                                    <a:schemeClr val="tx1"/>
+                                  </a:solidFill>
+                                  <a:latin typeface="Cambria Math" panose="02040503050406030204" pitchFamily="18" charset="0"/>
+                                </a:rPr>
+                                <m:t>𝑒</m:t>
+                              </m:r>
+                            </m:e>
+                            <m:sup>
+                              <m:r>
+                                <a:rPr lang="en-US" sz="1200" b="0" i="1" smtClean="0">
+                                  <a:solidFill>
+                                    <a:schemeClr val="tx1"/>
+                                  </a:solidFill>
+                                  <a:latin typeface="Cambria Math" panose="02040503050406030204" pitchFamily="18" charset="0"/>
+                                </a:rPr>
+                                <m:t>−</m:t>
+                              </m:r>
+                              <m:r>
+                                <a:rPr lang="en-US" sz="1200" b="0" i="1" smtClean="0">
+                                  <a:solidFill>
+                                    <a:schemeClr val="tx1"/>
+                                  </a:solidFill>
+                                  <a:latin typeface="Cambria Math" panose="02040503050406030204" pitchFamily="18" charset="0"/>
+                                </a:rPr>
+                                <m:t>𝑗</m:t>
+                              </m:r>
+                              <m:r>
+                                <a:rPr lang="en-US" sz="1200" b="0" i="1" smtClean="0">
+                                  <a:solidFill>
+                                    <a:schemeClr val="tx1"/>
+                                  </a:solidFill>
+                                  <a:latin typeface="Cambria Math" panose="02040503050406030204" pitchFamily="18" charset="0"/>
+                                </a:rPr>
+                                <m:t>𝜋</m:t>
+                              </m:r>
+                              <m:sSub>
+                                <m:sSubPr>
+                                  <m:ctrlPr>
+                                    <a:rPr lang="en-US" sz="1200" i="1">
+                                      <a:solidFill>
+                                        <a:schemeClr val="tx1"/>
+                                      </a:solidFill>
+                                      <a:latin typeface="Cambria Math" panose="02040503050406030204" pitchFamily="18" charset="0"/>
+                                    </a:rPr>
+                                  </m:ctrlPr>
+                                </m:sSubPr>
+                                <m:e>
+                                  <m:acc>
+                                    <m:accPr>
+                                      <m:chr m:val="̂"/>
+                                      <m:ctrlPr>
+                                        <a:rPr lang="en-US" sz="1200" i="1">
+                                          <a:solidFill>
+                                            <a:schemeClr val="tx1"/>
+                                          </a:solidFill>
+                                          <a:latin typeface="Cambria Math" panose="02040503050406030204" pitchFamily="18" charset="0"/>
+                                        </a:rPr>
+                                      </m:ctrlPr>
+                                    </m:accPr>
+                                    <m:e>
+                                      <m:r>
+                                        <a:rPr lang="en-US" sz="1200" i="1">
+                                          <a:solidFill>
+                                            <a:schemeClr val="tx1"/>
+                                          </a:solidFill>
+                                          <a:latin typeface="Cambria Math" panose="02040503050406030204" pitchFamily="18" charset="0"/>
+                                        </a:rPr>
+                                        <m:t>𝛿</m:t>
+                                      </m:r>
+                                    </m:e>
+                                  </m:acc>
+                                </m:e>
+                                <m:sub>
+                                  <m:r>
+                                    <a:rPr lang="en-US" sz="1200" i="1">
+                                      <a:solidFill>
+                                        <a:schemeClr val="tx1"/>
+                                      </a:solidFill>
+                                      <a:latin typeface="Cambria Math" panose="02040503050406030204" pitchFamily="18" charset="0"/>
+                                    </a:rPr>
+                                    <m:t>𝑆𝐷</m:t>
+                                  </m:r>
+                                </m:sub>
+                              </m:sSub>
+                              <m:f>
+                                <m:fPr>
+                                  <m:ctrlPr>
+                                    <a:rPr lang="en-US" sz="1200" b="0" i="1" smtClean="0">
+                                      <a:solidFill>
+                                        <a:schemeClr val="tx1"/>
+                                      </a:solidFill>
+                                      <a:latin typeface="Cambria Math" panose="02040503050406030204" pitchFamily="18" charset="0"/>
+                                    </a:rPr>
+                                  </m:ctrlPr>
+                                </m:fPr>
+                                <m:num>
+                                  <m:r>
+                                    <a:rPr lang="en-US" sz="1200" b="0" i="1" smtClean="0">
+                                      <a:solidFill>
+                                        <a:schemeClr val="tx1"/>
+                                      </a:solidFill>
+                                      <a:latin typeface="Cambria Math" panose="02040503050406030204" pitchFamily="18" charset="0"/>
+                                    </a:rPr>
+                                    <m:t>𝑁</m:t>
+                                  </m:r>
+                                  <m:d>
+                                    <m:dPr>
+                                      <m:ctrlPr>
+                                        <a:rPr lang="en-US" sz="1200" b="0" i="1" smtClean="0">
+                                          <a:solidFill>
+                                            <a:schemeClr val="tx1"/>
+                                          </a:solidFill>
+                                          <a:latin typeface="Cambria Math" panose="02040503050406030204" pitchFamily="18" charset="0"/>
+                                        </a:rPr>
+                                      </m:ctrlPr>
+                                    </m:dPr>
+                                    <m:e>
+                                      <m:r>
+                                        <a:rPr lang="en-US" sz="1200" b="0" i="1" smtClean="0">
+                                          <a:solidFill>
+                                            <a:schemeClr val="tx1"/>
+                                          </a:solidFill>
+                                          <a:latin typeface="Cambria Math" panose="02040503050406030204" pitchFamily="18" charset="0"/>
+                                        </a:rPr>
+                                        <m:t>2</m:t>
+                                      </m:r>
+                                      <m:r>
+                                        <a:rPr lang="en-US" sz="1200" b="0" i="1" smtClean="0">
+                                          <a:solidFill>
+                                            <a:schemeClr val="tx1"/>
+                                          </a:solidFill>
+                                          <a:latin typeface="Cambria Math" panose="02040503050406030204" pitchFamily="18" charset="0"/>
+                                        </a:rPr>
+                                        <m:t>𝑚</m:t>
+                                      </m:r>
+                                      <m:r>
+                                        <a:rPr lang="en-US" sz="1200" b="0" i="1" smtClean="0">
+                                          <a:solidFill>
+                                            <a:schemeClr val="tx1"/>
+                                          </a:solidFill>
+                                          <a:latin typeface="Cambria Math" panose="02040503050406030204" pitchFamily="18" charset="0"/>
+                                        </a:rPr>
+                                        <m:t>+1</m:t>
+                                      </m:r>
+                                    </m:e>
+                                  </m:d>
+                                </m:num>
+                                <m:den>
+                                  <m:sSub>
+                                    <m:sSubPr>
+                                      <m:ctrlPr>
+                                        <a:rPr lang="en-US" sz="1200" b="0" i="1" smtClean="0">
+                                          <a:solidFill>
+                                            <a:schemeClr val="tx1"/>
+                                          </a:solidFill>
+                                          <a:latin typeface="Cambria Math" panose="02040503050406030204" pitchFamily="18" charset="0"/>
+                                        </a:rPr>
+                                      </m:ctrlPr>
+                                    </m:sSubPr>
+                                    <m:e>
+                                      <m:r>
+                                        <a:rPr lang="en-US" sz="1200" b="0" i="1" smtClean="0">
+                                          <a:solidFill>
+                                            <a:schemeClr val="tx1"/>
+                                          </a:solidFill>
+                                          <a:latin typeface="Cambria Math" panose="02040503050406030204" pitchFamily="18" charset="0"/>
+                                        </a:rPr>
+                                        <m:t>𝐿</m:t>
+                                      </m:r>
+                                    </m:e>
+                                    <m:sub>
+                                      <m:r>
+                                        <a:rPr lang="en-US" sz="1200" b="0" i="1" smtClean="0">
+                                          <a:solidFill>
+                                            <a:schemeClr val="tx1"/>
+                                          </a:solidFill>
+                                          <a:latin typeface="Cambria Math" panose="02040503050406030204" pitchFamily="18" charset="0"/>
+                                        </a:rPr>
+                                        <m:t>1</m:t>
+                                      </m:r>
+                                    </m:sub>
+                                  </m:sSub>
+                                </m:den>
+                              </m:f>
+                            </m:sup>
+                          </m:sSup>
+                        </m:e>
+                      </m:nary>
+                    </m:oMath>
+                  </m:oMathPara>
+                </a14:m>
+                <a:endParaRPr lang="en-US" sz="1200" dirty="0">
+                  <a:solidFill>
+                    <a:schemeClr val="tx1"/>
+                  </a:solidFill>
+                </a:endParaRPr>
+              </a:p>
+            </p:txBody>
+          </p:sp>
+        </mc:Choice>
+        <mc:Fallback>
+          <p:sp>
+            <p:nvSpPr>
+              <p:cNvPr id="13" name="Rectangle: Rounded Corners 12">
+                <a:extLst>
+                  <a:ext uri="{FF2B5EF4-FFF2-40B4-BE49-F238E27FC236}">
+                    <a16:creationId xmlns:a16="http://schemas.microsoft.com/office/drawing/2014/main" id="{43128B7D-15A4-4272-815E-A79248027E54}"/>
+                  </a:ext>
+                </a:extLst>
+              </p:cNvPr>
+              <p:cNvSpPr>
+                <a:spLocks noRot="1" noChangeAspect="1" noMove="1" noResize="1" noEditPoints="1" noAdjustHandles="1" noChangeArrowheads="1" noChangeShapeType="1" noTextEdit="1"/>
+              </p:cNvSpPr>
+              <p:nvPr/>
+            </p:nvSpPr>
+            <p:spPr>
+              <a:xfrm>
+                <a:off x="5497990" y="3370006"/>
+                <a:ext cx="2976626" cy="824097"/>
+              </a:xfrm>
+              <a:prstGeom prst="roundRect">
+                <a:avLst/>
+              </a:prstGeom>
+              <a:blipFill>
+                <a:blip r:embed="rId3"/>
+                <a:stretch>
+                  <a:fillRect/>
+                </a:stretch>
+              </a:blipFill>
+              <a:ln w="25400">
+                <a:solidFill>
+                  <a:schemeClr val="tx1"/>
+                </a:solidFill>
+              </a:ln>
+            </p:spPr>
+            <p:txBody>
+              <a:bodyPr/>
+              <a:lstStyle/>
+              <a:p>
+                <a:r>
+                  <a:rPr lang="en-US">
+                    <a:noFill/>
+                  </a:rPr>
+                  <a:t> </a:t>
+                </a:r>
+              </a:p>
+            </p:txBody>
+          </p:sp>
+        </mc:Fallback>
+      </mc:AlternateContent>
+      <p:sp>
+        <p:nvSpPr>
+          <p:cNvPr id="14" name="Flowchart: Or 13">
+            <a:extLst>
+              <a:ext uri="{FF2B5EF4-FFF2-40B4-BE49-F238E27FC236}">
+                <a16:creationId xmlns:a16="http://schemas.microsoft.com/office/drawing/2014/main" id="{484BF395-9BBC-4BE7-BD46-A8FE305EB83B}"/>
+              </a:ext>
+            </a:extLst>
+          </p:cNvPr>
+          <p:cNvSpPr/>
+          <p:nvPr/>
+        </p:nvSpPr>
+        <p:spPr>
+          <a:xfrm>
+            <a:off x="8379993" y="2511412"/>
+            <a:ext cx="350196" cy="354478"/>
+          </a:xfrm>
+          <a:prstGeom prst="flowChartOr">
+            <a:avLst/>
+          </a:prstGeom>
+          <a:solidFill>
+            <a:schemeClr val="bg1"/>
+          </a:solidFill>
+          <a:ln w="15875">
+            <a:solidFill>
+              <a:schemeClr val="tx1"/>
+            </a:solidFill>
+          </a:ln>
+        </p:spPr>
+        <p:style>
+          <a:lnRef idx="2">
+            <a:schemeClr val="accent1">
+              <a:shade val="50000"/>
+            </a:schemeClr>
+          </a:lnRef>
+          <a:fillRef idx="1">
+            <a:schemeClr val="accent1"/>
+          </a:fillRef>
+          <a:effectRef idx="0">
+            <a:schemeClr val="accent1"/>
+          </a:effectRef>
+          <a:fontRef idx="minor">
+            <a:schemeClr val="lt1"/>
+          </a:fontRef>
+        </p:style>
+        <p:txBody>
+          <a:bodyPr rtlCol="0" anchor="ctr"/>
+          <a:lstStyle/>
+          <a:p>
+            <a:pPr algn="ctr"/>
+            <a:endParaRPr lang="en-US"/>
+          </a:p>
+        </p:txBody>
+      </p:sp>
+      <p:sp>
+        <p:nvSpPr>
+          <p:cNvPr id="15" name="Oval 14">
+            <a:extLst>
+              <a:ext uri="{FF2B5EF4-FFF2-40B4-BE49-F238E27FC236}">
+                <a16:creationId xmlns:a16="http://schemas.microsoft.com/office/drawing/2014/main" id="{AEDA5061-2B04-48B7-9DF3-74A155AE1D5E}"/>
+              </a:ext>
+            </a:extLst>
+          </p:cNvPr>
+          <p:cNvSpPr/>
+          <p:nvPr/>
+        </p:nvSpPr>
+        <p:spPr>
+          <a:xfrm>
+            <a:off x="6626246" y="2526005"/>
+            <a:ext cx="126459" cy="121763"/>
+          </a:xfrm>
+          <a:prstGeom prst="ellipse">
+            <a:avLst/>
+          </a:prstGeom>
+          <a:solidFill>
+            <a:schemeClr val="tx1"/>
+          </a:solidFill>
+        </p:spPr>
+        <p:style>
+          <a:lnRef idx="2">
+            <a:schemeClr val="accent1">
+              <a:shade val="50000"/>
+            </a:schemeClr>
+          </a:lnRef>
+          <a:fillRef idx="1">
+            <a:schemeClr val="accent1"/>
+          </a:fillRef>
+          <a:effectRef idx="0">
+            <a:schemeClr val="accent1"/>
+          </a:effectRef>
+          <a:fontRef idx="minor">
+            <a:schemeClr val="lt1"/>
+          </a:fontRef>
+        </p:style>
+        <p:txBody>
+          <a:bodyPr rtlCol="0" anchor="ctr"/>
+          <a:lstStyle/>
+          <a:p>
+            <a:pPr algn="ctr"/>
+            <a:endParaRPr lang="en-US"/>
+          </a:p>
+        </p:txBody>
+      </p:sp>
+      <p:sp>
+        <p:nvSpPr>
+          <p:cNvPr id="16" name="Oval 15">
+            <a:extLst>
+              <a:ext uri="{FF2B5EF4-FFF2-40B4-BE49-F238E27FC236}">
+                <a16:creationId xmlns:a16="http://schemas.microsoft.com/office/drawing/2014/main" id="{84577466-3635-481F-B0AB-63136B31ED1B}"/>
+              </a:ext>
+            </a:extLst>
+          </p:cNvPr>
+          <p:cNvSpPr/>
+          <p:nvPr/>
+        </p:nvSpPr>
+        <p:spPr>
+          <a:xfrm>
+            <a:off x="6626248" y="2710045"/>
+            <a:ext cx="126459" cy="121763"/>
+          </a:xfrm>
+          <a:prstGeom prst="ellipse">
+            <a:avLst/>
+          </a:prstGeom>
+          <a:solidFill>
+            <a:schemeClr val="tx1"/>
+          </a:solidFill>
+        </p:spPr>
+        <p:style>
+          <a:lnRef idx="2">
+            <a:schemeClr val="accent1">
+              <a:shade val="50000"/>
+            </a:schemeClr>
+          </a:lnRef>
+          <a:fillRef idx="1">
+            <a:schemeClr val="accent1"/>
+          </a:fillRef>
+          <a:effectRef idx="0">
+            <a:schemeClr val="accent1"/>
+          </a:effectRef>
+          <a:fontRef idx="minor">
+            <a:schemeClr val="lt1"/>
+          </a:fontRef>
+        </p:style>
+        <p:txBody>
+          <a:bodyPr rtlCol="0" anchor="ctr"/>
+          <a:lstStyle/>
+          <a:p>
+            <a:pPr algn="ctr"/>
+            <a:endParaRPr lang="en-US"/>
+          </a:p>
+        </p:txBody>
+      </p:sp>
+      <p:sp>
+        <p:nvSpPr>
+          <p:cNvPr id="17" name="Oval 16">
+            <a:extLst>
+              <a:ext uri="{FF2B5EF4-FFF2-40B4-BE49-F238E27FC236}">
+                <a16:creationId xmlns:a16="http://schemas.microsoft.com/office/drawing/2014/main" id="{0A64837B-0689-4A48-A031-607630DDE238}"/>
+              </a:ext>
+            </a:extLst>
+          </p:cNvPr>
+          <p:cNvSpPr/>
+          <p:nvPr/>
+        </p:nvSpPr>
+        <p:spPr>
+          <a:xfrm>
+            <a:off x="6626247" y="2891404"/>
+            <a:ext cx="126459" cy="121763"/>
+          </a:xfrm>
+          <a:prstGeom prst="ellipse">
+            <a:avLst/>
+          </a:prstGeom>
+          <a:solidFill>
+            <a:schemeClr val="tx1"/>
+          </a:solidFill>
+        </p:spPr>
+        <p:style>
+          <a:lnRef idx="2">
+            <a:schemeClr val="accent1">
+              <a:shade val="50000"/>
+            </a:schemeClr>
+          </a:lnRef>
+          <a:fillRef idx="1">
+            <a:schemeClr val="accent1"/>
+          </a:fillRef>
+          <a:effectRef idx="0">
+            <a:schemeClr val="accent1"/>
+          </a:effectRef>
+          <a:fontRef idx="minor">
+            <a:schemeClr val="lt1"/>
+          </a:fontRef>
+        </p:style>
+        <p:txBody>
+          <a:bodyPr rtlCol="0" anchor="ctr"/>
+          <a:lstStyle/>
+          <a:p>
+            <a:pPr algn="ctr"/>
+            <a:endParaRPr lang="en-US"/>
+          </a:p>
+        </p:txBody>
+      </p:sp>
+      <p:cxnSp>
+        <p:nvCxnSpPr>
+          <p:cNvPr id="18" name="Straight Arrow Connector 17">
+            <a:extLst>
+              <a:ext uri="{FF2B5EF4-FFF2-40B4-BE49-F238E27FC236}">
+                <a16:creationId xmlns:a16="http://schemas.microsoft.com/office/drawing/2014/main" id="{708546F3-E00A-4CA9-AB45-6A5939D50D1E}"/>
+              </a:ext>
+            </a:extLst>
+          </p:cNvPr>
+          <p:cNvCxnSpPr>
+            <a:cxnSpLocks/>
+            <a:stCxn id="64" idx="3"/>
+            <a:endCxn id="12" idx="1"/>
+          </p:cNvCxnSpPr>
+          <p:nvPr/>
+        </p:nvCxnSpPr>
+        <p:spPr>
+          <a:xfrm>
+            <a:off x="5059243" y="1249849"/>
+            <a:ext cx="586343" cy="389938"/>
+          </a:xfrm>
+          <a:prstGeom prst="straightConnector1">
+            <a:avLst/>
+          </a:prstGeom>
+          <a:ln w="15875">
+            <a:solidFill>
+              <a:schemeClr val="tx1"/>
+            </a:solidFill>
+            <a:tailEnd type="triangle"/>
+          </a:ln>
+        </p:spPr>
+        <p:style>
+          <a:lnRef idx="1">
+            <a:schemeClr val="accent1"/>
+          </a:lnRef>
+          <a:fillRef idx="0">
+            <a:schemeClr val="accent1"/>
+          </a:fillRef>
+          <a:effectRef idx="0">
+            <a:schemeClr val="accent1"/>
+          </a:effectRef>
+          <a:fontRef idx="minor">
+            <a:schemeClr val="tx1"/>
+          </a:fontRef>
+        </p:style>
+      </p:cxnSp>
+      <p:cxnSp>
+        <p:nvCxnSpPr>
+          <p:cNvPr id="19" name="Straight Arrow Connector 18">
+            <a:extLst>
+              <a:ext uri="{FF2B5EF4-FFF2-40B4-BE49-F238E27FC236}">
+                <a16:creationId xmlns:a16="http://schemas.microsoft.com/office/drawing/2014/main" id="{BAA4A04A-FCEA-4DED-A6D9-46780DB78DB9}"/>
+              </a:ext>
+            </a:extLst>
+          </p:cNvPr>
+          <p:cNvCxnSpPr>
+            <a:cxnSpLocks/>
+            <a:stCxn id="70" idx="3"/>
+            <a:endCxn id="12" idx="1"/>
+          </p:cNvCxnSpPr>
+          <p:nvPr/>
+        </p:nvCxnSpPr>
+        <p:spPr>
+          <a:xfrm flipV="1">
+            <a:off x="5147795" y="1639787"/>
+            <a:ext cx="497791" cy="426509"/>
+          </a:xfrm>
+          <a:prstGeom prst="straightConnector1">
+            <a:avLst/>
+          </a:prstGeom>
+          <a:ln w="15875">
+            <a:solidFill>
+              <a:schemeClr val="tx1"/>
+            </a:solidFill>
+            <a:tailEnd type="triangle"/>
+          </a:ln>
+        </p:spPr>
+        <p:style>
+          <a:lnRef idx="1">
+            <a:schemeClr val="accent1"/>
+          </a:lnRef>
+          <a:fillRef idx="0">
+            <a:schemeClr val="accent1"/>
+          </a:fillRef>
+          <a:effectRef idx="0">
+            <a:schemeClr val="accent1"/>
+          </a:effectRef>
+          <a:fontRef idx="minor">
+            <a:schemeClr val="tx1"/>
+          </a:fontRef>
+        </p:style>
+      </p:cxnSp>
+      <p:cxnSp>
+        <p:nvCxnSpPr>
+          <p:cNvPr id="20" name="Straight Arrow Connector 19">
+            <a:extLst>
+              <a:ext uri="{FF2B5EF4-FFF2-40B4-BE49-F238E27FC236}">
+                <a16:creationId xmlns:a16="http://schemas.microsoft.com/office/drawing/2014/main" id="{D07A70AE-5E2E-4971-8CC9-6553E4D6B8BB}"/>
+              </a:ext>
+            </a:extLst>
+          </p:cNvPr>
+          <p:cNvCxnSpPr>
+            <a:cxnSpLocks/>
+            <a:endCxn id="12" idx="1"/>
+          </p:cNvCxnSpPr>
+          <p:nvPr/>
+        </p:nvCxnSpPr>
+        <p:spPr>
+          <a:xfrm flipV="1">
+            <a:off x="4010794" y="1639787"/>
+            <a:ext cx="1634792" cy="1077870"/>
+          </a:xfrm>
+          <a:prstGeom prst="straightConnector1">
+            <a:avLst/>
+          </a:prstGeom>
+          <a:ln w="15875">
+            <a:solidFill>
+              <a:schemeClr val="tx1"/>
+            </a:solidFill>
+            <a:prstDash val="sysDot"/>
+            <a:tailEnd type="triangle"/>
+          </a:ln>
+        </p:spPr>
+        <p:style>
+          <a:lnRef idx="1">
+            <a:schemeClr val="accent1"/>
+          </a:lnRef>
+          <a:fillRef idx="0">
+            <a:schemeClr val="accent1"/>
+          </a:fillRef>
+          <a:effectRef idx="0">
+            <a:schemeClr val="accent1"/>
+          </a:effectRef>
+          <a:fontRef idx="minor">
+            <a:schemeClr val="tx1"/>
+          </a:fontRef>
+        </p:style>
+      </p:cxnSp>
+      <p:cxnSp>
+        <p:nvCxnSpPr>
+          <p:cNvPr id="21" name="Straight Arrow Connector 20">
+            <a:extLst>
+              <a:ext uri="{FF2B5EF4-FFF2-40B4-BE49-F238E27FC236}">
+                <a16:creationId xmlns:a16="http://schemas.microsoft.com/office/drawing/2014/main" id="{958C77E9-B7E4-4884-9E88-BED8F3019A16}"/>
+              </a:ext>
+            </a:extLst>
+          </p:cNvPr>
+          <p:cNvCxnSpPr>
+            <a:cxnSpLocks/>
+            <a:endCxn id="13" idx="1"/>
+          </p:cNvCxnSpPr>
+          <p:nvPr/>
+        </p:nvCxnSpPr>
+        <p:spPr>
+          <a:xfrm>
+            <a:off x="4037300" y="2788027"/>
+            <a:ext cx="1460690" cy="994028"/>
+          </a:xfrm>
+          <a:prstGeom prst="straightConnector1">
+            <a:avLst/>
+          </a:prstGeom>
+          <a:ln w="15875">
+            <a:solidFill>
+              <a:schemeClr val="tx1"/>
+            </a:solidFill>
+            <a:prstDash val="sysDot"/>
+            <a:tailEnd type="triangle"/>
+          </a:ln>
+        </p:spPr>
+        <p:style>
+          <a:lnRef idx="1">
+            <a:schemeClr val="accent1"/>
+          </a:lnRef>
+          <a:fillRef idx="0">
+            <a:schemeClr val="accent1"/>
+          </a:fillRef>
+          <a:effectRef idx="0">
+            <a:schemeClr val="accent1"/>
+          </a:effectRef>
+          <a:fontRef idx="minor">
+            <a:schemeClr val="tx1"/>
+          </a:fontRef>
+        </p:style>
+      </p:cxnSp>
+      <p:cxnSp>
+        <p:nvCxnSpPr>
+          <p:cNvPr id="22" name="Straight Arrow Connector 21">
+            <a:extLst>
+              <a:ext uri="{FF2B5EF4-FFF2-40B4-BE49-F238E27FC236}">
+                <a16:creationId xmlns:a16="http://schemas.microsoft.com/office/drawing/2014/main" id="{ED23868B-DD85-4223-856D-757C4C083318}"/>
+              </a:ext>
+            </a:extLst>
+          </p:cNvPr>
+          <p:cNvCxnSpPr>
+            <a:cxnSpLocks/>
+            <a:stCxn id="74" idx="3"/>
+            <a:endCxn id="13" idx="1"/>
+          </p:cNvCxnSpPr>
+          <p:nvPr/>
+        </p:nvCxnSpPr>
+        <p:spPr>
+          <a:xfrm>
+            <a:off x="5235343" y="3473383"/>
+            <a:ext cx="262647" cy="308672"/>
+          </a:xfrm>
+          <a:prstGeom prst="straightConnector1">
+            <a:avLst/>
+          </a:prstGeom>
+          <a:ln w="15875">
+            <a:solidFill>
+              <a:schemeClr val="tx1"/>
+            </a:solidFill>
+            <a:tailEnd type="triangle"/>
+          </a:ln>
+        </p:spPr>
+        <p:style>
+          <a:lnRef idx="1">
+            <a:schemeClr val="accent1"/>
+          </a:lnRef>
+          <a:fillRef idx="0">
+            <a:schemeClr val="accent1"/>
+          </a:fillRef>
+          <a:effectRef idx="0">
+            <a:schemeClr val="accent1"/>
+          </a:effectRef>
+          <a:fontRef idx="minor">
+            <a:schemeClr val="tx1"/>
+          </a:fontRef>
+        </p:style>
+      </p:cxnSp>
+      <p:cxnSp>
+        <p:nvCxnSpPr>
+          <p:cNvPr id="23" name="Straight Arrow Connector 22">
+            <a:extLst>
+              <a:ext uri="{FF2B5EF4-FFF2-40B4-BE49-F238E27FC236}">
+                <a16:creationId xmlns:a16="http://schemas.microsoft.com/office/drawing/2014/main" id="{4337973E-B57C-47AE-A404-D92BECEB8D5B}"/>
+              </a:ext>
+            </a:extLst>
+          </p:cNvPr>
+          <p:cNvCxnSpPr>
+            <a:cxnSpLocks/>
+            <a:endCxn id="13" idx="1"/>
+          </p:cNvCxnSpPr>
+          <p:nvPr/>
+        </p:nvCxnSpPr>
+        <p:spPr>
+          <a:xfrm flipV="1">
+            <a:off x="5147795" y="3782055"/>
+            <a:ext cx="350195" cy="538198"/>
+          </a:xfrm>
+          <a:prstGeom prst="straightConnector1">
+            <a:avLst/>
+          </a:prstGeom>
+          <a:ln w="15875">
+            <a:solidFill>
+              <a:schemeClr val="tx1"/>
+            </a:solidFill>
+            <a:tailEnd type="triangle"/>
+          </a:ln>
+        </p:spPr>
+        <p:style>
+          <a:lnRef idx="1">
+            <a:schemeClr val="accent1"/>
+          </a:lnRef>
+          <a:fillRef idx="0">
+            <a:schemeClr val="accent1"/>
+          </a:fillRef>
+          <a:effectRef idx="0">
+            <a:schemeClr val="accent1"/>
+          </a:effectRef>
+          <a:fontRef idx="minor">
+            <a:schemeClr val="tx1"/>
+          </a:fontRef>
+        </p:style>
+      </p:cxnSp>
+      <p:cxnSp>
+        <p:nvCxnSpPr>
+          <p:cNvPr id="24" name="Connector: Elbow 23">
+            <a:extLst>
+              <a:ext uri="{FF2B5EF4-FFF2-40B4-BE49-F238E27FC236}">
+                <a16:creationId xmlns:a16="http://schemas.microsoft.com/office/drawing/2014/main" id="{C620925D-CE99-4005-917B-60BBC34AA642}"/>
+              </a:ext>
+            </a:extLst>
+          </p:cNvPr>
+          <p:cNvCxnSpPr>
+            <a:cxnSpLocks/>
+            <a:stCxn id="12" idx="3"/>
+            <a:endCxn id="14" idx="0"/>
+          </p:cNvCxnSpPr>
+          <p:nvPr/>
+        </p:nvCxnSpPr>
+        <p:spPr>
+          <a:xfrm>
+            <a:off x="8189480" y="1639787"/>
+            <a:ext cx="365611" cy="871625"/>
+          </a:xfrm>
+          <a:prstGeom prst="bentConnector2">
+            <a:avLst/>
+          </a:prstGeom>
+          <a:ln w="15875">
+            <a:solidFill>
+              <a:schemeClr val="tx1"/>
+            </a:solidFill>
+            <a:tailEnd type="triangle"/>
+          </a:ln>
+        </p:spPr>
+        <p:style>
+          <a:lnRef idx="1">
+            <a:schemeClr val="accent1"/>
+          </a:lnRef>
+          <a:fillRef idx="0">
+            <a:schemeClr val="accent1"/>
+          </a:fillRef>
+          <a:effectRef idx="0">
+            <a:schemeClr val="accent1"/>
+          </a:effectRef>
+          <a:fontRef idx="minor">
+            <a:schemeClr val="tx1"/>
+          </a:fontRef>
+        </p:style>
+      </p:cxnSp>
+      <p:cxnSp>
+        <p:nvCxnSpPr>
+          <p:cNvPr id="25" name="Connector: Elbow 24">
+            <a:extLst>
+              <a:ext uri="{FF2B5EF4-FFF2-40B4-BE49-F238E27FC236}">
+                <a16:creationId xmlns:a16="http://schemas.microsoft.com/office/drawing/2014/main" id="{32805C22-8468-4863-9101-3F5C28036B9E}"/>
+              </a:ext>
+            </a:extLst>
+          </p:cNvPr>
+          <p:cNvCxnSpPr>
+            <a:cxnSpLocks/>
+            <a:stCxn id="13" idx="3"/>
+            <a:endCxn id="14" idx="4"/>
+          </p:cNvCxnSpPr>
+          <p:nvPr/>
+        </p:nvCxnSpPr>
+        <p:spPr>
+          <a:xfrm flipV="1">
+            <a:off x="8474616" y="2865890"/>
+            <a:ext cx="80475" cy="916165"/>
+          </a:xfrm>
+          <a:prstGeom prst="bentConnector2">
+            <a:avLst/>
+          </a:prstGeom>
+          <a:ln w="15875">
+            <a:solidFill>
+              <a:schemeClr val="tx1"/>
+            </a:solidFill>
+            <a:tailEnd type="triangle"/>
+          </a:ln>
+        </p:spPr>
+        <p:style>
+          <a:lnRef idx="1">
+            <a:schemeClr val="accent1"/>
+          </a:lnRef>
+          <a:fillRef idx="0">
+            <a:schemeClr val="accent1"/>
+          </a:fillRef>
+          <a:effectRef idx="0">
+            <a:schemeClr val="accent1"/>
+          </a:effectRef>
+          <a:fontRef idx="minor">
+            <a:schemeClr val="tx1"/>
+          </a:fontRef>
+        </p:style>
+      </p:cxnSp>
+      <p:sp>
+        <p:nvSpPr>
+          <p:cNvPr id="26" name="Oval 25">
+            <a:extLst>
+              <a:ext uri="{FF2B5EF4-FFF2-40B4-BE49-F238E27FC236}">
+                <a16:creationId xmlns:a16="http://schemas.microsoft.com/office/drawing/2014/main" id="{8450ED30-0B2F-4BC1-96D2-04CEFBCE5927}"/>
+              </a:ext>
+            </a:extLst>
+          </p:cNvPr>
+          <p:cNvSpPr/>
+          <p:nvPr/>
+        </p:nvSpPr>
+        <p:spPr>
+          <a:xfrm>
+            <a:off x="6625209" y="2346580"/>
+            <a:ext cx="126459" cy="121763"/>
+          </a:xfrm>
+          <a:prstGeom prst="ellipse">
+            <a:avLst/>
+          </a:prstGeom>
+          <a:solidFill>
+            <a:schemeClr val="tx1"/>
+          </a:solidFill>
+        </p:spPr>
+        <p:style>
+          <a:lnRef idx="2">
+            <a:schemeClr val="accent1">
+              <a:shade val="50000"/>
+            </a:schemeClr>
+          </a:lnRef>
+          <a:fillRef idx="1">
+            <a:schemeClr val="accent1"/>
+          </a:fillRef>
+          <a:effectRef idx="0">
+            <a:schemeClr val="accent1"/>
+          </a:effectRef>
+          <a:fontRef idx="minor">
+            <a:schemeClr val="lt1"/>
+          </a:fontRef>
+        </p:style>
+        <p:txBody>
+          <a:bodyPr rtlCol="0" anchor="ctr"/>
+          <a:lstStyle/>
+          <a:p>
+            <a:pPr algn="ctr"/>
+            <a:endParaRPr lang="en-US"/>
+          </a:p>
+        </p:txBody>
+      </p:sp>
+      <p:cxnSp>
+        <p:nvCxnSpPr>
+          <p:cNvPr id="27" name="Straight Arrow Connector 26">
+            <a:extLst>
+              <a:ext uri="{FF2B5EF4-FFF2-40B4-BE49-F238E27FC236}">
+                <a16:creationId xmlns:a16="http://schemas.microsoft.com/office/drawing/2014/main" id="{4E680381-CA56-4746-B668-E5F84E01FE32}"/>
+              </a:ext>
+            </a:extLst>
+          </p:cNvPr>
+          <p:cNvCxnSpPr>
+            <a:cxnSpLocks/>
+            <a:endCxn id="14" idx="2"/>
+          </p:cNvCxnSpPr>
+          <p:nvPr/>
+        </p:nvCxnSpPr>
+        <p:spPr>
+          <a:xfrm>
+            <a:off x="6955446" y="2567642"/>
+            <a:ext cx="1424547" cy="121009"/>
+          </a:xfrm>
+          <a:prstGeom prst="straightConnector1">
+            <a:avLst/>
+          </a:prstGeom>
+          <a:ln w="15875">
+            <a:solidFill>
+              <a:schemeClr val="tx1"/>
+            </a:solidFill>
+            <a:prstDash val="sysDot"/>
+            <a:tailEnd type="triangle"/>
+          </a:ln>
+        </p:spPr>
+        <p:style>
+          <a:lnRef idx="1">
+            <a:schemeClr val="accent1"/>
+          </a:lnRef>
+          <a:fillRef idx="0">
+            <a:schemeClr val="accent1"/>
+          </a:fillRef>
+          <a:effectRef idx="0">
+            <a:schemeClr val="accent1"/>
+          </a:effectRef>
+          <a:fontRef idx="minor">
+            <a:schemeClr val="tx1"/>
+          </a:fontRef>
+        </p:style>
+      </p:cxnSp>
+      <p:cxnSp>
+        <p:nvCxnSpPr>
+          <p:cNvPr id="28" name="Straight Arrow Connector 27">
+            <a:extLst>
+              <a:ext uri="{FF2B5EF4-FFF2-40B4-BE49-F238E27FC236}">
+                <a16:creationId xmlns:a16="http://schemas.microsoft.com/office/drawing/2014/main" id="{896C2CC6-8E47-493F-B073-37774842E708}"/>
+              </a:ext>
+            </a:extLst>
+          </p:cNvPr>
+          <p:cNvCxnSpPr>
+            <a:cxnSpLocks/>
+            <a:endCxn id="14" idx="2"/>
+          </p:cNvCxnSpPr>
+          <p:nvPr/>
+        </p:nvCxnSpPr>
+        <p:spPr>
+          <a:xfrm flipV="1">
+            <a:off x="6955446" y="2688651"/>
+            <a:ext cx="1424547" cy="217734"/>
+          </a:xfrm>
+          <a:prstGeom prst="straightConnector1">
+            <a:avLst/>
+          </a:prstGeom>
+          <a:ln w="15875">
+            <a:solidFill>
+              <a:schemeClr val="tx1"/>
+            </a:solidFill>
+            <a:prstDash val="sysDot"/>
+            <a:tailEnd type="triangle"/>
+          </a:ln>
+        </p:spPr>
+        <p:style>
+          <a:lnRef idx="1">
+            <a:schemeClr val="accent1"/>
+          </a:lnRef>
+          <a:fillRef idx="0">
+            <a:schemeClr val="accent1"/>
+          </a:fillRef>
+          <a:effectRef idx="0">
+            <a:schemeClr val="accent1"/>
+          </a:effectRef>
+          <a:fontRef idx="minor">
+            <a:schemeClr val="tx1"/>
+          </a:fontRef>
+        </p:style>
+      </p:cxnSp>
+      <p:cxnSp>
+        <p:nvCxnSpPr>
+          <p:cNvPr id="32" name="Straight Arrow Connector 31">
+            <a:extLst>
+              <a:ext uri="{FF2B5EF4-FFF2-40B4-BE49-F238E27FC236}">
+                <a16:creationId xmlns:a16="http://schemas.microsoft.com/office/drawing/2014/main" id="{D9C9D031-2390-471F-AB4B-65D82F9B56E4}"/>
+              </a:ext>
+            </a:extLst>
+          </p:cNvPr>
+          <p:cNvCxnSpPr>
+            <a:cxnSpLocks/>
+          </p:cNvCxnSpPr>
+          <p:nvPr/>
+        </p:nvCxnSpPr>
+        <p:spPr>
+          <a:xfrm>
+            <a:off x="3581700" y="1266188"/>
+            <a:ext cx="218539" cy="2154"/>
+          </a:xfrm>
+          <a:prstGeom prst="straightConnector1">
+            <a:avLst/>
+          </a:prstGeom>
+          <a:ln w="15875">
+            <a:solidFill>
+              <a:schemeClr val="tx1"/>
+            </a:solidFill>
+            <a:tailEnd type="triangle"/>
+          </a:ln>
+        </p:spPr>
+        <p:style>
+          <a:lnRef idx="1">
+            <a:schemeClr val="accent1"/>
+          </a:lnRef>
+          <a:fillRef idx="0">
+            <a:schemeClr val="accent1"/>
+          </a:fillRef>
+          <a:effectRef idx="0">
+            <a:schemeClr val="accent1"/>
+          </a:effectRef>
+          <a:fontRef idx="minor">
+            <a:schemeClr val="tx1"/>
+          </a:fontRef>
+        </p:style>
+      </p:cxnSp>
+      <p:cxnSp>
+        <p:nvCxnSpPr>
+          <p:cNvPr id="33" name="Straight Arrow Connector 32">
+            <a:extLst>
+              <a:ext uri="{FF2B5EF4-FFF2-40B4-BE49-F238E27FC236}">
+                <a16:creationId xmlns:a16="http://schemas.microsoft.com/office/drawing/2014/main" id="{5719680A-986C-4523-BF30-9C3669B9DCC3}"/>
+              </a:ext>
+            </a:extLst>
+          </p:cNvPr>
+          <p:cNvCxnSpPr>
+            <a:cxnSpLocks/>
+          </p:cNvCxnSpPr>
+          <p:nvPr/>
+        </p:nvCxnSpPr>
+        <p:spPr>
+          <a:xfrm>
+            <a:off x="3588752" y="2074517"/>
+            <a:ext cx="213070" cy="0"/>
+          </a:xfrm>
+          <a:prstGeom prst="straightConnector1">
+            <a:avLst/>
+          </a:prstGeom>
+          <a:ln w="15875">
+            <a:solidFill>
+              <a:schemeClr val="tx1"/>
+            </a:solidFill>
+            <a:tailEnd type="triangle"/>
+          </a:ln>
+        </p:spPr>
+        <p:style>
+          <a:lnRef idx="1">
+            <a:schemeClr val="accent1"/>
+          </a:lnRef>
+          <a:fillRef idx="0">
+            <a:schemeClr val="accent1"/>
+          </a:fillRef>
+          <a:effectRef idx="0">
+            <a:schemeClr val="accent1"/>
+          </a:effectRef>
+          <a:fontRef idx="minor">
+            <a:schemeClr val="tx1"/>
+          </a:fontRef>
+        </p:style>
+      </p:cxnSp>
+      <p:cxnSp>
+        <p:nvCxnSpPr>
+          <p:cNvPr id="34" name="Straight Arrow Connector 33">
+            <a:extLst>
+              <a:ext uri="{FF2B5EF4-FFF2-40B4-BE49-F238E27FC236}">
+                <a16:creationId xmlns:a16="http://schemas.microsoft.com/office/drawing/2014/main" id="{425935A9-C782-4165-8E8E-4D55376503CA}"/>
+              </a:ext>
+            </a:extLst>
+          </p:cNvPr>
+          <p:cNvCxnSpPr>
+            <a:cxnSpLocks/>
+          </p:cNvCxnSpPr>
+          <p:nvPr/>
+        </p:nvCxnSpPr>
+        <p:spPr>
+          <a:xfrm>
+            <a:off x="3303093" y="3471345"/>
+            <a:ext cx="182096" cy="0"/>
+          </a:xfrm>
+          <a:prstGeom prst="straightConnector1">
+            <a:avLst/>
+          </a:prstGeom>
+          <a:ln w="15875">
+            <a:solidFill>
+              <a:schemeClr val="tx1"/>
+            </a:solidFill>
+            <a:tailEnd type="triangle"/>
+          </a:ln>
+        </p:spPr>
+        <p:style>
+          <a:lnRef idx="1">
+            <a:schemeClr val="accent1"/>
+          </a:lnRef>
+          <a:fillRef idx="0">
+            <a:schemeClr val="accent1"/>
+          </a:fillRef>
+          <a:effectRef idx="0">
+            <a:schemeClr val="accent1"/>
+          </a:effectRef>
+          <a:fontRef idx="minor">
+            <a:schemeClr val="tx1"/>
+          </a:fontRef>
+        </p:style>
+      </p:cxnSp>
+      <p:cxnSp>
+        <p:nvCxnSpPr>
+          <p:cNvPr id="35" name="Straight Arrow Connector 34">
+            <a:extLst>
+              <a:ext uri="{FF2B5EF4-FFF2-40B4-BE49-F238E27FC236}">
+                <a16:creationId xmlns:a16="http://schemas.microsoft.com/office/drawing/2014/main" id="{457AB4DA-7625-45C0-A841-806EA1CA65BA}"/>
+              </a:ext>
+            </a:extLst>
+          </p:cNvPr>
+          <p:cNvCxnSpPr>
+            <a:cxnSpLocks/>
+          </p:cNvCxnSpPr>
+          <p:nvPr/>
+        </p:nvCxnSpPr>
+        <p:spPr>
+          <a:xfrm>
+            <a:off x="3274478" y="4288099"/>
+            <a:ext cx="239325" cy="0"/>
+          </a:xfrm>
+          <a:prstGeom prst="straightConnector1">
+            <a:avLst/>
+          </a:prstGeom>
+          <a:ln w="15875">
+            <a:solidFill>
+              <a:schemeClr val="tx1"/>
+            </a:solidFill>
+            <a:tailEnd type="triangle"/>
+          </a:ln>
+        </p:spPr>
+        <p:style>
+          <a:lnRef idx="1">
+            <a:schemeClr val="accent1"/>
+          </a:lnRef>
+          <a:fillRef idx="0">
+            <a:schemeClr val="accent1"/>
+          </a:fillRef>
+          <a:effectRef idx="0">
+            <a:schemeClr val="accent1"/>
+          </a:effectRef>
+          <a:fontRef idx="minor">
+            <a:schemeClr val="tx1"/>
+          </a:fontRef>
+        </p:style>
+      </p:cxnSp>
+      <p:cxnSp>
+        <p:nvCxnSpPr>
+          <p:cNvPr id="36" name="Connector: Elbow 35">
+            <a:extLst>
+              <a:ext uri="{FF2B5EF4-FFF2-40B4-BE49-F238E27FC236}">
+                <a16:creationId xmlns:a16="http://schemas.microsoft.com/office/drawing/2014/main" id="{CD1A2A84-9D21-41D3-AD55-1AADA2D61C11}"/>
+              </a:ext>
+            </a:extLst>
+          </p:cNvPr>
+          <p:cNvCxnSpPr>
+            <a:cxnSpLocks/>
+            <a:endCxn id="60" idx="1"/>
+          </p:cNvCxnSpPr>
+          <p:nvPr/>
+        </p:nvCxnSpPr>
+        <p:spPr>
+          <a:xfrm rot="5400000" flipH="1" flipV="1">
+            <a:off x="1600144" y="1657487"/>
+            <a:ext cx="1435941" cy="620667"/>
+          </a:xfrm>
+          <a:prstGeom prst="bentConnector2">
+            <a:avLst/>
+          </a:prstGeom>
+          <a:ln w="15875">
+            <a:solidFill>
+              <a:schemeClr val="tx1"/>
+            </a:solidFill>
+            <a:tailEnd type="triangle"/>
+          </a:ln>
+        </p:spPr>
+        <p:style>
+          <a:lnRef idx="1">
+            <a:schemeClr val="accent1"/>
+          </a:lnRef>
+          <a:fillRef idx="0">
+            <a:schemeClr val="accent1"/>
+          </a:fillRef>
+          <a:effectRef idx="0">
+            <a:schemeClr val="accent1"/>
+          </a:effectRef>
+          <a:fontRef idx="minor">
+            <a:schemeClr val="tx1"/>
+          </a:fontRef>
+        </p:style>
+      </p:cxnSp>
+      <p:cxnSp>
+        <p:nvCxnSpPr>
+          <p:cNvPr id="37" name="Connector: Elbow 36">
+            <a:extLst>
+              <a:ext uri="{FF2B5EF4-FFF2-40B4-BE49-F238E27FC236}">
+                <a16:creationId xmlns:a16="http://schemas.microsoft.com/office/drawing/2014/main" id="{011A809D-9BE6-406C-A3F4-E372707C5A97}"/>
+              </a:ext>
+            </a:extLst>
+          </p:cNvPr>
+          <p:cNvCxnSpPr>
+            <a:cxnSpLocks/>
+            <a:endCxn id="69" idx="1"/>
+          </p:cNvCxnSpPr>
+          <p:nvPr/>
+        </p:nvCxnSpPr>
+        <p:spPr>
+          <a:xfrm flipV="1">
+            <a:off x="1698454" y="2074518"/>
+            <a:ext cx="942920" cy="611272"/>
+          </a:xfrm>
+          <a:prstGeom prst="bentConnector3">
+            <a:avLst>
+              <a:gd name="adj1" fmla="val 32273"/>
+            </a:avLst>
+          </a:prstGeom>
+          <a:ln w="15875">
+            <a:solidFill>
+              <a:schemeClr val="tx1"/>
+            </a:solidFill>
+            <a:tailEnd type="triangle"/>
+          </a:ln>
+        </p:spPr>
+        <p:style>
+          <a:lnRef idx="1">
+            <a:schemeClr val="accent1"/>
+          </a:lnRef>
+          <a:fillRef idx="0">
+            <a:schemeClr val="accent1"/>
+          </a:fillRef>
+          <a:effectRef idx="0">
+            <a:schemeClr val="accent1"/>
+          </a:effectRef>
+          <a:fontRef idx="minor">
+            <a:schemeClr val="tx1"/>
+          </a:fontRef>
+        </p:style>
+      </p:cxnSp>
+      <p:cxnSp>
+        <p:nvCxnSpPr>
+          <p:cNvPr id="38" name="Connector: Elbow 37">
+            <a:extLst>
+              <a:ext uri="{FF2B5EF4-FFF2-40B4-BE49-F238E27FC236}">
+                <a16:creationId xmlns:a16="http://schemas.microsoft.com/office/drawing/2014/main" id="{CA56B841-754A-4818-9BDE-8C8E57028526}"/>
+              </a:ext>
+            </a:extLst>
+          </p:cNvPr>
+          <p:cNvCxnSpPr>
+            <a:cxnSpLocks/>
+            <a:endCxn id="76" idx="1"/>
+          </p:cNvCxnSpPr>
+          <p:nvPr/>
+        </p:nvCxnSpPr>
+        <p:spPr>
+          <a:xfrm rot="16200000" flipH="1">
+            <a:off x="1791524" y="2857983"/>
+            <a:ext cx="825644" cy="393126"/>
+          </a:xfrm>
+          <a:prstGeom prst="bentConnector2">
+            <a:avLst/>
+          </a:prstGeom>
+          <a:ln w="15875">
+            <a:solidFill>
+              <a:schemeClr val="tx1"/>
+            </a:solidFill>
+            <a:tailEnd type="triangle"/>
+          </a:ln>
+        </p:spPr>
+        <p:style>
+          <a:lnRef idx="1">
+            <a:schemeClr val="accent1"/>
+          </a:lnRef>
+          <a:fillRef idx="0">
+            <a:schemeClr val="accent1"/>
+          </a:fillRef>
+          <a:effectRef idx="0">
+            <a:schemeClr val="accent1"/>
+          </a:effectRef>
+          <a:fontRef idx="minor">
+            <a:schemeClr val="tx1"/>
+          </a:fontRef>
+        </p:style>
+      </p:cxnSp>
+      <p:cxnSp>
+        <p:nvCxnSpPr>
+          <p:cNvPr id="39" name="Connector: Elbow 38">
+            <a:extLst>
+              <a:ext uri="{FF2B5EF4-FFF2-40B4-BE49-F238E27FC236}">
+                <a16:creationId xmlns:a16="http://schemas.microsoft.com/office/drawing/2014/main" id="{445BDC13-37A0-4564-AD56-9A86475B2D96}"/>
+              </a:ext>
+            </a:extLst>
+          </p:cNvPr>
+          <p:cNvCxnSpPr>
+            <a:cxnSpLocks/>
+            <a:endCxn id="82" idx="1"/>
+          </p:cNvCxnSpPr>
+          <p:nvPr/>
+        </p:nvCxnSpPr>
+        <p:spPr>
+          <a:xfrm rot="16200000" flipH="1">
+            <a:off x="1301600" y="3172446"/>
+            <a:ext cx="1803412" cy="395206"/>
+          </a:xfrm>
+          <a:prstGeom prst="bentConnector2">
+            <a:avLst/>
+          </a:prstGeom>
+          <a:ln w="15875">
+            <a:solidFill>
+              <a:schemeClr val="tx1"/>
+            </a:solidFill>
+            <a:tailEnd type="triangle"/>
+          </a:ln>
+        </p:spPr>
+        <p:style>
+          <a:lnRef idx="1">
+            <a:schemeClr val="accent1"/>
+          </a:lnRef>
+          <a:fillRef idx="0">
+            <a:schemeClr val="accent1"/>
+          </a:fillRef>
+          <a:effectRef idx="0">
+            <a:schemeClr val="accent1"/>
+          </a:effectRef>
+          <a:fontRef idx="minor">
+            <a:schemeClr val="tx1"/>
+          </a:fontRef>
+        </p:style>
+      </p:cxnSp>
+      <p:cxnSp>
+        <p:nvCxnSpPr>
+          <p:cNvPr id="75" name="Straight Arrow Connector 74">
+            <a:extLst>
+              <a:ext uri="{FF2B5EF4-FFF2-40B4-BE49-F238E27FC236}">
+                <a16:creationId xmlns:a16="http://schemas.microsoft.com/office/drawing/2014/main" id="{A843AC48-785B-4035-A3B2-61023588C787}"/>
+              </a:ext>
+            </a:extLst>
+          </p:cNvPr>
+          <p:cNvCxnSpPr>
+            <a:cxnSpLocks/>
+            <a:stCxn id="14" idx="6"/>
+          </p:cNvCxnSpPr>
+          <p:nvPr/>
+        </p:nvCxnSpPr>
+        <p:spPr>
+          <a:xfrm>
+            <a:off x="8730189" y="2688651"/>
+            <a:ext cx="304906" cy="0"/>
+          </a:xfrm>
+          <a:prstGeom prst="straightConnector1">
+            <a:avLst/>
+          </a:prstGeom>
+          <a:ln w="15875">
+            <a:solidFill>
+              <a:schemeClr val="tx1"/>
+            </a:solidFill>
+            <a:tailEnd type="triangle"/>
+          </a:ln>
+        </p:spPr>
+        <p:style>
+          <a:lnRef idx="1">
+            <a:schemeClr val="accent1"/>
+          </a:lnRef>
+          <a:fillRef idx="0">
+            <a:schemeClr val="accent1"/>
+          </a:fillRef>
+          <a:effectRef idx="0">
+            <a:schemeClr val="accent1"/>
+          </a:effectRef>
+          <a:fontRef idx="minor">
+            <a:schemeClr val="tx1"/>
+          </a:fontRef>
+        </p:style>
+      </p:cxnSp>
+      <p:cxnSp>
+        <p:nvCxnSpPr>
+          <p:cNvPr id="97" name="Straight Arrow Connector 96">
+            <a:extLst>
+              <a:ext uri="{FF2B5EF4-FFF2-40B4-BE49-F238E27FC236}">
+                <a16:creationId xmlns:a16="http://schemas.microsoft.com/office/drawing/2014/main" id="{959E6521-3247-47B7-9D15-3C11CB31D260}"/>
+              </a:ext>
+            </a:extLst>
+          </p:cNvPr>
+          <p:cNvCxnSpPr>
+            <a:cxnSpLocks/>
+            <a:endCxn id="12" idx="0"/>
+          </p:cNvCxnSpPr>
+          <p:nvPr/>
+        </p:nvCxnSpPr>
+        <p:spPr>
+          <a:xfrm>
+            <a:off x="6688438" y="957842"/>
+            <a:ext cx="229095" cy="330630"/>
+          </a:xfrm>
+          <a:prstGeom prst="straightConnector1">
+            <a:avLst/>
+          </a:prstGeom>
+          <a:ln w="15875">
+            <a:solidFill>
+              <a:schemeClr val="tx1"/>
+            </a:solidFill>
+            <a:tailEnd type="triangle"/>
+          </a:ln>
+        </p:spPr>
+        <p:style>
+          <a:lnRef idx="1">
+            <a:schemeClr val="accent1"/>
+          </a:lnRef>
+          <a:fillRef idx="0">
+            <a:schemeClr val="accent1"/>
+          </a:fillRef>
+          <a:effectRef idx="0">
+            <a:schemeClr val="accent1"/>
+          </a:effectRef>
+          <a:fontRef idx="minor">
+            <a:schemeClr val="tx1"/>
+          </a:fontRef>
+        </p:style>
+      </p:cxnSp>
+      <p:cxnSp>
+        <p:nvCxnSpPr>
+          <p:cNvPr id="99" name="Straight Arrow Connector 98">
+            <a:extLst>
+              <a:ext uri="{FF2B5EF4-FFF2-40B4-BE49-F238E27FC236}">
+                <a16:creationId xmlns:a16="http://schemas.microsoft.com/office/drawing/2014/main" id="{BFA90CCD-CBC7-4274-AF10-7774B9FDD7CD}"/>
+              </a:ext>
+            </a:extLst>
+          </p:cNvPr>
+          <p:cNvCxnSpPr>
+            <a:cxnSpLocks/>
+            <a:endCxn id="13" idx="0"/>
+          </p:cNvCxnSpPr>
+          <p:nvPr/>
+        </p:nvCxnSpPr>
+        <p:spPr>
+          <a:xfrm>
+            <a:off x="6688438" y="957842"/>
+            <a:ext cx="297865" cy="2412164"/>
+          </a:xfrm>
+          <a:prstGeom prst="straightConnector1">
+            <a:avLst/>
+          </a:prstGeom>
+          <a:ln w="15875">
+            <a:solidFill>
+              <a:schemeClr val="tx1"/>
+            </a:solidFill>
+            <a:tailEnd type="triangle"/>
+          </a:ln>
+        </p:spPr>
+        <p:style>
+          <a:lnRef idx="1">
+            <a:schemeClr val="accent1"/>
+          </a:lnRef>
+          <a:fillRef idx="0">
+            <a:schemeClr val="accent1"/>
+          </a:fillRef>
+          <a:effectRef idx="0">
+            <a:schemeClr val="accent1"/>
+          </a:effectRef>
+          <a:fontRef idx="minor">
+            <a:schemeClr val="tx1"/>
+          </a:fontRef>
+        </p:style>
+      </p:cxnSp>
+      <p:sp>
+        <p:nvSpPr>
+          <p:cNvPr id="45" name="TextBox 44">
+            <a:extLst>
+              <a:ext uri="{FF2B5EF4-FFF2-40B4-BE49-F238E27FC236}">
+                <a16:creationId xmlns:a16="http://schemas.microsoft.com/office/drawing/2014/main" id="{81A58EF9-5356-432F-816A-6AA44046E5BF}"/>
+              </a:ext>
+            </a:extLst>
+          </p:cNvPr>
+          <p:cNvSpPr txBox="1"/>
+          <p:nvPr/>
+        </p:nvSpPr>
+        <p:spPr>
+          <a:xfrm>
+            <a:off x="251540" y="2360261"/>
+            <a:ext cx="1550969" cy="646331"/>
+          </a:xfrm>
+          <a:prstGeom prst="rect">
+            <a:avLst/>
+          </a:prstGeom>
+          <a:noFill/>
+        </p:spPr>
+        <p:txBody>
+          <a:bodyPr wrap="square">
+            <a:spAutoFit/>
+          </a:bodyPr>
+          <a:lstStyle/>
+          <a:p>
+            <a:pPr algn="ctr"/>
+            <a:r>
+              <a:rPr lang="en-US" sz="1800" dirty="0">
+                <a:solidFill>
+                  <a:schemeClr val="tx1"/>
+                </a:solidFill>
+              </a:rPr>
+              <a:t>Received data </a:t>
+            </a:r>
+            <a:r>
+              <a:rPr lang="en-US" sz="1800" b="1" i="1" dirty="0">
+                <a:solidFill>
+                  <a:schemeClr val="tx1"/>
+                </a:solidFill>
+              </a:rPr>
+              <a:t>r </a:t>
+            </a:r>
+            <a:r>
+              <a:rPr lang="en-US" sz="1800" dirty="0">
+                <a:solidFill>
+                  <a:schemeClr val="tx1"/>
+                </a:solidFill>
+              </a:rPr>
+              <a:t>in buffer </a:t>
+            </a:r>
+          </a:p>
+        </p:txBody>
+      </p:sp>
+      <mc:AlternateContent xmlns:mc="http://schemas.openxmlformats.org/markup-compatibility/2006">
+        <mc:Choice xmlns:a14="http://schemas.microsoft.com/office/drawing/2010/main" Requires="a14">
+          <p:sp>
+            <p:nvSpPr>
+              <p:cNvPr id="56" name="TextBox 55">
+                <a:extLst>
+                  <a:ext uri="{FF2B5EF4-FFF2-40B4-BE49-F238E27FC236}">
+                    <a16:creationId xmlns:a16="http://schemas.microsoft.com/office/drawing/2014/main" id="{9D55F3FE-35C5-444A-A6FB-9679A38B22F4}"/>
+                  </a:ext>
+                </a:extLst>
+              </p:cNvPr>
+              <p:cNvSpPr txBox="1"/>
+              <p:nvPr/>
+            </p:nvSpPr>
+            <p:spPr>
+              <a:xfrm>
+                <a:off x="8920702" y="2360261"/>
+                <a:ext cx="3067206" cy="711862"/>
+              </a:xfrm>
+              <a:prstGeom prst="rect">
+                <a:avLst/>
+              </a:prstGeom>
+              <a:noFill/>
+            </p:spPr>
+            <p:txBody>
+              <a:bodyPr wrap="square">
+                <a:spAutoFit/>
+              </a:bodyPr>
+              <a:lstStyle/>
+              <a:p>
+                <a:pPr algn="ctr"/>
+                <a14:m>
+                  <m:oMathPara xmlns:m="http://schemas.openxmlformats.org/officeDocument/2006/math">
+                    <m:oMathParaPr>
+                      <m:jc m:val="centerGroup"/>
+                    </m:oMathParaPr>
+                    <m:oMath xmlns:m="http://schemas.openxmlformats.org/officeDocument/2006/math">
+                      <m:r>
+                        <m:rPr>
+                          <m:nor/>
+                        </m:rPr>
+                        <a:rPr lang="en-US" sz="1800" dirty="0" smtClean="0">
+                          <a:solidFill>
+                            <a:schemeClr val="tx1"/>
+                          </a:solidFill>
+                        </a:rPr>
+                        <m:t>The</m:t>
+                      </m:r>
+                      <m:r>
+                        <m:rPr>
+                          <m:nor/>
+                        </m:rPr>
+                        <a:rPr lang="en-US" sz="1800" dirty="0" smtClean="0">
+                          <a:solidFill>
+                            <a:schemeClr val="tx1"/>
+                          </a:solidFill>
+                        </a:rPr>
+                        <m:t> </m:t>
+                      </m:r>
+                      <m:r>
+                        <m:rPr>
+                          <m:nor/>
+                        </m:rPr>
+                        <a:rPr lang="en-US" sz="1800" b="0" i="0" dirty="0" smtClean="0">
+                          <a:solidFill>
+                            <a:schemeClr val="tx1"/>
+                          </a:solidFill>
+                        </a:rPr>
+                        <m:t>numerator</m:t>
+                      </m:r>
+                      <m:r>
+                        <m:rPr>
+                          <m:nor/>
+                        </m:rPr>
+                        <a:rPr lang="en-US" sz="1800" b="0" i="0" dirty="0" smtClean="0">
+                          <a:solidFill>
+                            <a:schemeClr val="tx1"/>
+                          </a:solidFill>
+                        </a:rPr>
+                        <m:t> </m:t>
+                      </m:r>
+                      <m:r>
+                        <m:rPr>
+                          <m:nor/>
+                        </m:rPr>
+                        <a:rPr lang="en-US" sz="1800" b="0" i="0" dirty="0" smtClean="0">
+                          <a:solidFill>
+                            <a:schemeClr val="tx1"/>
+                          </a:solidFill>
+                        </a:rPr>
+                        <m:t>of</m:t>
+                      </m:r>
+                      <m:r>
+                        <m:rPr>
+                          <m:nor/>
+                        </m:rPr>
+                        <a:rPr lang="en-US" sz="1800" b="0" i="0" dirty="0" smtClean="0">
+                          <a:solidFill>
+                            <a:schemeClr val="tx1"/>
+                          </a:solidFill>
+                        </a:rPr>
+                        <m:t> </m:t>
+                      </m:r>
+                      <m:r>
+                        <m:rPr>
+                          <m:nor/>
+                        </m:rPr>
+                        <a:rPr lang="en-US" sz="1800" dirty="0" smtClean="0">
+                          <a:solidFill>
+                            <a:schemeClr val="tx1"/>
+                          </a:solidFill>
+                        </a:rPr>
+                        <m:t>phasor</m:t>
+                      </m:r>
+                      <m:r>
+                        <m:rPr>
+                          <m:nor/>
+                        </m:rPr>
+                        <a:rPr lang="en-US" sz="1800" dirty="0" smtClean="0">
+                          <a:solidFill>
+                            <a:schemeClr val="tx1"/>
+                          </a:solidFill>
+                        </a:rPr>
+                        <m:t> </m:t>
+                      </m:r>
+                      <m:r>
+                        <m:rPr>
+                          <m:nor/>
+                        </m:rPr>
+                        <a:rPr lang="en-US" sz="1800" dirty="0" smtClean="0">
+                          <a:solidFill>
+                            <a:schemeClr val="tx1"/>
+                          </a:solidFill>
+                        </a:rPr>
+                        <m:t>estimate</m:t>
+                      </m:r>
+                      <m:r>
+                        <m:rPr>
+                          <m:nor/>
+                        </m:rPr>
+                        <a:rPr lang="en-US" sz="1800" dirty="0" smtClean="0">
+                          <a:solidFill>
+                            <a:schemeClr val="tx1"/>
+                          </a:solidFill>
+                        </a:rPr>
+                        <m:t> </m:t>
+                      </m:r>
+                      <m:r>
+                        <m:rPr>
+                          <m:nor/>
+                        </m:rPr>
+                        <a:rPr lang="en-US" sz="1800" dirty="0" smtClean="0">
+                          <a:solidFill>
+                            <a:schemeClr val="tx1"/>
+                          </a:solidFill>
+                        </a:rPr>
+                        <m:t>for</m:t>
+                      </m:r>
+                      <m:r>
+                        <m:rPr>
+                          <m:nor/>
+                        </m:rPr>
+                        <a:rPr lang="en-US" sz="1800" dirty="0" smtClean="0">
+                          <a:solidFill>
+                            <a:schemeClr val="tx1"/>
+                          </a:solidFill>
+                        </a:rPr>
+                        <m:t> </m:t>
+                      </m:r>
+                      <m:r>
+                        <m:rPr>
+                          <m:nor/>
+                        </m:rPr>
+                        <a:rPr lang="en-US" sz="1800" dirty="0" smtClean="0">
+                          <a:solidFill>
+                            <a:schemeClr val="tx1"/>
+                          </a:solidFill>
+                        </a:rPr>
+                        <m:t>SD</m:t>
+                      </m:r>
+                      <m:r>
+                        <m:rPr>
+                          <m:nor/>
+                        </m:rPr>
+                        <a:rPr lang="en-US" sz="1800" dirty="0" smtClean="0">
+                          <a:solidFill>
+                            <a:schemeClr val="tx1"/>
+                          </a:solidFill>
+                        </a:rPr>
+                        <m:t> </m:t>
+                      </m:r>
+                      <m:r>
+                        <a:rPr lang="en-US" sz="1800">
+                          <a:solidFill>
+                            <a:schemeClr val="tx1"/>
+                          </a:solidFill>
+                          <a:latin typeface="Cambria Math" panose="02040503050406030204" pitchFamily="18" charset="0"/>
+                        </a:rPr>
+                        <m:t>(</m:t>
+                      </m:r>
+                      <m:sSubSup>
+                        <m:sSubSupPr>
+                          <m:ctrlPr>
+                            <a:rPr lang="en-US" sz="1800" b="0" i="1" smtClean="0">
+                              <a:solidFill>
+                                <a:schemeClr val="tx1"/>
+                              </a:solidFill>
+                              <a:latin typeface="Cambria Math" panose="02040503050406030204" pitchFamily="18" charset="0"/>
+                            </a:rPr>
+                          </m:ctrlPr>
+                        </m:sSubSupPr>
+                        <m:e>
+                          <m:acc>
+                            <m:accPr>
+                              <m:chr m:val="̂"/>
+                              <m:ctrlPr>
+                                <a:rPr lang="en-US" sz="1800" i="1">
+                                  <a:solidFill>
+                                    <a:schemeClr val="tx1"/>
+                                  </a:solidFill>
+                                  <a:latin typeface="Cambria Math" panose="02040503050406030204" pitchFamily="18" charset="0"/>
+                                </a:rPr>
+                              </m:ctrlPr>
+                            </m:accPr>
+                            <m:e>
+                              <m:r>
+                                <a:rPr lang="en-US" sz="1800" i="1">
+                                  <a:solidFill>
+                                    <a:schemeClr val="tx1"/>
+                                  </a:solidFill>
+                                  <a:latin typeface="Cambria Math" panose="02040503050406030204" pitchFamily="18" charset="0"/>
+                                </a:rPr>
+                                <m:t>𝑆</m:t>
+                              </m:r>
+                            </m:e>
+                          </m:acc>
+                        </m:e>
+                        <m:sub>
+                          <m:r>
+                            <a:rPr lang="en-US" sz="1800" i="1">
+                              <a:solidFill>
+                                <a:schemeClr val="tx1"/>
+                              </a:solidFill>
+                              <a:latin typeface="Cambria Math" panose="02040503050406030204" pitchFamily="18" charset="0"/>
+                            </a:rPr>
+                            <m:t>𝑆𝐷</m:t>
+                          </m:r>
+                        </m:sub>
+                        <m:sup>
+                          <m:r>
+                            <a:rPr lang="en-US" sz="1800" b="0" i="1" smtClean="0">
+                              <a:solidFill>
+                                <a:schemeClr val="tx1"/>
+                              </a:solidFill>
+                              <a:latin typeface="Cambria Math" panose="02040503050406030204" pitchFamily="18" charset="0"/>
+                            </a:rPr>
+                            <m:t>(</m:t>
+                          </m:r>
+                          <m:r>
+                            <m:rPr>
+                              <m:sty m:val="p"/>
+                            </m:rPr>
+                            <a:rPr lang="en-US" sz="1800" b="0" i="0" smtClean="0">
+                              <a:solidFill>
+                                <a:schemeClr val="tx1"/>
+                              </a:solidFill>
+                              <a:latin typeface="Cambria Math" panose="02040503050406030204" pitchFamily="18" charset="0"/>
+                            </a:rPr>
+                            <m:t>num</m:t>
+                          </m:r>
+                          <m:r>
+                            <a:rPr lang="en-US" sz="1800" b="0" i="1" smtClean="0">
+                              <a:solidFill>
+                                <a:schemeClr val="tx1"/>
+                              </a:solidFill>
+                              <a:latin typeface="Cambria Math" panose="02040503050406030204" pitchFamily="18" charset="0"/>
+                            </a:rPr>
+                            <m:t>)</m:t>
+                          </m:r>
+                        </m:sup>
+                      </m:sSubSup>
+                      <m:r>
+                        <a:rPr lang="en-US" sz="1800" i="1">
+                          <a:solidFill>
+                            <a:schemeClr val="tx1"/>
+                          </a:solidFill>
+                          <a:latin typeface="Cambria Math" panose="02040503050406030204" pitchFamily="18" charset="0"/>
+                        </a:rPr>
+                        <m:t>(</m:t>
+                      </m:r>
+                      <m:r>
+                        <a:rPr lang="en-US" sz="1800" i="1">
+                          <a:solidFill>
+                            <a:schemeClr val="tx1"/>
+                          </a:solidFill>
+                          <a:latin typeface="Cambria Math" panose="02040503050406030204" pitchFamily="18" charset="0"/>
+                        </a:rPr>
+                        <m:t>𝑝</m:t>
+                      </m:r>
+                      <m:r>
+                        <a:rPr lang="en-US" sz="1800" i="1">
+                          <a:solidFill>
+                            <a:schemeClr val="tx1"/>
+                          </a:solidFill>
+                          <a:latin typeface="Cambria Math" panose="02040503050406030204" pitchFamily="18" charset="0"/>
+                        </a:rPr>
+                        <m:t>))</m:t>
+                      </m:r>
+                    </m:oMath>
+                  </m:oMathPara>
+                </a14:m>
+                <a:endParaRPr lang="en-US" sz="1800" dirty="0">
+                  <a:solidFill>
+                    <a:schemeClr val="tx1"/>
+                  </a:solidFill>
+                </a:endParaRPr>
+              </a:p>
+            </p:txBody>
+          </p:sp>
+        </mc:Choice>
+        <mc:Fallback>
+          <p:sp>
+            <p:nvSpPr>
+              <p:cNvPr id="56" name="TextBox 55">
+                <a:extLst>
+                  <a:ext uri="{FF2B5EF4-FFF2-40B4-BE49-F238E27FC236}">
+                    <a16:creationId xmlns:a16="http://schemas.microsoft.com/office/drawing/2014/main" id="{9D55F3FE-35C5-444A-A6FB-9679A38B22F4}"/>
+                  </a:ext>
+                </a:extLst>
+              </p:cNvPr>
+              <p:cNvSpPr txBox="1">
+                <a:spLocks noRot="1" noChangeAspect="1" noMove="1" noResize="1" noEditPoints="1" noAdjustHandles="1" noChangeArrowheads="1" noChangeShapeType="1" noTextEdit="1"/>
+              </p:cNvSpPr>
+              <p:nvPr/>
+            </p:nvSpPr>
+            <p:spPr>
+              <a:xfrm>
+                <a:off x="8920702" y="2360261"/>
+                <a:ext cx="3067206" cy="711862"/>
+              </a:xfrm>
+              <a:prstGeom prst="rect">
+                <a:avLst/>
+              </a:prstGeom>
+              <a:blipFill>
+                <a:blip r:embed="rId4"/>
+                <a:stretch>
+                  <a:fillRect b="-5128"/>
+                </a:stretch>
+              </a:blipFill>
+            </p:spPr>
+            <p:txBody>
+              <a:bodyPr/>
+              <a:lstStyle/>
+              <a:p>
+                <a:r>
+                  <a:rPr lang="en-US">
+                    <a:noFill/>
+                  </a:rPr>
+                  <a:t> </a:t>
+                </a:r>
+              </a:p>
+            </p:txBody>
+          </p:sp>
+        </mc:Fallback>
+      </mc:AlternateContent>
+      <mc:AlternateContent xmlns:mc="http://schemas.openxmlformats.org/markup-compatibility/2006">
+        <mc:Choice xmlns:a14="http://schemas.microsoft.com/office/drawing/2010/main" Requires="a14">
+          <p:sp>
+            <p:nvSpPr>
+              <p:cNvPr id="60" name="TextBox 59">
+                <a:extLst>
+                  <a:ext uri="{FF2B5EF4-FFF2-40B4-BE49-F238E27FC236}">
+                    <a16:creationId xmlns:a16="http://schemas.microsoft.com/office/drawing/2014/main" id="{E071E658-99EB-4AB6-9AF2-3912D1FA9066}"/>
+                  </a:ext>
+                </a:extLst>
+              </p:cNvPr>
+              <p:cNvSpPr txBox="1"/>
+              <p:nvPr/>
+            </p:nvSpPr>
+            <p:spPr>
+              <a:xfrm>
+                <a:off x="2628448" y="1019016"/>
+                <a:ext cx="1015130" cy="461665"/>
+              </a:xfrm>
+              <a:prstGeom prst="rect">
+                <a:avLst/>
+              </a:prstGeom>
+              <a:noFill/>
+            </p:spPr>
+            <p:txBody>
+              <a:bodyPr wrap="square">
+                <a:spAutoFit/>
+              </a:bodyPr>
+              <a:lstStyle/>
+              <a:p>
+                <a:pPr algn="ctr"/>
+                <a:r>
+                  <a:rPr lang="en-US" altLang="zh-CN" sz="1200" dirty="0">
+                    <a:solidFill>
+                      <a:schemeClr val="tx1"/>
+                    </a:solidFill>
+                  </a:rPr>
+                  <a:t>Shift register of size </a:t>
+                </a:r>
+                <a14:m>
+                  <m:oMath xmlns:m="http://schemas.openxmlformats.org/officeDocument/2006/math">
+                    <m:r>
+                      <a:rPr lang="en-US" sz="1200" b="0" i="1" smtClean="0">
+                        <a:solidFill>
+                          <a:schemeClr val="tx1"/>
+                        </a:solidFill>
+                        <a:latin typeface="Cambria Math" panose="02040503050406030204" pitchFamily="18" charset="0"/>
+                      </a:rPr>
+                      <m:t>𝑁</m:t>
+                    </m:r>
+                    <m:r>
+                      <a:rPr lang="en-US" sz="1200" b="0" i="1" smtClean="0">
+                        <a:solidFill>
+                          <a:schemeClr val="tx1"/>
+                        </a:solidFill>
+                        <a:latin typeface="Cambria Math" panose="02040503050406030204" pitchFamily="18" charset="0"/>
+                      </a:rPr>
+                      <m:t>/</m:t>
+                    </m:r>
+                    <m:sSub>
+                      <m:sSubPr>
+                        <m:ctrlPr>
+                          <a:rPr lang="en-US" sz="1200" b="0" i="1" smtClean="0">
+                            <a:solidFill>
+                              <a:schemeClr val="tx1"/>
+                            </a:solidFill>
+                            <a:latin typeface="Cambria Math" panose="02040503050406030204" pitchFamily="18" charset="0"/>
+                          </a:rPr>
+                        </m:ctrlPr>
+                      </m:sSubPr>
+                      <m:e>
+                        <m:r>
+                          <a:rPr lang="en-US" sz="1200" b="0" i="1" smtClean="0">
+                            <a:solidFill>
+                              <a:schemeClr val="tx1"/>
+                            </a:solidFill>
+                            <a:latin typeface="Cambria Math" panose="02040503050406030204" pitchFamily="18" charset="0"/>
+                          </a:rPr>
+                          <m:t>𝐿</m:t>
+                        </m:r>
+                      </m:e>
+                      <m:sub>
+                        <m:r>
+                          <a:rPr lang="en-US" sz="1200" b="0" i="1" smtClean="0">
+                            <a:solidFill>
+                              <a:schemeClr val="tx1"/>
+                            </a:solidFill>
+                            <a:latin typeface="Cambria Math" panose="02040503050406030204" pitchFamily="18" charset="0"/>
+                          </a:rPr>
+                          <m:t>1</m:t>
+                        </m:r>
+                      </m:sub>
+                    </m:sSub>
+                  </m:oMath>
+                </a14:m>
+                <a:endParaRPr lang="en-US" sz="1200" dirty="0">
+                  <a:solidFill>
+                    <a:schemeClr val="tx1"/>
+                  </a:solidFill>
+                </a:endParaRPr>
+              </a:p>
+            </p:txBody>
+          </p:sp>
+        </mc:Choice>
+        <mc:Fallback>
+          <p:sp>
+            <p:nvSpPr>
+              <p:cNvPr id="60" name="TextBox 59">
+                <a:extLst>
+                  <a:ext uri="{FF2B5EF4-FFF2-40B4-BE49-F238E27FC236}">
+                    <a16:creationId xmlns:a16="http://schemas.microsoft.com/office/drawing/2014/main" id="{E071E658-99EB-4AB6-9AF2-3912D1FA9066}"/>
+                  </a:ext>
+                </a:extLst>
+              </p:cNvPr>
+              <p:cNvSpPr txBox="1">
+                <a:spLocks noRot="1" noChangeAspect="1" noMove="1" noResize="1" noEditPoints="1" noAdjustHandles="1" noChangeArrowheads="1" noChangeShapeType="1" noTextEdit="1"/>
+              </p:cNvSpPr>
+              <p:nvPr/>
+            </p:nvSpPr>
+            <p:spPr>
+              <a:xfrm>
+                <a:off x="2628448" y="1019016"/>
+                <a:ext cx="1015130" cy="461665"/>
+              </a:xfrm>
+              <a:prstGeom prst="rect">
+                <a:avLst/>
+              </a:prstGeom>
+              <a:blipFill>
+                <a:blip r:embed="rId5"/>
+                <a:stretch>
+                  <a:fillRect r="-1198" b="-9211"/>
+                </a:stretch>
+              </a:blipFill>
+            </p:spPr>
+            <p:txBody>
+              <a:bodyPr/>
+              <a:lstStyle/>
+              <a:p>
+                <a:r>
+                  <a:rPr lang="en-US">
+                    <a:noFill/>
+                  </a:rPr>
+                  <a:t> </a:t>
+                </a:r>
+              </a:p>
+            </p:txBody>
+          </p:sp>
+        </mc:Fallback>
+      </mc:AlternateContent>
+      <mc:AlternateContent xmlns:mc="http://schemas.openxmlformats.org/markup-compatibility/2006">
+        <mc:Choice xmlns:a14="http://schemas.microsoft.com/office/drawing/2010/main" Requires="a14">
+          <p:sp>
+            <p:nvSpPr>
+              <p:cNvPr id="64" name="TextBox 63">
+                <a:extLst>
+                  <a:ext uri="{FF2B5EF4-FFF2-40B4-BE49-F238E27FC236}">
+                    <a16:creationId xmlns:a16="http://schemas.microsoft.com/office/drawing/2014/main" id="{B2044DFB-A8C2-4026-8271-ADBD2DC86274}"/>
+                  </a:ext>
+                </a:extLst>
+              </p:cNvPr>
+              <p:cNvSpPr txBox="1"/>
+              <p:nvPr/>
+            </p:nvSpPr>
+            <p:spPr>
+              <a:xfrm>
+                <a:off x="3825574" y="940277"/>
+                <a:ext cx="1233669" cy="619144"/>
+              </a:xfrm>
+              <a:prstGeom prst="rect">
+                <a:avLst/>
+              </a:prstGeom>
+              <a:noFill/>
+            </p:spPr>
+            <p:txBody>
+              <a:bodyPr wrap="square">
+                <a:spAutoFit/>
+              </a:bodyPr>
+              <a:lstStyle/>
+              <a:p>
+                <a:pPr algn="ctr"/>
+                <a14:m>
+                  <m:oMathPara xmlns:m="http://schemas.openxmlformats.org/officeDocument/2006/math">
+                    <m:oMathParaPr>
+                      <m:jc m:val="centerGroup"/>
+                    </m:oMathParaPr>
+                    <m:oMath xmlns:m="http://schemas.openxmlformats.org/officeDocument/2006/math">
+                      <m:sSub>
+                        <m:sSubPr>
+                          <m:ctrlPr>
+                            <a:rPr lang="en-US" sz="1200" i="1">
+                              <a:latin typeface="Cambria Math" panose="02040503050406030204" pitchFamily="18" charset="0"/>
+                            </a:rPr>
+                          </m:ctrlPr>
+                        </m:sSubPr>
+                        <m:e>
+                          <m:r>
+                            <m:rPr>
+                              <m:sty m:val="p"/>
+                            </m:rPr>
+                            <a:rPr lang="en-US" sz="1200" i="1">
+                              <a:latin typeface="Cambria Math" panose="02040503050406030204" pitchFamily="18" charset="0"/>
+                            </a:rPr>
+                            <m:t>z</m:t>
+                          </m:r>
+                        </m:e>
+                        <m:sub>
+                          <m:r>
+                            <a:rPr lang="en-US" sz="1200" i="1">
+                              <a:latin typeface="Cambria Math" panose="02040503050406030204" pitchFamily="18" charset="0"/>
+                            </a:rPr>
+                            <m:t>0</m:t>
+                          </m:r>
+                        </m:sub>
+                      </m:sSub>
+                      <m:r>
+                        <a:rPr lang="en-US" sz="1200" i="1">
+                          <a:latin typeface="Cambria Math" panose="02040503050406030204" pitchFamily="18" charset="0"/>
+                        </a:rPr>
+                        <m:t>=</m:t>
+                      </m:r>
+                      <m:nary>
+                        <m:naryPr>
+                          <m:chr m:val="∑"/>
+                          <m:ctrlPr>
+                            <a:rPr lang="en-US" sz="1200" i="1">
+                              <a:latin typeface="Cambria Math" panose="02040503050406030204" pitchFamily="18" charset="0"/>
+                            </a:rPr>
+                          </m:ctrlPr>
+                        </m:naryPr>
+                        <m:sub>
+                          <m:r>
+                            <m:rPr>
+                              <m:brk m:alnAt="23"/>
+                            </m:rPr>
+                            <a:rPr lang="en-US" sz="1200" i="1">
+                              <a:latin typeface="Cambria Math" panose="02040503050406030204" pitchFamily="18" charset="0"/>
+                            </a:rPr>
+                            <m:t>𝑛</m:t>
+                          </m:r>
+                          <m:r>
+                            <a:rPr lang="en-US" sz="1200" i="1">
+                              <a:latin typeface="Cambria Math" panose="02040503050406030204" pitchFamily="18" charset="0"/>
+                            </a:rPr>
+                            <m:t>=0</m:t>
+                          </m:r>
+                        </m:sub>
+                        <m:sup>
+                          <m:r>
+                            <a:rPr lang="en-US" sz="1200" i="1">
+                              <a:latin typeface="Cambria Math" panose="02040503050406030204" pitchFamily="18" charset="0"/>
+                            </a:rPr>
+                            <m:t>𝑁</m:t>
+                          </m:r>
+                          <m:r>
+                            <a:rPr lang="en-US" sz="1200" i="1">
+                              <a:latin typeface="Cambria Math" panose="02040503050406030204" pitchFamily="18" charset="0"/>
+                            </a:rPr>
+                            <m:t>/</m:t>
+                          </m:r>
+                          <m:sSub>
+                            <m:sSubPr>
+                              <m:ctrlPr>
+                                <a:rPr lang="en-US" sz="1200" i="1">
+                                  <a:latin typeface="Cambria Math" panose="02040503050406030204" pitchFamily="18" charset="0"/>
+                                </a:rPr>
+                              </m:ctrlPr>
+                            </m:sSubPr>
+                            <m:e>
+                              <m:r>
+                                <a:rPr lang="en-US" sz="1200" i="1">
+                                  <a:latin typeface="Cambria Math" panose="02040503050406030204" pitchFamily="18" charset="0"/>
+                                </a:rPr>
+                                <m:t>𝐿</m:t>
+                              </m:r>
+                            </m:e>
+                            <m:sub>
+                              <m:r>
+                                <a:rPr lang="en-US" sz="1200" i="1">
+                                  <a:latin typeface="Cambria Math" panose="02040503050406030204" pitchFamily="18" charset="0"/>
+                                </a:rPr>
+                                <m:t>1</m:t>
+                              </m:r>
+                            </m:sub>
+                          </m:sSub>
+                          <m:r>
+                            <a:rPr lang="en-US" sz="1200" i="1">
+                              <a:latin typeface="Cambria Math" panose="02040503050406030204" pitchFamily="18" charset="0"/>
+                            </a:rPr>
+                            <m:t>−1</m:t>
+                          </m:r>
+                        </m:sup>
+                        <m:e>
+                          <m:sSub>
+                            <m:sSubPr>
+                              <m:ctrlPr>
+                                <a:rPr lang="en-US" sz="1200" i="1">
+                                  <a:latin typeface="Cambria Math" panose="02040503050406030204" pitchFamily="18" charset="0"/>
+                                </a:rPr>
+                              </m:ctrlPr>
+                            </m:sSubPr>
+                            <m:e>
+                              <m:r>
+                                <a:rPr lang="en-US" sz="1200" i="1">
+                                  <a:latin typeface="Cambria Math" panose="02040503050406030204" pitchFamily="18" charset="0"/>
+                                </a:rPr>
+                                <m:t>𝑟</m:t>
+                              </m:r>
+                            </m:e>
+                            <m:sub>
+                              <m:r>
+                                <a:rPr lang="en-US" sz="1200" i="1">
+                                  <a:latin typeface="Cambria Math" panose="02040503050406030204" pitchFamily="18" charset="0"/>
+                                </a:rPr>
+                                <m:t>𝑛</m:t>
+                              </m:r>
+                            </m:sub>
+                          </m:sSub>
+                          <m:sSubSup>
+                            <m:sSubSupPr>
+                              <m:ctrlPr>
+                                <a:rPr lang="en-US" sz="1200" i="1">
+                                  <a:latin typeface="Cambria Math" panose="02040503050406030204" pitchFamily="18" charset="0"/>
+                                </a:rPr>
+                              </m:ctrlPr>
+                            </m:sSubSupPr>
+                            <m:e>
+                              <m:r>
+                                <a:rPr lang="en-US" sz="1200" i="1">
+                                  <a:latin typeface="Cambria Math" panose="02040503050406030204" pitchFamily="18" charset="0"/>
+                                </a:rPr>
+                                <m:t>𝑠</m:t>
+                              </m:r>
+                            </m:e>
+                            <m:sub>
+                              <m:r>
+                                <a:rPr lang="en-US" sz="1200" i="1">
+                                  <a:latin typeface="Cambria Math" panose="02040503050406030204" pitchFamily="18" charset="0"/>
+                                </a:rPr>
+                                <m:t>𝑛</m:t>
+                              </m:r>
+                            </m:sub>
+                            <m:sup>
+                              <m:r>
+                                <a:rPr lang="en-US" sz="1200" i="1">
+                                  <a:latin typeface="Cambria Math" panose="02040503050406030204" pitchFamily="18" charset="0"/>
+                                </a:rPr>
+                                <m:t>∗</m:t>
+                              </m:r>
+                            </m:sup>
+                          </m:sSubSup>
+                        </m:e>
+                      </m:nary>
+                    </m:oMath>
+                  </m:oMathPara>
+                </a14:m>
+                <a:endParaRPr lang="en-US" sz="1200" dirty="0">
+                  <a:solidFill>
+                    <a:schemeClr val="tx1"/>
+                  </a:solidFill>
+                </a:endParaRPr>
+              </a:p>
+            </p:txBody>
+          </p:sp>
+        </mc:Choice>
+        <mc:Fallback>
+          <p:sp>
+            <p:nvSpPr>
+              <p:cNvPr id="64" name="TextBox 63">
+                <a:extLst>
+                  <a:ext uri="{FF2B5EF4-FFF2-40B4-BE49-F238E27FC236}">
+                    <a16:creationId xmlns:a16="http://schemas.microsoft.com/office/drawing/2014/main" id="{B2044DFB-A8C2-4026-8271-ADBD2DC86274}"/>
+                  </a:ext>
+                </a:extLst>
+              </p:cNvPr>
+              <p:cNvSpPr txBox="1">
+                <a:spLocks noRot="1" noChangeAspect="1" noMove="1" noResize="1" noEditPoints="1" noAdjustHandles="1" noChangeArrowheads="1" noChangeShapeType="1" noTextEdit="1"/>
+              </p:cNvSpPr>
+              <p:nvPr/>
+            </p:nvSpPr>
+            <p:spPr>
+              <a:xfrm>
+                <a:off x="3825574" y="940277"/>
+                <a:ext cx="1233669" cy="619144"/>
+              </a:xfrm>
+              <a:prstGeom prst="rect">
+                <a:avLst/>
+              </a:prstGeom>
+              <a:blipFill>
+                <a:blip r:embed="rId6"/>
+                <a:stretch>
+                  <a:fillRect/>
+                </a:stretch>
+              </a:blipFill>
+            </p:spPr>
+            <p:txBody>
+              <a:bodyPr/>
+              <a:lstStyle/>
+              <a:p>
+                <a:r>
+                  <a:rPr lang="en-US">
+                    <a:noFill/>
+                  </a:rPr>
+                  <a:t> </a:t>
+                </a:r>
+              </a:p>
+            </p:txBody>
+          </p:sp>
+        </mc:Fallback>
+      </mc:AlternateContent>
+      <mc:AlternateContent xmlns:mc="http://schemas.openxmlformats.org/markup-compatibility/2006">
+        <mc:Choice xmlns:a14="http://schemas.microsoft.com/office/drawing/2010/main" Requires="a14">
+          <p:sp>
+            <p:nvSpPr>
+              <p:cNvPr id="69" name="TextBox 68">
+                <a:extLst>
+                  <a:ext uri="{FF2B5EF4-FFF2-40B4-BE49-F238E27FC236}">
+                    <a16:creationId xmlns:a16="http://schemas.microsoft.com/office/drawing/2014/main" id="{636AB557-ED53-4B70-8D87-0448B7543FD1}"/>
+                  </a:ext>
+                </a:extLst>
+              </p:cNvPr>
+              <p:cNvSpPr txBox="1"/>
+              <p:nvPr/>
+            </p:nvSpPr>
+            <p:spPr>
+              <a:xfrm>
+                <a:off x="2641374" y="1843685"/>
+                <a:ext cx="1015130" cy="461665"/>
+              </a:xfrm>
+              <a:prstGeom prst="rect">
+                <a:avLst/>
+              </a:prstGeom>
+              <a:noFill/>
+            </p:spPr>
+            <p:txBody>
+              <a:bodyPr wrap="square">
+                <a:spAutoFit/>
+              </a:bodyPr>
+              <a:lstStyle/>
+              <a:p>
+                <a:pPr algn="ctr"/>
+                <a:r>
+                  <a:rPr lang="en-US" altLang="zh-CN" sz="1200" dirty="0">
+                    <a:solidFill>
+                      <a:schemeClr val="tx1"/>
+                    </a:solidFill>
+                  </a:rPr>
+                  <a:t>Shift register of size </a:t>
+                </a:r>
+                <a14:m>
+                  <m:oMath xmlns:m="http://schemas.openxmlformats.org/officeDocument/2006/math">
+                    <m:r>
+                      <a:rPr lang="en-US" sz="1200" b="0" i="1" smtClean="0">
+                        <a:solidFill>
+                          <a:schemeClr val="tx1"/>
+                        </a:solidFill>
+                        <a:latin typeface="Cambria Math" panose="02040503050406030204" pitchFamily="18" charset="0"/>
+                      </a:rPr>
+                      <m:t>𝑁</m:t>
+                    </m:r>
+                    <m:r>
+                      <a:rPr lang="en-US" sz="1200" b="0" i="1" smtClean="0">
+                        <a:solidFill>
+                          <a:schemeClr val="tx1"/>
+                        </a:solidFill>
+                        <a:latin typeface="Cambria Math" panose="02040503050406030204" pitchFamily="18" charset="0"/>
+                      </a:rPr>
+                      <m:t>/</m:t>
+                    </m:r>
+                    <m:sSub>
+                      <m:sSubPr>
+                        <m:ctrlPr>
+                          <a:rPr lang="en-US" sz="1200" b="0" i="1" smtClean="0">
+                            <a:solidFill>
+                              <a:schemeClr val="tx1"/>
+                            </a:solidFill>
+                            <a:latin typeface="Cambria Math" panose="02040503050406030204" pitchFamily="18" charset="0"/>
+                          </a:rPr>
+                        </m:ctrlPr>
+                      </m:sSubPr>
+                      <m:e>
+                        <m:r>
+                          <a:rPr lang="en-US" sz="1200" b="0" i="1" smtClean="0">
+                            <a:solidFill>
+                              <a:schemeClr val="tx1"/>
+                            </a:solidFill>
+                            <a:latin typeface="Cambria Math" panose="02040503050406030204" pitchFamily="18" charset="0"/>
+                          </a:rPr>
+                          <m:t>𝐿</m:t>
+                        </m:r>
+                      </m:e>
+                      <m:sub>
+                        <m:r>
+                          <a:rPr lang="en-US" sz="1200" b="0" i="1" smtClean="0">
+                            <a:solidFill>
+                              <a:schemeClr val="tx1"/>
+                            </a:solidFill>
+                            <a:latin typeface="Cambria Math" panose="02040503050406030204" pitchFamily="18" charset="0"/>
+                          </a:rPr>
+                          <m:t>1</m:t>
+                        </m:r>
+                      </m:sub>
+                    </m:sSub>
+                  </m:oMath>
+                </a14:m>
+                <a:endParaRPr lang="en-US" sz="1200" dirty="0">
+                  <a:solidFill>
+                    <a:schemeClr val="tx1"/>
+                  </a:solidFill>
+                </a:endParaRPr>
+              </a:p>
+            </p:txBody>
+          </p:sp>
+        </mc:Choice>
+        <mc:Fallback>
+          <p:sp>
+            <p:nvSpPr>
+              <p:cNvPr id="69" name="TextBox 68">
+                <a:extLst>
+                  <a:ext uri="{FF2B5EF4-FFF2-40B4-BE49-F238E27FC236}">
+                    <a16:creationId xmlns:a16="http://schemas.microsoft.com/office/drawing/2014/main" id="{636AB557-ED53-4B70-8D87-0448B7543FD1}"/>
+                  </a:ext>
+                </a:extLst>
+              </p:cNvPr>
+              <p:cNvSpPr txBox="1">
+                <a:spLocks noRot="1" noChangeAspect="1" noMove="1" noResize="1" noEditPoints="1" noAdjustHandles="1" noChangeArrowheads="1" noChangeShapeType="1" noTextEdit="1"/>
+              </p:cNvSpPr>
+              <p:nvPr/>
+            </p:nvSpPr>
+            <p:spPr>
+              <a:xfrm>
+                <a:off x="2641374" y="1843685"/>
+                <a:ext cx="1015130" cy="461665"/>
+              </a:xfrm>
+              <a:prstGeom prst="rect">
+                <a:avLst/>
+              </a:prstGeom>
+              <a:blipFill>
+                <a:blip r:embed="rId5"/>
+                <a:stretch>
+                  <a:fillRect r="-1198" b="-9211"/>
+                </a:stretch>
+              </a:blipFill>
+            </p:spPr>
+            <p:txBody>
+              <a:bodyPr/>
+              <a:lstStyle/>
+              <a:p>
+                <a:r>
+                  <a:rPr lang="en-US">
+                    <a:noFill/>
+                  </a:rPr>
+                  <a:t> </a:t>
+                </a:r>
+              </a:p>
+            </p:txBody>
+          </p:sp>
+        </mc:Fallback>
+      </mc:AlternateContent>
+      <mc:AlternateContent xmlns:mc="http://schemas.openxmlformats.org/markup-compatibility/2006">
+        <mc:Choice xmlns:a14="http://schemas.microsoft.com/office/drawing/2010/main" Requires="a14">
+          <p:sp>
+            <p:nvSpPr>
+              <p:cNvPr id="70" name="TextBox 69">
+                <a:extLst>
+                  <a:ext uri="{FF2B5EF4-FFF2-40B4-BE49-F238E27FC236}">
+                    <a16:creationId xmlns:a16="http://schemas.microsoft.com/office/drawing/2014/main" id="{213B12D8-95B1-482B-A6FB-5F28BD0B5E12}"/>
+                  </a:ext>
+                </a:extLst>
+              </p:cNvPr>
+              <p:cNvSpPr txBox="1"/>
+              <p:nvPr/>
+            </p:nvSpPr>
+            <p:spPr>
+              <a:xfrm>
+                <a:off x="3830218" y="1745503"/>
+                <a:ext cx="1317577" cy="641586"/>
+              </a:xfrm>
+              <a:prstGeom prst="rect">
+                <a:avLst/>
+              </a:prstGeom>
+              <a:noFill/>
+            </p:spPr>
+            <p:txBody>
+              <a:bodyPr wrap="square">
+                <a:spAutoFit/>
+              </a:bodyPr>
+              <a:lstStyle/>
+              <a:p>
+                <a:pPr algn="ctr"/>
+                <a14:m>
+                  <m:oMathPara xmlns:m="http://schemas.openxmlformats.org/officeDocument/2006/math">
+                    <m:oMathParaPr>
+                      <m:jc m:val="centerGroup"/>
+                    </m:oMathParaPr>
+                    <m:oMath xmlns:m="http://schemas.openxmlformats.org/officeDocument/2006/math">
+                      <m:sSub>
+                        <m:sSubPr>
+                          <m:ctrlPr>
+                            <a:rPr lang="en-US" sz="1200" i="1">
+                              <a:latin typeface="Cambria Math" panose="02040503050406030204" pitchFamily="18" charset="0"/>
+                            </a:rPr>
+                          </m:ctrlPr>
+                        </m:sSubPr>
+                        <m:e>
+                          <m:r>
+                            <m:rPr>
+                              <m:sty m:val="p"/>
+                            </m:rPr>
+                            <a:rPr lang="en-US" sz="1200" i="1">
+                              <a:latin typeface="Cambria Math" panose="02040503050406030204" pitchFamily="18" charset="0"/>
+                            </a:rPr>
+                            <m:t>z</m:t>
+                          </m:r>
+                        </m:e>
+                        <m:sub>
+                          <m:r>
+                            <a:rPr lang="en-US" sz="1200" i="1">
+                              <a:latin typeface="Cambria Math" panose="02040503050406030204" pitchFamily="18" charset="0"/>
+                            </a:rPr>
+                            <m:t>1</m:t>
+                          </m:r>
+                        </m:sub>
+                      </m:sSub>
+                      <m:r>
+                        <a:rPr lang="en-US" sz="1200" i="1">
+                          <a:latin typeface="Cambria Math" panose="02040503050406030204" pitchFamily="18" charset="0"/>
+                        </a:rPr>
+                        <m:t>=</m:t>
+                      </m:r>
+                      <m:nary>
+                        <m:naryPr>
+                          <m:chr m:val="∑"/>
+                          <m:ctrlPr>
+                            <a:rPr lang="en-US" sz="1200" i="1">
+                              <a:latin typeface="Cambria Math" panose="02040503050406030204" pitchFamily="18" charset="0"/>
+                            </a:rPr>
+                          </m:ctrlPr>
+                        </m:naryPr>
+                        <m:sub>
+                          <m:r>
+                            <m:rPr>
+                              <m:brk m:alnAt="23"/>
+                            </m:rPr>
+                            <a:rPr lang="en-US" sz="1200" i="1">
+                              <a:latin typeface="Cambria Math" panose="02040503050406030204" pitchFamily="18" charset="0"/>
+                            </a:rPr>
+                            <m:t>𝑛</m:t>
+                          </m:r>
+                          <m:r>
+                            <a:rPr lang="en-US" sz="1200" i="1">
+                              <a:latin typeface="Cambria Math" panose="02040503050406030204" pitchFamily="18" charset="0"/>
+                            </a:rPr>
+                            <m:t>=</m:t>
+                          </m:r>
+                          <m:r>
+                            <a:rPr lang="en-US" sz="1200" i="1">
+                              <a:latin typeface="Cambria Math" panose="02040503050406030204" pitchFamily="18" charset="0"/>
+                            </a:rPr>
+                            <m:t>𝑁</m:t>
+                          </m:r>
+                          <m:r>
+                            <a:rPr lang="en-US" sz="1200" i="1">
+                              <a:latin typeface="Cambria Math" panose="02040503050406030204" pitchFamily="18" charset="0"/>
+                            </a:rPr>
+                            <m:t>/</m:t>
+                          </m:r>
+                          <m:sSub>
+                            <m:sSubPr>
+                              <m:ctrlPr>
+                                <a:rPr lang="en-US" sz="1200" i="1">
+                                  <a:latin typeface="Cambria Math" panose="02040503050406030204" pitchFamily="18" charset="0"/>
+                                </a:rPr>
+                              </m:ctrlPr>
+                            </m:sSubPr>
+                            <m:e>
+                              <m:r>
+                                <a:rPr lang="en-US" sz="1200" i="1">
+                                  <a:latin typeface="Cambria Math" panose="02040503050406030204" pitchFamily="18" charset="0"/>
+                                </a:rPr>
+                                <m:t>𝐿</m:t>
+                              </m:r>
+                            </m:e>
+                            <m:sub>
+                              <m:r>
+                                <a:rPr lang="en-US" sz="1200" i="1">
+                                  <a:latin typeface="Cambria Math" panose="02040503050406030204" pitchFamily="18" charset="0"/>
+                                </a:rPr>
+                                <m:t>1</m:t>
+                              </m:r>
+                            </m:sub>
+                          </m:sSub>
+                        </m:sub>
+                        <m:sup>
+                          <m:r>
+                            <a:rPr lang="en-US" sz="1200" i="1">
+                              <a:latin typeface="Cambria Math" panose="02040503050406030204" pitchFamily="18" charset="0"/>
+                            </a:rPr>
+                            <m:t>2</m:t>
+                          </m:r>
+                          <m:r>
+                            <a:rPr lang="en-US" sz="1200" i="1">
+                              <a:latin typeface="Cambria Math" panose="02040503050406030204" pitchFamily="18" charset="0"/>
+                            </a:rPr>
+                            <m:t>𝑁</m:t>
+                          </m:r>
+                          <m:r>
+                            <a:rPr lang="en-US" sz="1200" i="1">
+                              <a:latin typeface="Cambria Math" panose="02040503050406030204" pitchFamily="18" charset="0"/>
+                            </a:rPr>
+                            <m:t>/</m:t>
+                          </m:r>
+                          <m:sSub>
+                            <m:sSubPr>
+                              <m:ctrlPr>
+                                <a:rPr lang="en-US" sz="1200" i="1">
+                                  <a:latin typeface="Cambria Math" panose="02040503050406030204" pitchFamily="18" charset="0"/>
+                                </a:rPr>
+                              </m:ctrlPr>
+                            </m:sSubPr>
+                            <m:e>
+                              <m:r>
+                                <a:rPr lang="en-US" sz="1200" i="1">
+                                  <a:latin typeface="Cambria Math" panose="02040503050406030204" pitchFamily="18" charset="0"/>
+                                </a:rPr>
+                                <m:t>𝐿</m:t>
+                              </m:r>
+                            </m:e>
+                            <m:sub>
+                              <m:r>
+                                <a:rPr lang="en-US" sz="1200" i="1">
+                                  <a:latin typeface="Cambria Math" panose="02040503050406030204" pitchFamily="18" charset="0"/>
+                                </a:rPr>
+                                <m:t>1</m:t>
+                              </m:r>
+                            </m:sub>
+                          </m:sSub>
+                          <m:r>
+                            <a:rPr lang="en-US" sz="1200" i="1">
+                              <a:latin typeface="Cambria Math" panose="02040503050406030204" pitchFamily="18" charset="0"/>
+                            </a:rPr>
+                            <m:t>−1</m:t>
+                          </m:r>
+                        </m:sup>
+                        <m:e>
+                          <m:sSub>
+                            <m:sSubPr>
+                              <m:ctrlPr>
+                                <a:rPr lang="en-US" sz="1200" i="1">
+                                  <a:latin typeface="Cambria Math" panose="02040503050406030204" pitchFamily="18" charset="0"/>
+                                </a:rPr>
+                              </m:ctrlPr>
+                            </m:sSubPr>
+                            <m:e>
+                              <m:r>
+                                <a:rPr lang="en-US" sz="1200" i="1">
+                                  <a:latin typeface="Cambria Math" panose="02040503050406030204" pitchFamily="18" charset="0"/>
+                                </a:rPr>
+                                <m:t>𝑟</m:t>
+                              </m:r>
+                            </m:e>
+                            <m:sub>
+                              <m:r>
+                                <a:rPr lang="en-US" sz="1200" i="1">
+                                  <a:latin typeface="Cambria Math" panose="02040503050406030204" pitchFamily="18" charset="0"/>
+                                </a:rPr>
+                                <m:t>𝑛</m:t>
+                              </m:r>
+                            </m:sub>
+                          </m:sSub>
+                          <m:sSubSup>
+                            <m:sSubSupPr>
+                              <m:ctrlPr>
+                                <a:rPr lang="en-US" sz="1200" i="1">
+                                  <a:latin typeface="Cambria Math" panose="02040503050406030204" pitchFamily="18" charset="0"/>
+                                </a:rPr>
+                              </m:ctrlPr>
+                            </m:sSubSupPr>
+                            <m:e>
+                              <m:r>
+                                <a:rPr lang="en-US" sz="1200" i="1">
+                                  <a:latin typeface="Cambria Math" panose="02040503050406030204" pitchFamily="18" charset="0"/>
+                                </a:rPr>
+                                <m:t>𝑠</m:t>
+                              </m:r>
+                            </m:e>
+                            <m:sub>
+                              <m:r>
+                                <a:rPr lang="en-US" sz="1200" i="1">
+                                  <a:latin typeface="Cambria Math" panose="02040503050406030204" pitchFamily="18" charset="0"/>
+                                </a:rPr>
+                                <m:t>𝑛</m:t>
+                              </m:r>
+                            </m:sub>
+                            <m:sup>
+                              <m:r>
+                                <a:rPr lang="en-US" sz="1200" i="1">
+                                  <a:latin typeface="Cambria Math" panose="02040503050406030204" pitchFamily="18" charset="0"/>
+                                </a:rPr>
+                                <m:t>∗</m:t>
+                              </m:r>
+                            </m:sup>
+                          </m:sSubSup>
+                        </m:e>
+                      </m:nary>
+                    </m:oMath>
+                  </m:oMathPara>
+                </a14:m>
+                <a:endParaRPr lang="en-US" sz="1200" dirty="0">
+                  <a:solidFill>
+                    <a:schemeClr val="tx1"/>
+                  </a:solidFill>
+                </a:endParaRPr>
+              </a:p>
+            </p:txBody>
+          </p:sp>
+        </mc:Choice>
+        <mc:Fallback>
+          <p:sp>
+            <p:nvSpPr>
+              <p:cNvPr id="70" name="TextBox 69">
+                <a:extLst>
+                  <a:ext uri="{FF2B5EF4-FFF2-40B4-BE49-F238E27FC236}">
+                    <a16:creationId xmlns:a16="http://schemas.microsoft.com/office/drawing/2014/main" id="{213B12D8-95B1-482B-A6FB-5F28BD0B5E12}"/>
+                  </a:ext>
+                </a:extLst>
+              </p:cNvPr>
+              <p:cNvSpPr txBox="1">
+                <a:spLocks noRot="1" noChangeAspect="1" noMove="1" noResize="1" noEditPoints="1" noAdjustHandles="1" noChangeArrowheads="1" noChangeShapeType="1" noTextEdit="1"/>
+              </p:cNvSpPr>
+              <p:nvPr/>
+            </p:nvSpPr>
+            <p:spPr>
+              <a:xfrm>
+                <a:off x="3830218" y="1745503"/>
+                <a:ext cx="1317577" cy="641586"/>
+              </a:xfrm>
+              <a:prstGeom prst="rect">
+                <a:avLst/>
+              </a:prstGeom>
+              <a:blipFill>
+                <a:blip r:embed="rId7"/>
+                <a:stretch>
+                  <a:fillRect/>
+                </a:stretch>
+              </a:blipFill>
+            </p:spPr>
+            <p:txBody>
+              <a:bodyPr/>
+              <a:lstStyle/>
+              <a:p>
+                <a:r>
+                  <a:rPr lang="en-US">
+                    <a:noFill/>
+                  </a:rPr>
+                  <a:t> </a:t>
+                </a:r>
+              </a:p>
+            </p:txBody>
+          </p:sp>
+        </mc:Fallback>
+      </mc:AlternateContent>
+      <mc:AlternateContent xmlns:mc="http://schemas.openxmlformats.org/markup-compatibility/2006">
+        <mc:Choice xmlns:a14="http://schemas.microsoft.com/office/drawing/2010/main" Requires="a14">
+          <p:sp>
+            <p:nvSpPr>
+              <p:cNvPr id="74" name="TextBox 73">
+                <a:extLst>
+                  <a:ext uri="{FF2B5EF4-FFF2-40B4-BE49-F238E27FC236}">
+                    <a16:creationId xmlns:a16="http://schemas.microsoft.com/office/drawing/2014/main" id="{55E0D643-FF18-44FA-B0D3-89494620A197}"/>
+                  </a:ext>
+                </a:extLst>
+              </p:cNvPr>
+              <p:cNvSpPr txBox="1"/>
+              <p:nvPr/>
+            </p:nvSpPr>
+            <p:spPr>
+              <a:xfrm>
+                <a:off x="3422127" y="3151596"/>
+                <a:ext cx="1813216" cy="643574"/>
+              </a:xfrm>
+              <a:prstGeom prst="rect">
+                <a:avLst/>
+              </a:prstGeom>
+              <a:noFill/>
+            </p:spPr>
+            <p:txBody>
+              <a:bodyPr wrap="square">
+                <a:spAutoFit/>
+              </a:bodyPr>
+              <a:lstStyle/>
+              <a:p>
+                <a:pPr algn="ctr"/>
+                <a14:m>
+                  <m:oMathPara xmlns:m="http://schemas.openxmlformats.org/officeDocument/2006/math">
+                    <m:oMathParaPr>
+                      <m:jc m:val="centerGroup"/>
+                    </m:oMathParaPr>
+                    <m:oMath xmlns:m="http://schemas.openxmlformats.org/officeDocument/2006/math">
+                      <m:sSub>
+                        <m:sSubPr>
+                          <m:ctrlPr>
+                            <a:rPr lang="en-US" sz="1200" i="1">
+                              <a:latin typeface="Cambria Math" panose="02040503050406030204" pitchFamily="18" charset="0"/>
+                            </a:rPr>
+                          </m:ctrlPr>
+                        </m:sSubPr>
+                        <m:e>
+                          <m:r>
+                            <m:rPr>
+                              <m:sty m:val="p"/>
+                            </m:rPr>
+                            <a:rPr lang="en-US" sz="1200" i="1">
+                              <a:latin typeface="Cambria Math" panose="02040503050406030204" pitchFamily="18" charset="0"/>
+                            </a:rPr>
+                            <m:t>z</m:t>
+                          </m:r>
+                        </m:e>
+                        <m:sub>
+                          <m:sSub>
+                            <m:sSubPr>
+                              <m:ctrlPr>
+                                <a:rPr lang="en-US" sz="1200" i="1">
+                                  <a:latin typeface="Cambria Math" panose="02040503050406030204" pitchFamily="18" charset="0"/>
+                                </a:rPr>
+                              </m:ctrlPr>
+                            </m:sSubPr>
+                            <m:e>
+                              <m:r>
+                                <a:rPr lang="en-US" sz="1200" i="1">
+                                  <a:latin typeface="Cambria Math" panose="02040503050406030204" pitchFamily="18" charset="0"/>
+                                </a:rPr>
+                                <m:t>𝐿</m:t>
+                              </m:r>
+                            </m:e>
+                            <m:sub>
+                              <m:r>
+                                <a:rPr lang="en-US" sz="1200" i="1">
+                                  <a:latin typeface="Cambria Math" panose="02040503050406030204" pitchFamily="18" charset="0"/>
+                                </a:rPr>
+                                <m:t>1</m:t>
+                              </m:r>
+                            </m:sub>
+                          </m:sSub>
+                          <m:r>
+                            <a:rPr lang="en-US" sz="1200" i="1">
+                              <a:latin typeface="Cambria Math" panose="02040503050406030204" pitchFamily="18" charset="0"/>
+                            </a:rPr>
+                            <m:t>−2</m:t>
+                          </m:r>
+                        </m:sub>
+                      </m:sSub>
+                      <m:r>
+                        <a:rPr lang="en-US" sz="1200" i="1">
+                          <a:latin typeface="Cambria Math" panose="02040503050406030204" pitchFamily="18" charset="0"/>
+                        </a:rPr>
+                        <m:t>=</m:t>
+                      </m:r>
+                      <m:nary>
+                        <m:naryPr>
+                          <m:chr m:val="∑"/>
+                          <m:ctrlPr>
+                            <a:rPr lang="en-US" sz="1200" i="1">
+                              <a:latin typeface="Cambria Math" panose="02040503050406030204" pitchFamily="18" charset="0"/>
+                            </a:rPr>
+                          </m:ctrlPr>
+                        </m:naryPr>
+                        <m:sub>
+                          <m:r>
+                            <m:rPr>
+                              <m:brk m:alnAt="23"/>
+                            </m:rPr>
+                            <a:rPr lang="en-US" sz="1200" i="1">
+                              <a:latin typeface="Cambria Math" panose="02040503050406030204" pitchFamily="18" charset="0"/>
+                            </a:rPr>
+                            <m:t>𝑛</m:t>
+                          </m:r>
+                          <m:r>
+                            <a:rPr lang="en-US" sz="1200" i="1">
+                              <a:latin typeface="Cambria Math" panose="02040503050406030204" pitchFamily="18" charset="0"/>
+                            </a:rPr>
+                            <m:t>=(</m:t>
+                          </m:r>
+                          <m:sSub>
+                            <m:sSubPr>
+                              <m:ctrlPr>
+                                <a:rPr lang="en-US" sz="1200" i="1">
+                                  <a:latin typeface="Cambria Math" panose="02040503050406030204" pitchFamily="18" charset="0"/>
+                                </a:rPr>
+                              </m:ctrlPr>
+                            </m:sSubPr>
+                            <m:e>
+                              <m:r>
+                                <m:rPr>
+                                  <m:brk m:alnAt="23"/>
+                                </m:rPr>
+                                <a:rPr lang="en-US" sz="1200" i="1">
+                                  <a:latin typeface="Cambria Math" panose="02040503050406030204" pitchFamily="18" charset="0"/>
+                                </a:rPr>
+                                <m:t>𝐿</m:t>
+                              </m:r>
+                            </m:e>
+                            <m:sub>
+                              <m:r>
+                                <m:rPr>
+                                  <m:brk m:alnAt="23"/>
+                                </m:rPr>
+                                <a:rPr lang="en-US" sz="1200" i="1">
+                                  <a:latin typeface="Cambria Math" panose="02040503050406030204" pitchFamily="18" charset="0"/>
+                                </a:rPr>
+                                <m:t>1</m:t>
+                              </m:r>
+                            </m:sub>
+                          </m:sSub>
+                          <m:r>
+                            <m:rPr>
+                              <m:brk m:alnAt="23"/>
+                            </m:rPr>
+                            <a:rPr lang="en-US" sz="1200" i="1">
+                              <a:latin typeface="Cambria Math" panose="02040503050406030204" pitchFamily="18" charset="0"/>
+                            </a:rPr>
+                            <m:t>−</m:t>
+                          </m:r>
+                          <m:r>
+                            <a:rPr lang="en-US" sz="1200" i="1">
+                              <a:latin typeface="Cambria Math" panose="02040503050406030204" pitchFamily="18" charset="0"/>
+                            </a:rPr>
+                            <m:t>2)</m:t>
+                          </m:r>
+                          <m:r>
+                            <a:rPr lang="en-US" sz="1200" i="1">
+                              <a:latin typeface="Cambria Math" panose="02040503050406030204" pitchFamily="18" charset="0"/>
+                            </a:rPr>
+                            <m:t>𝑁</m:t>
+                          </m:r>
+                          <m:r>
+                            <a:rPr lang="en-US" sz="1200" i="1">
+                              <a:latin typeface="Cambria Math" panose="02040503050406030204" pitchFamily="18" charset="0"/>
+                            </a:rPr>
+                            <m:t>/</m:t>
+                          </m:r>
+                          <m:sSub>
+                            <m:sSubPr>
+                              <m:ctrlPr>
+                                <a:rPr lang="en-US" sz="1200" i="1">
+                                  <a:latin typeface="Cambria Math" panose="02040503050406030204" pitchFamily="18" charset="0"/>
+                                </a:rPr>
+                              </m:ctrlPr>
+                            </m:sSubPr>
+                            <m:e>
+                              <m:r>
+                                <a:rPr lang="en-US" sz="1200" i="1">
+                                  <a:latin typeface="Cambria Math" panose="02040503050406030204" pitchFamily="18" charset="0"/>
+                                </a:rPr>
+                                <m:t>𝐿</m:t>
+                              </m:r>
+                            </m:e>
+                            <m:sub>
+                              <m:r>
+                                <a:rPr lang="en-US" sz="1200" i="1">
+                                  <a:latin typeface="Cambria Math" panose="02040503050406030204" pitchFamily="18" charset="0"/>
+                                </a:rPr>
+                                <m:t>1</m:t>
+                              </m:r>
+                            </m:sub>
+                          </m:sSub>
+                        </m:sub>
+                        <m:sup>
+                          <m:r>
+                            <a:rPr lang="en-US" sz="1200" i="1">
+                              <a:latin typeface="Cambria Math" panose="02040503050406030204" pitchFamily="18" charset="0"/>
+                            </a:rPr>
+                            <m:t>(</m:t>
+                          </m:r>
+                          <m:sSub>
+                            <m:sSubPr>
+                              <m:ctrlPr>
+                                <a:rPr lang="en-US" sz="1200" i="1">
+                                  <a:latin typeface="Cambria Math" panose="02040503050406030204" pitchFamily="18" charset="0"/>
+                                </a:rPr>
+                              </m:ctrlPr>
+                            </m:sSubPr>
+                            <m:e>
+                              <m:r>
+                                <a:rPr lang="en-US" sz="1200" i="1">
+                                  <a:latin typeface="Cambria Math" panose="02040503050406030204" pitchFamily="18" charset="0"/>
+                                </a:rPr>
+                                <m:t>𝐿</m:t>
+                              </m:r>
+                            </m:e>
+                            <m:sub>
+                              <m:r>
+                                <a:rPr lang="en-US" sz="1200" i="1">
+                                  <a:latin typeface="Cambria Math" panose="02040503050406030204" pitchFamily="18" charset="0"/>
+                                </a:rPr>
+                                <m:t>1</m:t>
+                              </m:r>
+                            </m:sub>
+                          </m:sSub>
+                          <m:r>
+                            <a:rPr lang="en-US" sz="1200" i="1">
+                              <a:latin typeface="Cambria Math" panose="02040503050406030204" pitchFamily="18" charset="0"/>
+                            </a:rPr>
+                            <m:t>−1)</m:t>
+                          </m:r>
+                          <m:r>
+                            <a:rPr lang="en-US" sz="1200" i="1">
+                              <a:latin typeface="Cambria Math" panose="02040503050406030204" pitchFamily="18" charset="0"/>
+                            </a:rPr>
+                            <m:t>𝑁</m:t>
+                          </m:r>
+                          <m:r>
+                            <a:rPr lang="en-US" sz="1200" i="1">
+                              <a:latin typeface="Cambria Math" panose="02040503050406030204" pitchFamily="18" charset="0"/>
+                            </a:rPr>
+                            <m:t>/</m:t>
+                          </m:r>
+                          <m:sSub>
+                            <m:sSubPr>
+                              <m:ctrlPr>
+                                <a:rPr lang="en-US" sz="1200" i="1">
+                                  <a:latin typeface="Cambria Math" panose="02040503050406030204" pitchFamily="18" charset="0"/>
+                                </a:rPr>
+                              </m:ctrlPr>
+                            </m:sSubPr>
+                            <m:e>
+                              <m:r>
+                                <a:rPr lang="en-US" sz="1200" i="1">
+                                  <a:latin typeface="Cambria Math" panose="02040503050406030204" pitchFamily="18" charset="0"/>
+                                </a:rPr>
+                                <m:t>𝐿</m:t>
+                              </m:r>
+                            </m:e>
+                            <m:sub>
+                              <m:r>
+                                <a:rPr lang="en-US" sz="1200" i="1">
+                                  <a:latin typeface="Cambria Math" panose="02040503050406030204" pitchFamily="18" charset="0"/>
+                                </a:rPr>
+                                <m:t>1</m:t>
+                              </m:r>
+                            </m:sub>
+                          </m:sSub>
+                          <m:r>
+                            <a:rPr lang="en-US" sz="1200" i="1">
+                              <a:latin typeface="Cambria Math" panose="02040503050406030204" pitchFamily="18" charset="0"/>
+                            </a:rPr>
+                            <m:t>−1</m:t>
+                          </m:r>
+                        </m:sup>
+                        <m:e>
+                          <m:sSub>
+                            <m:sSubPr>
+                              <m:ctrlPr>
+                                <a:rPr lang="en-US" sz="1200" i="1">
+                                  <a:latin typeface="Cambria Math" panose="02040503050406030204" pitchFamily="18" charset="0"/>
+                                </a:rPr>
+                              </m:ctrlPr>
+                            </m:sSubPr>
+                            <m:e>
+                              <m:r>
+                                <a:rPr lang="en-US" sz="1200" i="1">
+                                  <a:latin typeface="Cambria Math" panose="02040503050406030204" pitchFamily="18" charset="0"/>
+                                </a:rPr>
+                                <m:t>𝑟</m:t>
+                              </m:r>
+                            </m:e>
+                            <m:sub>
+                              <m:r>
+                                <a:rPr lang="en-US" sz="1200" i="1">
+                                  <a:latin typeface="Cambria Math" panose="02040503050406030204" pitchFamily="18" charset="0"/>
+                                </a:rPr>
+                                <m:t>𝑛</m:t>
+                              </m:r>
+                            </m:sub>
+                          </m:sSub>
+                          <m:sSubSup>
+                            <m:sSubSupPr>
+                              <m:ctrlPr>
+                                <a:rPr lang="en-US" sz="1200" i="1">
+                                  <a:latin typeface="Cambria Math" panose="02040503050406030204" pitchFamily="18" charset="0"/>
+                                </a:rPr>
+                              </m:ctrlPr>
+                            </m:sSubSupPr>
+                            <m:e>
+                              <m:r>
+                                <a:rPr lang="en-US" sz="1200" i="1">
+                                  <a:latin typeface="Cambria Math" panose="02040503050406030204" pitchFamily="18" charset="0"/>
+                                </a:rPr>
+                                <m:t>𝑠</m:t>
+                              </m:r>
+                            </m:e>
+                            <m:sub>
+                              <m:r>
+                                <a:rPr lang="en-US" sz="1200" i="1">
+                                  <a:latin typeface="Cambria Math" panose="02040503050406030204" pitchFamily="18" charset="0"/>
+                                </a:rPr>
+                                <m:t>𝑛</m:t>
+                              </m:r>
+                            </m:sub>
+                            <m:sup>
+                              <m:r>
+                                <a:rPr lang="en-US" sz="1200" i="1">
+                                  <a:latin typeface="Cambria Math" panose="02040503050406030204" pitchFamily="18" charset="0"/>
+                                </a:rPr>
+                                <m:t>∗</m:t>
+                              </m:r>
+                            </m:sup>
+                          </m:sSubSup>
+                        </m:e>
+                      </m:nary>
+                    </m:oMath>
+                  </m:oMathPara>
+                </a14:m>
+                <a:endParaRPr lang="en-US" sz="1200" dirty="0">
+                  <a:solidFill>
+                    <a:schemeClr val="tx1"/>
+                  </a:solidFill>
+                </a:endParaRPr>
+              </a:p>
+            </p:txBody>
+          </p:sp>
+        </mc:Choice>
+        <mc:Fallback>
+          <p:sp>
+            <p:nvSpPr>
+              <p:cNvPr id="74" name="TextBox 73">
+                <a:extLst>
+                  <a:ext uri="{FF2B5EF4-FFF2-40B4-BE49-F238E27FC236}">
+                    <a16:creationId xmlns:a16="http://schemas.microsoft.com/office/drawing/2014/main" id="{55E0D643-FF18-44FA-B0D3-89494620A197}"/>
+                  </a:ext>
+                </a:extLst>
+              </p:cNvPr>
+              <p:cNvSpPr txBox="1">
+                <a:spLocks noRot="1" noChangeAspect="1" noMove="1" noResize="1" noEditPoints="1" noAdjustHandles="1" noChangeArrowheads="1" noChangeShapeType="1" noTextEdit="1"/>
+              </p:cNvSpPr>
+              <p:nvPr/>
+            </p:nvSpPr>
+            <p:spPr>
+              <a:xfrm>
+                <a:off x="3422127" y="3151596"/>
+                <a:ext cx="1813216" cy="643574"/>
+              </a:xfrm>
+              <a:prstGeom prst="rect">
+                <a:avLst/>
+              </a:prstGeom>
+              <a:blipFill>
+                <a:blip r:embed="rId8"/>
+                <a:stretch>
+                  <a:fillRect/>
+                </a:stretch>
+              </a:blipFill>
+            </p:spPr>
+            <p:txBody>
+              <a:bodyPr/>
+              <a:lstStyle/>
+              <a:p>
+                <a:r>
+                  <a:rPr lang="en-US">
+                    <a:noFill/>
+                  </a:rPr>
+                  <a:t> </a:t>
+                </a:r>
+              </a:p>
+            </p:txBody>
+          </p:sp>
+        </mc:Fallback>
+      </mc:AlternateContent>
+      <mc:AlternateContent xmlns:mc="http://schemas.openxmlformats.org/markup-compatibility/2006">
+        <mc:Choice xmlns:a14="http://schemas.microsoft.com/office/drawing/2010/main" Requires="a14">
+          <p:sp>
+            <p:nvSpPr>
+              <p:cNvPr id="76" name="TextBox 75">
+                <a:extLst>
+                  <a:ext uri="{FF2B5EF4-FFF2-40B4-BE49-F238E27FC236}">
+                    <a16:creationId xmlns:a16="http://schemas.microsoft.com/office/drawing/2014/main" id="{272A94E4-F053-49D5-8BF8-9E0EDD6F5470}"/>
+                  </a:ext>
+                </a:extLst>
+              </p:cNvPr>
+              <p:cNvSpPr txBox="1"/>
+              <p:nvPr/>
+            </p:nvSpPr>
+            <p:spPr>
+              <a:xfrm>
+                <a:off x="2400909" y="3236535"/>
+                <a:ext cx="1015130" cy="461665"/>
+              </a:xfrm>
+              <a:prstGeom prst="rect">
+                <a:avLst/>
+              </a:prstGeom>
+              <a:noFill/>
+            </p:spPr>
+            <p:txBody>
+              <a:bodyPr wrap="square">
+                <a:spAutoFit/>
+              </a:bodyPr>
+              <a:lstStyle/>
+              <a:p>
+                <a:pPr algn="ctr"/>
+                <a:r>
+                  <a:rPr lang="en-US" altLang="zh-CN" sz="1200" dirty="0">
+                    <a:solidFill>
+                      <a:schemeClr val="tx1"/>
+                    </a:solidFill>
+                  </a:rPr>
+                  <a:t>Shift register of size </a:t>
+                </a:r>
+                <a14:m>
+                  <m:oMath xmlns:m="http://schemas.openxmlformats.org/officeDocument/2006/math">
+                    <m:r>
+                      <a:rPr lang="en-US" sz="1200" b="0" i="1" smtClean="0">
+                        <a:solidFill>
+                          <a:schemeClr val="tx1"/>
+                        </a:solidFill>
+                        <a:latin typeface="Cambria Math" panose="02040503050406030204" pitchFamily="18" charset="0"/>
+                      </a:rPr>
+                      <m:t>𝑁</m:t>
+                    </m:r>
+                    <m:r>
+                      <a:rPr lang="en-US" sz="1200" b="0" i="1" smtClean="0">
+                        <a:solidFill>
+                          <a:schemeClr val="tx1"/>
+                        </a:solidFill>
+                        <a:latin typeface="Cambria Math" panose="02040503050406030204" pitchFamily="18" charset="0"/>
+                      </a:rPr>
+                      <m:t>/</m:t>
+                    </m:r>
+                    <m:sSub>
+                      <m:sSubPr>
+                        <m:ctrlPr>
+                          <a:rPr lang="en-US" sz="1200" b="0" i="1" smtClean="0">
+                            <a:solidFill>
+                              <a:schemeClr val="tx1"/>
+                            </a:solidFill>
+                            <a:latin typeface="Cambria Math" panose="02040503050406030204" pitchFamily="18" charset="0"/>
+                          </a:rPr>
+                        </m:ctrlPr>
+                      </m:sSubPr>
+                      <m:e>
+                        <m:r>
+                          <a:rPr lang="en-US" sz="1200" b="0" i="1" smtClean="0">
+                            <a:solidFill>
+                              <a:schemeClr val="tx1"/>
+                            </a:solidFill>
+                            <a:latin typeface="Cambria Math" panose="02040503050406030204" pitchFamily="18" charset="0"/>
+                          </a:rPr>
+                          <m:t>𝐿</m:t>
+                        </m:r>
+                      </m:e>
+                      <m:sub>
+                        <m:r>
+                          <a:rPr lang="en-US" sz="1200" b="0" i="1" smtClean="0">
+                            <a:solidFill>
+                              <a:schemeClr val="tx1"/>
+                            </a:solidFill>
+                            <a:latin typeface="Cambria Math" panose="02040503050406030204" pitchFamily="18" charset="0"/>
+                          </a:rPr>
+                          <m:t>1</m:t>
+                        </m:r>
+                      </m:sub>
+                    </m:sSub>
+                  </m:oMath>
+                </a14:m>
+                <a:endParaRPr lang="en-US" sz="1200" dirty="0">
+                  <a:solidFill>
+                    <a:schemeClr val="tx1"/>
+                  </a:solidFill>
+                </a:endParaRPr>
+              </a:p>
+            </p:txBody>
+          </p:sp>
+        </mc:Choice>
+        <mc:Fallback>
+          <p:sp>
+            <p:nvSpPr>
+              <p:cNvPr id="76" name="TextBox 75">
+                <a:extLst>
+                  <a:ext uri="{FF2B5EF4-FFF2-40B4-BE49-F238E27FC236}">
+                    <a16:creationId xmlns:a16="http://schemas.microsoft.com/office/drawing/2014/main" id="{272A94E4-F053-49D5-8BF8-9E0EDD6F5470}"/>
+                  </a:ext>
+                </a:extLst>
+              </p:cNvPr>
+              <p:cNvSpPr txBox="1">
+                <a:spLocks noRot="1" noChangeAspect="1" noMove="1" noResize="1" noEditPoints="1" noAdjustHandles="1" noChangeArrowheads="1" noChangeShapeType="1" noTextEdit="1"/>
+              </p:cNvSpPr>
+              <p:nvPr/>
+            </p:nvSpPr>
+            <p:spPr>
+              <a:xfrm>
+                <a:off x="2400909" y="3236535"/>
+                <a:ext cx="1015130" cy="461665"/>
+              </a:xfrm>
+              <a:prstGeom prst="rect">
+                <a:avLst/>
+              </a:prstGeom>
+              <a:blipFill>
+                <a:blip r:embed="rId9"/>
+                <a:stretch>
+                  <a:fillRect t="-1316" r="-1205" b="-9211"/>
+                </a:stretch>
+              </a:blipFill>
+            </p:spPr>
+            <p:txBody>
+              <a:bodyPr/>
+              <a:lstStyle/>
+              <a:p>
+                <a:r>
+                  <a:rPr lang="en-US">
+                    <a:noFill/>
+                  </a:rPr>
+                  <a:t> </a:t>
+                </a:r>
+              </a:p>
+            </p:txBody>
+          </p:sp>
+        </mc:Fallback>
+      </mc:AlternateContent>
+      <mc:AlternateContent xmlns:mc="http://schemas.openxmlformats.org/markup-compatibility/2006">
+        <mc:Choice xmlns:a14="http://schemas.microsoft.com/office/drawing/2010/main" Requires="a14">
+          <p:sp>
+            <p:nvSpPr>
+              <p:cNvPr id="79" name="TextBox 78">
+                <a:extLst>
+                  <a:ext uri="{FF2B5EF4-FFF2-40B4-BE49-F238E27FC236}">
+                    <a16:creationId xmlns:a16="http://schemas.microsoft.com/office/drawing/2014/main" id="{04DFD418-3505-4070-847D-1FE21249ABA7}"/>
+                  </a:ext>
+                </a:extLst>
+              </p:cNvPr>
+              <p:cNvSpPr txBox="1"/>
+              <p:nvPr/>
+            </p:nvSpPr>
+            <p:spPr>
+              <a:xfrm>
+                <a:off x="3394141" y="3954006"/>
+                <a:ext cx="1878250" cy="635495"/>
+              </a:xfrm>
+              <a:prstGeom prst="rect">
+                <a:avLst/>
+              </a:prstGeom>
+              <a:noFill/>
+            </p:spPr>
+            <p:txBody>
+              <a:bodyPr wrap="square">
+                <a:spAutoFit/>
+              </a:bodyPr>
+              <a:lstStyle/>
+              <a:p>
+                <a:pPr algn="ctr"/>
+                <a14:m>
+                  <m:oMathPara xmlns:m="http://schemas.openxmlformats.org/officeDocument/2006/math">
+                    <m:oMathParaPr>
+                      <m:jc m:val="centerGroup"/>
+                    </m:oMathParaPr>
+                    <m:oMath xmlns:m="http://schemas.openxmlformats.org/officeDocument/2006/math">
+                      <m:sSub>
+                        <m:sSubPr>
+                          <m:ctrlPr>
+                            <a:rPr lang="en-US" sz="1200" i="1">
+                              <a:latin typeface="Cambria Math" panose="02040503050406030204" pitchFamily="18" charset="0"/>
+                            </a:rPr>
+                          </m:ctrlPr>
+                        </m:sSubPr>
+                        <m:e>
+                          <m:r>
+                            <m:rPr>
+                              <m:sty m:val="p"/>
+                            </m:rPr>
+                            <a:rPr lang="en-US" sz="1200" i="1">
+                              <a:latin typeface="Cambria Math" panose="02040503050406030204" pitchFamily="18" charset="0"/>
+                            </a:rPr>
+                            <m:t>z</m:t>
+                          </m:r>
+                        </m:e>
+                        <m:sub>
+                          <m:sSub>
+                            <m:sSubPr>
+                              <m:ctrlPr>
+                                <a:rPr lang="en-US" sz="1200" i="1">
+                                  <a:latin typeface="Cambria Math" panose="02040503050406030204" pitchFamily="18" charset="0"/>
+                                </a:rPr>
+                              </m:ctrlPr>
+                            </m:sSubPr>
+                            <m:e>
+                              <m:r>
+                                <a:rPr lang="en-US" sz="1200" i="1">
+                                  <a:latin typeface="Cambria Math" panose="02040503050406030204" pitchFamily="18" charset="0"/>
+                                </a:rPr>
+                                <m:t>𝐿</m:t>
+                              </m:r>
+                            </m:e>
+                            <m:sub>
+                              <m:r>
+                                <a:rPr lang="en-US" sz="1200" i="1">
+                                  <a:latin typeface="Cambria Math" panose="02040503050406030204" pitchFamily="18" charset="0"/>
+                                </a:rPr>
+                                <m:t>1</m:t>
+                              </m:r>
+                            </m:sub>
+                          </m:sSub>
+                          <m:r>
+                            <a:rPr lang="en-US" sz="1200" i="1">
+                              <a:latin typeface="Cambria Math" panose="02040503050406030204" pitchFamily="18" charset="0"/>
+                            </a:rPr>
+                            <m:t>−1</m:t>
+                          </m:r>
+                        </m:sub>
+                      </m:sSub>
+                      <m:r>
+                        <a:rPr lang="en-US" sz="1200" i="1">
+                          <a:latin typeface="Cambria Math" panose="02040503050406030204" pitchFamily="18" charset="0"/>
+                        </a:rPr>
+                        <m:t>=</m:t>
+                      </m:r>
+                      <m:nary>
+                        <m:naryPr>
+                          <m:chr m:val="∑"/>
+                          <m:ctrlPr>
+                            <a:rPr lang="en-US" sz="1200" i="1">
+                              <a:latin typeface="Cambria Math" panose="02040503050406030204" pitchFamily="18" charset="0"/>
+                            </a:rPr>
+                          </m:ctrlPr>
+                        </m:naryPr>
+                        <m:sub>
+                          <m:r>
+                            <m:rPr>
+                              <m:brk m:alnAt="23"/>
+                            </m:rPr>
+                            <a:rPr lang="en-US" sz="1200" i="1">
+                              <a:latin typeface="Cambria Math" panose="02040503050406030204" pitchFamily="18" charset="0"/>
+                            </a:rPr>
+                            <m:t>𝑛</m:t>
+                          </m:r>
+                          <m:r>
+                            <a:rPr lang="en-US" sz="1200" i="1">
+                              <a:latin typeface="Cambria Math" panose="02040503050406030204" pitchFamily="18" charset="0"/>
+                            </a:rPr>
+                            <m:t>=(</m:t>
+                          </m:r>
+                          <m:sSub>
+                            <m:sSubPr>
+                              <m:ctrlPr>
+                                <a:rPr lang="en-US" sz="1200" i="1">
+                                  <a:latin typeface="Cambria Math" panose="02040503050406030204" pitchFamily="18" charset="0"/>
+                                </a:rPr>
+                              </m:ctrlPr>
+                            </m:sSubPr>
+                            <m:e>
+                              <m:r>
+                                <m:rPr>
+                                  <m:brk m:alnAt="23"/>
+                                </m:rPr>
+                                <a:rPr lang="en-US" sz="1200" i="1">
+                                  <a:latin typeface="Cambria Math" panose="02040503050406030204" pitchFamily="18" charset="0"/>
+                                </a:rPr>
+                                <m:t>𝐿</m:t>
+                              </m:r>
+                            </m:e>
+                            <m:sub>
+                              <m:r>
+                                <m:rPr>
+                                  <m:brk m:alnAt="23"/>
+                                </m:rPr>
+                                <a:rPr lang="en-US" sz="1200" i="1">
+                                  <a:latin typeface="Cambria Math" panose="02040503050406030204" pitchFamily="18" charset="0"/>
+                                </a:rPr>
+                                <m:t>1</m:t>
+                              </m:r>
+                            </m:sub>
+                          </m:sSub>
+                          <m:r>
+                            <m:rPr>
+                              <m:brk m:alnAt="23"/>
+                            </m:rPr>
+                            <a:rPr lang="en-US" sz="1200" i="1">
+                              <a:latin typeface="Cambria Math" panose="02040503050406030204" pitchFamily="18" charset="0"/>
+                            </a:rPr>
+                            <m:t>−</m:t>
+                          </m:r>
+                          <m:r>
+                            <a:rPr lang="en-US" sz="1200" i="1">
+                              <a:latin typeface="Cambria Math" panose="02040503050406030204" pitchFamily="18" charset="0"/>
+                            </a:rPr>
+                            <m:t>1)</m:t>
+                          </m:r>
+                          <m:r>
+                            <a:rPr lang="en-US" sz="1200" i="1">
+                              <a:latin typeface="Cambria Math" panose="02040503050406030204" pitchFamily="18" charset="0"/>
+                            </a:rPr>
+                            <m:t>𝑁</m:t>
+                          </m:r>
+                          <m:r>
+                            <a:rPr lang="en-US" sz="1200" i="1">
+                              <a:latin typeface="Cambria Math" panose="02040503050406030204" pitchFamily="18" charset="0"/>
+                            </a:rPr>
+                            <m:t>/</m:t>
+                          </m:r>
+                          <m:sSub>
+                            <m:sSubPr>
+                              <m:ctrlPr>
+                                <a:rPr lang="en-US" sz="1200" i="1">
+                                  <a:latin typeface="Cambria Math" panose="02040503050406030204" pitchFamily="18" charset="0"/>
+                                </a:rPr>
+                              </m:ctrlPr>
+                            </m:sSubPr>
+                            <m:e>
+                              <m:r>
+                                <a:rPr lang="en-US" sz="1200" i="1">
+                                  <a:latin typeface="Cambria Math" panose="02040503050406030204" pitchFamily="18" charset="0"/>
+                                </a:rPr>
+                                <m:t>𝐿</m:t>
+                              </m:r>
+                            </m:e>
+                            <m:sub>
+                              <m:r>
+                                <a:rPr lang="en-US" sz="1200" i="1">
+                                  <a:latin typeface="Cambria Math" panose="02040503050406030204" pitchFamily="18" charset="0"/>
+                                </a:rPr>
+                                <m:t>1</m:t>
+                              </m:r>
+                            </m:sub>
+                          </m:sSub>
+                        </m:sub>
+                        <m:sup>
+                          <m:r>
+                            <a:rPr lang="en-US" sz="1200" i="1">
+                              <a:latin typeface="Cambria Math" panose="02040503050406030204" pitchFamily="18" charset="0"/>
+                            </a:rPr>
+                            <m:t>𝑁</m:t>
+                          </m:r>
+                          <m:r>
+                            <a:rPr lang="en-US" sz="1200" i="1">
+                              <a:latin typeface="Cambria Math" panose="02040503050406030204" pitchFamily="18" charset="0"/>
+                            </a:rPr>
+                            <m:t>−1</m:t>
+                          </m:r>
+                        </m:sup>
+                        <m:e>
+                          <m:sSub>
+                            <m:sSubPr>
+                              <m:ctrlPr>
+                                <a:rPr lang="en-US" sz="1200" i="1">
+                                  <a:latin typeface="Cambria Math" panose="02040503050406030204" pitchFamily="18" charset="0"/>
+                                </a:rPr>
+                              </m:ctrlPr>
+                            </m:sSubPr>
+                            <m:e>
+                              <m:r>
+                                <a:rPr lang="en-US" sz="1200" i="1">
+                                  <a:latin typeface="Cambria Math" panose="02040503050406030204" pitchFamily="18" charset="0"/>
+                                </a:rPr>
+                                <m:t>𝑟</m:t>
+                              </m:r>
+                            </m:e>
+                            <m:sub>
+                              <m:r>
+                                <a:rPr lang="en-US" sz="1200" i="1">
+                                  <a:latin typeface="Cambria Math" panose="02040503050406030204" pitchFamily="18" charset="0"/>
+                                </a:rPr>
+                                <m:t>𝑛</m:t>
+                              </m:r>
+                            </m:sub>
+                          </m:sSub>
+                          <m:sSubSup>
+                            <m:sSubSupPr>
+                              <m:ctrlPr>
+                                <a:rPr lang="en-US" sz="1200" i="1">
+                                  <a:latin typeface="Cambria Math" panose="02040503050406030204" pitchFamily="18" charset="0"/>
+                                </a:rPr>
+                              </m:ctrlPr>
+                            </m:sSubSupPr>
+                            <m:e>
+                              <m:r>
+                                <a:rPr lang="en-US" sz="1200" i="1">
+                                  <a:latin typeface="Cambria Math" panose="02040503050406030204" pitchFamily="18" charset="0"/>
+                                </a:rPr>
+                                <m:t>𝑠</m:t>
+                              </m:r>
+                            </m:e>
+                            <m:sub>
+                              <m:r>
+                                <a:rPr lang="en-US" sz="1200" i="1">
+                                  <a:latin typeface="Cambria Math" panose="02040503050406030204" pitchFamily="18" charset="0"/>
+                                </a:rPr>
+                                <m:t>𝑛</m:t>
+                              </m:r>
+                            </m:sub>
+                            <m:sup>
+                              <m:r>
+                                <a:rPr lang="en-US" sz="1200" i="1">
+                                  <a:latin typeface="Cambria Math" panose="02040503050406030204" pitchFamily="18" charset="0"/>
+                                </a:rPr>
+                                <m:t>∗</m:t>
+                              </m:r>
+                            </m:sup>
+                          </m:sSubSup>
+                        </m:e>
+                      </m:nary>
+                    </m:oMath>
+                  </m:oMathPara>
+                </a14:m>
+                <a:endParaRPr lang="en-US" sz="1200" dirty="0">
+                  <a:solidFill>
+                    <a:schemeClr val="tx1"/>
+                  </a:solidFill>
+                </a:endParaRPr>
+              </a:p>
+            </p:txBody>
+          </p:sp>
+        </mc:Choice>
+        <mc:Fallback>
+          <p:sp>
+            <p:nvSpPr>
+              <p:cNvPr id="79" name="TextBox 78">
+                <a:extLst>
+                  <a:ext uri="{FF2B5EF4-FFF2-40B4-BE49-F238E27FC236}">
+                    <a16:creationId xmlns:a16="http://schemas.microsoft.com/office/drawing/2014/main" id="{04DFD418-3505-4070-847D-1FE21249ABA7}"/>
+                  </a:ext>
+                </a:extLst>
+              </p:cNvPr>
+              <p:cNvSpPr txBox="1">
+                <a:spLocks noRot="1" noChangeAspect="1" noMove="1" noResize="1" noEditPoints="1" noAdjustHandles="1" noChangeArrowheads="1" noChangeShapeType="1" noTextEdit="1"/>
+              </p:cNvSpPr>
+              <p:nvPr/>
+            </p:nvSpPr>
+            <p:spPr>
+              <a:xfrm>
+                <a:off x="3394141" y="3954006"/>
+                <a:ext cx="1878250" cy="635495"/>
+              </a:xfrm>
+              <a:prstGeom prst="rect">
+                <a:avLst/>
+              </a:prstGeom>
+              <a:blipFill>
+                <a:blip r:embed="rId10"/>
+                <a:stretch>
+                  <a:fillRect/>
+                </a:stretch>
+              </a:blipFill>
+            </p:spPr>
+            <p:txBody>
+              <a:bodyPr/>
+              <a:lstStyle/>
+              <a:p>
+                <a:r>
+                  <a:rPr lang="en-US">
+                    <a:noFill/>
+                  </a:rPr>
+                  <a:t> </a:t>
+                </a:r>
+              </a:p>
+            </p:txBody>
+          </p:sp>
+        </mc:Fallback>
+      </mc:AlternateContent>
+      <mc:AlternateContent xmlns:mc="http://schemas.openxmlformats.org/markup-compatibility/2006">
+        <mc:Choice xmlns:a14="http://schemas.microsoft.com/office/drawing/2010/main" Requires="a14">
+          <p:sp>
+            <p:nvSpPr>
+              <p:cNvPr id="82" name="TextBox 81">
+                <a:extLst>
+                  <a:ext uri="{FF2B5EF4-FFF2-40B4-BE49-F238E27FC236}">
+                    <a16:creationId xmlns:a16="http://schemas.microsoft.com/office/drawing/2014/main" id="{6B9255A2-B306-4BC8-9227-84FEA8A5275F}"/>
+                  </a:ext>
+                </a:extLst>
+              </p:cNvPr>
+              <p:cNvSpPr txBox="1"/>
+              <p:nvPr/>
+            </p:nvSpPr>
+            <p:spPr>
+              <a:xfrm>
+                <a:off x="2400909" y="4040922"/>
+                <a:ext cx="1015130" cy="461665"/>
+              </a:xfrm>
+              <a:prstGeom prst="rect">
+                <a:avLst/>
+              </a:prstGeom>
+              <a:noFill/>
+            </p:spPr>
+            <p:txBody>
+              <a:bodyPr wrap="square">
+                <a:spAutoFit/>
+              </a:bodyPr>
+              <a:lstStyle/>
+              <a:p>
+                <a:pPr algn="ctr"/>
+                <a:r>
+                  <a:rPr lang="en-US" altLang="zh-CN" sz="1200" dirty="0">
+                    <a:solidFill>
+                      <a:schemeClr val="tx1"/>
+                    </a:solidFill>
+                  </a:rPr>
+                  <a:t>Shift register of size </a:t>
+                </a:r>
+                <a14:m>
+                  <m:oMath xmlns:m="http://schemas.openxmlformats.org/officeDocument/2006/math">
+                    <m:r>
+                      <a:rPr lang="en-US" sz="1200" b="0" i="1" smtClean="0">
+                        <a:solidFill>
+                          <a:schemeClr val="tx1"/>
+                        </a:solidFill>
+                        <a:latin typeface="Cambria Math" panose="02040503050406030204" pitchFamily="18" charset="0"/>
+                      </a:rPr>
+                      <m:t>𝑁</m:t>
+                    </m:r>
+                    <m:r>
+                      <a:rPr lang="en-US" sz="1200" b="0" i="1" smtClean="0">
+                        <a:solidFill>
+                          <a:schemeClr val="tx1"/>
+                        </a:solidFill>
+                        <a:latin typeface="Cambria Math" panose="02040503050406030204" pitchFamily="18" charset="0"/>
+                      </a:rPr>
+                      <m:t>/</m:t>
+                    </m:r>
+                    <m:sSub>
+                      <m:sSubPr>
+                        <m:ctrlPr>
+                          <a:rPr lang="en-US" sz="1200" b="0" i="1" smtClean="0">
+                            <a:solidFill>
+                              <a:schemeClr val="tx1"/>
+                            </a:solidFill>
+                            <a:latin typeface="Cambria Math" panose="02040503050406030204" pitchFamily="18" charset="0"/>
+                          </a:rPr>
+                        </m:ctrlPr>
+                      </m:sSubPr>
+                      <m:e>
+                        <m:r>
+                          <a:rPr lang="en-US" sz="1200" b="0" i="1" smtClean="0">
+                            <a:solidFill>
+                              <a:schemeClr val="tx1"/>
+                            </a:solidFill>
+                            <a:latin typeface="Cambria Math" panose="02040503050406030204" pitchFamily="18" charset="0"/>
+                          </a:rPr>
+                          <m:t>𝐿</m:t>
+                        </m:r>
+                      </m:e>
+                      <m:sub>
+                        <m:r>
+                          <a:rPr lang="en-US" sz="1200" b="0" i="1" smtClean="0">
+                            <a:solidFill>
+                              <a:schemeClr val="tx1"/>
+                            </a:solidFill>
+                            <a:latin typeface="Cambria Math" panose="02040503050406030204" pitchFamily="18" charset="0"/>
+                          </a:rPr>
+                          <m:t>1</m:t>
+                        </m:r>
+                      </m:sub>
+                    </m:sSub>
+                  </m:oMath>
+                </a14:m>
+                <a:endParaRPr lang="en-US" sz="1200" dirty="0">
+                  <a:solidFill>
+                    <a:schemeClr val="tx1"/>
+                  </a:solidFill>
+                </a:endParaRPr>
+              </a:p>
+            </p:txBody>
+          </p:sp>
+        </mc:Choice>
+        <mc:Fallback>
+          <p:sp>
+            <p:nvSpPr>
+              <p:cNvPr id="82" name="TextBox 81">
+                <a:extLst>
+                  <a:ext uri="{FF2B5EF4-FFF2-40B4-BE49-F238E27FC236}">
+                    <a16:creationId xmlns:a16="http://schemas.microsoft.com/office/drawing/2014/main" id="{6B9255A2-B306-4BC8-9227-84FEA8A5275F}"/>
+                  </a:ext>
+                </a:extLst>
+              </p:cNvPr>
+              <p:cNvSpPr txBox="1">
+                <a:spLocks noRot="1" noChangeAspect="1" noMove="1" noResize="1" noEditPoints="1" noAdjustHandles="1" noChangeArrowheads="1" noChangeShapeType="1" noTextEdit="1"/>
+              </p:cNvSpPr>
+              <p:nvPr/>
+            </p:nvSpPr>
+            <p:spPr>
+              <a:xfrm>
+                <a:off x="2400909" y="4040922"/>
+                <a:ext cx="1015130" cy="461665"/>
+              </a:xfrm>
+              <a:prstGeom prst="rect">
+                <a:avLst/>
+              </a:prstGeom>
+              <a:blipFill>
+                <a:blip r:embed="rId9"/>
+                <a:stretch>
+                  <a:fillRect t="-1316" r="-1205" b="-9211"/>
+                </a:stretch>
+              </a:blipFill>
+            </p:spPr>
+            <p:txBody>
+              <a:bodyPr/>
+              <a:lstStyle/>
+              <a:p>
+                <a:r>
+                  <a:rPr lang="en-US">
+                    <a:noFill/>
+                  </a:rPr>
+                  <a:t> </a:t>
+                </a:r>
+              </a:p>
+            </p:txBody>
+          </p:sp>
+        </mc:Fallback>
+      </mc:AlternateContent>
+      <mc:AlternateContent xmlns:mc="http://schemas.openxmlformats.org/markup-compatibility/2006">
+        <mc:Choice xmlns:a14="http://schemas.microsoft.com/office/drawing/2010/main" Requires="a14">
+          <p:sp>
+            <p:nvSpPr>
+              <p:cNvPr id="103" name="TextBox 102">
+                <a:extLst>
+                  <a:ext uri="{FF2B5EF4-FFF2-40B4-BE49-F238E27FC236}">
+                    <a16:creationId xmlns:a16="http://schemas.microsoft.com/office/drawing/2014/main" id="{A0092C9C-022E-43A9-9E78-406B0C75099A}"/>
+                  </a:ext>
+                </a:extLst>
+              </p:cNvPr>
+              <p:cNvSpPr txBox="1"/>
+              <p:nvPr/>
+            </p:nvSpPr>
+            <p:spPr>
+              <a:xfrm>
+                <a:off x="5637884" y="249838"/>
+                <a:ext cx="2101107" cy="661912"/>
+              </a:xfrm>
+              <a:prstGeom prst="rect">
+                <a:avLst/>
+              </a:prstGeom>
+              <a:noFill/>
+            </p:spPr>
+            <p:txBody>
+              <a:bodyPr wrap="square">
+                <a:spAutoFit/>
+              </a:bodyPr>
+              <a:lstStyle/>
+              <a:p>
+                <a:pPr algn="ctr"/>
+                <a:r>
+                  <a:rPr lang="en-US" sz="1800" dirty="0">
+                    <a:solidFill>
+                      <a:schemeClr val="tx1"/>
+                    </a:solidFill>
+                  </a:rPr>
+                  <a:t>The SD estimator for frequency </a:t>
+                </a:r>
+                <a14:m>
+                  <m:oMath xmlns:m="http://schemas.openxmlformats.org/officeDocument/2006/math">
+                    <m:r>
+                      <a:rPr lang="en-US" sz="1800" smtClean="0">
+                        <a:solidFill>
+                          <a:schemeClr val="tx1"/>
+                        </a:solidFill>
+                        <a:latin typeface="Cambria Math" panose="02040503050406030204" pitchFamily="18" charset="0"/>
+                      </a:rPr>
+                      <m:t>(</m:t>
+                    </m:r>
+                    <m:sSub>
+                      <m:sSubPr>
+                        <m:ctrlPr>
+                          <a:rPr lang="en-US" sz="1800" b="0" i="1" smtClean="0">
+                            <a:solidFill>
+                              <a:schemeClr val="tx1"/>
+                            </a:solidFill>
+                            <a:latin typeface="Cambria Math" panose="02040503050406030204" pitchFamily="18" charset="0"/>
+                            <a:ea typeface="Cambria Math" panose="02040503050406030204" pitchFamily="18" charset="0"/>
+                          </a:rPr>
+                        </m:ctrlPr>
+                      </m:sSubPr>
+                      <m:e>
+                        <m:acc>
+                          <m:accPr>
+                            <m:chr m:val="̂"/>
+                            <m:ctrlPr>
+                              <a:rPr lang="en-US" sz="1800" i="1">
+                                <a:solidFill>
+                                  <a:schemeClr val="tx1"/>
+                                </a:solidFill>
+                                <a:latin typeface="Cambria Math" panose="02040503050406030204" pitchFamily="18" charset="0"/>
+                              </a:rPr>
+                            </m:ctrlPr>
+                          </m:accPr>
+                          <m:e>
+                            <m:r>
+                              <a:rPr lang="en-US" sz="1800" i="1">
+                                <a:solidFill>
+                                  <a:schemeClr val="tx1"/>
+                                </a:solidFill>
+                                <a:latin typeface="Cambria Math" panose="02040503050406030204" pitchFamily="18" charset="0"/>
+                                <a:ea typeface="Cambria Math" panose="02040503050406030204" pitchFamily="18" charset="0"/>
+                              </a:rPr>
+                              <m:t>𝛿</m:t>
+                            </m:r>
+                          </m:e>
+                        </m:acc>
+                      </m:e>
+                      <m:sub>
+                        <m:r>
+                          <a:rPr lang="en-US" sz="1800" b="0" i="1" smtClean="0">
+                            <a:solidFill>
+                              <a:schemeClr val="tx1"/>
+                            </a:solidFill>
+                            <a:latin typeface="Cambria Math" panose="02040503050406030204" pitchFamily="18" charset="0"/>
+                            <a:ea typeface="Cambria Math" panose="02040503050406030204" pitchFamily="18" charset="0"/>
+                          </a:rPr>
+                          <m:t>𝑆𝐷</m:t>
+                        </m:r>
+                      </m:sub>
+                    </m:sSub>
+                    <m:r>
+                      <a:rPr lang="en-US" sz="1800" i="1">
+                        <a:solidFill>
+                          <a:schemeClr val="tx1"/>
+                        </a:solidFill>
+                        <a:latin typeface="Cambria Math" panose="02040503050406030204" pitchFamily="18" charset="0"/>
+                      </a:rPr>
+                      <m:t>)</m:t>
+                    </m:r>
+                  </m:oMath>
+                </a14:m>
+                <a:endParaRPr lang="en-US" sz="1800" dirty="0">
+                  <a:solidFill>
+                    <a:schemeClr val="tx1"/>
+                  </a:solidFill>
+                </a:endParaRPr>
+              </a:p>
+            </p:txBody>
+          </p:sp>
+        </mc:Choice>
+        <mc:Fallback>
+          <p:sp>
+            <p:nvSpPr>
+              <p:cNvPr id="103" name="TextBox 102">
+                <a:extLst>
+                  <a:ext uri="{FF2B5EF4-FFF2-40B4-BE49-F238E27FC236}">
+                    <a16:creationId xmlns:a16="http://schemas.microsoft.com/office/drawing/2014/main" id="{A0092C9C-022E-43A9-9E78-406B0C75099A}"/>
+                  </a:ext>
+                </a:extLst>
+              </p:cNvPr>
+              <p:cNvSpPr txBox="1">
+                <a:spLocks noRot="1" noChangeAspect="1" noMove="1" noResize="1" noEditPoints="1" noAdjustHandles="1" noChangeArrowheads="1" noChangeShapeType="1" noTextEdit="1"/>
+              </p:cNvSpPr>
+              <p:nvPr/>
+            </p:nvSpPr>
+            <p:spPr>
+              <a:xfrm>
+                <a:off x="5637884" y="249838"/>
+                <a:ext cx="2101107" cy="661912"/>
+              </a:xfrm>
+              <a:prstGeom prst="rect">
+                <a:avLst/>
+              </a:prstGeom>
+              <a:blipFill>
+                <a:blip r:embed="rId11"/>
+                <a:stretch>
+                  <a:fillRect l="-2319" t="-5505" r="-4638" b="-13761"/>
+                </a:stretch>
+              </a:blipFill>
+            </p:spPr>
+            <p:txBody>
+              <a:bodyPr/>
+              <a:lstStyle/>
+              <a:p>
+                <a:r>
+                  <a:rPr lang="en-US">
+                    <a:noFill/>
+                  </a:rPr>
+                  <a:t> </a:t>
+                </a:r>
+              </a:p>
+            </p:txBody>
+          </p:sp>
+        </mc:Fallback>
+      </mc:AlternateContent>
+    </p:spTree>
+    <p:extLst>
+      <p:ext uri="{BB962C8B-B14F-4D97-AF65-F5344CB8AC3E}">
+        <p14:creationId xmlns:p14="http://schemas.microsoft.com/office/powerpoint/2010/main" val="1430498203"/>
       </p:ext>
     </p:extLst>
   </p:cSld>

--- a/main_matlab_figures/New Microsoft PowerPoint Presentation (2).pptx
+++ b/main_matlab_figures/New Microsoft PowerPoint Presentation (2).pptx
@@ -8,6 +8,7 @@
     <p:sldId id="258" r:id="rId2"/>
     <p:sldId id="259" r:id="rId3"/>
     <p:sldId id="260" r:id="rId4"/>
+    <p:sldId id="261" r:id="rId5"/>
   </p:sldIdLst>
   <p:sldSz cx="12192000" cy="6858000"/>
   <p:notesSz cx="6858000" cy="9144000"/>
@@ -261,7 +262,7 @@
           <a:p>
             <a:fld id="{8784D0BC-BF7D-4947-B22E-77C205CE6F9F}" type="datetimeFigureOut">
               <a:rPr lang="en-US" smtClean="0"/>
-              <a:t>2/1/2022</a:t>
+              <a:t>3/19/2022</a:t>
             </a:fld>
             <a:endParaRPr lang="en-US"/>
           </a:p>
@@ -459,7 +460,7 @@
           <a:p>
             <a:fld id="{8784D0BC-BF7D-4947-B22E-77C205CE6F9F}" type="datetimeFigureOut">
               <a:rPr lang="en-US" smtClean="0"/>
-              <a:t>2/1/2022</a:t>
+              <a:t>3/19/2022</a:t>
             </a:fld>
             <a:endParaRPr lang="en-US"/>
           </a:p>
@@ -667,7 +668,7 @@
           <a:p>
             <a:fld id="{8784D0BC-BF7D-4947-B22E-77C205CE6F9F}" type="datetimeFigureOut">
               <a:rPr lang="en-US" smtClean="0"/>
-              <a:t>2/1/2022</a:t>
+              <a:t>3/19/2022</a:t>
             </a:fld>
             <a:endParaRPr lang="en-US"/>
           </a:p>
@@ -865,7 +866,7 @@
           <a:p>
             <a:fld id="{8784D0BC-BF7D-4947-B22E-77C205CE6F9F}" type="datetimeFigureOut">
               <a:rPr lang="en-US" smtClean="0"/>
-              <a:t>2/1/2022</a:t>
+              <a:t>3/19/2022</a:t>
             </a:fld>
             <a:endParaRPr lang="en-US"/>
           </a:p>
@@ -1140,7 +1141,7 @@
           <a:p>
             <a:fld id="{8784D0BC-BF7D-4947-B22E-77C205CE6F9F}" type="datetimeFigureOut">
               <a:rPr lang="en-US" smtClean="0"/>
-              <a:t>2/1/2022</a:t>
+              <a:t>3/19/2022</a:t>
             </a:fld>
             <a:endParaRPr lang="en-US"/>
           </a:p>
@@ -1405,7 +1406,7 @@
           <a:p>
             <a:fld id="{8784D0BC-BF7D-4947-B22E-77C205CE6F9F}" type="datetimeFigureOut">
               <a:rPr lang="en-US" smtClean="0"/>
-              <a:t>2/1/2022</a:t>
+              <a:t>3/19/2022</a:t>
             </a:fld>
             <a:endParaRPr lang="en-US"/>
           </a:p>
@@ -1817,7 +1818,7 @@
           <a:p>
             <a:fld id="{8784D0BC-BF7D-4947-B22E-77C205CE6F9F}" type="datetimeFigureOut">
               <a:rPr lang="en-US" smtClean="0"/>
-              <a:t>2/1/2022</a:t>
+              <a:t>3/19/2022</a:t>
             </a:fld>
             <a:endParaRPr lang="en-US"/>
           </a:p>
@@ -1958,7 +1959,7 @@
           <a:p>
             <a:fld id="{8784D0BC-BF7D-4947-B22E-77C205CE6F9F}" type="datetimeFigureOut">
               <a:rPr lang="en-US" smtClean="0"/>
-              <a:t>2/1/2022</a:t>
+              <a:t>3/19/2022</a:t>
             </a:fld>
             <a:endParaRPr lang="en-US"/>
           </a:p>
@@ -2071,7 +2072,7 @@
           <a:p>
             <a:fld id="{8784D0BC-BF7D-4947-B22E-77C205CE6F9F}" type="datetimeFigureOut">
               <a:rPr lang="en-US" smtClean="0"/>
-              <a:t>2/1/2022</a:t>
+              <a:t>3/19/2022</a:t>
             </a:fld>
             <a:endParaRPr lang="en-US"/>
           </a:p>
@@ -2382,7 +2383,7 @@
           <a:p>
             <a:fld id="{8784D0BC-BF7D-4947-B22E-77C205CE6F9F}" type="datetimeFigureOut">
               <a:rPr lang="en-US" smtClean="0"/>
-              <a:t>2/1/2022</a:t>
+              <a:t>3/19/2022</a:t>
             </a:fld>
             <a:endParaRPr lang="en-US"/>
           </a:p>
@@ -2670,7 +2671,7 @@
           <a:p>
             <a:fld id="{8784D0BC-BF7D-4947-B22E-77C205CE6F9F}" type="datetimeFigureOut">
               <a:rPr lang="en-US" smtClean="0"/>
-              <a:t>2/1/2022</a:t>
+              <a:t>3/19/2022</a:t>
             </a:fld>
             <a:endParaRPr lang="en-US"/>
           </a:p>
@@ -2911,7 +2912,7 @@
           <a:p>
             <a:fld id="{8784D0BC-BF7D-4947-B22E-77C205CE6F9F}" type="datetimeFigureOut">
               <a:rPr lang="en-US" smtClean="0"/>
-              <a:t>2/1/2022</a:t>
+              <a:t>3/19/2022</a:t>
             </a:fld>
             <a:endParaRPr lang="en-US"/>
           </a:p>
@@ -11679,8 +11680,8 @@
           </a:p>
         </p:txBody>
       </p:sp>
-      <mc:AlternateContent xmlns:mc="http://schemas.openxmlformats.org/markup-compatibility/2006">
-        <mc:Choice xmlns:a14="http://schemas.microsoft.com/office/drawing/2010/main" Requires="a14">
+      <mc:AlternateContent xmlns:mc="http://schemas.openxmlformats.org/markup-compatibility/2006" xmlns:a14="http://schemas.microsoft.com/office/drawing/2010/main">
+        <mc:Choice Requires="a14">
           <p:sp>
             <p:nvSpPr>
               <p:cNvPr id="48" name="TextBox 47">
@@ -11825,7 +11826,7 @@
             </p:txBody>
           </p:sp>
         </mc:Choice>
-        <mc:Fallback>
+        <mc:Fallback xmlns="">
           <p:sp>
             <p:nvSpPr>
               <p:cNvPr id="48" name="TextBox 47">
@@ -11910,8 +11911,8 @@
           </a:p>
         </p:txBody>
       </p:sp>
-      <mc:AlternateContent xmlns:mc="http://schemas.openxmlformats.org/markup-compatibility/2006">
-        <mc:Choice xmlns:a14="http://schemas.microsoft.com/office/drawing/2010/main" Requires="a14">
+      <mc:AlternateContent xmlns:mc="http://schemas.openxmlformats.org/markup-compatibility/2006" xmlns:a14="http://schemas.microsoft.com/office/drawing/2010/main">
+        <mc:Choice Requires="a14">
           <p:sp>
             <p:nvSpPr>
               <p:cNvPr id="52" name="TextBox 51">
@@ -12230,7 +12231,7 @@
             </p:txBody>
           </p:sp>
         </mc:Choice>
-        <mc:Fallback>
+        <mc:Fallback xmlns="">
           <p:sp>
             <p:nvSpPr>
               <p:cNvPr id="52" name="TextBox 51">
@@ -12315,8 +12316,8 @@
           </a:p>
         </p:txBody>
       </p:sp>
-      <mc:AlternateContent xmlns:mc="http://schemas.openxmlformats.org/markup-compatibility/2006">
-        <mc:Choice xmlns:a14="http://schemas.microsoft.com/office/drawing/2010/main" Requires="a14">
+      <mc:AlternateContent xmlns:mc="http://schemas.openxmlformats.org/markup-compatibility/2006" xmlns:a14="http://schemas.microsoft.com/office/drawing/2010/main">
+        <mc:Choice Requires="a14">
           <p:sp>
             <p:nvSpPr>
               <p:cNvPr id="59" name="TextBox 58">
@@ -12599,7 +12600,7 @@
             </p:txBody>
           </p:sp>
         </mc:Choice>
-        <mc:Fallback>
+        <mc:Fallback xmlns="">
           <p:sp>
             <p:nvSpPr>
               <p:cNvPr id="59" name="TextBox 58">
@@ -13334,8 +13335,8 @@
           </a:p>
         </p:txBody>
       </p:sp>
-      <mc:AlternateContent xmlns:mc="http://schemas.openxmlformats.org/markup-compatibility/2006">
-        <mc:Choice xmlns:a14="http://schemas.microsoft.com/office/drawing/2010/main" Requires="a14">
+      <mc:AlternateContent xmlns:mc="http://schemas.openxmlformats.org/markup-compatibility/2006" xmlns:a14="http://schemas.microsoft.com/office/drawing/2010/main">
+        <mc:Choice Requires="a14">
           <p:sp>
             <p:nvSpPr>
               <p:cNvPr id="12" name="Rectangle: Rounded Corners 11">
@@ -13853,7 +13854,7 @@
             </p:txBody>
           </p:sp>
         </mc:Choice>
-        <mc:Fallback>
+        <mc:Fallback xmlns="">
           <p:sp>
             <p:nvSpPr>
               <p:cNvPr id="12" name="Rectangle: Rounded Corners 11">
@@ -13903,8 +13904,8 @@
           </p:sp>
         </mc:Fallback>
       </mc:AlternateContent>
-      <mc:AlternateContent xmlns:mc="http://schemas.openxmlformats.org/markup-compatibility/2006">
-        <mc:Choice xmlns:a14="http://schemas.microsoft.com/office/drawing/2010/main" Requires="a14">
+      <mc:AlternateContent xmlns:mc="http://schemas.openxmlformats.org/markup-compatibility/2006" xmlns:a14="http://schemas.microsoft.com/office/drawing/2010/main">
+        <mc:Choice Requires="a14">
           <p:sp>
             <p:nvSpPr>
               <p:cNvPr id="13" name="Rectangle: Rounded Corners 12">
@@ -14569,7 +14570,7 @@
             </p:txBody>
           </p:sp>
         </mc:Choice>
-        <mc:Fallback>
+        <mc:Fallback xmlns="">
           <p:sp>
             <p:nvSpPr>
               <p:cNvPr id="13" name="Rectangle: Rounded Corners 12">
@@ -15877,8 +15878,8 @@
           </a:p>
         </p:txBody>
       </p:sp>
-      <mc:AlternateContent xmlns:mc="http://schemas.openxmlformats.org/markup-compatibility/2006">
-        <mc:Choice xmlns:a14="http://schemas.microsoft.com/office/drawing/2010/main" Requires="a14">
+      <mc:AlternateContent xmlns:mc="http://schemas.openxmlformats.org/markup-compatibility/2006" xmlns:a14="http://schemas.microsoft.com/office/drawing/2010/main">
+        <mc:Choice Requires="a14">
           <p:sp>
             <p:nvSpPr>
               <p:cNvPr id="56" name="TextBox 55">
@@ -16197,7 +16198,7 @@
             </p:txBody>
           </p:sp>
         </mc:Choice>
-        <mc:Fallback>
+        <mc:Fallback xmlns="">
           <p:sp>
             <p:nvSpPr>
               <p:cNvPr id="56" name="TextBox 55">
@@ -16242,8 +16243,8 @@
           </p:sp>
         </mc:Fallback>
       </mc:AlternateContent>
-      <mc:AlternateContent xmlns:mc="http://schemas.openxmlformats.org/markup-compatibility/2006">
-        <mc:Choice xmlns:a14="http://schemas.microsoft.com/office/drawing/2010/main" Requires="a14">
+      <mc:AlternateContent xmlns:mc="http://schemas.openxmlformats.org/markup-compatibility/2006" xmlns:a14="http://schemas.microsoft.com/office/drawing/2010/main">
+        <mc:Choice Requires="a14">
           <p:sp>
             <p:nvSpPr>
               <p:cNvPr id="60" name="TextBox 59">
@@ -16346,7 +16347,7 @@
             </p:txBody>
           </p:sp>
         </mc:Choice>
-        <mc:Fallback>
+        <mc:Fallback xmlns="">
           <p:sp>
             <p:nvSpPr>
               <p:cNvPr id="60" name="TextBox 59">
@@ -16391,8 +16392,8 @@
           </p:sp>
         </mc:Fallback>
       </mc:AlternateContent>
-      <mc:AlternateContent xmlns:mc="http://schemas.openxmlformats.org/markup-compatibility/2006">
-        <mc:Choice xmlns:a14="http://schemas.microsoft.com/office/drawing/2010/main" Requires="a14">
+      <mc:AlternateContent xmlns:mc="http://schemas.openxmlformats.org/markup-compatibility/2006" xmlns:a14="http://schemas.microsoft.com/office/drawing/2010/main">
+        <mc:Choice Requires="a14">
           <p:sp>
             <p:nvSpPr>
               <p:cNvPr id="64" name="TextBox 63">
@@ -16606,7 +16607,7 @@
             </p:txBody>
           </p:sp>
         </mc:Choice>
-        <mc:Fallback>
+        <mc:Fallback xmlns="">
           <p:sp>
             <p:nvSpPr>
               <p:cNvPr id="64" name="TextBox 63">
@@ -16651,8 +16652,8 @@
           </p:sp>
         </mc:Fallback>
       </mc:AlternateContent>
-      <mc:AlternateContent xmlns:mc="http://schemas.openxmlformats.org/markup-compatibility/2006">
-        <mc:Choice xmlns:a14="http://schemas.microsoft.com/office/drawing/2010/main" Requires="a14">
+      <mc:AlternateContent xmlns:mc="http://schemas.openxmlformats.org/markup-compatibility/2006" xmlns:a14="http://schemas.microsoft.com/office/drawing/2010/main">
+        <mc:Choice Requires="a14">
           <p:sp>
             <p:nvSpPr>
               <p:cNvPr id="69" name="TextBox 68">
@@ -16755,7 +16756,7 @@
             </p:txBody>
           </p:sp>
         </mc:Choice>
-        <mc:Fallback>
+        <mc:Fallback xmlns="">
           <p:sp>
             <p:nvSpPr>
               <p:cNvPr id="69" name="TextBox 68">
@@ -16800,8 +16801,8 @@
           </p:sp>
         </mc:Fallback>
       </mc:AlternateContent>
-      <mc:AlternateContent xmlns:mc="http://schemas.openxmlformats.org/markup-compatibility/2006">
-        <mc:Choice xmlns:a14="http://schemas.microsoft.com/office/drawing/2010/main" Requires="a14">
+      <mc:AlternateContent xmlns:mc="http://schemas.openxmlformats.org/markup-compatibility/2006" xmlns:a14="http://schemas.microsoft.com/office/drawing/2010/main">
+        <mc:Choice Requires="a14">
           <p:sp>
             <p:nvSpPr>
               <p:cNvPr id="70" name="TextBox 69">
@@ -17058,7 +17059,7 @@
             </p:txBody>
           </p:sp>
         </mc:Choice>
-        <mc:Fallback>
+        <mc:Fallback xmlns="">
           <p:sp>
             <p:nvSpPr>
               <p:cNvPr id="70" name="TextBox 69">
@@ -17103,8 +17104,8 @@
           </p:sp>
         </mc:Fallback>
       </mc:AlternateContent>
-      <mc:AlternateContent xmlns:mc="http://schemas.openxmlformats.org/markup-compatibility/2006">
-        <mc:Choice xmlns:a14="http://schemas.microsoft.com/office/drawing/2010/main" Requires="a14">
+      <mc:AlternateContent xmlns:mc="http://schemas.openxmlformats.org/markup-compatibility/2006" xmlns:a14="http://schemas.microsoft.com/office/drawing/2010/main">
+        <mc:Choice Requires="a14">
           <p:sp>
             <p:nvSpPr>
               <p:cNvPr id="74" name="TextBox 73">
@@ -17463,7 +17464,7 @@
             </p:txBody>
           </p:sp>
         </mc:Choice>
-        <mc:Fallback>
+        <mc:Fallback xmlns="">
           <p:sp>
             <p:nvSpPr>
               <p:cNvPr id="74" name="TextBox 73">
@@ -17508,8 +17509,8 @@
           </p:sp>
         </mc:Fallback>
       </mc:AlternateContent>
-      <mc:AlternateContent xmlns:mc="http://schemas.openxmlformats.org/markup-compatibility/2006">
-        <mc:Choice xmlns:a14="http://schemas.microsoft.com/office/drawing/2010/main" Requires="a14">
+      <mc:AlternateContent xmlns:mc="http://schemas.openxmlformats.org/markup-compatibility/2006" xmlns:a14="http://schemas.microsoft.com/office/drawing/2010/main">
+        <mc:Choice Requires="a14">
           <p:sp>
             <p:nvSpPr>
               <p:cNvPr id="76" name="TextBox 75">
@@ -17612,7 +17613,7 @@
             </p:txBody>
           </p:sp>
         </mc:Choice>
-        <mc:Fallback>
+        <mc:Fallback xmlns="">
           <p:sp>
             <p:nvSpPr>
               <p:cNvPr id="76" name="TextBox 75">
@@ -17657,8 +17658,8 @@
           </p:sp>
         </mc:Fallback>
       </mc:AlternateContent>
-      <mc:AlternateContent xmlns:mc="http://schemas.openxmlformats.org/markup-compatibility/2006">
-        <mc:Choice xmlns:a14="http://schemas.microsoft.com/office/drawing/2010/main" Requires="a14">
+      <mc:AlternateContent xmlns:mc="http://schemas.openxmlformats.org/markup-compatibility/2006" xmlns:a14="http://schemas.microsoft.com/office/drawing/2010/main">
+        <mc:Choice Requires="a14">
           <p:sp>
             <p:nvSpPr>
               <p:cNvPr id="79" name="TextBox 78">
@@ -17949,7 +17950,7 @@
             </p:txBody>
           </p:sp>
         </mc:Choice>
-        <mc:Fallback>
+        <mc:Fallback xmlns="">
           <p:sp>
             <p:nvSpPr>
               <p:cNvPr id="79" name="TextBox 78">
@@ -17994,8 +17995,8 @@
           </p:sp>
         </mc:Fallback>
       </mc:AlternateContent>
-      <mc:AlternateContent xmlns:mc="http://schemas.openxmlformats.org/markup-compatibility/2006">
-        <mc:Choice xmlns:a14="http://schemas.microsoft.com/office/drawing/2010/main" Requires="a14">
+      <mc:AlternateContent xmlns:mc="http://schemas.openxmlformats.org/markup-compatibility/2006" xmlns:a14="http://schemas.microsoft.com/office/drawing/2010/main">
+        <mc:Choice Requires="a14">
           <p:sp>
             <p:nvSpPr>
               <p:cNvPr id="82" name="TextBox 81">
@@ -18098,7 +18099,7 @@
             </p:txBody>
           </p:sp>
         </mc:Choice>
-        <mc:Fallback>
+        <mc:Fallback xmlns="">
           <p:sp>
             <p:nvSpPr>
               <p:cNvPr id="82" name="TextBox 81">
@@ -18143,8 +18144,8 @@
           </p:sp>
         </mc:Fallback>
       </mc:AlternateContent>
-      <mc:AlternateContent xmlns:mc="http://schemas.openxmlformats.org/markup-compatibility/2006">
-        <mc:Choice xmlns:a14="http://schemas.microsoft.com/office/drawing/2010/main" Requires="a14">
+      <mc:AlternateContent xmlns:mc="http://schemas.openxmlformats.org/markup-compatibility/2006" xmlns:a14="http://schemas.microsoft.com/office/drawing/2010/main">
+        <mc:Choice Requires="a14">
           <p:sp>
             <p:nvSpPr>
               <p:cNvPr id="103" name="TextBox 102">
@@ -18265,7 +18266,7 @@
             </p:txBody>
           </p:sp>
         </mc:Choice>
-        <mc:Fallback>
+        <mc:Fallback xmlns="">
           <p:sp>
             <p:nvSpPr>
               <p:cNvPr id="103" name="TextBox 102">
@@ -18314,6 +18315,2539 @@
     <p:extLst>
       <p:ext uri="{BB962C8B-B14F-4D97-AF65-F5344CB8AC3E}">
         <p14:creationId xmlns:p14="http://schemas.microsoft.com/office/powerpoint/2010/main" val="1430498203"/>
+      </p:ext>
+    </p:extLst>
+  </p:cSld>
+  <p:clrMapOvr>
+    <a:masterClrMapping/>
+  </p:clrMapOvr>
+</p:sld>
+</file>
+
+<file path=ppt/slides/slide4.xml><?xml version="1.0" encoding="utf-8"?>
+<p:sld xmlns:a="http://schemas.openxmlformats.org/drawingml/2006/main" xmlns:r="http://schemas.openxmlformats.org/officeDocument/2006/relationships" xmlns:p="http://schemas.openxmlformats.org/presentationml/2006/main">
+  <p:cSld>
+    <p:spTree>
+      <p:nvGrpSpPr>
+        <p:cNvPr id="1" name=""/>
+        <p:cNvGrpSpPr/>
+        <p:nvPr/>
+      </p:nvGrpSpPr>
+      <p:grpSpPr>
+        <a:xfrm>
+          <a:off x="0" y="0"/>
+          <a:ext cx="0" cy="0"/>
+          <a:chOff x="0" y="0"/>
+          <a:chExt cx="0" cy="0"/>
+        </a:xfrm>
+      </p:grpSpPr>
+      <p:grpSp>
+        <p:nvGrpSpPr>
+          <p:cNvPr id="29" name="Group 28">
+            <a:extLst>
+              <a:ext uri="{FF2B5EF4-FFF2-40B4-BE49-F238E27FC236}">
+                <a16:creationId xmlns:a16="http://schemas.microsoft.com/office/drawing/2014/main" id="{384DADAA-2D92-41BC-9511-6B0AE13664DF}"/>
+              </a:ext>
+            </a:extLst>
+          </p:cNvPr>
+          <p:cNvGrpSpPr/>
+          <p:nvPr/>
+        </p:nvGrpSpPr>
+        <p:grpSpPr>
+          <a:xfrm>
+            <a:off x="2489556" y="454875"/>
+            <a:ext cx="1695064" cy="770550"/>
+            <a:chOff x="2473813" y="497808"/>
+            <a:chExt cx="1695064" cy="770550"/>
+          </a:xfrm>
+        </p:grpSpPr>
+        <p:sp>
+          <p:nvSpPr>
+            <p:cNvPr id="2" name="TextBox 1">
+              <a:extLst>
+                <a:ext uri="{FF2B5EF4-FFF2-40B4-BE49-F238E27FC236}">
+                  <a16:creationId xmlns:a16="http://schemas.microsoft.com/office/drawing/2014/main" id="{D46D524F-1B06-4809-9108-F2F0B2DCA10D}"/>
+                </a:ext>
+              </a:extLst>
+            </p:cNvPr>
+            <p:cNvSpPr txBox="1"/>
+            <p:nvPr/>
+          </p:nvSpPr>
+          <p:spPr>
+            <a:xfrm>
+              <a:off x="2473813" y="497808"/>
+              <a:ext cx="1695064" cy="276999"/>
+            </a:xfrm>
+            <a:prstGeom prst="rect">
+              <a:avLst/>
+            </a:prstGeom>
+            <a:noFill/>
+          </p:spPr>
+          <p:txBody>
+            <a:bodyPr wrap="square">
+              <a:spAutoFit/>
+            </a:bodyPr>
+            <a:lstStyle/>
+            <a:p>
+              <a:pPr algn="ctr"/>
+              <a:r>
+                <a:rPr lang="en-US" altLang="zh-CN" sz="1200" dirty="0">
+                  <a:solidFill>
+                    <a:schemeClr val="tx1"/>
+                  </a:solidFill>
+                </a:rPr>
+                <a:t>received data stream </a:t>
+              </a:r>
+              <a:r>
+                <a:rPr lang="en-US" altLang="zh-CN" sz="1200" b="1" i="1" dirty="0">
+                  <a:solidFill>
+                    <a:schemeClr val="tx1"/>
+                  </a:solidFill>
+                </a:rPr>
+                <a:t>r</a:t>
+              </a:r>
+              <a:endParaRPr lang="en-US" sz="1200" b="1" i="1" dirty="0">
+                <a:solidFill>
+                  <a:schemeClr val="tx1"/>
+                </a:solidFill>
+              </a:endParaRPr>
+            </a:p>
+          </p:txBody>
+        </p:sp>
+        <p:sp>
+          <p:nvSpPr>
+            <p:cNvPr id="3" name="Rectangle 2">
+              <a:extLst>
+                <a:ext uri="{FF2B5EF4-FFF2-40B4-BE49-F238E27FC236}">
+                  <a16:creationId xmlns:a16="http://schemas.microsoft.com/office/drawing/2014/main" id="{21A88495-6D11-471C-AD2B-CA082576932A}"/>
+                </a:ext>
+              </a:extLst>
+            </p:cNvPr>
+            <p:cNvSpPr/>
+            <p:nvPr/>
+          </p:nvSpPr>
+          <p:spPr>
+            <a:xfrm>
+              <a:off x="2986067" y="920498"/>
+              <a:ext cx="686300" cy="347860"/>
+            </a:xfrm>
+            <a:prstGeom prst="rect">
+              <a:avLst/>
+            </a:prstGeom>
+            <a:noFill/>
+            <a:ln w="19050">
+              <a:solidFill>
+                <a:schemeClr val="tx1"/>
+              </a:solidFill>
+            </a:ln>
+          </p:spPr>
+          <p:style>
+            <a:lnRef idx="2">
+              <a:schemeClr val="accent1">
+                <a:shade val="50000"/>
+              </a:schemeClr>
+            </a:lnRef>
+            <a:fillRef idx="1">
+              <a:schemeClr val="accent1"/>
+            </a:fillRef>
+            <a:effectRef idx="0">
+              <a:schemeClr val="accent1"/>
+            </a:effectRef>
+            <a:fontRef idx="minor">
+              <a:schemeClr val="lt1"/>
+            </a:fontRef>
+          </p:style>
+          <p:txBody>
+            <a:bodyPr rtlCol="0" anchor="ctr"/>
+            <a:lstStyle/>
+            <a:p>
+              <a:pPr algn="ctr"/>
+              <a:endParaRPr lang="en-US"/>
+            </a:p>
+          </p:txBody>
+        </p:sp>
+        <p:sp>
+          <p:nvSpPr>
+            <p:cNvPr id="4" name="TextBox 3">
+              <a:extLst>
+                <a:ext uri="{FF2B5EF4-FFF2-40B4-BE49-F238E27FC236}">
+                  <a16:creationId xmlns:a16="http://schemas.microsoft.com/office/drawing/2014/main" id="{DF25C198-6155-4809-B1D2-7208BBE916A3}"/>
+                </a:ext>
+              </a:extLst>
+            </p:cNvPr>
+            <p:cNvSpPr txBox="1"/>
+            <p:nvPr/>
+          </p:nvSpPr>
+          <p:spPr>
+            <a:xfrm>
+              <a:off x="2986068" y="955929"/>
+              <a:ext cx="686300" cy="276999"/>
+            </a:xfrm>
+            <a:prstGeom prst="rect">
+              <a:avLst/>
+            </a:prstGeom>
+            <a:noFill/>
+          </p:spPr>
+          <p:txBody>
+            <a:bodyPr wrap="square">
+              <a:spAutoFit/>
+            </a:bodyPr>
+            <a:lstStyle/>
+            <a:p>
+              <a:pPr algn="ctr"/>
+              <a:r>
+                <a:rPr lang="en-US" altLang="zh-CN" sz="1200" dirty="0"/>
+                <a:t>I. b</a:t>
+              </a:r>
+              <a:r>
+                <a:rPr lang="en-US" altLang="zh-CN" sz="1200" dirty="0">
+                  <a:solidFill>
+                    <a:schemeClr val="tx1"/>
+                  </a:solidFill>
+                </a:rPr>
+                <a:t>uffer</a:t>
+              </a:r>
+              <a:endParaRPr lang="en-US" sz="1200" b="1" i="1" dirty="0">
+                <a:solidFill>
+                  <a:schemeClr val="tx1"/>
+                </a:solidFill>
+              </a:endParaRPr>
+            </a:p>
+          </p:txBody>
+        </p:sp>
+        <p:cxnSp>
+          <p:nvCxnSpPr>
+            <p:cNvPr id="6" name="Straight Arrow Connector 5">
+              <a:extLst>
+                <a:ext uri="{FF2B5EF4-FFF2-40B4-BE49-F238E27FC236}">
+                  <a16:creationId xmlns:a16="http://schemas.microsoft.com/office/drawing/2014/main" id="{58DB42D0-E826-42F6-8E0B-F1093D0FB0E2}"/>
+                </a:ext>
+              </a:extLst>
+            </p:cNvPr>
+            <p:cNvCxnSpPr>
+              <a:cxnSpLocks/>
+            </p:cNvCxnSpPr>
+            <p:nvPr/>
+          </p:nvCxnSpPr>
+          <p:spPr>
+            <a:xfrm>
+              <a:off x="3329218" y="739376"/>
+              <a:ext cx="0" cy="181122"/>
+            </a:xfrm>
+            <a:prstGeom prst="straightConnector1">
+              <a:avLst/>
+            </a:prstGeom>
+            <a:ln w="12700">
+              <a:solidFill>
+                <a:schemeClr val="tx1"/>
+              </a:solidFill>
+              <a:tailEnd type="triangle"/>
+            </a:ln>
+          </p:spPr>
+          <p:style>
+            <a:lnRef idx="1">
+              <a:schemeClr val="accent1"/>
+            </a:lnRef>
+            <a:fillRef idx="0">
+              <a:schemeClr val="accent1"/>
+            </a:fillRef>
+            <a:effectRef idx="0">
+              <a:schemeClr val="accent1"/>
+            </a:effectRef>
+            <a:fontRef idx="minor">
+              <a:schemeClr val="tx1"/>
+            </a:fontRef>
+          </p:style>
+        </p:cxnSp>
+      </p:grpSp>
+      <p:grpSp>
+        <p:nvGrpSpPr>
+          <p:cNvPr id="34" name="Group 33">
+            <a:extLst>
+              <a:ext uri="{FF2B5EF4-FFF2-40B4-BE49-F238E27FC236}">
+                <a16:creationId xmlns:a16="http://schemas.microsoft.com/office/drawing/2014/main" id="{0DC54DEA-6CE7-42CD-A664-953F177DEAE7}"/>
+              </a:ext>
+            </a:extLst>
+          </p:cNvPr>
+          <p:cNvGrpSpPr/>
+          <p:nvPr/>
+        </p:nvGrpSpPr>
+        <p:grpSpPr>
+          <a:xfrm>
+            <a:off x="4263291" y="1483045"/>
+            <a:ext cx="1041041" cy="347859"/>
+            <a:chOff x="3905873" y="1484006"/>
+            <a:chExt cx="921257" cy="347860"/>
+          </a:xfrm>
+        </p:grpSpPr>
+        <p:sp>
+          <p:nvSpPr>
+            <p:cNvPr id="16" name="Rectangle 15">
+              <a:extLst>
+                <a:ext uri="{FF2B5EF4-FFF2-40B4-BE49-F238E27FC236}">
+                  <a16:creationId xmlns:a16="http://schemas.microsoft.com/office/drawing/2014/main" id="{77CAB3CA-8197-4AE5-81C8-EDE13C24FD8E}"/>
+                </a:ext>
+              </a:extLst>
+            </p:cNvPr>
+            <p:cNvSpPr/>
+            <p:nvPr/>
+          </p:nvSpPr>
+          <p:spPr>
+            <a:xfrm>
+              <a:off x="4038590" y="1484006"/>
+              <a:ext cx="629264" cy="347860"/>
+            </a:xfrm>
+            <a:prstGeom prst="rect">
+              <a:avLst/>
+            </a:prstGeom>
+            <a:noFill/>
+            <a:ln w="19050">
+              <a:solidFill>
+                <a:schemeClr val="tx1"/>
+              </a:solidFill>
+            </a:ln>
+          </p:spPr>
+          <p:style>
+            <a:lnRef idx="2">
+              <a:schemeClr val="accent1">
+                <a:shade val="50000"/>
+              </a:schemeClr>
+            </a:lnRef>
+            <a:fillRef idx="1">
+              <a:schemeClr val="accent1"/>
+            </a:fillRef>
+            <a:effectRef idx="0">
+              <a:schemeClr val="accent1"/>
+            </a:effectRef>
+            <a:fontRef idx="minor">
+              <a:schemeClr val="lt1"/>
+            </a:fontRef>
+          </p:style>
+          <p:txBody>
+            <a:bodyPr rtlCol="0" anchor="ctr"/>
+            <a:lstStyle/>
+            <a:p>
+              <a:pPr algn="ctr"/>
+              <a:endParaRPr lang="en-US"/>
+            </a:p>
+          </p:txBody>
+        </p:sp>
+        <mc:AlternateContent xmlns:mc="http://schemas.openxmlformats.org/markup-compatibility/2006">
+          <mc:Choice xmlns:a14="http://schemas.microsoft.com/office/drawing/2010/main" Requires="a14">
+            <p:sp>
+              <p:nvSpPr>
+                <p:cNvPr id="17" name="TextBox 16">
+                  <a:extLst>
+                    <a:ext uri="{FF2B5EF4-FFF2-40B4-BE49-F238E27FC236}">
+                      <a16:creationId xmlns:a16="http://schemas.microsoft.com/office/drawing/2014/main" id="{7FF95F8E-DF4E-44B0-8CE4-B396F90F0164}"/>
+                    </a:ext>
+                  </a:extLst>
+                </p:cNvPr>
+                <p:cNvSpPr txBox="1"/>
+                <p:nvPr/>
+              </p:nvSpPr>
+              <p:spPr>
+                <a:xfrm>
+                  <a:off x="3905873" y="1519437"/>
+                  <a:ext cx="921257" cy="292965"/>
+                </a:xfrm>
+                <a:prstGeom prst="rect">
+                  <a:avLst/>
+                </a:prstGeom>
+                <a:noFill/>
+              </p:spPr>
+              <p:txBody>
+                <a:bodyPr wrap="square">
+                  <a:spAutoFit/>
+                </a:bodyPr>
+                <a:lstStyle/>
+                <a:p>
+                  <a:pPr algn="ctr"/>
+                  <a:r>
+                    <a:rPr lang="en-US" altLang="zh-CN" sz="1200" dirty="0"/>
+                    <a:t>VI. </a:t>
+                  </a:r>
+                  <a14:m>
+                    <m:oMath xmlns:m="http://schemas.openxmlformats.org/officeDocument/2006/math">
+                      <m:d>
+                        <m:dPr>
+                          <m:begChr m:val="‖"/>
+                          <m:endChr m:val="‖"/>
+                          <m:ctrlPr>
+                            <a:rPr lang="en-US" sz="1100" i="1" smtClean="0">
+                              <a:solidFill>
+                                <a:schemeClr val="tx1"/>
+                              </a:solidFill>
+                              <a:latin typeface="Cambria Math" panose="02040503050406030204" pitchFamily="18" charset="0"/>
+                            </a:rPr>
+                          </m:ctrlPr>
+                        </m:dPr>
+                        <m:e>
+                          <m:sSub>
+                            <m:sSubPr>
+                              <m:ctrlPr>
+                                <a:rPr lang="en-US" sz="1100" b="1" i="1" smtClean="0">
+                                  <a:solidFill>
+                                    <a:schemeClr val="tx1"/>
+                                  </a:solidFill>
+                                  <a:latin typeface="Cambria Math" panose="02040503050406030204" pitchFamily="18" charset="0"/>
+                                </a:rPr>
+                              </m:ctrlPr>
+                            </m:sSubPr>
+                            <m:e>
+                              <m:r>
+                                <a:rPr lang="en-US" sz="1100" b="1" i="1" smtClean="0">
+                                  <a:solidFill>
+                                    <a:schemeClr val="tx1"/>
+                                  </a:solidFill>
+                                  <a:latin typeface="Cambria Math" panose="02040503050406030204" pitchFamily="18" charset="0"/>
+                                </a:rPr>
+                                <m:t>𝒓</m:t>
+                              </m:r>
+                            </m:e>
+                            <m:sub>
+                              <m:acc>
+                                <m:accPr>
+                                  <m:chr m:val="̃"/>
+                                  <m:ctrlPr>
+                                    <a:rPr lang="en-US" altLang="zh-CN" sz="1100" i="1" dirty="0">
+                                      <a:latin typeface="Cambria Math" panose="02040503050406030204" pitchFamily="18" charset="0"/>
+                                    </a:rPr>
+                                  </m:ctrlPr>
+                                </m:accPr>
+                                <m:e>
+                                  <m:r>
+                                    <a:rPr lang="en-US" altLang="zh-CN" sz="1100" i="1" dirty="0">
+                                      <a:latin typeface="Cambria Math" panose="02040503050406030204" pitchFamily="18" charset="0"/>
+                                    </a:rPr>
+                                    <m:t>𝑝</m:t>
+                                  </m:r>
+                                </m:e>
+                              </m:acc>
+                            </m:sub>
+                          </m:sSub>
+                        </m:e>
+                      </m:d>
+                    </m:oMath>
+                  </a14:m>
+                  <a:endParaRPr lang="en-US" sz="1100" b="1" i="1" dirty="0">
+                    <a:solidFill>
+                      <a:schemeClr val="tx1"/>
+                    </a:solidFill>
+                  </a:endParaRPr>
+                </a:p>
+              </p:txBody>
+            </p:sp>
+          </mc:Choice>
+          <mc:Fallback>
+            <p:sp>
+              <p:nvSpPr>
+                <p:cNvPr id="17" name="TextBox 16">
+                  <a:extLst>
+                    <a:ext uri="{FF2B5EF4-FFF2-40B4-BE49-F238E27FC236}">
+                      <a16:creationId xmlns:a16="http://schemas.microsoft.com/office/drawing/2014/main" id="{7FF95F8E-DF4E-44B0-8CE4-B396F90F0164}"/>
+                    </a:ext>
+                  </a:extLst>
+                </p:cNvPr>
+                <p:cNvSpPr txBox="1">
+                  <a:spLocks noRot="1" noChangeAspect="1" noMove="1" noResize="1" noEditPoints="1" noAdjustHandles="1" noChangeArrowheads="1" noChangeShapeType="1" noTextEdit="1"/>
+                </p:cNvSpPr>
+                <p:nvPr/>
+              </p:nvSpPr>
+              <p:spPr>
+                <a:xfrm>
+                  <a:off x="3905873" y="1519437"/>
+                  <a:ext cx="921257" cy="292965"/>
+                </a:xfrm>
+                <a:prstGeom prst="rect">
+                  <a:avLst/>
+                </a:prstGeom>
+                <a:blipFill>
+                  <a:blip r:embed="rId2"/>
+                  <a:stretch>
+                    <a:fillRect b="-12500"/>
+                  </a:stretch>
+                </a:blipFill>
+              </p:spPr>
+              <p:txBody>
+                <a:bodyPr/>
+                <a:lstStyle/>
+                <a:p>
+                  <a:r>
+                    <a:rPr lang="en-US">
+                      <a:noFill/>
+                    </a:rPr>
+                    <a:t> </a:t>
+                  </a:r>
+                </a:p>
+              </p:txBody>
+            </p:sp>
+          </mc:Fallback>
+        </mc:AlternateContent>
+      </p:grpSp>
+      <p:grpSp>
+        <p:nvGrpSpPr>
+          <p:cNvPr id="60" name="Group 59">
+            <a:extLst>
+              <a:ext uri="{FF2B5EF4-FFF2-40B4-BE49-F238E27FC236}">
+                <a16:creationId xmlns:a16="http://schemas.microsoft.com/office/drawing/2014/main" id="{584CA5C4-8BC4-4C68-88A2-03E198A30C1B}"/>
+              </a:ext>
+            </a:extLst>
+          </p:cNvPr>
+          <p:cNvGrpSpPr/>
+          <p:nvPr/>
+        </p:nvGrpSpPr>
+        <p:grpSpPr>
+          <a:xfrm>
+            <a:off x="2769761" y="3053646"/>
+            <a:ext cx="1137570" cy="347860"/>
+            <a:chOff x="2769761" y="3098639"/>
+            <a:chExt cx="1137570" cy="347860"/>
+          </a:xfrm>
+        </p:grpSpPr>
+        <p:sp>
+          <p:nvSpPr>
+            <p:cNvPr id="18" name="Rectangle 17">
+              <a:extLst>
+                <a:ext uri="{FF2B5EF4-FFF2-40B4-BE49-F238E27FC236}">
+                  <a16:creationId xmlns:a16="http://schemas.microsoft.com/office/drawing/2014/main" id="{7FC29D84-D5A1-4EF7-B3A9-4AFFF3C5CBC4}"/>
+                </a:ext>
+              </a:extLst>
+            </p:cNvPr>
+            <p:cNvSpPr/>
+            <p:nvPr/>
+          </p:nvSpPr>
+          <p:spPr>
+            <a:xfrm>
+              <a:off x="2769761" y="3098639"/>
+              <a:ext cx="1137569" cy="347860"/>
+            </a:xfrm>
+            <a:prstGeom prst="rect">
+              <a:avLst/>
+            </a:prstGeom>
+            <a:noFill/>
+            <a:ln w="19050">
+              <a:solidFill>
+                <a:schemeClr val="tx1"/>
+              </a:solidFill>
+            </a:ln>
+          </p:spPr>
+          <p:style>
+            <a:lnRef idx="2">
+              <a:schemeClr val="accent1">
+                <a:shade val="50000"/>
+              </a:schemeClr>
+            </a:lnRef>
+            <a:fillRef idx="1">
+              <a:schemeClr val="accent1"/>
+            </a:fillRef>
+            <a:effectRef idx="0">
+              <a:schemeClr val="accent1"/>
+            </a:effectRef>
+            <a:fontRef idx="minor">
+              <a:schemeClr val="lt1"/>
+            </a:fontRef>
+          </p:style>
+          <p:txBody>
+            <a:bodyPr rtlCol="0" anchor="ctr"/>
+            <a:lstStyle/>
+            <a:p>
+              <a:pPr algn="ctr"/>
+              <a:endParaRPr lang="en-US"/>
+            </a:p>
+          </p:txBody>
+        </p:sp>
+        <mc:AlternateContent xmlns:mc="http://schemas.openxmlformats.org/markup-compatibility/2006">
+          <mc:Choice xmlns:a14="http://schemas.microsoft.com/office/drawing/2010/main" Requires="a14">
+            <p:sp>
+              <p:nvSpPr>
+                <p:cNvPr id="19" name="TextBox 18">
+                  <a:extLst>
+                    <a:ext uri="{FF2B5EF4-FFF2-40B4-BE49-F238E27FC236}">
+                      <a16:creationId xmlns:a16="http://schemas.microsoft.com/office/drawing/2014/main" id="{59C7BF33-6116-4C4C-85C6-FFC5D72086FC}"/>
+                    </a:ext>
+                  </a:extLst>
+                </p:cNvPr>
+                <p:cNvSpPr txBox="1"/>
+                <p:nvPr/>
+              </p:nvSpPr>
+              <p:spPr>
+                <a:xfrm>
+                  <a:off x="2769763" y="3134070"/>
+                  <a:ext cx="1137568" cy="276999"/>
+                </a:xfrm>
+                <a:prstGeom prst="rect">
+                  <a:avLst/>
+                </a:prstGeom>
+                <a:noFill/>
+              </p:spPr>
+              <p:txBody>
+                <a:bodyPr wrap="square">
+                  <a:spAutoFit/>
+                </a:bodyPr>
+                <a:lstStyle/>
+                <a:p>
+                  <a:pPr algn="ctr"/>
+                  <a:r>
+                    <a:rPr lang="en-US" altLang="zh-CN" sz="1200" dirty="0"/>
+                    <a:t>VII. </a:t>
+                  </a:r>
+                  <a14:m>
+                    <m:oMath xmlns:m="http://schemas.openxmlformats.org/officeDocument/2006/math">
+                      <m:r>
+                        <a:rPr lang="el-GR" sz="1200" i="1">
+                          <a:latin typeface="Cambria Math" panose="02040503050406030204" pitchFamily="18" charset="0"/>
+                          <a:ea typeface="Cambria Math" panose="02040503050406030204" pitchFamily="18" charset="0"/>
+                        </a:rPr>
+                        <m:t>𝜌</m:t>
+                      </m:r>
+                      <m:d>
+                        <m:dPr>
+                          <m:ctrlPr>
+                            <a:rPr lang="en-US" altLang="zh-CN" sz="1200" i="1" dirty="0">
+                              <a:latin typeface="Cambria Math" panose="02040503050406030204" pitchFamily="18" charset="0"/>
+                              <a:ea typeface="Cambria Math" panose="02040503050406030204" pitchFamily="18" charset="0"/>
+                            </a:rPr>
+                          </m:ctrlPr>
+                        </m:dPr>
+                        <m:e>
+                          <m:acc>
+                            <m:accPr>
+                              <m:chr m:val="̃"/>
+                              <m:ctrlPr>
+                                <a:rPr lang="en-US" altLang="zh-CN" sz="1200" i="1" dirty="0">
+                                  <a:latin typeface="Cambria Math" panose="02040503050406030204" pitchFamily="18" charset="0"/>
+                                </a:rPr>
+                              </m:ctrlPr>
+                            </m:accPr>
+                            <m:e>
+                              <m:r>
+                                <a:rPr lang="en-US" altLang="zh-CN" sz="1200" i="1" dirty="0">
+                                  <a:latin typeface="Cambria Math" panose="02040503050406030204" pitchFamily="18" charset="0"/>
+                                </a:rPr>
+                                <m:t>𝑝</m:t>
+                              </m:r>
+                            </m:e>
+                          </m:acc>
+                        </m:e>
+                      </m:d>
+                    </m:oMath>
+                  </a14:m>
+                  <a:r>
+                    <a:rPr lang="en-US" sz="1100" b="1" i="1" dirty="0">
+                      <a:solidFill>
+                        <a:schemeClr val="tx1"/>
+                      </a:solidFill>
+                    </a:rPr>
+                    <a:t> </a:t>
+                  </a:r>
+                  <a:r>
+                    <a:rPr lang="en-US" sz="1200" dirty="0"/>
+                    <a:t>in (8)</a:t>
+                  </a:r>
+                  <a:endParaRPr lang="en-US" sz="1200" b="1" i="1" dirty="0">
+                    <a:solidFill>
+                      <a:schemeClr val="tx1"/>
+                    </a:solidFill>
+                  </a:endParaRPr>
+                </a:p>
+              </p:txBody>
+            </p:sp>
+          </mc:Choice>
+          <mc:Fallback>
+            <p:sp>
+              <p:nvSpPr>
+                <p:cNvPr id="19" name="TextBox 18">
+                  <a:extLst>
+                    <a:ext uri="{FF2B5EF4-FFF2-40B4-BE49-F238E27FC236}">
+                      <a16:creationId xmlns:a16="http://schemas.microsoft.com/office/drawing/2014/main" id="{59C7BF33-6116-4C4C-85C6-FFC5D72086FC}"/>
+                    </a:ext>
+                  </a:extLst>
+                </p:cNvPr>
+                <p:cNvSpPr txBox="1">
+                  <a:spLocks noRot="1" noChangeAspect="1" noMove="1" noResize="1" noEditPoints="1" noAdjustHandles="1" noChangeArrowheads="1" noChangeShapeType="1" noTextEdit="1"/>
+                </p:cNvSpPr>
+                <p:nvPr/>
+              </p:nvSpPr>
+              <p:spPr>
+                <a:xfrm>
+                  <a:off x="2769763" y="3134070"/>
+                  <a:ext cx="1137568" cy="276999"/>
+                </a:xfrm>
+                <a:prstGeom prst="rect">
+                  <a:avLst/>
+                </a:prstGeom>
+                <a:blipFill>
+                  <a:blip r:embed="rId3"/>
+                  <a:stretch>
+                    <a:fillRect t="-2222" b="-17778"/>
+                  </a:stretch>
+                </a:blipFill>
+              </p:spPr>
+              <p:txBody>
+                <a:bodyPr/>
+                <a:lstStyle/>
+                <a:p>
+                  <a:r>
+                    <a:rPr lang="en-US">
+                      <a:noFill/>
+                    </a:rPr>
+                    <a:t> </a:t>
+                  </a:r>
+                </a:p>
+              </p:txBody>
+            </p:sp>
+          </mc:Fallback>
+        </mc:AlternateContent>
+      </p:grpSp>
+      <p:grpSp>
+        <p:nvGrpSpPr>
+          <p:cNvPr id="26" name="Group 25">
+            <a:extLst>
+              <a:ext uri="{FF2B5EF4-FFF2-40B4-BE49-F238E27FC236}">
+                <a16:creationId xmlns:a16="http://schemas.microsoft.com/office/drawing/2014/main" id="{12EC27AE-A91B-4BDE-9415-7D8FB68AD157}"/>
+              </a:ext>
+            </a:extLst>
+          </p:cNvPr>
+          <p:cNvGrpSpPr/>
+          <p:nvPr/>
+        </p:nvGrpSpPr>
+        <p:grpSpPr>
+          <a:xfrm>
+            <a:off x="1135176" y="1483046"/>
+            <a:ext cx="2772154" cy="1418279"/>
+            <a:chOff x="1135176" y="1483046"/>
+            <a:chExt cx="2772154" cy="1418279"/>
+          </a:xfrm>
+        </p:grpSpPr>
+        <p:sp>
+          <p:nvSpPr>
+            <p:cNvPr id="14" name="Rectangle 13">
+              <a:extLst>
+                <a:ext uri="{FF2B5EF4-FFF2-40B4-BE49-F238E27FC236}">
+                  <a16:creationId xmlns:a16="http://schemas.microsoft.com/office/drawing/2014/main" id="{72E68C25-D19E-4F57-A0E4-65F861850043}"/>
+                </a:ext>
+              </a:extLst>
+            </p:cNvPr>
+            <p:cNvSpPr/>
+            <p:nvPr/>
+          </p:nvSpPr>
+          <p:spPr>
+            <a:xfrm>
+              <a:off x="2769761" y="2552922"/>
+              <a:ext cx="1137568" cy="348403"/>
+            </a:xfrm>
+            <a:prstGeom prst="rect">
+              <a:avLst/>
+            </a:prstGeom>
+            <a:noFill/>
+            <a:ln w="19050">
+              <a:solidFill>
+                <a:schemeClr val="tx1"/>
+              </a:solidFill>
+            </a:ln>
+          </p:spPr>
+          <p:style>
+            <a:lnRef idx="2">
+              <a:schemeClr val="accent1">
+                <a:shade val="50000"/>
+              </a:schemeClr>
+            </a:lnRef>
+            <a:fillRef idx="1">
+              <a:schemeClr val="accent1"/>
+            </a:fillRef>
+            <a:effectRef idx="0">
+              <a:schemeClr val="accent1"/>
+            </a:effectRef>
+            <a:fontRef idx="minor">
+              <a:schemeClr val="lt1"/>
+            </a:fontRef>
+          </p:style>
+          <p:txBody>
+            <a:bodyPr rtlCol="0" anchor="ctr"/>
+            <a:lstStyle/>
+            <a:p>
+              <a:pPr algn="ctr"/>
+              <a:endParaRPr lang="en-US"/>
+            </a:p>
+          </p:txBody>
+        </p:sp>
+        <mc:AlternateContent xmlns:mc="http://schemas.openxmlformats.org/markup-compatibility/2006">
+          <mc:Choice xmlns:a14="http://schemas.microsoft.com/office/drawing/2010/main" Requires="a14">
+            <p:sp>
+              <p:nvSpPr>
+                <p:cNvPr id="15" name="TextBox 14">
+                  <a:extLst>
+                    <a:ext uri="{FF2B5EF4-FFF2-40B4-BE49-F238E27FC236}">
+                      <a16:creationId xmlns:a16="http://schemas.microsoft.com/office/drawing/2014/main" id="{B37B33A8-5EFC-4408-9F12-9470601C3FEC}"/>
+                    </a:ext>
+                  </a:extLst>
+                </p:cNvPr>
+                <p:cNvSpPr txBox="1"/>
+                <p:nvPr/>
+              </p:nvSpPr>
+              <p:spPr>
+                <a:xfrm>
+                  <a:off x="2769761" y="2588352"/>
+                  <a:ext cx="1137569" cy="286938"/>
+                </a:xfrm>
+                <a:prstGeom prst="rect">
+                  <a:avLst/>
+                </a:prstGeom>
+                <a:noFill/>
+              </p:spPr>
+              <p:txBody>
+                <a:bodyPr wrap="square">
+                  <a:spAutoFit/>
+                </a:bodyPr>
+                <a:lstStyle/>
+                <a:p>
+                  <a:pPr algn="ctr"/>
+                  <a:r>
+                    <a:rPr lang="en-US" altLang="zh-CN" sz="1200" dirty="0"/>
+                    <a:t>V. </a:t>
+                  </a:r>
+                  <a14:m>
+                    <m:oMath xmlns:m="http://schemas.openxmlformats.org/officeDocument/2006/math">
+                      <m:acc>
+                        <m:accPr>
+                          <m:chr m:val="̂"/>
+                          <m:ctrlPr>
+                            <a:rPr lang="en-US" altLang="zh-CN" sz="1200" b="0" i="1" dirty="0" smtClean="0">
+                              <a:latin typeface="Cambria Math" panose="02040503050406030204" pitchFamily="18" charset="0"/>
+                            </a:rPr>
+                          </m:ctrlPr>
+                        </m:accPr>
+                        <m:e>
+                          <m:r>
+                            <a:rPr lang="en-US" altLang="zh-CN" sz="1200" b="0" i="1" dirty="0" smtClean="0">
+                              <a:latin typeface="Cambria Math" panose="02040503050406030204" pitchFamily="18" charset="0"/>
+                            </a:rPr>
+                            <m:t>𝜉</m:t>
+                          </m:r>
+                        </m:e>
+                      </m:acc>
+                      <m:r>
+                        <a:rPr lang="en-US" altLang="zh-CN" sz="1200" i="1" dirty="0">
+                          <a:latin typeface="Cambria Math" panose="02040503050406030204" pitchFamily="18" charset="0"/>
+                        </a:rPr>
+                        <m:t>(</m:t>
+                      </m:r>
+                      <m:acc>
+                        <m:accPr>
+                          <m:chr m:val="̃"/>
+                          <m:ctrlPr>
+                            <a:rPr lang="en-US" altLang="zh-CN" sz="1200" i="1" dirty="0">
+                              <a:latin typeface="Cambria Math" panose="02040503050406030204" pitchFamily="18" charset="0"/>
+                            </a:rPr>
+                          </m:ctrlPr>
+                        </m:accPr>
+                        <m:e>
+                          <m:r>
+                            <a:rPr lang="en-US" altLang="zh-CN" sz="1200" i="1" dirty="0">
+                              <a:latin typeface="Cambria Math" panose="02040503050406030204" pitchFamily="18" charset="0"/>
+                            </a:rPr>
+                            <m:t>𝑝</m:t>
+                          </m:r>
+                        </m:e>
+                      </m:acc>
+                      <m:r>
+                        <a:rPr lang="en-US" altLang="zh-CN" sz="1200" i="1" dirty="0">
+                          <a:latin typeface="Cambria Math" panose="02040503050406030204" pitchFamily="18" charset="0"/>
+                        </a:rPr>
+                        <m:t>)</m:t>
+                      </m:r>
+                    </m:oMath>
+                  </a14:m>
+                  <a:r>
+                    <a:rPr lang="en-US" sz="1200" dirty="0">
+                      <a:solidFill>
+                        <a:schemeClr val="tx1"/>
+                      </a:solidFill>
+                    </a:rPr>
+                    <a:t> in (10)</a:t>
+                  </a:r>
+                  <a:endParaRPr lang="en-US" sz="1200" b="1" i="1" dirty="0">
+                    <a:solidFill>
+                      <a:schemeClr val="tx1"/>
+                    </a:solidFill>
+                  </a:endParaRPr>
+                </a:p>
+              </p:txBody>
+            </p:sp>
+          </mc:Choice>
+          <mc:Fallback>
+            <p:sp>
+              <p:nvSpPr>
+                <p:cNvPr id="15" name="TextBox 14">
+                  <a:extLst>
+                    <a:ext uri="{FF2B5EF4-FFF2-40B4-BE49-F238E27FC236}">
+                      <a16:creationId xmlns:a16="http://schemas.microsoft.com/office/drawing/2014/main" id="{B37B33A8-5EFC-4408-9F12-9470601C3FEC}"/>
+                    </a:ext>
+                  </a:extLst>
+                </p:cNvPr>
+                <p:cNvSpPr txBox="1">
+                  <a:spLocks noRot="1" noChangeAspect="1" noMove="1" noResize="1" noEditPoints="1" noAdjustHandles="1" noChangeArrowheads="1" noChangeShapeType="1" noTextEdit="1"/>
+                </p:cNvSpPr>
+                <p:nvPr/>
+              </p:nvSpPr>
+              <p:spPr>
+                <a:xfrm>
+                  <a:off x="2769761" y="2588352"/>
+                  <a:ext cx="1137569" cy="286938"/>
+                </a:xfrm>
+                <a:prstGeom prst="rect">
+                  <a:avLst/>
+                </a:prstGeom>
+                <a:blipFill>
+                  <a:blip r:embed="rId4"/>
+                  <a:stretch>
+                    <a:fillRect t="-2128" b="-17021"/>
+                  </a:stretch>
+                </a:blipFill>
+              </p:spPr>
+              <p:txBody>
+                <a:bodyPr/>
+                <a:lstStyle/>
+                <a:p>
+                  <a:r>
+                    <a:rPr lang="en-US">
+                      <a:noFill/>
+                    </a:rPr>
+                    <a:t> </a:t>
+                  </a:r>
+                </a:p>
+              </p:txBody>
+            </p:sp>
+          </mc:Fallback>
+        </mc:AlternateContent>
+        <p:grpSp>
+          <p:nvGrpSpPr>
+            <p:cNvPr id="22" name="Group 21">
+              <a:extLst>
+                <a:ext uri="{FF2B5EF4-FFF2-40B4-BE49-F238E27FC236}">
+                  <a16:creationId xmlns:a16="http://schemas.microsoft.com/office/drawing/2014/main" id="{0FB183DF-13D6-4432-9DFC-384C4AEF2E35}"/>
+                </a:ext>
+              </a:extLst>
+            </p:cNvPr>
+            <p:cNvGrpSpPr/>
+            <p:nvPr/>
+          </p:nvGrpSpPr>
+          <p:grpSpPr>
+            <a:xfrm>
+              <a:off x="1135176" y="1483046"/>
+              <a:ext cx="1568226" cy="1418279"/>
+              <a:chOff x="1417841" y="1480925"/>
+              <a:chExt cx="1568226" cy="1418279"/>
+            </a:xfrm>
+          </p:grpSpPr>
+          <p:sp>
+            <p:nvSpPr>
+              <p:cNvPr id="8" name="Rectangle 7">
+                <a:extLst>
+                  <a:ext uri="{FF2B5EF4-FFF2-40B4-BE49-F238E27FC236}">
+                    <a16:creationId xmlns:a16="http://schemas.microsoft.com/office/drawing/2014/main" id="{E68FB528-8492-4BF3-8479-3D27046118FB}"/>
+                  </a:ext>
+                </a:extLst>
+              </p:cNvPr>
+              <p:cNvSpPr/>
+              <p:nvPr/>
+            </p:nvSpPr>
+            <p:spPr>
+              <a:xfrm>
+                <a:off x="1817007" y="1480925"/>
+                <a:ext cx="847531" cy="337472"/>
+              </a:xfrm>
+              <a:prstGeom prst="rect">
+                <a:avLst/>
+              </a:prstGeom>
+              <a:noFill/>
+              <a:ln w="19050">
+                <a:solidFill>
+                  <a:schemeClr val="tx1"/>
+                </a:solidFill>
+              </a:ln>
+            </p:spPr>
+            <p:style>
+              <a:lnRef idx="2">
+                <a:schemeClr val="accent1">
+                  <a:shade val="50000"/>
+                </a:schemeClr>
+              </a:lnRef>
+              <a:fillRef idx="1">
+                <a:schemeClr val="accent1"/>
+              </a:fillRef>
+              <a:effectRef idx="0">
+                <a:schemeClr val="accent1"/>
+              </a:effectRef>
+              <a:fontRef idx="minor">
+                <a:schemeClr val="lt1"/>
+              </a:fontRef>
+            </p:style>
+            <p:txBody>
+              <a:bodyPr rtlCol="0" anchor="ctr"/>
+              <a:lstStyle/>
+              <a:p>
+                <a:pPr algn="ctr"/>
+                <a:endParaRPr lang="en-US"/>
+              </a:p>
+            </p:txBody>
+          </p:sp>
+          <mc:AlternateContent xmlns:mc="http://schemas.openxmlformats.org/markup-compatibility/2006">
+            <mc:Choice xmlns:a14="http://schemas.microsoft.com/office/drawing/2010/main" Requires="a14">
+              <p:sp>
+                <p:nvSpPr>
+                  <p:cNvPr id="9" name="TextBox 8">
+                    <a:extLst>
+                      <a:ext uri="{FF2B5EF4-FFF2-40B4-BE49-F238E27FC236}">
+                        <a16:creationId xmlns:a16="http://schemas.microsoft.com/office/drawing/2014/main" id="{0D2D69C2-EF39-4AC4-97BB-06705A8C25EA}"/>
+                      </a:ext>
+                    </a:extLst>
+                  </p:cNvPr>
+                  <p:cNvSpPr txBox="1"/>
+                  <p:nvPr/>
+                </p:nvSpPr>
+                <p:spPr>
+                  <a:xfrm>
+                    <a:off x="1817009" y="1505968"/>
+                    <a:ext cx="847532" cy="276999"/>
+                  </a:xfrm>
+                  <a:prstGeom prst="rect">
+                    <a:avLst/>
+                  </a:prstGeom>
+                  <a:noFill/>
+                </p:spPr>
+                <p:txBody>
+                  <a:bodyPr wrap="square">
+                    <a:spAutoFit/>
+                  </a:bodyPr>
+                  <a:lstStyle/>
+                  <a:p>
+                    <a:pPr algn="ctr"/>
+                    <a:r>
+                      <a:rPr lang="en-US" altLang="zh-CN" sz="1200" dirty="0"/>
+                      <a:t>II. </a:t>
+                    </a:r>
+                    <a14:m>
+                      <m:oMath xmlns:m="http://schemas.openxmlformats.org/officeDocument/2006/math">
+                        <m:sSubSup>
+                          <m:sSubSupPr>
+                            <m:ctrlPr>
+                              <a:rPr lang="en-US" altLang="zh-CN" sz="1200" b="0" i="1" dirty="0" smtClean="0">
+                                <a:solidFill>
+                                  <a:schemeClr val="tx1"/>
+                                </a:solidFill>
+                                <a:latin typeface="Cambria Math" panose="02040503050406030204" pitchFamily="18" charset="0"/>
+                              </a:rPr>
+                            </m:ctrlPr>
+                          </m:sSubSupPr>
+                          <m:e>
+                            <m:r>
+                              <a:rPr lang="en-US" altLang="zh-CN" sz="1200" i="1" dirty="0" smtClean="0">
+                                <a:solidFill>
+                                  <a:schemeClr val="tx1"/>
+                                </a:solidFill>
+                                <a:latin typeface="Cambria Math" panose="02040503050406030204" pitchFamily="18" charset="0"/>
+                              </a:rPr>
+                              <m:t>𝑟</m:t>
+                            </m:r>
+                          </m:e>
+                          <m:sub>
+                            <m:r>
+                              <a:rPr lang="en-US" altLang="zh-CN" sz="1200" b="0" i="1" dirty="0" smtClean="0">
+                                <a:solidFill>
+                                  <a:schemeClr val="tx1"/>
+                                </a:solidFill>
+                                <a:latin typeface="Cambria Math" panose="02040503050406030204" pitchFamily="18" charset="0"/>
+                              </a:rPr>
+                              <m:t>𝑚</m:t>
+                            </m:r>
+                          </m:sub>
+                          <m:sup>
+                            <m:r>
+                              <a:rPr lang="en-US" altLang="zh-CN" sz="1200" b="0" i="1" dirty="0" smtClean="0">
+                                <a:solidFill>
+                                  <a:schemeClr val="tx1"/>
+                                </a:solidFill>
+                                <a:latin typeface="Cambria Math" panose="02040503050406030204" pitchFamily="18" charset="0"/>
+                              </a:rPr>
+                              <m:t>∗</m:t>
+                            </m:r>
+                          </m:sup>
+                        </m:sSubSup>
+                        <m:sSub>
+                          <m:sSubPr>
+                            <m:ctrlPr>
+                              <a:rPr lang="en-US" altLang="zh-CN" sz="1200" b="0" i="1" dirty="0" smtClean="0">
+                                <a:solidFill>
+                                  <a:schemeClr val="tx1"/>
+                                </a:solidFill>
+                                <a:latin typeface="Cambria Math" panose="02040503050406030204" pitchFamily="18" charset="0"/>
+                              </a:rPr>
+                            </m:ctrlPr>
+                          </m:sSubPr>
+                          <m:e>
+                            <m:r>
+                              <a:rPr lang="en-US" altLang="zh-CN" sz="1200" b="0" i="1" dirty="0" smtClean="0">
+                                <a:solidFill>
+                                  <a:schemeClr val="tx1"/>
+                                </a:solidFill>
+                                <a:latin typeface="Cambria Math" panose="02040503050406030204" pitchFamily="18" charset="0"/>
+                              </a:rPr>
+                              <m:t>𝑟</m:t>
+                            </m:r>
+                          </m:e>
+                          <m:sub>
+                            <m:r>
+                              <a:rPr lang="en-US" altLang="zh-CN" sz="1200" b="0" i="1" dirty="0" smtClean="0">
+                                <a:solidFill>
+                                  <a:schemeClr val="tx1"/>
+                                </a:solidFill>
+                                <a:latin typeface="Cambria Math" panose="02040503050406030204" pitchFamily="18" charset="0"/>
+                              </a:rPr>
+                              <m:t>𝑚</m:t>
+                            </m:r>
+                            <m:r>
+                              <a:rPr lang="en-US" altLang="zh-CN" sz="1200" b="0" i="1" dirty="0" smtClean="0">
+                                <a:solidFill>
+                                  <a:schemeClr val="tx1"/>
+                                </a:solidFill>
+                                <a:latin typeface="Cambria Math" panose="02040503050406030204" pitchFamily="18" charset="0"/>
+                              </a:rPr>
+                              <m:t>−</m:t>
+                            </m:r>
+                            <m:r>
+                              <a:rPr lang="en-US" altLang="zh-CN" sz="1200" b="0" i="1" dirty="0" smtClean="0">
+                                <a:solidFill>
+                                  <a:schemeClr val="tx1"/>
+                                </a:solidFill>
+                                <a:latin typeface="Cambria Math" panose="02040503050406030204" pitchFamily="18" charset="0"/>
+                              </a:rPr>
+                              <m:t>𝑘</m:t>
+                            </m:r>
+                          </m:sub>
+                        </m:sSub>
+                      </m:oMath>
+                    </a14:m>
+                    <a:endParaRPr lang="en-US" sz="1200" b="1" i="1" dirty="0">
+                      <a:solidFill>
+                        <a:schemeClr val="tx1"/>
+                      </a:solidFill>
+                    </a:endParaRPr>
+                  </a:p>
+                </p:txBody>
+              </p:sp>
+            </mc:Choice>
+            <mc:Fallback>
+              <p:sp>
+                <p:nvSpPr>
+                  <p:cNvPr id="9" name="TextBox 8">
+                    <a:extLst>
+                      <a:ext uri="{FF2B5EF4-FFF2-40B4-BE49-F238E27FC236}">
+                        <a16:creationId xmlns:a16="http://schemas.microsoft.com/office/drawing/2014/main" id="{0D2D69C2-EF39-4AC4-97BB-06705A8C25EA}"/>
+                      </a:ext>
+                    </a:extLst>
+                  </p:cNvPr>
+                  <p:cNvSpPr txBox="1">
+                    <a:spLocks noRot="1" noChangeAspect="1" noMove="1" noResize="1" noEditPoints="1" noAdjustHandles="1" noChangeArrowheads="1" noChangeShapeType="1" noTextEdit="1"/>
+                  </p:cNvSpPr>
+                  <p:nvPr/>
+                </p:nvSpPr>
+                <p:spPr>
+                  <a:xfrm>
+                    <a:off x="1817009" y="1505968"/>
+                    <a:ext cx="847532" cy="276999"/>
+                  </a:xfrm>
+                  <a:prstGeom prst="rect">
+                    <a:avLst/>
+                  </a:prstGeom>
+                  <a:blipFill>
+                    <a:blip r:embed="rId5"/>
+                    <a:stretch>
+                      <a:fillRect b="-15217"/>
+                    </a:stretch>
+                  </a:blipFill>
+                </p:spPr>
+                <p:txBody>
+                  <a:bodyPr/>
+                  <a:lstStyle/>
+                  <a:p>
+                    <a:r>
+                      <a:rPr lang="en-US">
+                        <a:noFill/>
+                      </a:rPr>
+                      <a:t> </a:t>
+                    </a:r>
+                  </a:p>
+                </p:txBody>
+              </p:sp>
+            </mc:Fallback>
+          </mc:AlternateContent>
+          <p:sp>
+            <p:nvSpPr>
+              <p:cNvPr id="10" name="Rectangle 9">
+                <a:extLst>
+                  <a:ext uri="{FF2B5EF4-FFF2-40B4-BE49-F238E27FC236}">
+                    <a16:creationId xmlns:a16="http://schemas.microsoft.com/office/drawing/2014/main" id="{D86D5DCB-EEDC-4FF7-B4C2-3184B773AD90}"/>
+                  </a:ext>
+                </a:extLst>
+              </p:cNvPr>
+              <p:cNvSpPr/>
+              <p:nvPr/>
+            </p:nvSpPr>
+            <p:spPr>
+              <a:xfrm>
+                <a:off x="1417841" y="2015790"/>
+                <a:ext cx="1568225" cy="347860"/>
+              </a:xfrm>
+              <a:prstGeom prst="rect">
+                <a:avLst/>
+              </a:prstGeom>
+              <a:noFill/>
+              <a:ln w="19050">
+                <a:solidFill>
+                  <a:schemeClr val="tx1"/>
+                </a:solidFill>
+              </a:ln>
+            </p:spPr>
+            <p:style>
+              <a:lnRef idx="2">
+                <a:schemeClr val="accent1">
+                  <a:shade val="50000"/>
+                </a:schemeClr>
+              </a:lnRef>
+              <a:fillRef idx="1">
+                <a:schemeClr val="accent1"/>
+              </a:fillRef>
+              <a:effectRef idx="0">
+                <a:schemeClr val="accent1"/>
+              </a:effectRef>
+              <a:fontRef idx="minor">
+                <a:schemeClr val="lt1"/>
+              </a:fontRef>
+            </p:style>
+            <p:txBody>
+              <a:bodyPr rtlCol="0" anchor="ctr"/>
+              <a:lstStyle/>
+              <a:p>
+                <a:pPr algn="ctr"/>
+                <a:endParaRPr lang="en-US"/>
+              </a:p>
+            </p:txBody>
+          </p:sp>
+          <mc:AlternateContent xmlns:mc="http://schemas.openxmlformats.org/markup-compatibility/2006">
+            <mc:Choice xmlns:a14="http://schemas.microsoft.com/office/drawing/2010/main" Requires="a14">
+              <p:sp>
+                <p:nvSpPr>
+                  <p:cNvPr id="11" name="TextBox 10">
+                    <a:extLst>
+                      <a:ext uri="{FF2B5EF4-FFF2-40B4-BE49-F238E27FC236}">
+                        <a16:creationId xmlns:a16="http://schemas.microsoft.com/office/drawing/2014/main" id="{0B98DED4-D93C-47F1-AFF8-9B6BDDA24B67}"/>
+                      </a:ext>
+                    </a:extLst>
+                  </p:cNvPr>
+                  <p:cNvSpPr txBox="1"/>
+                  <p:nvPr/>
+                </p:nvSpPr>
+                <p:spPr>
+                  <a:xfrm>
+                    <a:off x="1417842" y="2051221"/>
+                    <a:ext cx="1568225" cy="276999"/>
+                  </a:xfrm>
+                  <a:prstGeom prst="rect">
+                    <a:avLst/>
+                  </a:prstGeom>
+                  <a:noFill/>
+                </p:spPr>
+                <p:txBody>
+                  <a:bodyPr wrap="square">
+                    <a:spAutoFit/>
+                  </a:bodyPr>
+                  <a:lstStyle/>
+                  <a:p>
+                    <a:pPr algn="ctr"/>
+                    <a:r>
+                      <a:rPr lang="en-US" altLang="zh-CN" sz="1200" dirty="0"/>
+                      <a:t>III. </a:t>
+                    </a:r>
+                    <a14:m>
+                      <m:oMath xmlns:m="http://schemas.openxmlformats.org/officeDocument/2006/math">
+                        <m:nary>
+                          <m:naryPr>
+                            <m:chr m:val="∑"/>
+                            <m:subHide m:val="on"/>
+                            <m:supHide m:val="on"/>
+                            <m:ctrlPr>
+                              <a:rPr lang="en-US" altLang="zh-CN" sz="1200" i="1" dirty="0">
+                                <a:latin typeface="Cambria Math" panose="02040503050406030204" pitchFamily="18" charset="0"/>
+                              </a:rPr>
+                            </m:ctrlPr>
+                          </m:naryPr>
+                          <m:sub/>
+                          <m:sup/>
+                          <m:e>
+                            <m:sSubSup>
+                              <m:sSubSupPr>
+                                <m:ctrlPr>
+                                  <a:rPr lang="en-US" altLang="zh-CN" sz="1200" i="1" dirty="0">
+                                    <a:latin typeface="Cambria Math" panose="02040503050406030204" pitchFamily="18" charset="0"/>
+                                  </a:rPr>
+                                </m:ctrlPr>
+                              </m:sSubSupPr>
+                              <m:e>
+                                <m:r>
+                                  <a:rPr lang="en-US" altLang="zh-CN" sz="1200" i="1" dirty="0">
+                                    <a:latin typeface="Cambria Math" panose="02040503050406030204" pitchFamily="18" charset="0"/>
+                                  </a:rPr>
+                                  <m:t>𝑟</m:t>
+                                </m:r>
+                              </m:e>
+                              <m:sub>
+                                <m:r>
+                                  <a:rPr lang="en-US" altLang="zh-CN" sz="1200" i="1" dirty="0">
+                                    <a:latin typeface="Cambria Math" panose="02040503050406030204" pitchFamily="18" charset="0"/>
+                                  </a:rPr>
+                                  <m:t>𝑚</m:t>
+                                </m:r>
+                              </m:sub>
+                              <m:sup>
+                                <m:r>
+                                  <a:rPr lang="en-US" altLang="zh-CN" sz="1200" i="1" dirty="0">
+                                    <a:latin typeface="Cambria Math" panose="02040503050406030204" pitchFamily="18" charset="0"/>
+                                  </a:rPr>
+                                  <m:t>∗</m:t>
+                                </m:r>
+                              </m:sup>
+                            </m:sSubSup>
+                            <m:sSub>
+                              <m:sSubPr>
+                                <m:ctrlPr>
+                                  <a:rPr lang="en-US" altLang="zh-CN" sz="1200" i="1" dirty="0">
+                                    <a:latin typeface="Cambria Math" panose="02040503050406030204" pitchFamily="18" charset="0"/>
+                                  </a:rPr>
+                                </m:ctrlPr>
+                              </m:sSubPr>
+                              <m:e>
+                                <m:r>
+                                  <a:rPr lang="en-US" altLang="zh-CN" sz="1200" i="1" dirty="0">
+                                    <a:latin typeface="Cambria Math" panose="02040503050406030204" pitchFamily="18" charset="0"/>
+                                  </a:rPr>
+                                  <m:t>𝑟</m:t>
+                                </m:r>
+                              </m:e>
+                              <m:sub>
+                                <m:r>
+                                  <a:rPr lang="en-US" altLang="zh-CN" sz="1200" i="1" dirty="0">
+                                    <a:latin typeface="Cambria Math" panose="02040503050406030204" pitchFamily="18" charset="0"/>
+                                  </a:rPr>
+                                  <m:t>𝑚</m:t>
+                                </m:r>
+                                <m:r>
+                                  <a:rPr lang="en-US" altLang="zh-CN" sz="1200" i="1" dirty="0">
+                                    <a:latin typeface="Cambria Math" panose="02040503050406030204" pitchFamily="18" charset="0"/>
+                                  </a:rPr>
+                                  <m:t>−</m:t>
+                                </m:r>
+                                <m:r>
+                                  <a:rPr lang="en-US" altLang="zh-CN" sz="1200" i="1" dirty="0">
+                                    <a:latin typeface="Cambria Math" panose="02040503050406030204" pitchFamily="18" charset="0"/>
+                                  </a:rPr>
+                                  <m:t>𝑘</m:t>
+                                </m:r>
+                              </m:sub>
+                            </m:sSub>
+                            <m:sSubSup>
+                              <m:sSubSupPr>
+                                <m:ctrlPr>
+                                  <a:rPr lang="en-US" altLang="zh-CN" sz="1200" i="1" dirty="0">
+                                    <a:latin typeface="Cambria Math" panose="02040503050406030204" pitchFamily="18" charset="0"/>
+                                  </a:rPr>
+                                </m:ctrlPr>
+                              </m:sSubSupPr>
+                              <m:e>
+                                <m:r>
+                                  <a:rPr lang="en-US" altLang="zh-CN" sz="1200" i="1" dirty="0">
+                                    <a:latin typeface="Cambria Math" panose="02040503050406030204" pitchFamily="18" charset="0"/>
+                                  </a:rPr>
+                                  <m:t>𝑠</m:t>
+                                </m:r>
+                              </m:e>
+                              <m:sub>
+                                <m:r>
+                                  <a:rPr lang="en-US" altLang="zh-CN" sz="1200" i="1" dirty="0">
+                                    <a:latin typeface="Cambria Math" panose="02040503050406030204" pitchFamily="18" charset="0"/>
+                                  </a:rPr>
+                                  <m:t>𝑚</m:t>
+                                </m:r>
+                                <m:r>
+                                  <a:rPr lang="en-US" altLang="zh-CN" sz="1200" i="1" dirty="0">
+                                    <a:latin typeface="Cambria Math" panose="02040503050406030204" pitchFamily="18" charset="0"/>
+                                  </a:rPr>
+                                  <m:t>−</m:t>
+                                </m:r>
+                                <m:r>
+                                  <a:rPr lang="en-US" altLang="zh-CN" sz="1200" i="1" dirty="0">
+                                    <a:latin typeface="Cambria Math" panose="02040503050406030204" pitchFamily="18" charset="0"/>
+                                  </a:rPr>
+                                  <m:t>𝑘</m:t>
+                                </m:r>
+                              </m:sub>
+                              <m:sup>
+                                <m:r>
+                                  <a:rPr lang="en-US" altLang="zh-CN" sz="1200" i="1" dirty="0">
+                                    <a:latin typeface="Cambria Math" panose="02040503050406030204" pitchFamily="18" charset="0"/>
+                                  </a:rPr>
+                                  <m:t>∗</m:t>
+                                </m:r>
+                              </m:sup>
+                            </m:sSubSup>
+                            <m:sSub>
+                              <m:sSubPr>
+                                <m:ctrlPr>
+                                  <a:rPr lang="en-US" altLang="zh-CN" sz="1200" i="1" dirty="0">
+                                    <a:latin typeface="Cambria Math" panose="02040503050406030204" pitchFamily="18" charset="0"/>
+                                  </a:rPr>
+                                </m:ctrlPr>
+                              </m:sSubPr>
+                              <m:e>
+                                <m:r>
+                                  <a:rPr lang="en-US" altLang="zh-CN" sz="1200" i="1" dirty="0">
+                                    <a:latin typeface="Cambria Math" panose="02040503050406030204" pitchFamily="18" charset="0"/>
+                                  </a:rPr>
+                                  <m:t>𝑠</m:t>
+                                </m:r>
+                              </m:e>
+                              <m:sub>
+                                <m:r>
+                                  <a:rPr lang="en-US" altLang="zh-CN" sz="1200" i="1" dirty="0">
+                                    <a:latin typeface="Cambria Math" panose="02040503050406030204" pitchFamily="18" charset="0"/>
+                                  </a:rPr>
+                                  <m:t>𝑚</m:t>
+                                </m:r>
+                              </m:sub>
+                            </m:sSub>
+                          </m:e>
+                        </m:nary>
+                      </m:oMath>
+                    </a14:m>
+                    <a:endParaRPr lang="en-US" sz="1200" b="1" i="1" dirty="0">
+                      <a:solidFill>
+                        <a:schemeClr val="tx1"/>
+                      </a:solidFill>
+                    </a:endParaRPr>
+                  </a:p>
+                </p:txBody>
+              </p:sp>
+            </mc:Choice>
+            <mc:Fallback>
+              <p:sp>
+                <p:nvSpPr>
+                  <p:cNvPr id="11" name="TextBox 10">
+                    <a:extLst>
+                      <a:ext uri="{FF2B5EF4-FFF2-40B4-BE49-F238E27FC236}">
+                        <a16:creationId xmlns:a16="http://schemas.microsoft.com/office/drawing/2014/main" id="{0B98DED4-D93C-47F1-AFF8-9B6BDDA24B67}"/>
+                      </a:ext>
+                    </a:extLst>
+                  </p:cNvPr>
+                  <p:cNvSpPr txBox="1">
+                    <a:spLocks noRot="1" noChangeAspect="1" noMove="1" noResize="1" noEditPoints="1" noAdjustHandles="1" noChangeArrowheads="1" noChangeShapeType="1" noTextEdit="1"/>
+                  </p:cNvSpPr>
+                  <p:nvPr/>
+                </p:nvSpPr>
+                <p:spPr>
+                  <a:xfrm>
+                    <a:off x="1417842" y="2051221"/>
+                    <a:ext cx="1568225" cy="276999"/>
+                  </a:xfrm>
+                  <a:prstGeom prst="rect">
+                    <a:avLst/>
+                  </a:prstGeom>
+                  <a:blipFill>
+                    <a:blip r:embed="rId6"/>
+                    <a:stretch>
+                      <a:fillRect t="-100000" b="-160000"/>
+                    </a:stretch>
+                  </a:blipFill>
+                </p:spPr>
+                <p:txBody>
+                  <a:bodyPr/>
+                  <a:lstStyle/>
+                  <a:p>
+                    <a:r>
+                      <a:rPr lang="en-US">
+                        <a:noFill/>
+                      </a:rPr>
+                      <a:t> </a:t>
+                    </a:r>
+                  </a:p>
+                </p:txBody>
+              </p:sp>
+            </mc:Fallback>
+          </mc:AlternateContent>
+          <p:sp>
+            <p:nvSpPr>
+              <p:cNvPr id="12" name="Rectangle 11">
+                <a:extLst>
+                  <a:ext uri="{FF2B5EF4-FFF2-40B4-BE49-F238E27FC236}">
+                    <a16:creationId xmlns:a16="http://schemas.microsoft.com/office/drawing/2014/main" id="{8A95AC30-C8F5-495D-80F9-4E45F226842A}"/>
+                  </a:ext>
+                </a:extLst>
+              </p:cNvPr>
+              <p:cNvSpPr/>
+              <p:nvPr/>
+            </p:nvSpPr>
+            <p:spPr>
+              <a:xfrm>
+                <a:off x="1617426" y="2551344"/>
+                <a:ext cx="1230992" cy="347860"/>
+              </a:xfrm>
+              <a:prstGeom prst="rect">
+                <a:avLst/>
+              </a:prstGeom>
+              <a:noFill/>
+              <a:ln w="19050">
+                <a:solidFill>
+                  <a:schemeClr val="tx1"/>
+                </a:solidFill>
+              </a:ln>
+            </p:spPr>
+            <p:style>
+              <a:lnRef idx="2">
+                <a:schemeClr val="accent1">
+                  <a:shade val="50000"/>
+                </a:schemeClr>
+              </a:lnRef>
+              <a:fillRef idx="1">
+                <a:schemeClr val="accent1"/>
+              </a:fillRef>
+              <a:effectRef idx="0">
+                <a:schemeClr val="accent1"/>
+              </a:effectRef>
+              <a:fontRef idx="minor">
+                <a:schemeClr val="lt1"/>
+              </a:fontRef>
+            </p:style>
+            <p:txBody>
+              <a:bodyPr rtlCol="0" anchor="ctr"/>
+              <a:lstStyle/>
+              <a:p>
+                <a:pPr algn="ctr"/>
+                <a:endParaRPr lang="en-US"/>
+              </a:p>
+            </p:txBody>
+          </p:sp>
+          <mc:AlternateContent xmlns:mc="http://schemas.openxmlformats.org/markup-compatibility/2006">
+            <mc:Choice xmlns:a14="http://schemas.microsoft.com/office/drawing/2010/main" Requires="a14">
+              <p:sp>
+                <p:nvSpPr>
+                  <p:cNvPr id="13" name="TextBox 12">
+                    <a:extLst>
+                      <a:ext uri="{FF2B5EF4-FFF2-40B4-BE49-F238E27FC236}">
+                        <a16:creationId xmlns:a16="http://schemas.microsoft.com/office/drawing/2014/main" id="{32F64775-BBC9-4964-A598-B2E4FEE748F8}"/>
+                      </a:ext>
+                    </a:extLst>
+                  </p:cNvPr>
+                  <p:cNvSpPr txBox="1"/>
+                  <p:nvPr/>
+                </p:nvSpPr>
+                <p:spPr>
+                  <a:xfrm>
+                    <a:off x="1617425" y="2586775"/>
+                    <a:ext cx="1230993" cy="287386"/>
+                  </a:xfrm>
+                  <a:prstGeom prst="rect">
+                    <a:avLst/>
+                  </a:prstGeom>
+                  <a:noFill/>
+                </p:spPr>
+                <p:txBody>
+                  <a:bodyPr wrap="square">
+                    <a:spAutoFit/>
+                  </a:bodyPr>
+                  <a:lstStyle/>
+                  <a:p>
+                    <a:pPr algn="ctr"/>
+                    <a:r>
+                      <a:rPr lang="en-US" altLang="zh-CN" sz="1200" dirty="0"/>
+                      <a:t>IV. </a:t>
+                    </a:r>
+                    <a14:m>
+                      <m:oMath xmlns:m="http://schemas.openxmlformats.org/officeDocument/2006/math">
+                        <m:sSub>
+                          <m:sSubPr>
+                            <m:ctrlPr>
+                              <a:rPr lang="en-US" altLang="zh-CN" sz="1200" b="0" i="1" dirty="0" smtClean="0">
+                                <a:latin typeface="Cambria Math" panose="02040503050406030204" pitchFamily="18" charset="0"/>
+                              </a:rPr>
+                            </m:ctrlPr>
+                          </m:sSubPr>
+                          <m:e>
+                            <m:acc>
+                              <m:accPr>
+                                <m:chr m:val="̂"/>
+                                <m:ctrlPr>
+                                  <a:rPr lang="en-US" altLang="zh-CN" sz="1200" b="0" i="1" smtClean="0">
+                                    <a:latin typeface="Cambria Math" panose="02040503050406030204" pitchFamily="18" charset="0"/>
+                                  </a:rPr>
+                                </m:ctrlPr>
+                              </m:accPr>
+                              <m:e>
+                                <m:r>
+                                  <a:rPr lang="en-US" altLang="zh-CN" sz="1200" i="1">
+                                    <a:latin typeface="Cambria Math" panose="02040503050406030204" pitchFamily="18" charset="0"/>
+                                  </a:rPr>
+                                  <m:t>𝛿</m:t>
+                                </m:r>
+                              </m:e>
+                            </m:acc>
+                          </m:e>
+                          <m:sub>
+                            <m:r>
+                              <a:rPr lang="en-US" altLang="zh-CN" sz="1200" b="0" i="1" dirty="0" smtClean="0">
+                                <a:latin typeface="Cambria Math" panose="02040503050406030204" pitchFamily="18" charset="0"/>
+                              </a:rPr>
+                              <m:t>𝑆𝐿</m:t>
+                            </m:r>
+                          </m:sub>
+                        </m:sSub>
+                        <m:r>
+                          <a:rPr lang="en-US" altLang="zh-CN" sz="1200" b="0" i="1" dirty="0" smtClean="0">
+                            <a:latin typeface="Cambria Math" panose="02040503050406030204" pitchFamily="18" charset="0"/>
+                          </a:rPr>
+                          <m:t>(</m:t>
+                        </m:r>
+                        <m:acc>
+                          <m:accPr>
+                            <m:chr m:val="̃"/>
+                            <m:ctrlPr>
+                              <a:rPr lang="en-US" altLang="zh-CN" sz="1200" b="0" i="1" dirty="0" smtClean="0">
+                                <a:latin typeface="Cambria Math" panose="02040503050406030204" pitchFamily="18" charset="0"/>
+                              </a:rPr>
+                            </m:ctrlPr>
+                          </m:accPr>
+                          <m:e>
+                            <m:r>
+                              <a:rPr lang="en-US" altLang="zh-CN" sz="1200" b="0" i="1" dirty="0" smtClean="0">
+                                <a:latin typeface="Cambria Math" panose="02040503050406030204" pitchFamily="18" charset="0"/>
+                              </a:rPr>
+                              <m:t>𝑝</m:t>
+                            </m:r>
+                          </m:e>
+                        </m:acc>
+                        <m:r>
+                          <a:rPr lang="en-US" altLang="zh-CN" sz="1200" b="0" i="1" dirty="0" smtClean="0">
+                            <a:latin typeface="Cambria Math" panose="02040503050406030204" pitchFamily="18" charset="0"/>
+                          </a:rPr>
+                          <m:t>)</m:t>
+                        </m:r>
+                      </m:oMath>
+                    </a14:m>
+                    <a:r>
+                      <a:rPr lang="en-US" sz="1200" b="1" i="1" dirty="0">
+                        <a:solidFill>
+                          <a:schemeClr val="tx1"/>
+                        </a:solidFill>
+                      </a:rPr>
+                      <a:t> </a:t>
+                    </a:r>
+                    <a:r>
+                      <a:rPr lang="en-US" sz="1200" dirty="0">
+                        <a:solidFill>
+                          <a:schemeClr val="tx1"/>
+                        </a:solidFill>
+                      </a:rPr>
+                      <a:t>in (15)</a:t>
+                    </a:r>
+                    <a:endParaRPr lang="en-US" sz="1200" b="1" i="1" dirty="0">
+                      <a:solidFill>
+                        <a:schemeClr val="tx1"/>
+                      </a:solidFill>
+                    </a:endParaRPr>
+                  </a:p>
+                </p:txBody>
+              </p:sp>
+            </mc:Choice>
+            <mc:Fallback>
+              <p:sp>
+                <p:nvSpPr>
+                  <p:cNvPr id="13" name="TextBox 12">
+                    <a:extLst>
+                      <a:ext uri="{FF2B5EF4-FFF2-40B4-BE49-F238E27FC236}">
+                        <a16:creationId xmlns:a16="http://schemas.microsoft.com/office/drawing/2014/main" id="{32F64775-BBC9-4964-A598-B2E4FEE748F8}"/>
+                      </a:ext>
+                    </a:extLst>
+                  </p:cNvPr>
+                  <p:cNvSpPr txBox="1">
+                    <a:spLocks noRot="1" noChangeAspect="1" noMove="1" noResize="1" noEditPoints="1" noAdjustHandles="1" noChangeArrowheads="1" noChangeShapeType="1" noTextEdit="1"/>
+                  </p:cNvSpPr>
+                  <p:nvPr/>
+                </p:nvSpPr>
+                <p:spPr>
+                  <a:xfrm>
+                    <a:off x="1617425" y="2586775"/>
+                    <a:ext cx="1230993" cy="287386"/>
+                  </a:xfrm>
+                  <a:prstGeom prst="rect">
+                    <a:avLst/>
+                  </a:prstGeom>
+                  <a:blipFill>
+                    <a:blip r:embed="rId7"/>
+                    <a:stretch>
+                      <a:fillRect l="-495" t="-2128" b="-17021"/>
+                    </a:stretch>
+                  </a:blipFill>
+                </p:spPr>
+                <p:txBody>
+                  <a:bodyPr/>
+                  <a:lstStyle/>
+                  <a:p>
+                    <a:r>
+                      <a:rPr lang="en-US">
+                        <a:noFill/>
+                      </a:rPr>
+                      <a:t> </a:t>
+                    </a:r>
+                  </a:p>
+                </p:txBody>
+              </p:sp>
+            </mc:Fallback>
+          </mc:AlternateContent>
+          <p:cxnSp>
+            <p:nvCxnSpPr>
+              <p:cNvPr id="20" name="Straight Arrow Connector 19">
+                <a:extLst>
+                  <a:ext uri="{FF2B5EF4-FFF2-40B4-BE49-F238E27FC236}">
+                    <a16:creationId xmlns:a16="http://schemas.microsoft.com/office/drawing/2014/main" id="{F7D389D2-B6EA-46FC-B99B-3877CBBB4B4F}"/>
+                  </a:ext>
+                </a:extLst>
+              </p:cNvPr>
+              <p:cNvCxnSpPr>
+                <a:cxnSpLocks/>
+              </p:cNvCxnSpPr>
+              <p:nvPr/>
+            </p:nvCxnSpPr>
+            <p:spPr>
+              <a:xfrm>
+                <a:off x="2232922" y="1818397"/>
+                <a:ext cx="0" cy="181122"/>
+              </a:xfrm>
+              <a:prstGeom prst="straightConnector1">
+                <a:avLst/>
+              </a:prstGeom>
+              <a:ln w="12700">
+                <a:solidFill>
+                  <a:schemeClr val="tx1"/>
+                </a:solidFill>
+                <a:tailEnd type="triangle"/>
+              </a:ln>
+            </p:spPr>
+            <p:style>
+              <a:lnRef idx="1">
+                <a:schemeClr val="accent1"/>
+              </a:lnRef>
+              <a:fillRef idx="0">
+                <a:schemeClr val="accent1"/>
+              </a:fillRef>
+              <a:effectRef idx="0">
+                <a:schemeClr val="accent1"/>
+              </a:effectRef>
+              <a:fontRef idx="minor">
+                <a:schemeClr val="tx1"/>
+              </a:fontRef>
+            </p:style>
+          </p:cxnSp>
+          <p:cxnSp>
+            <p:nvCxnSpPr>
+              <p:cNvPr id="21" name="Straight Arrow Connector 20">
+                <a:extLst>
+                  <a:ext uri="{FF2B5EF4-FFF2-40B4-BE49-F238E27FC236}">
+                    <a16:creationId xmlns:a16="http://schemas.microsoft.com/office/drawing/2014/main" id="{919D687E-E0BE-4D9E-BF83-15A306A71C3E}"/>
+                  </a:ext>
+                </a:extLst>
+              </p:cNvPr>
+              <p:cNvCxnSpPr>
+                <a:cxnSpLocks/>
+              </p:cNvCxnSpPr>
+              <p:nvPr/>
+            </p:nvCxnSpPr>
+            <p:spPr>
+              <a:xfrm>
+                <a:off x="2232922" y="2363650"/>
+                <a:ext cx="0" cy="181122"/>
+              </a:xfrm>
+              <a:prstGeom prst="straightConnector1">
+                <a:avLst/>
+              </a:prstGeom>
+              <a:ln w="12700">
+                <a:solidFill>
+                  <a:schemeClr val="tx1"/>
+                </a:solidFill>
+                <a:tailEnd type="triangle"/>
+              </a:ln>
+            </p:spPr>
+            <p:style>
+              <a:lnRef idx="1">
+                <a:schemeClr val="accent1"/>
+              </a:lnRef>
+              <a:fillRef idx="0">
+                <a:schemeClr val="accent1"/>
+              </a:fillRef>
+              <a:effectRef idx="0">
+                <a:schemeClr val="accent1"/>
+              </a:effectRef>
+              <a:fontRef idx="minor">
+                <a:schemeClr val="tx1"/>
+              </a:fontRef>
+            </p:style>
+          </p:cxnSp>
+        </p:grpSp>
+        <p:cxnSp>
+          <p:nvCxnSpPr>
+            <p:cNvPr id="24" name="Straight Arrow Connector 23">
+              <a:extLst>
+                <a:ext uri="{FF2B5EF4-FFF2-40B4-BE49-F238E27FC236}">
+                  <a16:creationId xmlns:a16="http://schemas.microsoft.com/office/drawing/2014/main" id="{052A4940-69FE-433B-A9B0-12153180CA3B}"/>
+                </a:ext>
+              </a:extLst>
+            </p:cNvPr>
+            <p:cNvCxnSpPr>
+              <a:stCxn id="13" idx="3"/>
+              <a:endCxn id="15" idx="1"/>
+            </p:cNvCxnSpPr>
+            <p:nvPr/>
+          </p:nvCxnSpPr>
+          <p:spPr>
+            <a:xfrm flipV="1">
+              <a:off x="2565753" y="2731821"/>
+              <a:ext cx="204008" cy="768"/>
+            </a:xfrm>
+            <a:prstGeom prst="straightConnector1">
+              <a:avLst/>
+            </a:prstGeom>
+            <a:ln w="12700">
+              <a:solidFill>
+                <a:schemeClr val="tx1"/>
+              </a:solidFill>
+              <a:tailEnd type="triangle"/>
+            </a:ln>
+          </p:spPr>
+          <p:style>
+            <a:lnRef idx="1">
+              <a:schemeClr val="accent1"/>
+            </a:lnRef>
+            <a:fillRef idx="0">
+              <a:schemeClr val="accent1"/>
+            </a:fillRef>
+            <a:effectRef idx="0">
+              <a:schemeClr val="accent1"/>
+            </a:effectRef>
+            <a:fontRef idx="minor">
+              <a:schemeClr val="tx1"/>
+            </a:fontRef>
+          </p:style>
+        </p:cxnSp>
+      </p:grpSp>
+      <p:cxnSp>
+        <p:nvCxnSpPr>
+          <p:cNvPr id="36" name="Connector: Elbow 35">
+            <a:extLst>
+              <a:ext uri="{FF2B5EF4-FFF2-40B4-BE49-F238E27FC236}">
+                <a16:creationId xmlns:a16="http://schemas.microsoft.com/office/drawing/2014/main" id="{39784843-C7DB-4206-A8C8-90F1A69E8C73}"/>
+              </a:ext>
+            </a:extLst>
+          </p:cNvPr>
+          <p:cNvCxnSpPr>
+            <a:stCxn id="3" idx="2"/>
+            <a:endCxn id="8" idx="0"/>
+          </p:cNvCxnSpPr>
+          <p:nvPr/>
+        </p:nvCxnSpPr>
+        <p:spPr>
+          <a:xfrm rot="5400000">
+            <a:off x="2522724" y="660809"/>
+            <a:ext cx="257621" cy="1386852"/>
+          </a:xfrm>
+          <a:prstGeom prst="bentConnector3">
+            <a:avLst>
+              <a:gd name="adj1" fmla="val 50000"/>
+            </a:avLst>
+          </a:prstGeom>
+          <a:ln w="12700">
+            <a:solidFill>
+              <a:schemeClr val="tx1"/>
+            </a:solidFill>
+            <a:tailEnd type="triangle"/>
+          </a:ln>
+        </p:spPr>
+        <p:style>
+          <a:lnRef idx="1">
+            <a:schemeClr val="accent1"/>
+          </a:lnRef>
+          <a:fillRef idx="0">
+            <a:schemeClr val="accent1"/>
+          </a:fillRef>
+          <a:effectRef idx="0">
+            <a:schemeClr val="accent1"/>
+          </a:effectRef>
+          <a:fontRef idx="minor">
+            <a:schemeClr val="tx1"/>
+          </a:fontRef>
+        </p:style>
+      </p:cxnSp>
+      <p:cxnSp>
+        <p:nvCxnSpPr>
+          <p:cNvPr id="39" name="Connector: Elbow 38">
+            <a:extLst>
+              <a:ext uri="{FF2B5EF4-FFF2-40B4-BE49-F238E27FC236}">
+                <a16:creationId xmlns:a16="http://schemas.microsoft.com/office/drawing/2014/main" id="{F1DE2FBC-1C38-46EC-BEE5-97AD18BC6555}"/>
+              </a:ext>
+            </a:extLst>
+          </p:cNvPr>
+          <p:cNvCxnSpPr>
+            <a:cxnSpLocks/>
+            <a:stCxn id="3" idx="2"/>
+            <a:endCxn id="16" idx="0"/>
+          </p:cNvCxnSpPr>
+          <p:nvPr/>
+        </p:nvCxnSpPr>
+        <p:spPr>
+          <a:xfrm rot="16200000" flipH="1">
+            <a:off x="3928072" y="642312"/>
+            <a:ext cx="257620" cy="1423845"/>
+          </a:xfrm>
+          <a:prstGeom prst="bentConnector3">
+            <a:avLst>
+              <a:gd name="adj1" fmla="val 50000"/>
+            </a:avLst>
+          </a:prstGeom>
+          <a:ln w="12700">
+            <a:solidFill>
+              <a:schemeClr val="tx1"/>
+            </a:solidFill>
+            <a:tailEnd type="triangle"/>
+          </a:ln>
+        </p:spPr>
+        <p:style>
+          <a:lnRef idx="1">
+            <a:schemeClr val="accent1"/>
+          </a:lnRef>
+          <a:fillRef idx="0">
+            <a:schemeClr val="accent1"/>
+          </a:fillRef>
+          <a:effectRef idx="0">
+            <a:schemeClr val="accent1"/>
+          </a:effectRef>
+          <a:fontRef idx="minor">
+            <a:schemeClr val="tx1"/>
+          </a:fontRef>
+        </p:style>
+      </p:cxnSp>
+      <p:cxnSp>
+        <p:nvCxnSpPr>
+          <p:cNvPr id="51" name="Straight Arrow Connector 50">
+            <a:extLst>
+              <a:ext uri="{FF2B5EF4-FFF2-40B4-BE49-F238E27FC236}">
+                <a16:creationId xmlns:a16="http://schemas.microsoft.com/office/drawing/2014/main" id="{16AC8784-F723-4D0B-9865-597732333EA2}"/>
+              </a:ext>
+            </a:extLst>
+          </p:cNvPr>
+          <p:cNvCxnSpPr>
+            <a:cxnSpLocks/>
+            <a:stCxn id="14" idx="2"/>
+            <a:endCxn id="18" idx="0"/>
+          </p:cNvCxnSpPr>
+          <p:nvPr/>
+        </p:nvCxnSpPr>
+        <p:spPr>
+          <a:xfrm>
+            <a:off x="3338545" y="2901325"/>
+            <a:ext cx="1" cy="152321"/>
+          </a:xfrm>
+          <a:prstGeom prst="straightConnector1">
+            <a:avLst/>
+          </a:prstGeom>
+          <a:ln w="12700">
+            <a:solidFill>
+              <a:schemeClr val="tx1"/>
+            </a:solidFill>
+            <a:tailEnd type="triangle"/>
+          </a:ln>
+        </p:spPr>
+        <p:style>
+          <a:lnRef idx="1">
+            <a:schemeClr val="accent1"/>
+          </a:lnRef>
+          <a:fillRef idx="0">
+            <a:schemeClr val="accent1"/>
+          </a:fillRef>
+          <a:effectRef idx="0">
+            <a:schemeClr val="accent1"/>
+          </a:effectRef>
+          <a:fontRef idx="minor">
+            <a:schemeClr val="tx1"/>
+          </a:fontRef>
+        </p:style>
+      </p:cxnSp>
+      <p:cxnSp>
+        <p:nvCxnSpPr>
+          <p:cNvPr id="55" name="Connector: Elbow 54">
+            <a:extLst>
+              <a:ext uri="{FF2B5EF4-FFF2-40B4-BE49-F238E27FC236}">
+                <a16:creationId xmlns:a16="http://schemas.microsoft.com/office/drawing/2014/main" id="{1548E5F8-5900-43AA-A457-182D8AC13B7D}"/>
+              </a:ext>
+            </a:extLst>
+          </p:cNvPr>
+          <p:cNvCxnSpPr>
+            <a:stCxn id="17" idx="2"/>
+            <a:endCxn id="19" idx="3"/>
+          </p:cNvCxnSpPr>
+          <p:nvPr/>
+        </p:nvCxnSpPr>
+        <p:spPr>
+          <a:xfrm rot="5400000">
+            <a:off x="3637504" y="2081268"/>
+            <a:ext cx="1416137" cy="876481"/>
+          </a:xfrm>
+          <a:prstGeom prst="bentConnector2">
+            <a:avLst/>
+          </a:prstGeom>
+          <a:ln w="15875">
+            <a:solidFill>
+              <a:schemeClr val="tx1"/>
+            </a:solidFill>
+            <a:tailEnd type="triangle"/>
+          </a:ln>
+        </p:spPr>
+        <p:style>
+          <a:lnRef idx="1">
+            <a:schemeClr val="accent1"/>
+          </a:lnRef>
+          <a:fillRef idx="0">
+            <a:schemeClr val="accent1"/>
+          </a:fillRef>
+          <a:effectRef idx="0">
+            <a:schemeClr val="accent1"/>
+          </a:effectRef>
+          <a:fontRef idx="minor">
+            <a:schemeClr val="tx1"/>
+          </a:fontRef>
+        </p:style>
+      </p:cxnSp>
+      <p:cxnSp>
+        <p:nvCxnSpPr>
+          <p:cNvPr id="57" name="Connector: Elbow 56">
+            <a:extLst>
+              <a:ext uri="{FF2B5EF4-FFF2-40B4-BE49-F238E27FC236}">
+                <a16:creationId xmlns:a16="http://schemas.microsoft.com/office/drawing/2014/main" id="{BACDCAB1-74E9-409D-9CF9-B49F6D4DE9E5}"/>
+              </a:ext>
+            </a:extLst>
+          </p:cNvPr>
+          <p:cNvCxnSpPr>
+            <a:stCxn id="13" idx="2"/>
+            <a:endCxn id="18" idx="1"/>
+          </p:cNvCxnSpPr>
+          <p:nvPr/>
+        </p:nvCxnSpPr>
+        <p:spPr>
+          <a:xfrm rot="16200000" flipH="1">
+            <a:off x="2184362" y="2642177"/>
+            <a:ext cx="351294" cy="819504"/>
+          </a:xfrm>
+          <a:prstGeom prst="bentConnector2">
+            <a:avLst/>
+          </a:prstGeom>
+          <a:ln w="12700">
+            <a:solidFill>
+              <a:schemeClr val="tx1"/>
+            </a:solidFill>
+            <a:tailEnd type="triangle"/>
+          </a:ln>
+        </p:spPr>
+        <p:style>
+          <a:lnRef idx="1">
+            <a:schemeClr val="accent1"/>
+          </a:lnRef>
+          <a:fillRef idx="0">
+            <a:schemeClr val="accent1"/>
+          </a:fillRef>
+          <a:effectRef idx="0">
+            <a:schemeClr val="accent1"/>
+          </a:effectRef>
+          <a:fontRef idx="minor">
+            <a:schemeClr val="tx1"/>
+          </a:fontRef>
+        </p:style>
+      </p:cxnSp>
+      <p:grpSp>
+        <p:nvGrpSpPr>
+          <p:cNvPr id="66" name="Group 65">
+            <a:extLst>
+              <a:ext uri="{FF2B5EF4-FFF2-40B4-BE49-F238E27FC236}">
+                <a16:creationId xmlns:a16="http://schemas.microsoft.com/office/drawing/2014/main" id="{FE8074A0-DA67-41B2-8CD6-D059CDC00FA8}"/>
+              </a:ext>
+            </a:extLst>
+          </p:cNvPr>
+          <p:cNvGrpSpPr/>
+          <p:nvPr/>
+        </p:nvGrpSpPr>
+        <p:grpSpPr>
+          <a:xfrm>
+            <a:off x="2807514" y="3582011"/>
+            <a:ext cx="1059146" cy="497096"/>
+            <a:chOff x="2760432" y="3589258"/>
+            <a:chExt cx="2460496" cy="497096"/>
+          </a:xfrm>
+        </p:grpSpPr>
+        <p:sp>
+          <p:nvSpPr>
+            <p:cNvPr id="62" name="Rectangle 61">
+              <a:extLst>
+                <a:ext uri="{FF2B5EF4-FFF2-40B4-BE49-F238E27FC236}">
+                  <a16:creationId xmlns:a16="http://schemas.microsoft.com/office/drawing/2014/main" id="{5384E651-7A8A-4999-915C-B445519562C0}"/>
+                </a:ext>
+              </a:extLst>
+            </p:cNvPr>
+            <p:cNvSpPr/>
+            <p:nvPr/>
+          </p:nvSpPr>
+          <p:spPr>
+            <a:xfrm>
+              <a:off x="2760432" y="3589258"/>
+              <a:ext cx="2460494" cy="347860"/>
+            </a:xfrm>
+            <a:prstGeom prst="rect">
+              <a:avLst/>
+            </a:prstGeom>
+            <a:noFill/>
+            <a:ln w="19050">
+              <a:solidFill>
+                <a:schemeClr val="tx1"/>
+              </a:solidFill>
+            </a:ln>
+          </p:spPr>
+          <p:style>
+            <a:lnRef idx="2">
+              <a:schemeClr val="accent1">
+                <a:shade val="50000"/>
+              </a:schemeClr>
+            </a:lnRef>
+            <a:fillRef idx="1">
+              <a:schemeClr val="accent1"/>
+            </a:fillRef>
+            <a:effectRef idx="0">
+              <a:schemeClr val="accent1"/>
+            </a:effectRef>
+            <a:fontRef idx="minor">
+              <a:schemeClr val="lt1"/>
+            </a:fontRef>
+          </p:style>
+          <p:txBody>
+            <a:bodyPr rtlCol="0" anchor="ctr"/>
+            <a:lstStyle/>
+            <a:p>
+              <a:pPr algn="ctr"/>
+              <a:endParaRPr lang="en-US"/>
+            </a:p>
+          </p:txBody>
+        </p:sp>
+        <p:sp>
+          <p:nvSpPr>
+            <p:cNvPr id="63" name="TextBox 62">
+              <a:extLst>
+                <a:ext uri="{FF2B5EF4-FFF2-40B4-BE49-F238E27FC236}">
+                  <a16:creationId xmlns:a16="http://schemas.microsoft.com/office/drawing/2014/main" id="{DBD94A98-E330-47CF-A727-CBAAD1491D91}"/>
+                </a:ext>
+              </a:extLst>
+            </p:cNvPr>
+            <p:cNvSpPr txBox="1"/>
+            <p:nvPr/>
+          </p:nvSpPr>
+          <p:spPr>
+            <a:xfrm>
+              <a:off x="2760433" y="3624689"/>
+              <a:ext cx="2460495" cy="461665"/>
+            </a:xfrm>
+            <a:prstGeom prst="rect">
+              <a:avLst/>
+            </a:prstGeom>
+            <a:noFill/>
+          </p:spPr>
+          <p:txBody>
+            <a:bodyPr wrap="square">
+              <a:spAutoFit/>
+            </a:bodyPr>
+            <a:lstStyle/>
+            <a:p>
+              <a:pPr algn="ctr"/>
+              <a:r>
+                <a:rPr lang="en-US" altLang="zh-CN" sz="1200" dirty="0"/>
+                <a:t>VIII. detection</a:t>
+              </a:r>
+              <a:endParaRPr lang="en-US" sz="1200" b="1" i="1" dirty="0">
+                <a:solidFill>
+                  <a:schemeClr val="tx1"/>
+                </a:solidFill>
+              </a:endParaRPr>
+            </a:p>
+            <a:p>
+              <a:pPr algn="ctr"/>
+              <a:endParaRPr lang="en-US" sz="1200" b="1" i="1" dirty="0">
+                <a:solidFill>
+                  <a:schemeClr val="tx1"/>
+                </a:solidFill>
+              </a:endParaRPr>
+            </a:p>
+          </p:txBody>
+        </p:sp>
+      </p:grpSp>
+      <p:cxnSp>
+        <p:nvCxnSpPr>
+          <p:cNvPr id="68" name="Straight Arrow Connector 67">
+            <a:extLst>
+              <a:ext uri="{FF2B5EF4-FFF2-40B4-BE49-F238E27FC236}">
+                <a16:creationId xmlns:a16="http://schemas.microsoft.com/office/drawing/2014/main" id="{7B3E6E6B-C2B7-4CA3-9746-7BF611508E95}"/>
+              </a:ext>
+            </a:extLst>
+          </p:cNvPr>
+          <p:cNvCxnSpPr>
+            <a:stCxn id="18" idx="2"/>
+            <a:endCxn id="62" idx="0"/>
+          </p:cNvCxnSpPr>
+          <p:nvPr/>
+        </p:nvCxnSpPr>
+        <p:spPr>
+          <a:xfrm flipH="1">
+            <a:off x="3337087" y="3401506"/>
+            <a:ext cx="1459" cy="180505"/>
+          </a:xfrm>
+          <a:prstGeom prst="straightConnector1">
+            <a:avLst/>
+          </a:prstGeom>
+          <a:ln w="12700">
+            <a:solidFill>
+              <a:schemeClr val="tx1"/>
+            </a:solidFill>
+            <a:tailEnd type="triangle"/>
+          </a:ln>
+        </p:spPr>
+        <p:style>
+          <a:lnRef idx="1">
+            <a:schemeClr val="accent1"/>
+          </a:lnRef>
+          <a:fillRef idx="0">
+            <a:schemeClr val="accent1"/>
+          </a:fillRef>
+          <a:effectRef idx="0">
+            <a:schemeClr val="accent1"/>
+          </a:effectRef>
+          <a:fontRef idx="minor">
+            <a:schemeClr val="tx1"/>
+          </a:fontRef>
+        </p:style>
+      </p:cxnSp>
+      <p:cxnSp>
+        <p:nvCxnSpPr>
+          <p:cNvPr id="87" name="Straight Arrow Connector 86">
+            <a:extLst>
+              <a:ext uri="{FF2B5EF4-FFF2-40B4-BE49-F238E27FC236}">
+                <a16:creationId xmlns:a16="http://schemas.microsoft.com/office/drawing/2014/main" id="{A1C842E4-64FD-494F-ABEF-87A839CD115D}"/>
+              </a:ext>
+            </a:extLst>
+          </p:cNvPr>
+          <p:cNvCxnSpPr>
+            <a:stCxn id="4" idx="2"/>
+            <a:endCxn id="14" idx="0"/>
+          </p:cNvCxnSpPr>
+          <p:nvPr/>
+        </p:nvCxnSpPr>
+        <p:spPr>
+          <a:xfrm flipH="1">
+            <a:off x="3338545" y="1189995"/>
+            <a:ext cx="6416" cy="1362927"/>
+          </a:xfrm>
+          <a:prstGeom prst="straightConnector1">
+            <a:avLst/>
+          </a:prstGeom>
+          <a:ln w="12700">
+            <a:solidFill>
+              <a:schemeClr val="tx1"/>
+            </a:solidFill>
+            <a:tailEnd type="triangle"/>
+          </a:ln>
+        </p:spPr>
+        <p:style>
+          <a:lnRef idx="1">
+            <a:schemeClr val="accent1"/>
+          </a:lnRef>
+          <a:fillRef idx="0">
+            <a:schemeClr val="accent1"/>
+          </a:fillRef>
+          <a:effectRef idx="0">
+            <a:schemeClr val="accent1"/>
+          </a:effectRef>
+          <a:fontRef idx="minor">
+            <a:schemeClr val="tx1"/>
+          </a:fontRef>
+        </p:style>
+      </p:cxnSp>
+      <p:sp>
+        <p:nvSpPr>
+          <p:cNvPr id="90" name="TextBox 89">
+            <a:extLst>
+              <a:ext uri="{FF2B5EF4-FFF2-40B4-BE49-F238E27FC236}">
+                <a16:creationId xmlns:a16="http://schemas.microsoft.com/office/drawing/2014/main" id="{9CAFDFCA-A27F-45E6-BB8A-0CCFB600EA12}"/>
+              </a:ext>
+            </a:extLst>
+          </p:cNvPr>
+          <p:cNvSpPr txBox="1"/>
+          <p:nvPr/>
+        </p:nvSpPr>
+        <p:spPr>
+          <a:xfrm>
+            <a:off x="2105380" y="4596466"/>
+            <a:ext cx="2460495" cy="461665"/>
+          </a:xfrm>
+          <a:prstGeom prst="rect">
+            <a:avLst/>
+          </a:prstGeom>
+          <a:noFill/>
+        </p:spPr>
+        <p:txBody>
+          <a:bodyPr wrap="square">
+            <a:spAutoFit/>
+          </a:bodyPr>
+          <a:lstStyle/>
+          <a:p>
+            <a:pPr algn="ctr"/>
+            <a:r>
+              <a:rPr lang="en-US" sz="1200" dirty="0">
+                <a:solidFill>
+                  <a:schemeClr val="tx1"/>
+                </a:solidFill>
+              </a:rPr>
+              <a:t>Record the results</a:t>
+            </a:r>
+          </a:p>
+          <a:p>
+            <a:pPr algn="ctr"/>
+            <a:endParaRPr lang="en-US" sz="1200" b="1" i="1" dirty="0">
+              <a:solidFill>
+                <a:schemeClr val="tx1"/>
+              </a:solidFill>
+            </a:endParaRPr>
+          </a:p>
+        </p:txBody>
+      </p:sp>
+      <p:cxnSp>
+        <p:nvCxnSpPr>
+          <p:cNvPr id="97" name="Straight Arrow Connector 96">
+            <a:extLst>
+              <a:ext uri="{FF2B5EF4-FFF2-40B4-BE49-F238E27FC236}">
+                <a16:creationId xmlns:a16="http://schemas.microsoft.com/office/drawing/2014/main" id="{C019FD90-E45F-4FDB-81A8-316507D89E8C}"/>
+              </a:ext>
+            </a:extLst>
+          </p:cNvPr>
+          <p:cNvCxnSpPr/>
+          <p:nvPr/>
+        </p:nvCxnSpPr>
+        <p:spPr>
+          <a:xfrm flipH="1">
+            <a:off x="3344959" y="3932594"/>
+            <a:ext cx="1458" cy="171683"/>
+          </a:xfrm>
+          <a:prstGeom prst="straightConnector1">
+            <a:avLst/>
+          </a:prstGeom>
+          <a:ln w="12700">
+            <a:solidFill>
+              <a:schemeClr val="tx1"/>
+            </a:solidFill>
+            <a:tailEnd type="triangle"/>
+          </a:ln>
+        </p:spPr>
+        <p:style>
+          <a:lnRef idx="1">
+            <a:schemeClr val="accent1"/>
+          </a:lnRef>
+          <a:fillRef idx="0">
+            <a:schemeClr val="accent1"/>
+          </a:fillRef>
+          <a:effectRef idx="0">
+            <a:schemeClr val="accent1"/>
+          </a:effectRef>
+          <a:fontRef idx="minor">
+            <a:schemeClr val="tx1"/>
+          </a:fontRef>
+        </p:style>
+      </p:cxnSp>
+      <p:grpSp>
+        <p:nvGrpSpPr>
+          <p:cNvPr id="103" name="Group 102">
+            <a:extLst>
+              <a:ext uri="{FF2B5EF4-FFF2-40B4-BE49-F238E27FC236}">
+                <a16:creationId xmlns:a16="http://schemas.microsoft.com/office/drawing/2014/main" id="{2A941498-1DC4-4FA0-BE08-56046BF6656C}"/>
+              </a:ext>
+            </a:extLst>
+          </p:cNvPr>
+          <p:cNvGrpSpPr/>
+          <p:nvPr/>
+        </p:nvGrpSpPr>
+        <p:grpSpPr>
+          <a:xfrm>
+            <a:off x="2451978" y="4105680"/>
+            <a:ext cx="1811313" cy="866428"/>
+            <a:chOff x="2760432" y="3589258"/>
+            <a:chExt cx="2460496" cy="866428"/>
+          </a:xfrm>
+        </p:grpSpPr>
+        <p:sp>
+          <p:nvSpPr>
+            <p:cNvPr id="104" name="Rectangle 103">
+              <a:extLst>
+                <a:ext uri="{FF2B5EF4-FFF2-40B4-BE49-F238E27FC236}">
+                  <a16:creationId xmlns:a16="http://schemas.microsoft.com/office/drawing/2014/main" id="{DCAA2A23-314F-43A8-B45E-A2B8F7FFF739}"/>
+                </a:ext>
+              </a:extLst>
+            </p:cNvPr>
+            <p:cNvSpPr/>
+            <p:nvPr/>
+          </p:nvSpPr>
+          <p:spPr>
+            <a:xfrm>
+              <a:off x="2760432" y="3589258"/>
+              <a:ext cx="2460494" cy="347860"/>
+            </a:xfrm>
+            <a:prstGeom prst="rect">
+              <a:avLst/>
+            </a:prstGeom>
+            <a:noFill/>
+            <a:ln w="19050">
+              <a:solidFill>
+                <a:schemeClr val="tx1"/>
+              </a:solidFill>
+            </a:ln>
+          </p:spPr>
+          <p:style>
+            <a:lnRef idx="2">
+              <a:schemeClr val="accent1">
+                <a:shade val="50000"/>
+              </a:schemeClr>
+            </a:lnRef>
+            <a:fillRef idx="1">
+              <a:schemeClr val="accent1"/>
+            </a:fillRef>
+            <a:effectRef idx="0">
+              <a:schemeClr val="accent1"/>
+            </a:effectRef>
+            <a:fontRef idx="minor">
+              <a:schemeClr val="lt1"/>
+            </a:fontRef>
+          </p:style>
+          <p:txBody>
+            <a:bodyPr rtlCol="0" anchor="ctr"/>
+            <a:lstStyle/>
+            <a:p>
+              <a:pPr algn="ctr"/>
+              <a:endParaRPr lang="en-US"/>
+            </a:p>
+          </p:txBody>
+        </p:sp>
+        <p:sp>
+          <p:nvSpPr>
+            <p:cNvPr id="105" name="TextBox 104">
+              <a:extLst>
+                <a:ext uri="{FF2B5EF4-FFF2-40B4-BE49-F238E27FC236}">
+                  <a16:creationId xmlns:a16="http://schemas.microsoft.com/office/drawing/2014/main" id="{97BD9DA2-A139-4455-889C-95A5E208E971}"/>
+                </a:ext>
+              </a:extLst>
+            </p:cNvPr>
+            <p:cNvSpPr txBox="1"/>
+            <p:nvPr/>
+          </p:nvSpPr>
+          <p:spPr>
+            <a:xfrm>
+              <a:off x="2760432" y="3624689"/>
+              <a:ext cx="2460496" cy="830997"/>
+            </a:xfrm>
+            <a:prstGeom prst="rect">
+              <a:avLst/>
+            </a:prstGeom>
+            <a:noFill/>
+          </p:spPr>
+          <p:txBody>
+            <a:bodyPr wrap="square">
+              <a:spAutoFit/>
+            </a:bodyPr>
+            <a:lstStyle/>
+            <a:p>
+              <a:pPr algn="ctr"/>
+              <a:r>
+                <a:rPr lang="en-US" altLang="zh-CN" sz="1200" dirty="0"/>
+                <a:t>IX. carrier synchronization</a:t>
+              </a:r>
+              <a:endParaRPr lang="en-US" sz="1200" b="1" i="1" dirty="0">
+                <a:solidFill>
+                  <a:schemeClr val="tx1"/>
+                </a:solidFill>
+              </a:endParaRPr>
+            </a:p>
+            <a:p>
+              <a:pPr algn="ctr"/>
+              <a:endParaRPr lang="en-US" sz="1200" b="1" i="1" dirty="0">
+                <a:solidFill>
+                  <a:schemeClr val="tx1"/>
+                </a:solidFill>
+              </a:endParaRPr>
+            </a:p>
+          </p:txBody>
+        </p:sp>
+      </p:grpSp>
+      <p:cxnSp>
+        <p:nvCxnSpPr>
+          <p:cNvPr id="106" name="Straight Arrow Connector 105">
+            <a:extLst>
+              <a:ext uri="{FF2B5EF4-FFF2-40B4-BE49-F238E27FC236}">
+                <a16:creationId xmlns:a16="http://schemas.microsoft.com/office/drawing/2014/main" id="{31D3EDEB-3631-4514-B673-3A91702F8875}"/>
+              </a:ext>
+            </a:extLst>
+          </p:cNvPr>
+          <p:cNvCxnSpPr/>
+          <p:nvPr/>
+        </p:nvCxnSpPr>
+        <p:spPr>
+          <a:xfrm flipH="1">
+            <a:off x="3335628" y="4453540"/>
+            <a:ext cx="1458" cy="171683"/>
+          </a:xfrm>
+          <a:prstGeom prst="straightConnector1">
+            <a:avLst/>
+          </a:prstGeom>
+          <a:ln w="12700">
+            <a:solidFill>
+              <a:schemeClr val="tx1"/>
+            </a:solidFill>
+            <a:tailEnd type="triangle"/>
+          </a:ln>
+        </p:spPr>
+        <p:style>
+          <a:lnRef idx="1">
+            <a:schemeClr val="accent1"/>
+          </a:lnRef>
+          <a:fillRef idx="0">
+            <a:schemeClr val="accent1"/>
+          </a:fillRef>
+          <a:effectRef idx="0">
+            <a:schemeClr val="accent1"/>
+          </a:effectRef>
+          <a:fontRef idx="minor">
+            <a:schemeClr val="tx1"/>
+          </a:fontRef>
+        </p:style>
+      </p:cxnSp>
+    </p:spTree>
+    <p:extLst>
+      <p:ext uri="{BB962C8B-B14F-4D97-AF65-F5344CB8AC3E}">
+        <p14:creationId xmlns:p14="http://schemas.microsoft.com/office/powerpoint/2010/main" val="3203868700"/>
       </p:ext>
     </p:extLst>
   </p:cSld>

--- a/main_matlab_figures/New Microsoft PowerPoint Presentation (2).pptx
+++ b/main_matlab_figures/New Microsoft PowerPoint Presentation (2).pptx
@@ -262,7 +262,7 @@
           <a:p>
             <a:fld id="{8784D0BC-BF7D-4947-B22E-77C205CE6F9F}" type="datetimeFigureOut">
               <a:rPr lang="en-US" smtClean="0"/>
-              <a:t>3/19/2022</a:t>
+              <a:t>3/25/2022</a:t>
             </a:fld>
             <a:endParaRPr lang="en-US"/>
           </a:p>
@@ -460,7 +460,7 @@
           <a:p>
             <a:fld id="{8784D0BC-BF7D-4947-B22E-77C205CE6F9F}" type="datetimeFigureOut">
               <a:rPr lang="en-US" smtClean="0"/>
-              <a:t>3/19/2022</a:t>
+              <a:t>3/25/2022</a:t>
             </a:fld>
             <a:endParaRPr lang="en-US"/>
           </a:p>
@@ -668,7 +668,7 @@
           <a:p>
             <a:fld id="{8784D0BC-BF7D-4947-B22E-77C205CE6F9F}" type="datetimeFigureOut">
               <a:rPr lang="en-US" smtClean="0"/>
-              <a:t>3/19/2022</a:t>
+              <a:t>3/25/2022</a:t>
             </a:fld>
             <a:endParaRPr lang="en-US"/>
           </a:p>
@@ -866,7 +866,7 @@
           <a:p>
             <a:fld id="{8784D0BC-BF7D-4947-B22E-77C205CE6F9F}" type="datetimeFigureOut">
               <a:rPr lang="en-US" smtClean="0"/>
-              <a:t>3/19/2022</a:t>
+              <a:t>3/25/2022</a:t>
             </a:fld>
             <a:endParaRPr lang="en-US"/>
           </a:p>
@@ -1141,7 +1141,7 @@
           <a:p>
             <a:fld id="{8784D0BC-BF7D-4947-B22E-77C205CE6F9F}" type="datetimeFigureOut">
               <a:rPr lang="en-US" smtClean="0"/>
-              <a:t>3/19/2022</a:t>
+              <a:t>3/25/2022</a:t>
             </a:fld>
             <a:endParaRPr lang="en-US"/>
           </a:p>
@@ -1406,7 +1406,7 @@
           <a:p>
             <a:fld id="{8784D0BC-BF7D-4947-B22E-77C205CE6F9F}" type="datetimeFigureOut">
               <a:rPr lang="en-US" smtClean="0"/>
-              <a:t>3/19/2022</a:t>
+              <a:t>3/25/2022</a:t>
             </a:fld>
             <a:endParaRPr lang="en-US"/>
           </a:p>
@@ -1818,7 +1818,7 @@
           <a:p>
             <a:fld id="{8784D0BC-BF7D-4947-B22E-77C205CE6F9F}" type="datetimeFigureOut">
               <a:rPr lang="en-US" smtClean="0"/>
-              <a:t>3/19/2022</a:t>
+              <a:t>3/25/2022</a:t>
             </a:fld>
             <a:endParaRPr lang="en-US"/>
           </a:p>
@@ -1959,7 +1959,7 @@
           <a:p>
             <a:fld id="{8784D0BC-BF7D-4947-B22E-77C205CE6F9F}" type="datetimeFigureOut">
               <a:rPr lang="en-US" smtClean="0"/>
-              <a:t>3/19/2022</a:t>
+              <a:t>3/25/2022</a:t>
             </a:fld>
             <a:endParaRPr lang="en-US"/>
           </a:p>
@@ -2072,7 +2072,7 @@
           <a:p>
             <a:fld id="{8784D0BC-BF7D-4947-B22E-77C205CE6F9F}" type="datetimeFigureOut">
               <a:rPr lang="en-US" smtClean="0"/>
-              <a:t>3/19/2022</a:t>
+              <a:t>3/25/2022</a:t>
             </a:fld>
             <a:endParaRPr lang="en-US"/>
           </a:p>
@@ -2383,7 +2383,7 @@
           <a:p>
             <a:fld id="{8784D0BC-BF7D-4947-B22E-77C205CE6F9F}" type="datetimeFigureOut">
               <a:rPr lang="en-US" smtClean="0"/>
-              <a:t>3/19/2022</a:t>
+              <a:t>3/25/2022</a:t>
             </a:fld>
             <a:endParaRPr lang="en-US"/>
           </a:p>
@@ -2671,7 +2671,7 @@
           <a:p>
             <a:fld id="{8784D0BC-BF7D-4947-B22E-77C205CE6F9F}" type="datetimeFigureOut">
               <a:rPr lang="en-US" smtClean="0"/>
-              <a:t>3/19/2022</a:t>
+              <a:t>3/25/2022</a:t>
             </a:fld>
             <a:endParaRPr lang="en-US"/>
           </a:p>
@@ -2912,7 +2912,7 @@
           <a:p>
             <a:fld id="{8784D0BC-BF7D-4947-B22E-77C205CE6F9F}" type="datetimeFigureOut">
               <a:rPr lang="en-US" smtClean="0"/>
-              <a:t>3/19/2022</a:t>
+              <a:t>3/25/2022</a:t>
             </a:fld>
             <a:endParaRPr lang="en-US"/>
           </a:p>
@@ -18391,12 +18391,16 @@
             <a:p>
               <a:pPr algn="ctr"/>
               <a:r>
+                <a:rPr lang="en-US" altLang="zh-CN" sz="1200" dirty="0"/>
+                <a:t>R</a:t>
+              </a:r>
+              <a:r>
                 <a:rPr lang="en-US" altLang="zh-CN" sz="1200" dirty="0">
                   <a:solidFill>
                     <a:schemeClr val="tx1"/>
                   </a:solidFill>
                 </a:rPr>
-                <a:t>received data stream </a:t>
+                <a:t>eceived data stream </a:t>
               </a:r>
               <a:r>
                 <a:rPr lang="en-US" altLang="zh-CN" sz="1200" b="1" i="1" dirty="0">
@@ -18649,7 +18653,7 @@
               <p:spPr>
                 <a:xfrm>
                   <a:off x="3905873" y="1519437"/>
-                  <a:ext cx="921257" cy="292965"/>
+                  <a:ext cx="921257" cy="288926"/>
                 </a:xfrm>
                 <a:prstGeom prst="rect">
                   <a:avLst/>
@@ -18706,24 +18710,15 @@
                               </m:r>
                             </m:e>
                             <m:sub>
-                              <m:acc>
-                                <m:accPr>
-                                  <m:chr m:val="̃"/>
-                                  <m:ctrlPr>
-                                    <a:rPr lang="en-US" altLang="zh-CN" sz="1100" i="1" dirty="0">
-                                      <a:latin typeface="Cambria Math" panose="02040503050406030204" pitchFamily="18" charset="0"/>
-                                    </a:rPr>
-                                  </m:ctrlPr>
-                                </m:accPr>
-                                <m:e>
-                                  <m:r>
-                                    <a:rPr lang="en-US" altLang="zh-CN" sz="1100" i="1" dirty="0">
-                                      <a:latin typeface="Cambria Math" panose="02040503050406030204" pitchFamily="18" charset="0"/>
-                                    </a:rPr>
-                                    <m:t>𝑝</m:t>
-                                  </m:r>
-                                </m:e>
-                              </m:acc>
+                              <m:r>
+                                <a:rPr lang="en-US" sz="1100" b="1" i="1" smtClean="0">
+                                  <a:solidFill>
+                                    <a:schemeClr val="tx1"/>
+                                  </a:solidFill>
+                                  <a:latin typeface="Cambria Math" panose="02040503050406030204" pitchFamily="18" charset="0"/>
+                                </a:rPr>
+                                <m:t>𝒑</m:t>
+                              </m:r>
                             </m:sub>
                           </m:sSub>
                         </m:e>
@@ -18757,7 +18752,7 @@
               <p:spPr>
                 <a:xfrm>
                   <a:off x="3905873" y="1519437"/>
-                  <a:ext cx="921257" cy="292965"/>
+                  <a:ext cx="921257" cy="288926"/>
                 </a:xfrm>
                 <a:prstGeom prst="rect">
                   <a:avLst/>
@@ -18765,7 +18760,7 @@
                 <a:blipFill>
                   <a:blip r:embed="rId2"/>
                   <a:stretch>
-                    <a:fillRect b="-12500"/>
+                    <a:fillRect b="-14894"/>
                   </a:stretch>
                 </a:blipFill>
               </p:spPr>
@@ -18911,24 +18906,13 @@
                           </m:ctrlPr>
                         </m:dPr>
                         <m:e>
-                          <m:acc>
-                            <m:accPr>
-                              <m:chr m:val="̃"/>
-                              <m:ctrlPr>
-                                <a:rPr lang="en-US" altLang="zh-CN" sz="1200" i="1" dirty="0">
-                                  <a:latin typeface="Cambria Math" panose="02040503050406030204" pitchFamily="18" charset="0"/>
-                                </a:rPr>
-                              </m:ctrlPr>
-                            </m:accPr>
-                            <m:e>
-                              <m:r>
-                                <a:rPr lang="en-US" altLang="zh-CN" sz="1200" i="1" dirty="0">
-                                  <a:latin typeface="Cambria Math" panose="02040503050406030204" pitchFamily="18" charset="0"/>
-                                </a:rPr>
-                                <m:t>𝑝</m:t>
-                              </m:r>
-                            </m:e>
-                          </m:acc>
+                          <m:r>
+                            <a:rPr lang="en-US" altLang="zh-CN" sz="1200" b="0" i="1" dirty="0" smtClean="0">
+                              <a:latin typeface="Cambria Math" panose="02040503050406030204" pitchFamily="18" charset="0"/>
+                              <a:ea typeface="Cambria Math" panose="02040503050406030204" pitchFamily="18" charset="0"/>
+                            </a:rPr>
+                            <m:t>𝑝</m:t>
+                          </m:r>
                         </m:e>
                       </m:d>
                     </m:oMath>
@@ -18943,7 +18927,7 @@
                   </a:r>
                   <a:r>
                     <a:rPr lang="en-US" sz="1200" dirty="0"/>
-                    <a:t>in (8)</a:t>
+                    <a:t>in (6)</a:t>
                   </a:r>
                   <a:endParaRPr lang="en-US" sz="1200" b="1" i="1" dirty="0">
                     <a:solidFill>
@@ -19089,7 +19073,7 @@
               <p:spPr>
                 <a:xfrm>
                   <a:off x="2769761" y="2588352"/>
-                  <a:ext cx="1137569" cy="286938"/>
+                  <a:ext cx="1137569" cy="305468"/>
                 </a:xfrm>
                 <a:prstGeom prst="rect">
                   <a:avLst/>
@@ -19109,53 +19093,48 @@
                   </a:r>
                   <a14:m>
                     <m:oMath xmlns:m="http://schemas.openxmlformats.org/officeDocument/2006/math">
-                      <m:acc>
-                        <m:accPr>
-                          <m:chr m:val="̂"/>
+                      <m:sSub>
+                        <m:sSubPr>
                           <m:ctrlPr>
                             <a:rPr lang="en-US" altLang="zh-CN" sz="1200" b="0" i="1" dirty="0" smtClean="0">
                               <a:latin typeface="Cambria Math" panose="02040503050406030204" pitchFamily="18" charset="0"/>
                             </a:rPr>
                           </m:ctrlPr>
-                        </m:accPr>
+                        </m:sSubPr>
                         <m:e>
+                          <m:acc>
+                            <m:accPr>
+                              <m:chr m:val="̂"/>
+                              <m:ctrlPr>
+                                <a:rPr lang="en-US" altLang="zh-CN" sz="1200" b="0" i="1" dirty="0" smtClean="0">
+                                  <a:latin typeface="Cambria Math" panose="02040503050406030204" pitchFamily="18" charset="0"/>
+                                </a:rPr>
+                              </m:ctrlPr>
+                            </m:accPr>
+                            <m:e>
+                              <m:r>
+                                <a:rPr lang="en-US" altLang="zh-CN" sz="1200" b="0" i="1" dirty="0" smtClean="0">
+                                  <a:latin typeface="Cambria Math" panose="02040503050406030204" pitchFamily="18" charset="0"/>
+                                </a:rPr>
+                                <m:t>𝜉</m:t>
+                              </m:r>
+                            </m:e>
+                          </m:acc>
+                        </m:e>
+                        <m:sub>
                           <m:r>
                             <a:rPr lang="en-US" altLang="zh-CN" sz="1200" b="0" i="1" dirty="0" smtClean="0">
                               <a:latin typeface="Cambria Math" panose="02040503050406030204" pitchFamily="18" charset="0"/>
                             </a:rPr>
-                            <m:t>𝜉</m:t>
+                            <m:t>𝑝</m:t>
                           </m:r>
-                        </m:e>
-                      </m:acc>
+                        </m:sub>
+                      </m:sSub>
                       <m:r>
-                        <a:rPr lang="en-US" altLang="zh-CN" sz="1200" i="1" dirty="0">
+                        <a:rPr lang="en-US" altLang="zh-CN" sz="1200" b="0" i="1" dirty="0" smtClean="0">
                           <a:latin typeface="Cambria Math" panose="02040503050406030204" pitchFamily="18" charset="0"/>
                         </a:rPr>
-                        <m:t>(</m:t>
-                      </m:r>
-                      <m:acc>
-                        <m:accPr>
-                          <m:chr m:val="̃"/>
-                          <m:ctrlPr>
-                            <a:rPr lang="en-US" altLang="zh-CN" sz="1200" i="1" dirty="0">
-                              <a:latin typeface="Cambria Math" panose="02040503050406030204" pitchFamily="18" charset="0"/>
-                            </a:rPr>
-                          </m:ctrlPr>
-                        </m:accPr>
-                        <m:e>
-                          <m:r>
-                            <a:rPr lang="en-US" altLang="zh-CN" sz="1200" i="1" dirty="0">
-                              <a:latin typeface="Cambria Math" panose="02040503050406030204" pitchFamily="18" charset="0"/>
-                            </a:rPr>
-                            <m:t>𝑝</m:t>
-                          </m:r>
-                        </m:e>
-                      </m:acc>
-                      <m:r>
-                        <a:rPr lang="en-US" altLang="zh-CN" sz="1200" i="1" dirty="0">
-                          <a:latin typeface="Cambria Math" panose="02040503050406030204" pitchFamily="18" charset="0"/>
-                        </a:rPr>
-                        <m:t>)</m:t>
+                        <m:t> </m:t>
                       </m:r>
                     </m:oMath>
                   </a14:m>
@@ -19165,7 +19144,19 @@
                         <a:schemeClr val="tx1"/>
                       </a:solidFill>
                     </a:rPr>
-                    <a:t> in (10)</a:t>
+                    <a:t>in (</a:t>
+                  </a:r>
+                  <a:r>
+                    <a:rPr lang="en-US" sz="1200" dirty="0"/>
+                    <a:t>8</a:t>
+                  </a:r>
+                  <a:r>
+                    <a:rPr lang="en-US" sz="1200" dirty="0">
+                      <a:solidFill>
+                        <a:schemeClr val="tx1"/>
+                      </a:solidFill>
+                    </a:rPr>
+                    <a:t>)</a:t>
                   </a:r>
                   <a:endParaRPr lang="en-US" sz="1200" b="1" i="1" dirty="0">
                     <a:solidFill>
@@ -19194,7 +19185,7 @@
               <p:spPr>
                 <a:xfrm>
                   <a:off x="2769761" y="2588352"/>
-                  <a:ext cx="1137569" cy="286938"/>
+                  <a:ext cx="1137569" cy="305468"/>
                 </a:xfrm>
                 <a:prstGeom prst="rect">
                   <a:avLst/>
@@ -19202,7 +19193,7 @@
                 <a:blipFill>
                   <a:blip r:embed="rId4"/>
                   <a:stretch>
-                    <a:fillRect t="-2128" b="-17021"/>
+                    <a:fillRect b="-12000"/>
                   </a:stretch>
                 </a:blipFill>
               </p:spPr>
@@ -19293,8 +19284,8 @@
               </a:p>
             </p:txBody>
           </p:sp>
-          <mc:AlternateContent xmlns:mc="http://schemas.openxmlformats.org/markup-compatibility/2006">
-            <mc:Choice xmlns:a14="http://schemas.microsoft.com/office/drawing/2010/main" Requires="a14">
+          <mc:AlternateContent xmlns:mc="http://schemas.openxmlformats.org/markup-compatibility/2006" xmlns:a14="http://schemas.microsoft.com/office/drawing/2010/main">
+            <mc:Choice Requires="a14">
               <p:sp>
                 <p:nvSpPr>
                   <p:cNvPr id="9" name="TextBox 8">
@@ -19438,7 +19429,7 @@
                 </p:txBody>
               </p:sp>
             </mc:Choice>
-            <mc:Fallback>
+            <mc:Fallback xmlns="">
               <p:sp>
                 <p:nvSpPr>
                   <p:cNvPr id="9" name="TextBox 8">
@@ -19535,8 +19526,8 @@
               </a:p>
             </p:txBody>
           </p:sp>
-          <mc:AlternateContent xmlns:mc="http://schemas.openxmlformats.org/markup-compatibility/2006">
-            <mc:Choice xmlns:a14="http://schemas.microsoft.com/office/drawing/2010/main" Requires="a14">
+          <mc:AlternateContent xmlns:mc="http://schemas.openxmlformats.org/markup-compatibility/2006" xmlns:a14="http://schemas.microsoft.com/office/drawing/2010/main">
+            <mc:Choice Requires="a14">
               <p:sp>
                 <p:nvSpPr>
                   <p:cNvPr id="11" name="TextBox 10">
@@ -19739,7 +19730,7 @@
                 </p:txBody>
               </p:sp>
             </mc:Choice>
-            <mc:Fallback>
+            <mc:Fallback xmlns="">
               <p:sp>
                 <p:nvSpPr>
                   <p:cNvPr id="11" name="TextBox 10">
@@ -19852,8 +19843,8 @@
                 </p:nvSpPr>
                 <p:spPr>
                   <a:xfrm>
-                    <a:off x="1617425" y="2586775"/>
-                    <a:ext cx="1230993" cy="287386"/>
+                    <a:off x="1629192" y="2558001"/>
+                    <a:ext cx="1267892" cy="305918"/>
                   </a:xfrm>
                   <a:prstGeom prst="rect">
                     <a:avLst/>
@@ -19876,7 +19867,7 @@
                         <m:sSub>
                           <m:sSubPr>
                             <m:ctrlPr>
-                              <a:rPr lang="en-US" altLang="zh-CN" sz="1200" b="0" i="1" dirty="0" smtClean="0">
+                              <a:rPr lang="en-US" altLang="zh-CN" sz="1200" b="0" i="1" smtClean="0">
                                 <a:latin typeface="Cambria Math" panose="02040503050406030204" pitchFamily="18" charset="0"/>
                               </a:rPr>
                             </m:ctrlPr>
@@ -19903,60 +19894,28 @@
                           </m:e>
                           <m:sub>
                             <m:r>
-                              <a:rPr lang="en-US" altLang="zh-CN" sz="1200" b="0" i="1" dirty="0" smtClean="0">
+                              <a:rPr lang="en-US" altLang="zh-CN" sz="1200" b="0" i="1" smtClean="0">
                                 <a:latin typeface="Cambria Math" panose="02040503050406030204" pitchFamily="18" charset="0"/>
                               </a:rPr>
-                              <m:t>𝑆𝐿</m:t>
+                              <m:t>𝑝</m:t>
                             </m:r>
                           </m:sub>
                         </m:sSub>
                         <m:r>
-                          <a:rPr lang="en-US" altLang="zh-CN" sz="1200" b="0" i="1" dirty="0" smtClean="0">
+                          <a:rPr lang="en-US" altLang="zh-CN" sz="1200" i="1">
                             <a:latin typeface="Cambria Math" panose="02040503050406030204" pitchFamily="18" charset="0"/>
                           </a:rPr>
-                          <m:t>(</m:t>
-                        </m:r>
-                        <m:acc>
-                          <m:accPr>
-                            <m:chr m:val="̃"/>
-                            <m:ctrlPr>
-                              <a:rPr lang="en-US" altLang="zh-CN" sz="1200" b="0" i="1" dirty="0" smtClean="0">
-                                <a:latin typeface="Cambria Math" panose="02040503050406030204" pitchFamily="18" charset="0"/>
-                              </a:rPr>
-                            </m:ctrlPr>
-                          </m:accPr>
-                          <m:e>
-                            <m:r>
-                              <a:rPr lang="en-US" altLang="zh-CN" sz="1200" b="0" i="1" dirty="0" smtClean="0">
-                                <a:latin typeface="Cambria Math" panose="02040503050406030204" pitchFamily="18" charset="0"/>
-                              </a:rPr>
-                              <m:t>𝑝</m:t>
-                            </m:r>
-                          </m:e>
-                        </m:acc>
-                        <m:r>
-                          <a:rPr lang="en-US" altLang="zh-CN" sz="1200" b="0" i="1" dirty="0" smtClean="0">
-                            <a:latin typeface="Cambria Math" panose="02040503050406030204" pitchFamily="18" charset="0"/>
-                          </a:rPr>
-                          <m:t>)</m:t>
+                          <m:t> </m:t>
                         </m:r>
                       </m:oMath>
                     </a14:m>
-                    <a:r>
-                      <a:rPr lang="en-US" sz="1200" b="1" i="1" dirty="0">
-                        <a:solidFill>
-                          <a:schemeClr val="tx1"/>
-                        </a:solidFill>
-                      </a:rPr>
-                      <a:t> </a:t>
-                    </a:r>
                     <a:r>
                       <a:rPr lang="en-US" sz="1200" dirty="0">
                         <a:solidFill>
                           <a:schemeClr val="tx1"/>
                         </a:solidFill>
                       </a:rPr>
-                      <a:t>in (15)</a:t>
+                      <a:t>in (11)</a:t>
                     </a:r>
                     <a:endParaRPr lang="en-US" sz="1200" b="1" i="1" dirty="0">
                       <a:solidFill>
@@ -19984,8 +19943,8 @@
                 </p:nvSpPr>
                 <p:spPr>
                   <a:xfrm>
-                    <a:off x="1617425" y="2586775"/>
-                    <a:ext cx="1230993" cy="287386"/>
+                    <a:off x="1629192" y="2558001"/>
+                    <a:ext cx="1267892" cy="305918"/>
                   </a:xfrm>
                   <a:prstGeom prst="rect">
                     <a:avLst/>
@@ -19993,7 +19952,7 @@
                   <a:blipFill>
                     <a:blip r:embed="rId7"/>
                     <a:stretch>
-                      <a:fillRect l="-495" t="-2128" b="-17021"/>
+                      <a:fillRect b="-12000"/>
                     </a:stretch>
                   </a:blipFill>
                 </p:spPr>
@@ -20101,51 +20060,6 @@
             </p:style>
           </p:cxnSp>
         </p:grpSp>
-        <p:cxnSp>
-          <p:nvCxnSpPr>
-            <p:cNvPr id="24" name="Straight Arrow Connector 23">
-              <a:extLst>
-                <a:ext uri="{FF2B5EF4-FFF2-40B4-BE49-F238E27FC236}">
-                  <a16:creationId xmlns:a16="http://schemas.microsoft.com/office/drawing/2014/main" id="{052A4940-69FE-433B-A9B0-12153180CA3B}"/>
-                </a:ext>
-              </a:extLst>
-            </p:cNvPr>
-            <p:cNvCxnSpPr>
-              <a:stCxn id="13" idx="3"/>
-              <a:endCxn id="15" idx="1"/>
-            </p:cNvCxnSpPr>
-            <p:nvPr/>
-          </p:nvCxnSpPr>
-          <p:spPr>
-            <a:xfrm flipV="1">
-              <a:off x="2565753" y="2731821"/>
-              <a:ext cx="204008" cy="768"/>
-            </a:xfrm>
-            <a:prstGeom prst="straightConnector1">
-              <a:avLst/>
-            </a:prstGeom>
-            <a:ln w="12700">
-              <a:solidFill>
-                <a:schemeClr val="tx1"/>
-              </a:solidFill>
-              <a:tailEnd type="triangle"/>
-            </a:ln>
-          </p:spPr>
-          <p:style>
-            <a:lnRef idx="1">
-              <a:schemeClr val="accent1"/>
-            </a:lnRef>
-            <a:fillRef idx="0">
-              <a:schemeClr val="accent1"/>
-            </a:fillRef>
-            <a:effectRef idx="0">
-              <a:schemeClr val="accent1"/>
-            </a:effectRef>
-            <a:fontRef idx="minor">
-              <a:schemeClr val="tx1"/>
-            </a:fontRef>
-          </p:style>
-        </p:cxnSp>
       </p:grpSp>
       <p:cxnSp>
         <p:nvCxnSpPr>
@@ -20305,8 +20219,8 @@
         </p:nvCxnSpPr>
         <p:spPr>
           <a:xfrm rot="5400000">
-            <a:off x="3637504" y="2081268"/>
-            <a:ext cx="1416137" cy="876481"/>
+            <a:off x="3635484" y="2079249"/>
+            <a:ext cx="1420176" cy="876481"/>
           </a:xfrm>
           <a:prstGeom prst="bentConnector2">
             <a:avLst/>
@@ -20343,6 +20257,7 @@
             </a:extLst>
           </p:cNvPr>
           <p:cNvCxnSpPr>
+            <a:cxnSpLocks/>
             <a:stCxn id="13" idx="2"/>
             <a:endCxn id="18" idx="1"/>
           </p:cNvCxnSpPr>
@@ -20350,8 +20265,8 @@
         </p:nvCxnSpPr>
         <p:spPr>
           <a:xfrm rot="16200000" flipH="1">
-            <a:off x="2184362" y="2642177"/>
-            <a:ext cx="351294" cy="819504"/>
+            <a:off x="2194349" y="2652164"/>
+            <a:ext cx="361536" cy="789288"/>
           </a:xfrm>
           <a:prstGeom prst="bentConnector2">
             <a:avLst/>
@@ -20555,15 +20470,16 @@
             </a:extLst>
           </p:cNvPr>
           <p:cNvCxnSpPr>
-            <a:stCxn id="4" idx="2"/>
+            <a:cxnSpLocks/>
+            <a:stCxn id="3" idx="2"/>
             <a:endCxn id="14" idx="0"/>
           </p:cNvCxnSpPr>
           <p:nvPr/>
         </p:nvCxnSpPr>
         <p:spPr>
           <a:xfrm flipH="1">
-            <a:off x="3338545" y="1189995"/>
-            <a:ext cx="6416" cy="1362927"/>
+            <a:off x="3338545" y="1225425"/>
+            <a:ext cx="6415" cy="1327497"/>
           </a:xfrm>
           <a:prstGeom prst="straightConnector1">
             <a:avLst/>
@@ -20818,6 +20734,50 @@
           <a:xfrm flipH="1">
             <a:off x="3335628" y="4453540"/>
             <a:ext cx="1458" cy="171683"/>
+          </a:xfrm>
+          <a:prstGeom prst="straightConnector1">
+            <a:avLst/>
+          </a:prstGeom>
+          <a:ln w="12700">
+            <a:solidFill>
+              <a:schemeClr val="tx1"/>
+            </a:solidFill>
+            <a:tailEnd type="triangle"/>
+          </a:ln>
+        </p:spPr>
+        <p:style>
+          <a:lnRef idx="1">
+            <a:schemeClr val="accent1"/>
+          </a:lnRef>
+          <a:fillRef idx="0">
+            <a:schemeClr val="accent1"/>
+          </a:fillRef>
+          <a:effectRef idx="0">
+            <a:schemeClr val="accent1"/>
+          </a:effectRef>
+          <a:fontRef idx="minor">
+            <a:schemeClr val="tx1"/>
+          </a:fontRef>
+        </p:style>
+      </p:cxnSp>
+      <p:cxnSp>
+        <p:nvCxnSpPr>
+          <p:cNvPr id="42" name="Straight Arrow Connector 41">
+            <a:extLst>
+              <a:ext uri="{FF2B5EF4-FFF2-40B4-BE49-F238E27FC236}">
+                <a16:creationId xmlns:a16="http://schemas.microsoft.com/office/drawing/2014/main" id="{98F469B1-64D2-4542-95B0-8E1453E4C339}"/>
+              </a:ext>
+            </a:extLst>
+          </p:cNvPr>
+          <p:cNvCxnSpPr>
+            <a:cxnSpLocks/>
+          </p:cNvCxnSpPr>
+          <p:nvPr/>
+        </p:nvCxnSpPr>
+        <p:spPr>
+          <a:xfrm>
+            <a:off x="2565753" y="2731821"/>
+            <a:ext cx="216671" cy="0"/>
           </a:xfrm>
           <a:prstGeom prst="straightConnector1">
             <a:avLst/>

--- a/main_matlab_figures/New Microsoft PowerPoint Presentation (2).pptx
+++ b/main_matlab_figures/New Microsoft PowerPoint Presentation (2).pptx
@@ -262,7 +262,7 @@
           <a:p>
             <a:fld id="{8784D0BC-BF7D-4947-B22E-77C205CE6F9F}" type="datetimeFigureOut">
               <a:rPr lang="en-US" smtClean="0"/>
-              <a:t>3/25/2022</a:t>
+              <a:t>11/16/2022</a:t>
             </a:fld>
             <a:endParaRPr lang="en-US"/>
           </a:p>
@@ -460,7 +460,7 @@
           <a:p>
             <a:fld id="{8784D0BC-BF7D-4947-B22E-77C205CE6F9F}" type="datetimeFigureOut">
               <a:rPr lang="en-US" smtClean="0"/>
-              <a:t>3/25/2022</a:t>
+              <a:t>11/16/2022</a:t>
             </a:fld>
             <a:endParaRPr lang="en-US"/>
           </a:p>
@@ -668,7 +668,7 @@
           <a:p>
             <a:fld id="{8784D0BC-BF7D-4947-B22E-77C205CE6F9F}" type="datetimeFigureOut">
               <a:rPr lang="en-US" smtClean="0"/>
-              <a:t>3/25/2022</a:t>
+              <a:t>11/16/2022</a:t>
             </a:fld>
             <a:endParaRPr lang="en-US"/>
           </a:p>
@@ -866,7 +866,7 @@
           <a:p>
             <a:fld id="{8784D0BC-BF7D-4947-B22E-77C205CE6F9F}" type="datetimeFigureOut">
               <a:rPr lang="en-US" smtClean="0"/>
-              <a:t>3/25/2022</a:t>
+              <a:t>11/16/2022</a:t>
             </a:fld>
             <a:endParaRPr lang="en-US"/>
           </a:p>
@@ -1141,7 +1141,7 @@
           <a:p>
             <a:fld id="{8784D0BC-BF7D-4947-B22E-77C205CE6F9F}" type="datetimeFigureOut">
               <a:rPr lang="en-US" smtClean="0"/>
-              <a:t>3/25/2022</a:t>
+              <a:t>11/16/2022</a:t>
             </a:fld>
             <a:endParaRPr lang="en-US"/>
           </a:p>
@@ -1406,7 +1406,7 @@
           <a:p>
             <a:fld id="{8784D0BC-BF7D-4947-B22E-77C205CE6F9F}" type="datetimeFigureOut">
               <a:rPr lang="en-US" smtClean="0"/>
-              <a:t>3/25/2022</a:t>
+              <a:t>11/16/2022</a:t>
             </a:fld>
             <a:endParaRPr lang="en-US"/>
           </a:p>
@@ -1818,7 +1818,7 @@
           <a:p>
             <a:fld id="{8784D0BC-BF7D-4947-B22E-77C205CE6F9F}" type="datetimeFigureOut">
               <a:rPr lang="en-US" smtClean="0"/>
-              <a:t>3/25/2022</a:t>
+              <a:t>11/16/2022</a:t>
             </a:fld>
             <a:endParaRPr lang="en-US"/>
           </a:p>
@@ -1959,7 +1959,7 @@
           <a:p>
             <a:fld id="{8784D0BC-BF7D-4947-B22E-77C205CE6F9F}" type="datetimeFigureOut">
               <a:rPr lang="en-US" smtClean="0"/>
-              <a:t>3/25/2022</a:t>
+              <a:t>11/16/2022</a:t>
             </a:fld>
             <a:endParaRPr lang="en-US"/>
           </a:p>
@@ -2072,7 +2072,7 @@
           <a:p>
             <a:fld id="{8784D0BC-BF7D-4947-B22E-77C205CE6F9F}" type="datetimeFigureOut">
               <a:rPr lang="en-US" smtClean="0"/>
-              <a:t>3/25/2022</a:t>
+              <a:t>11/16/2022</a:t>
             </a:fld>
             <a:endParaRPr lang="en-US"/>
           </a:p>
@@ -2383,7 +2383,7 @@
           <a:p>
             <a:fld id="{8784D0BC-BF7D-4947-B22E-77C205CE6F9F}" type="datetimeFigureOut">
               <a:rPr lang="en-US" smtClean="0"/>
-              <a:t>3/25/2022</a:t>
+              <a:t>11/16/2022</a:t>
             </a:fld>
             <a:endParaRPr lang="en-US"/>
           </a:p>
@@ -2671,7 +2671,7 @@
           <a:p>
             <a:fld id="{8784D0BC-BF7D-4947-B22E-77C205CE6F9F}" type="datetimeFigureOut">
               <a:rPr lang="en-US" smtClean="0"/>
-              <a:t>3/25/2022</a:t>
+              <a:t>11/16/2022</a:t>
             </a:fld>
             <a:endParaRPr lang="en-US"/>
           </a:p>
@@ -2912,7 +2912,7 @@
           <a:p>
             <a:fld id="{8784D0BC-BF7D-4947-B22E-77C205CE6F9F}" type="datetimeFigureOut">
               <a:rPr lang="en-US" smtClean="0"/>
-              <a:t>3/25/2022</a:t>
+              <a:t>11/16/2022</a:t>
             </a:fld>
             <a:endParaRPr lang="en-US"/>
           </a:p>
@@ -18636,8 +18636,8 @@
             </a:p>
           </p:txBody>
         </p:sp>
-        <mc:AlternateContent xmlns:mc="http://schemas.openxmlformats.org/markup-compatibility/2006">
-          <mc:Choice xmlns:a14="http://schemas.microsoft.com/office/drawing/2010/main" Requires="a14">
+        <mc:AlternateContent xmlns:mc="http://schemas.openxmlformats.org/markup-compatibility/2006" xmlns:a14="http://schemas.microsoft.com/office/drawing/2010/main">
+          <mc:Choice Requires="a14">
             <p:sp>
               <p:nvSpPr>
                 <p:cNvPr id="17" name="TextBox 16">
@@ -18734,7 +18734,7 @@
               </p:txBody>
             </p:sp>
           </mc:Choice>
-          <mc:Fallback>
+          <mc:Fallback xmlns="">
             <p:sp>
               <p:nvSpPr>
                 <p:cNvPr id="17" name="TextBox 16">
@@ -18917,18 +18917,6 @@
                       </m:d>
                     </m:oMath>
                   </a14:m>
-                  <a:r>
-                    <a:rPr lang="en-US" sz="1100" b="1" i="1" dirty="0">
-                      <a:solidFill>
-                        <a:schemeClr val="tx1"/>
-                      </a:solidFill>
-                    </a:rPr>
-                    <a:t> </a:t>
-                  </a:r>
-                  <a:r>
-                    <a:rPr lang="en-US" sz="1200" dirty="0"/>
-                    <a:t>in (6)</a:t>
-                  </a:r>
                   <a:endParaRPr lang="en-US" sz="1200" b="1" i="1" dirty="0">
                     <a:solidFill>
                       <a:schemeClr val="tx1"/>
@@ -19138,26 +19126,6 @@
                       </m:r>
                     </m:oMath>
                   </a14:m>
-                  <a:r>
-                    <a:rPr lang="en-US" sz="1200" dirty="0">
-                      <a:solidFill>
-                        <a:schemeClr val="tx1"/>
-                      </a:solidFill>
-                    </a:rPr>
-                    <a:t>in (</a:t>
-                  </a:r>
-                  <a:r>
-                    <a:rPr lang="en-US" sz="1200" dirty="0"/>
-                    <a:t>8</a:t>
-                  </a:r>
-                  <a:r>
-                    <a:rPr lang="en-US" sz="1200" dirty="0">
-                      <a:solidFill>
-                        <a:schemeClr val="tx1"/>
-                      </a:solidFill>
-                    </a:rPr>
-                    <a:t>)</a:t>
-                  </a:r>
                   <a:endParaRPr lang="en-US" sz="1200" b="1" i="1" dirty="0">
                     <a:solidFill>
                       <a:schemeClr val="tx1"/>
@@ -19909,14 +19877,6 @@
                         </m:r>
                       </m:oMath>
                     </a14:m>
-                    <a:r>
-                      <a:rPr lang="en-US" sz="1200" dirty="0">
-                        <a:solidFill>
-                          <a:schemeClr val="tx1"/>
-                        </a:solidFill>
-                      </a:rPr>
-                      <a:t>in (11)</a:t>
-                    </a:r>
                     <a:endParaRPr lang="en-US" sz="1200" b="1" i="1" dirty="0">
                       <a:solidFill>
                         <a:schemeClr val="tx1"/>
